--- a/Audit 1/WS2020_SerttasPlackenhohn_Audit1.pptx
+++ b/Audit 1/WS2020_SerttasPlackenhohn_Audit1.pptx
@@ -5,10 +5,10 @@
     <p:sldMasterId id="2147483746" r:id="rId1"/>
   </p:sldMasterIdLst>
   <p:notesMasterIdLst>
-    <p:notesMasterId r:id="rId18"/>
+    <p:notesMasterId r:id="rId19"/>
   </p:notesMasterIdLst>
   <p:handoutMasterIdLst>
-    <p:handoutMasterId r:id="rId19"/>
+    <p:handoutMasterId r:id="rId20"/>
   </p:handoutMasterIdLst>
   <p:sldIdLst>
     <p:sldId id="257" r:id="rId2"/>
@@ -26,7 +26,8 @@
     <p:sldId id="267" r:id="rId14"/>
     <p:sldId id="268" r:id="rId15"/>
     <p:sldId id="269" r:id="rId16"/>
-    <p:sldId id="271" r:id="rId17"/>
+    <p:sldId id="276" r:id="rId17"/>
+    <p:sldId id="271" r:id="rId18"/>
   </p:sldIdLst>
   <p:sldSz cx="12192000" cy="6858000"/>
   <p:notesSz cx="6858000" cy="9144000"/>
@@ -220,7 +221,7 @@
             <a:pPr rtl="0"/>
             <a:fld id="{7260543F-C6AC-4A94-9181-2A0B47128E40}" type="datetime1">
               <a:rPr lang="de-DE" smtClean="0"/>
-              <a:t>24.11.2020</a:t>
+              <a:t>25.11.2020</a:t>
             </a:fld>
             <a:endParaRPr lang="en-US" dirty="0"/>
           </a:p>
@@ -661,6 +662,350 @@
     </a:lvl9pPr>
   </p:notesStyle>
 </p:notesMaster>
+</file>
+
+<file path=ppt/notesSlides/notesSlide1.xml><?xml version="1.0" encoding="utf-8"?>
+<p:notes xmlns:a="http://schemas.openxmlformats.org/drawingml/2006/main" xmlns:r="http://schemas.openxmlformats.org/officeDocument/2006/relationships" xmlns:p="http://schemas.openxmlformats.org/presentationml/2006/main">
+  <p:cSld>
+    <p:spTree>
+      <p:nvGrpSpPr>
+        <p:cNvPr id="1" name=""/>
+        <p:cNvGrpSpPr/>
+        <p:nvPr/>
+      </p:nvGrpSpPr>
+      <p:grpSpPr>
+        <a:xfrm>
+          <a:off x="0" y="0"/>
+          <a:ext cx="0" cy="0"/>
+          <a:chOff x="0" y="0"/>
+          <a:chExt cx="0" cy="0"/>
+        </a:xfrm>
+      </p:grpSpPr>
+      <p:sp>
+        <p:nvSpPr>
+          <p:cNvPr id="2" name="Folienbildplatzhalter 1"/>
+          <p:cNvSpPr>
+            <a:spLocks noGrp="1" noRot="1" noChangeAspect="1"/>
+          </p:cNvSpPr>
+          <p:nvPr>
+            <p:ph type="sldImg"/>
+          </p:nvPr>
+        </p:nvSpPr>
+        <p:spPr/>
+      </p:sp>
+      <p:sp>
+        <p:nvSpPr>
+          <p:cNvPr id="3" name="Notizenplatzhalter 2"/>
+          <p:cNvSpPr>
+            <a:spLocks noGrp="1"/>
+          </p:cNvSpPr>
+          <p:nvPr>
+            <p:ph type="body" idx="1"/>
+          </p:nvPr>
+        </p:nvSpPr>
+        <p:spPr/>
+        <p:txBody>
+          <a:bodyPr/>
+          <a:lstStyle/>
+          <a:p>
+            <a:endParaRPr lang="de-DE" dirty="0"/>
+          </a:p>
+        </p:txBody>
+      </p:sp>
+      <p:sp>
+        <p:nvSpPr>
+          <p:cNvPr id="4" name="Datumsplatzhalter 3"/>
+          <p:cNvSpPr>
+            <a:spLocks noGrp="1"/>
+          </p:cNvSpPr>
+          <p:nvPr>
+            <p:ph type="dt" idx="1"/>
+          </p:nvPr>
+        </p:nvSpPr>
+        <p:spPr/>
+        <p:txBody>
+          <a:bodyPr/>
+          <a:lstStyle/>
+          <a:p>
+            <a:pPr rtl="0"/>
+            <a:fld id="{BB4411EF-09CB-4E62-A9ED-59F7AB2BB401}" type="datetime1">
+              <a:rPr lang="de-DE" smtClean="0"/>
+              <a:t>24.11.2020</a:t>
+            </a:fld>
+            <a:endParaRPr lang="en-US"/>
+          </a:p>
+        </p:txBody>
+      </p:sp>
+      <p:sp>
+        <p:nvSpPr>
+          <p:cNvPr id="5" name="Foliennummernplatzhalter 4"/>
+          <p:cNvSpPr>
+            <a:spLocks noGrp="1"/>
+          </p:cNvSpPr>
+          <p:nvPr>
+            <p:ph type="sldNum" sz="quarter" idx="5"/>
+          </p:nvPr>
+        </p:nvSpPr>
+        <p:spPr/>
+        <p:txBody>
+          <a:bodyPr/>
+          <a:lstStyle/>
+          <a:p>
+            <a:pPr rtl="0"/>
+            <a:fld id="{9C2B151B-D7D1-48E5-8230-5AADBC794F88}" type="slidenum">
+              <a:rPr lang="en-US" smtClean="0"/>
+              <a:t>4</a:t>
+            </a:fld>
+            <a:endParaRPr lang="en-US"/>
+          </a:p>
+        </p:txBody>
+      </p:sp>
+    </p:spTree>
+    <p:extLst>
+      <p:ext uri="{BB962C8B-B14F-4D97-AF65-F5344CB8AC3E}">
+        <p14:creationId xmlns:p14="http://schemas.microsoft.com/office/powerpoint/2010/main" val="2914371"/>
+      </p:ext>
+    </p:extLst>
+  </p:cSld>
+  <p:clrMapOvr>
+    <a:masterClrMapping/>
+  </p:clrMapOvr>
+</p:notes>
+</file>
+
+<file path=ppt/notesSlides/notesSlide2.xml><?xml version="1.0" encoding="utf-8"?>
+<p:notes xmlns:a="http://schemas.openxmlformats.org/drawingml/2006/main" xmlns:r="http://schemas.openxmlformats.org/officeDocument/2006/relationships" xmlns:p="http://schemas.openxmlformats.org/presentationml/2006/main">
+  <p:cSld>
+    <p:spTree>
+      <p:nvGrpSpPr>
+        <p:cNvPr id="1" name=""/>
+        <p:cNvGrpSpPr/>
+        <p:nvPr/>
+      </p:nvGrpSpPr>
+      <p:grpSpPr>
+        <a:xfrm>
+          <a:off x="0" y="0"/>
+          <a:ext cx="0" cy="0"/>
+          <a:chOff x="0" y="0"/>
+          <a:chExt cx="0" cy="0"/>
+        </a:xfrm>
+      </p:grpSpPr>
+      <p:sp>
+        <p:nvSpPr>
+          <p:cNvPr id="2" name="Folienbildplatzhalter 1"/>
+          <p:cNvSpPr>
+            <a:spLocks noGrp="1" noRot="1" noChangeAspect="1"/>
+          </p:cNvSpPr>
+          <p:nvPr>
+            <p:ph type="sldImg"/>
+          </p:nvPr>
+        </p:nvSpPr>
+        <p:spPr/>
+      </p:sp>
+      <p:sp>
+        <p:nvSpPr>
+          <p:cNvPr id="3" name="Notizenplatzhalter 2"/>
+          <p:cNvSpPr>
+            <a:spLocks noGrp="1"/>
+          </p:cNvSpPr>
+          <p:nvPr>
+            <p:ph type="body" idx="1"/>
+          </p:nvPr>
+        </p:nvSpPr>
+        <p:spPr/>
+        <p:txBody>
+          <a:bodyPr/>
+          <a:lstStyle/>
+          <a:p>
+            <a:r>
+              <a:rPr lang="de-DE" dirty="0"/>
+              <a:t>Das Domänenmodell stellt den Problemraum dar und die alternative Optionen dazu.</a:t>
+            </a:r>
+          </a:p>
+        </p:txBody>
+      </p:sp>
+      <p:sp>
+        <p:nvSpPr>
+          <p:cNvPr id="4" name="Datumsplatzhalter 3"/>
+          <p:cNvSpPr>
+            <a:spLocks noGrp="1"/>
+          </p:cNvSpPr>
+          <p:nvPr>
+            <p:ph type="dt" idx="1"/>
+          </p:nvPr>
+        </p:nvSpPr>
+        <p:spPr/>
+        <p:txBody>
+          <a:bodyPr/>
+          <a:lstStyle/>
+          <a:p>
+            <a:pPr rtl="0"/>
+            <a:fld id="{BB4411EF-09CB-4E62-A9ED-59F7AB2BB401}" type="datetime1">
+              <a:rPr lang="de-DE" smtClean="0"/>
+              <a:t>24.11.2020</a:t>
+            </a:fld>
+            <a:endParaRPr lang="en-US"/>
+          </a:p>
+        </p:txBody>
+      </p:sp>
+      <p:sp>
+        <p:nvSpPr>
+          <p:cNvPr id="5" name="Foliennummernplatzhalter 4"/>
+          <p:cNvSpPr>
+            <a:spLocks noGrp="1"/>
+          </p:cNvSpPr>
+          <p:nvPr>
+            <p:ph type="sldNum" sz="quarter" idx="5"/>
+          </p:nvPr>
+        </p:nvSpPr>
+        <p:spPr/>
+        <p:txBody>
+          <a:bodyPr/>
+          <a:lstStyle/>
+          <a:p>
+            <a:pPr rtl="0"/>
+            <a:fld id="{9C2B151B-D7D1-48E5-8230-5AADBC794F88}" type="slidenum">
+              <a:rPr lang="en-US" smtClean="0"/>
+              <a:t>8</a:t>
+            </a:fld>
+            <a:endParaRPr lang="en-US"/>
+          </a:p>
+        </p:txBody>
+      </p:sp>
+    </p:spTree>
+    <p:extLst>
+      <p:ext uri="{BB962C8B-B14F-4D97-AF65-F5344CB8AC3E}">
+        <p14:creationId xmlns:p14="http://schemas.microsoft.com/office/powerpoint/2010/main" val="3309831270"/>
+      </p:ext>
+    </p:extLst>
+  </p:cSld>
+  <p:clrMapOvr>
+    <a:masterClrMapping/>
+  </p:clrMapOvr>
+</p:notes>
+</file>
+
+<file path=ppt/notesSlides/notesSlide3.xml><?xml version="1.0" encoding="utf-8"?>
+<p:notes xmlns:a="http://schemas.openxmlformats.org/drawingml/2006/main" xmlns:r="http://schemas.openxmlformats.org/officeDocument/2006/relationships" xmlns:p="http://schemas.openxmlformats.org/presentationml/2006/main">
+  <p:cSld>
+    <p:spTree>
+      <p:nvGrpSpPr>
+        <p:cNvPr id="1" name=""/>
+        <p:cNvGrpSpPr/>
+        <p:nvPr/>
+      </p:nvGrpSpPr>
+      <p:grpSpPr>
+        <a:xfrm>
+          <a:off x="0" y="0"/>
+          <a:ext cx="0" cy="0"/>
+          <a:chOff x="0" y="0"/>
+          <a:chExt cx="0" cy="0"/>
+        </a:xfrm>
+      </p:grpSpPr>
+      <p:sp>
+        <p:nvSpPr>
+          <p:cNvPr id="2" name="Folienbildplatzhalter 1"/>
+          <p:cNvSpPr>
+            <a:spLocks noGrp="1" noRot="1" noChangeAspect="1"/>
+          </p:cNvSpPr>
+          <p:nvPr>
+            <p:ph type="sldImg"/>
+          </p:nvPr>
+        </p:nvSpPr>
+        <p:spPr/>
+      </p:sp>
+      <p:sp>
+        <p:nvSpPr>
+          <p:cNvPr id="3" name="Notizenplatzhalter 2"/>
+          <p:cNvSpPr>
+            <a:spLocks noGrp="1"/>
+          </p:cNvSpPr>
+          <p:nvPr>
+            <p:ph type="body" idx="1"/>
+          </p:nvPr>
+        </p:nvSpPr>
+        <p:spPr/>
+        <p:txBody>
+          <a:bodyPr/>
+          <a:lstStyle/>
+          <a:p>
+            <a:r>
+              <a:rPr lang="de-DE" dirty="0"/>
+              <a:t>Das Use-Case </a:t>
+            </a:r>
+            <a:r>
+              <a:rPr lang="de-DE" b="0" i="0" dirty="0">
+                <a:solidFill>
+                  <a:srgbClr val="202124"/>
+                </a:solidFill>
+                <a:effectLst/>
+                <a:latin typeface="arial" panose="020B0604020202020204" pitchFamily="34" charset="0"/>
+              </a:rPr>
+              <a:t>beschreibt das Szenario, die bei der Interaktion der Akteuren mit dem System eintreten können.</a:t>
+            </a:r>
+            <a:endParaRPr lang="de-DE" dirty="0"/>
+          </a:p>
+        </p:txBody>
+      </p:sp>
+      <p:sp>
+        <p:nvSpPr>
+          <p:cNvPr id="4" name="Datumsplatzhalter 3"/>
+          <p:cNvSpPr>
+            <a:spLocks noGrp="1"/>
+          </p:cNvSpPr>
+          <p:nvPr>
+            <p:ph type="dt" idx="1"/>
+          </p:nvPr>
+        </p:nvSpPr>
+        <p:spPr/>
+        <p:txBody>
+          <a:bodyPr/>
+          <a:lstStyle/>
+          <a:p>
+            <a:pPr rtl="0"/>
+            <a:fld id="{BB4411EF-09CB-4E62-A9ED-59F7AB2BB401}" type="datetime1">
+              <a:rPr lang="de-DE" smtClean="0"/>
+              <a:t>24.11.2020</a:t>
+            </a:fld>
+            <a:endParaRPr lang="en-US"/>
+          </a:p>
+        </p:txBody>
+      </p:sp>
+      <p:sp>
+        <p:nvSpPr>
+          <p:cNvPr id="5" name="Foliennummernplatzhalter 4"/>
+          <p:cNvSpPr>
+            <a:spLocks noGrp="1"/>
+          </p:cNvSpPr>
+          <p:nvPr>
+            <p:ph type="sldNum" sz="quarter" idx="5"/>
+          </p:nvPr>
+        </p:nvSpPr>
+        <p:spPr/>
+        <p:txBody>
+          <a:bodyPr/>
+          <a:lstStyle/>
+          <a:p>
+            <a:pPr rtl="0"/>
+            <a:fld id="{9C2B151B-D7D1-48E5-8230-5AADBC794F88}" type="slidenum">
+              <a:rPr lang="en-US" smtClean="0"/>
+              <a:t>10</a:t>
+            </a:fld>
+            <a:endParaRPr lang="en-US"/>
+          </a:p>
+        </p:txBody>
+      </p:sp>
+    </p:spTree>
+    <p:extLst>
+      <p:ext uri="{BB962C8B-B14F-4D97-AF65-F5344CB8AC3E}">
+        <p14:creationId xmlns:p14="http://schemas.microsoft.com/office/powerpoint/2010/main" val="1618018227"/>
+      </p:ext>
+    </p:extLst>
+  </p:cSld>
+  <p:clrMapOvr>
+    <a:masterClrMapping/>
+  </p:clrMapOvr>
+</p:notes>
 </file>
 
 <file path=ppt/slideLayouts/slideLayout1.xml><?xml version="1.0" encoding="utf-8"?>
@@ -4727,7 +5072,7 @@
           <p:nvPr/>
         </p:nvPicPr>
         <p:blipFill>
-          <a:blip r:embed="rId2">
+          <a:blip r:embed="rId3">
             <a:extLst>
               <a:ext uri="{28A0092B-C50C-407E-A947-70E740481C1C}">
                 <a14:useLocalDpi xmlns:a14="http://schemas.microsoft.com/office/drawing/2010/main" val="0"/>
@@ -6911,7 +7256,7 @@
           <a:p>
             <a:r>
               <a:rPr lang="de-DE" dirty="0"/>
-              <a:t>Risiken</a:t>
+              <a:t>Risiken für den Projektverlauf</a:t>
             </a:r>
           </a:p>
         </p:txBody>
@@ -6960,8 +7305,8 @@
         </p:nvSpPr>
         <p:spPr>
           <a:xfrm>
-            <a:off x="1219200" y="2220686"/>
-            <a:ext cx="9936480" cy="369332"/>
+            <a:off x="1167765" y="1976189"/>
+            <a:ext cx="9719310" cy="4293483"/>
           </a:xfrm>
           <a:prstGeom prst="rect">
             <a:avLst/>
@@ -6974,14 +7319,231 @@
           </a:bodyPr>
           <a:lstStyle/>
           <a:p>
-            <a:pPr marL="285750" indent="-285750">
+            <a:pPr algn="l">
               <a:buFont typeface="Arial" panose="020B0604020202020204" pitchFamily="34" charset="0"/>
               <a:buChar char="•"/>
             </a:pPr>
             <a:r>
-              <a:rPr lang="de-DE" dirty="0"/>
-              <a:t>Wenn wir uns auf eine App fokussieren, aber diesen nicht Entwickeln können</a:t>
-            </a:r>
+              <a:rPr lang="de-DE" sz="1700" b="0" i="0" dirty="0">
+                <a:solidFill>
+                  <a:srgbClr val="24292E"/>
+                </a:solidFill>
+                <a:effectLst/>
+                <a:latin typeface="-apple-system"/>
+              </a:rPr>
+              <a:t> Daten werden nicht übermittelt -&gt; überprüfen, ob die Bandbreite für die Übermittlung in der dafür vorgesehenen Zeit ausreicht</a:t>
+            </a:r>
+          </a:p>
+          <a:p>
+            <a:pPr algn="l">
+              <a:buFont typeface="Arial" panose="020B0604020202020204" pitchFamily="34" charset="0"/>
+              <a:buChar char="•"/>
+            </a:pPr>
+            <a:r>
+              <a:rPr lang="de-DE" sz="1700" b="0" i="0" dirty="0">
+                <a:solidFill>
+                  <a:srgbClr val="24292E"/>
+                </a:solidFill>
+                <a:effectLst/>
+                <a:latin typeface="-apple-system"/>
+              </a:rPr>
+              <a:t> Der Benutzer kann keinen Account erstellen</a:t>
+            </a:r>
+          </a:p>
+          <a:p>
+            <a:pPr algn="l">
+              <a:buFont typeface="Arial" panose="020B0604020202020204" pitchFamily="34" charset="0"/>
+              <a:buChar char="•"/>
+            </a:pPr>
+            <a:r>
+              <a:rPr lang="de-DE" sz="1700" b="0" i="0" dirty="0">
+                <a:solidFill>
+                  <a:srgbClr val="24292E"/>
+                </a:solidFill>
+                <a:effectLst/>
+                <a:latin typeface="-apple-system"/>
+              </a:rPr>
+              <a:t> Der Benutzer kann seinen Account nicht bearbeiten/ löschen</a:t>
+            </a:r>
+          </a:p>
+          <a:p>
+            <a:pPr algn="l">
+              <a:buFont typeface="Arial" panose="020B0604020202020204" pitchFamily="34" charset="0"/>
+              <a:buChar char="•"/>
+            </a:pPr>
+            <a:r>
+              <a:rPr lang="de-DE" sz="1700" b="0" i="0" dirty="0">
+                <a:solidFill>
+                  <a:srgbClr val="24292E"/>
+                </a:solidFill>
+                <a:effectLst/>
+                <a:latin typeface="-apple-system"/>
+              </a:rPr>
+              <a:t> Der Benutzer kann sich nicht anmelden/ abmelden</a:t>
+            </a:r>
+          </a:p>
+          <a:p>
+            <a:pPr algn="l">
+              <a:buFont typeface="Arial" panose="020B0604020202020204" pitchFamily="34" charset="0"/>
+              <a:buChar char="•"/>
+            </a:pPr>
+            <a:r>
+              <a:rPr lang="de-DE" sz="1700" b="0" i="0" dirty="0">
+                <a:solidFill>
+                  <a:srgbClr val="24292E"/>
+                </a:solidFill>
+                <a:effectLst/>
+                <a:latin typeface="-apple-system"/>
+              </a:rPr>
+              <a:t> Der Benutzer erhält keine Erinnerungen</a:t>
+            </a:r>
+          </a:p>
+          <a:p>
+            <a:pPr algn="l">
+              <a:buFont typeface="Arial" panose="020B0604020202020204" pitchFamily="34" charset="0"/>
+              <a:buChar char="•"/>
+            </a:pPr>
+            <a:r>
+              <a:rPr lang="de-DE" sz="1700" b="0" i="0" dirty="0">
+                <a:solidFill>
+                  <a:srgbClr val="24292E"/>
+                </a:solidFill>
+                <a:effectLst/>
+                <a:latin typeface="-apple-system"/>
+              </a:rPr>
+              <a:t> Der Benutzer kann Erinnerungen nicht annehmen/ ablehnen</a:t>
+            </a:r>
+          </a:p>
+          <a:p>
+            <a:pPr algn="l">
+              <a:buFont typeface="Arial" panose="020B0604020202020204" pitchFamily="34" charset="0"/>
+              <a:buChar char="•"/>
+            </a:pPr>
+            <a:r>
+              <a:rPr lang="de-DE" sz="1700" b="0" i="0" dirty="0">
+                <a:solidFill>
+                  <a:srgbClr val="24292E"/>
+                </a:solidFill>
+                <a:effectLst/>
+                <a:latin typeface="-apple-system"/>
+              </a:rPr>
+              <a:t> Der Benutzer kann Pop-up Benachrichtigungen aktivieren/ deaktivieren</a:t>
+            </a:r>
+          </a:p>
+          <a:p>
+            <a:pPr algn="l">
+              <a:buFont typeface="Arial" panose="020B0604020202020204" pitchFamily="34" charset="0"/>
+              <a:buChar char="•"/>
+            </a:pPr>
+            <a:r>
+              <a:rPr lang="de-DE" sz="1700" b="0" i="0" dirty="0">
+                <a:solidFill>
+                  <a:srgbClr val="24292E"/>
+                </a:solidFill>
+                <a:effectLst/>
+                <a:latin typeface="-apple-system"/>
+              </a:rPr>
+              <a:t> Der Benutzer erhält täglich morgens und abends keine Befragung</a:t>
+            </a:r>
+          </a:p>
+          <a:p>
+            <a:pPr algn="l">
+              <a:buFont typeface="Arial" panose="020B0604020202020204" pitchFamily="34" charset="0"/>
+              <a:buChar char="•"/>
+            </a:pPr>
+            <a:r>
+              <a:rPr lang="de-DE" sz="1700" b="0" i="0" dirty="0">
+                <a:solidFill>
+                  <a:srgbClr val="24292E"/>
+                </a:solidFill>
+                <a:effectLst/>
+                <a:latin typeface="-apple-system"/>
+              </a:rPr>
+              <a:t> Der Benutzer erhält am Ende des Monats keine Umfrage</a:t>
+            </a:r>
+          </a:p>
+          <a:p>
+            <a:pPr algn="l">
+              <a:buFont typeface="Arial" panose="020B0604020202020204" pitchFamily="34" charset="0"/>
+              <a:buChar char="•"/>
+            </a:pPr>
+            <a:r>
+              <a:rPr lang="de-DE" sz="1700" b="0" i="0" dirty="0">
+                <a:solidFill>
+                  <a:srgbClr val="24292E"/>
+                </a:solidFill>
+                <a:effectLst/>
+                <a:latin typeface="-apple-system"/>
+              </a:rPr>
+              <a:t> Der Benutzer kann nicht auf sein Profil zugreifen</a:t>
+            </a:r>
+          </a:p>
+          <a:p>
+            <a:pPr algn="l">
+              <a:buFont typeface="Arial" panose="020B0604020202020204" pitchFamily="34" charset="0"/>
+              <a:buChar char="•"/>
+            </a:pPr>
+            <a:r>
+              <a:rPr lang="de-DE" sz="1700" b="0" i="0" dirty="0">
+                <a:solidFill>
+                  <a:srgbClr val="24292E"/>
+                </a:solidFill>
+                <a:effectLst/>
+                <a:latin typeface="-apple-system"/>
+              </a:rPr>
+              <a:t> Der Benutzer kann nicht in seinen Verlauf schauen</a:t>
+            </a:r>
+          </a:p>
+          <a:p>
+            <a:pPr algn="l">
+              <a:buFont typeface="Arial" panose="020B0604020202020204" pitchFamily="34" charset="0"/>
+              <a:buChar char="•"/>
+            </a:pPr>
+            <a:r>
+              <a:rPr lang="de-DE" sz="1700" b="0" i="0" dirty="0">
+                <a:solidFill>
+                  <a:srgbClr val="24292E"/>
+                </a:solidFill>
+                <a:effectLst/>
+                <a:latin typeface="-apple-system"/>
+              </a:rPr>
+              <a:t> Der Benutzer kann keine Musik/ Hörbücher/ Übungen etc. zu seinen Favoriten hinzufügen</a:t>
+            </a:r>
+          </a:p>
+          <a:p>
+            <a:pPr algn="l">
+              <a:buFont typeface="Arial" panose="020B0604020202020204" pitchFamily="34" charset="0"/>
+              <a:buChar char="•"/>
+            </a:pPr>
+            <a:r>
+              <a:rPr lang="de-DE" sz="1700" b="0" i="0" dirty="0">
+                <a:solidFill>
+                  <a:srgbClr val="24292E"/>
+                </a:solidFill>
+                <a:effectLst/>
+                <a:latin typeface="-apple-system"/>
+              </a:rPr>
+              <a:t> Der Benutzer kann sich verschiedene Musik/ Hörbücher/ Übungen etc. nicht anschauen oder anhören</a:t>
+            </a:r>
+          </a:p>
+          <a:p>
+            <a:pPr algn="l">
+              <a:buFont typeface="Arial" panose="020B0604020202020204" pitchFamily="34" charset="0"/>
+              <a:buChar char="•"/>
+            </a:pPr>
+            <a:r>
+              <a:rPr lang="de-DE" sz="1700" b="0" i="0" dirty="0">
+                <a:solidFill>
+                  <a:srgbClr val="24292E"/>
+                </a:solidFill>
+                <a:effectLst/>
+                <a:latin typeface="-apple-system"/>
+              </a:rPr>
+              <a:t> Der Benutzer kann nicht auf die Kontakte zugreifen (geschultes Personal (Chat/ Hotline/ E-Mail))</a:t>
+            </a:r>
+          </a:p>
+          <a:p>
+            <a:endParaRPr lang="de-DE" dirty="0"/>
           </a:p>
         </p:txBody>
       </p:sp>
@@ -7062,22 +7624,13 @@
               <a:t>of</a:t>
             </a:r>
             <a:r>
-              <a:rPr lang="de-DE" sz="4000" b="0" i="0">
+              <a:rPr lang="de-DE" sz="4000" b="0" i="0" dirty="0">
                 <a:solidFill>
                   <a:schemeClr val="tx1"/>
                 </a:solidFill>
                 <a:effectLst/>
               </a:rPr>
-              <a:t>-Concept </a:t>
-            </a:r>
-            <a:r>
-              <a:rPr lang="de-DE" sz="4000" b="0" i="0" dirty="0">
-                <a:solidFill>
-                  <a:schemeClr val="tx1"/>
-                </a:solidFill>
-                <a:effectLst/>
-              </a:rPr>
-              <a:t>(</a:t>
+              <a:t>-Concept (</a:t>
             </a:r>
             <a:r>
               <a:rPr lang="de-DE" sz="4000" b="0" i="0" dirty="0" err="1">
@@ -7303,7 +7856,7 @@
               <a:rPr lang="de-DE" dirty="0">
                 <a:latin typeface="-apple-system"/>
               </a:rPr>
-              <a:t>POC 12: Auf Kontakte zugreifen</a:t>
+              <a:t>POC12: Auf Kontakte zugreifen</a:t>
             </a:r>
           </a:p>
           <a:p>
@@ -7352,10 +7905,10 @@
       </p:grpSpPr>
       <p:sp>
         <p:nvSpPr>
-          <p:cNvPr id="2" name="Bildplatzhalter 1">
+          <p:cNvPr id="3" name="Datumsplatzhalter 2">
             <a:extLst>
               <a:ext uri="{FF2B5EF4-FFF2-40B4-BE49-F238E27FC236}">
-                <a16:creationId xmlns:a16="http://schemas.microsoft.com/office/drawing/2014/main" id="{6B0B279C-A9B5-49F1-9A21-012C4430E55D}"/>
+                <a16:creationId xmlns:a16="http://schemas.microsoft.com/office/drawing/2014/main" id="{66F16879-7631-49E0-9CB2-493D97F53A2C}"/>
               </a:ext>
             </a:extLst>
           </p:cNvPr>
@@ -7363,17 +7916,497 @@
             <a:spLocks noGrp="1"/>
           </p:cNvSpPr>
           <p:nvPr>
-            <p:ph type="pic" idx="1"/>
+            <p:ph type="dt" sz="half" idx="10"/>
           </p:nvPr>
         </p:nvSpPr>
         <p:spPr/>
-      </p:sp>
-      <p:sp>
-        <p:nvSpPr>
-          <p:cNvPr id="3" name="Titel 2">
+        <p:txBody>
+          <a:bodyPr/>
+          <a:lstStyle/>
+          <a:p>
+            <a:pPr rtl="0"/>
+            <a:fld id="{F9110680-7D80-41F3-804A-113A4CB11D73}" type="datetime1">
+              <a:rPr lang="de-DE" smtClean="0"/>
+              <a:t>24.11.2020</a:t>
+            </a:fld>
+            <a:endParaRPr lang="en-US" dirty="0"/>
+          </a:p>
+        </p:txBody>
+      </p:sp>
+      <p:pic>
+        <p:nvPicPr>
+          <p:cNvPr id="4" name="Grafik 3" descr="Ein Bild, das Text enthält.&#10;&#10;Automatisch generierte Beschreibung">
             <a:extLst>
               <a:ext uri="{FF2B5EF4-FFF2-40B4-BE49-F238E27FC236}">
-                <a16:creationId xmlns:a16="http://schemas.microsoft.com/office/drawing/2014/main" id="{DB2DDE27-5081-46AD-8B84-38FA64A48C00}"/>
+                <a16:creationId xmlns:a16="http://schemas.microsoft.com/office/drawing/2014/main" id="{372E3EAB-E93C-4356-B260-8E936EB8982D}"/>
+              </a:ext>
+            </a:extLst>
+          </p:cNvPr>
+          <p:cNvPicPr>
+            <a:picLocks noChangeAspect="1"/>
+          </p:cNvPicPr>
+          <p:nvPr/>
+        </p:nvPicPr>
+        <p:blipFill>
+          <a:blip r:embed="rId2">
+            <a:extLst>
+              <a:ext uri="{28A0092B-C50C-407E-A947-70E740481C1C}">
+                <a14:useLocalDpi xmlns:a14="http://schemas.microsoft.com/office/drawing/2010/main" val="0"/>
+              </a:ext>
+            </a:extLst>
+          </a:blip>
+          <a:stretch>
+            <a:fillRect/>
+          </a:stretch>
+        </p:blipFill>
+        <p:spPr>
+          <a:xfrm>
+            <a:off x="3048000" y="3030623"/>
+            <a:ext cx="6020459" cy="1619194"/>
+          </a:xfrm>
+          <a:prstGeom prst="rect">
+            <a:avLst/>
+          </a:prstGeom>
+        </p:spPr>
+      </p:pic>
+      <p:pic>
+        <p:nvPicPr>
+          <p:cNvPr id="5" name="Grafik 4" descr="Ein Bild, das Text enthält.&#10;&#10;Automatisch generierte Beschreibung">
+            <a:extLst>
+              <a:ext uri="{FF2B5EF4-FFF2-40B4-BE49-F238E27FC236}">
+                <a16:creationId xmlns:a16="http://schemas.microsoft.com/office/drawing/2014/main" id="{BFDAEE04-B1A6-4434-8CBD-D31F912CB4D5}"/>
+              </a:ext>
+            </a:extLst>
+          </p:cNvPr>
+          <p:cNvPicPr>
+            <a:picLocks noChangeAspect="1"/>
+          </p:cNvPicPr>
+          <p:nvPr/>
+        </p:nvPicPr>
+        <p:blipFill>
+          <a:blip r:embed="rId3">
+            <a:extLst>
+              <a:ext uri="{28A0092B-C50C-407E-A947-70E740481C1C}">
+                <a14:useLocalDpi xmlns:a14="http://schemas.microsoft.com/office/drawing/2010/main" val="0"/>
+              </a:ext>
+            </a:extLst>
+          </a:blip>
+          <a:stretch>
+            <a:fillRect/>
+          </a:stretch>
+        </p:blipFill>
+        <p:spPr>
+          <a:xfrm>
+            <a:off x="3048000" y="3029923"/>
+            <a:ext cx="6096000" cy="1975598"/>
+          </a:xfrm>
+          <a:prstGeom prst="rect">
+            <a:avLst/>
+          </a:prstGeom>
+        </p:spPr>
+      </p:pic>
+      <p:pic>
+        <p:nvPicPr>
+          <p:cNvPr id="6" name="Grafik 5" descr="Ein Bild, das Text enthält.&#10;&#10;Automatisch generierte Beschreibung">
+            <a:extLst>
+              <a:ext uri="{FF2B5EF4-FFF2-40B4-BE49-F238E27FC236}">
+                <a16:creationId xmlns:a16="http://schemas.microsoft.com/office/drawing/2014/main" id="{10E86681-E48A-4E18-B68A-578E7EC9B83D}"/>
+              </a:ext>
+            </a:extLst>
+          </p:cNvPr>
+          <p:cNvPicPr>
+            <a:picLocks noChangeAspect="1"/>
+          </p:cNvPicPr>
+          <p:nvPr/>
+        </p:nvPicPr>
+        <p:blipFill>
+          <a:blip r:embed="rId4">
+            <a:extLst>
+              <a:ext uri="{28A0092B-C50C-407E-A947-70E740481C1C}">
+                <a14:useLocalDpi xmlns:a14="http://schemas.microsoft.com/office/drawing/2010/main" val="0"/>
+              </a:ext>
+            </a:extLst>
+          </a:blip>
+          <a:stretch>
+            <a:fillRect/>
+          </a:stretch>
+        </p:blipFill>
+        <p:spPr>
+          <a:xfrm>
+            <a:off x="3047999" y="3029923"/>
+            <a:ext cx="6020459" cy="2000702"/>
+          </a:xfrm>
+          <a:prstGeom prst="rect">
+            <a:avLst/>
+          </a:prstGeom>
+        </p:spPr>
+      </p:pic>
+      <p:pic>
+        <p:nvPicPr>
+          <p:cNvPr id="7" name="Grafik 6" descr="Ein Bild, das Text enthält.&#10;&#10;Automatisch generierte Beschreibung">
+            <a:extLst>
+              <a:ext uri="{FF2B5EF4-FFF2-40B4-BE49-F238E27FC236}">
+                <a16:creationId xmlns:a16="http://schemas.microsoft.com/office/drawing/2014/main" id="{1A0EC70C-6340-4F35-88F8-55FEB2397B01}"/>
+              </a:ext>
+            </a:extLst>
+          </p:cNvPr>
+          <p:cNvPicPr>
+            <a:picLocks noChangeAspect="1"/>
+          </p:cNvPicPr>
+          <p:nvPr/>
+        </p:nvPicPr>
+        <p:blipFill>
+          <a:blip r:embed="rId5">
+            <a:extLst>
+              <a:ext uri="{28A0092B-C50C-407E-A947-70E740481C1C}">
+                <a14:useLocalDpi xmlns:a14="http://schemas.microsoft.com/office/drawing/2010/main" val="0"/>
+              </a:ext>
+            </a:extLst>
+          </a:blip>
+          <a:stretch>
+            <a:fillRect/>
+          </a:stretch>
+        </p:blipFill>
+        <p:spPr>
+          <a:xfrm>
+            <a:off x="3047998" y="3029923"/>
+            <a:ext cx="4483769" cy="1559978"/>
+          </a:xfrm>
+          <a:prstGeom prst="rect">
+            <a:avLst/>
+          </a:prstGeom>
+        </p:spPr>
+      </p:pic>
+      <p:pic>
+        <p:nvPicPr>
+          <p:cNvPr id="8" name="Grafik 7" descr="Ein Bild, das Text enthält.&#10;&#10;Automatisch generierte Beschreibung">
+            <a:extLst>
+              <a:ext uri="{FF2B5EF4-FFF2-40B4-BE49-F238E27FC236}">
+                <a16:creationId xmlns:a16="http://schemas.microsoft.com/office/drawing/2014/main" id="{CB80FE7D-F171-4BAE-ADEB-AF7C501C5015}"/>
+              </a:ext>
+            </a:extLst>
+          </p:cNvPr>
+          <p:cNvPicPr>
+            <a:picLocks noChangeAspect="1"/>
+          </p:cNvPicPr>
+          <p:nvPr/>
+        </p:nvPicPr>
+        <p:blipFill>
+          <a:blip r:embed="rId6">
+            <a:extLst>
+              <a:ext uri="{28A0092B-C50C-407E-A947-70E740481C1C}">
+                <a14:useLocalDpi xmlns:a14="http://schemas.microsoft.com/office/drawing/2010/main" val="0"/>
+              </a:ext>
+            </a:extLst>
+          </a:blip>
+          <a:stretch>
+            <a:fillRect/>
+          </a:stretch>
+        </p:blipFill>
+        <p:spPr>
+          <a:xfrm>
+            <a:off x="3043674" y="3059882"/>
+            <a:ext cx="6024784" cy="2000701"/>
+          </a:xfrm>
+          <a:prstGeom prst="rect">
+            <a:avLst/>
+          </a:prstGeom>
+        </p:spPr>
+      </p:pic>
+      <p:pic>
+        <p:nvPicPr>
+          <p:cNvPr id="9" name="Grafik 8" descr="Ein Bild, das Text enthält.&#10;&#10;Automatisch generierte Beschreibung">
+            <a:extLst>
+              <a:ext uri="{FF2B5EF4-FFF2-40B4-BE49-F238E27FC236}">
+                <a16:creationId xmlns:a16="http://schemas.microsoft.com/office/drawing/2014/main" id="{F5E25703-7CCE-41E1-91FB-466D552F8441}"/>
+              </a:ext>
+            </a:extLst>
+          </p:cNvPr>
+          <p:cNvPicPr>
+            <a:picLocks noChangeAspect="1"/>
+          </p:cNvPicPr>
+          <p:nvPr/>
+        </p:nvPicPr>
+        <p:blipFill>
+          <a:blip r:embed="rId7">
+            <a:extLst>
+              <a:ext uri="{28A0092B-C50C-407E-A947-70E740481C1C}">
+                <a14:useLocalDpi xmlns:a14="http://schemas.microsoft.com/office/drawing/2010/main" val="0"/>
+              </a:ext>
+            </a:extLst>
+          </a:blip>
+          <a:stretch>
+            <a:fillRect/>
+          </a:stretch>
+        </p:blipFill>
+        <p:spPr>
+          <a:xfrm>
+            <a:off x="3043673" y="3062854"/>
+            <a:ext cx="5931190" cy="1942667"/>
+          </a:xfrm>
+          <a:prstGeom prst="rect">
+            <a:avLst/>
+          </a:prstGeom>
+        </p:spPr>
+      </p:pic>
+      <p:pic>
+        <p:nvPicPr>
+          <p:cNvPr id="10" name="Grafik 9" descr="Ein Bild, das Text enthält.&#10;&#10;Automatisch generierte Beschreibung">
+            <a:extLst>
+              <a:ext uri="{FF2B5EF4-FFF2-40B4-BE49-F238E27FC236}">
+                <a16:creationId xmlns:a16="http://schemas.microsoft.com/office/drawing/2014/main" id="{85EEA5E5-BC0B-4FC2-AEA7-4A8E6A8EB31C}"/>
+              </a:ext>
+            </a:extLst>
+          </p:cNvPr>
+          <p:cNvPicPr>
+            <a:picLocks noChangeAspect="1"/>
+          </p:cNvPicPr>
+          <p:nvPr/>
+        </p:nvPicPr>
+        <p:blipFill>
+          <a:blip r:embed="rId8">
+            <a:extLst>
+              <a:ext uri="{28A0092B-C50C-407E-A947-70E740481C1C}">
+                <a14:useLocalDpi xmlns:a14="http://schemas.microsoft.com/office/drawing/2010/main" val="0"/>
+              </a:ext>
+            </a:extLst>
+          </a:blip>
+          <a:stretch>
+            <a:fillRect/>
+          </a:stretch>
+        </p:blipFill>
+        <p:spPr>
+          <a:xfrm>
+            <a:off x="3043673" y="3067579"/>
+            <a:ext cx="5953796" cy="1975598"/>
+          </a:xfrm>
+          <a:prstGeom prst="rect">
+            <a:avLst/>
+          </a:prstGeom>
+        </p:spPr>
+      </p:pic>
+      <p:pic>
+        <p:nvPicPr>
+          <p:cNvPr id="11" name="Grafik 10" descr="Ein Bild, das Text enthält.&#10;&#10;Automatisch generierte Beschreibung">
+            <a:extLst>
+              <a:ext uri="{FF2B5EF4-FFF2-40B4-BE49-F238E27FC236}">
+                <a16:creationId xmlns:a16="http://schemas.microsoft.com/office/drawing/2014/main" id="{43B6B9CF-F164-4540-831A-B50DB949A9BE}"/>
+              </a:ext>
+            </a:extLst>
+          </p:cNvPr>
+          <p:cNvPicPr>
+            <a:picLocks noChangeAspect="1"/>
+          </p:cNvPicPr>
+          <p:nvPr/>
+        </p:nvPicPr>
+        <p:blipFill>
+          <a:blip r:embed="rId9">
+            <a:extLst>
+              <a:ext uri="{28A0092B-C50C-407E-A947-70E740481C1C}">
+                <a14:useLocalDpi xmlns:a14="http://schemas.microsoft.com/office/drawing/2010/main" val="0"/>
+              </a:ext>
+            </a:extLst>
+          </a:blip>
+          <a:stretch>
+            <a:fillRect/>
+          </a:stretch>
+        </p:blipFill>
+        <p:spPr>
+          <a:xfrm>
+            <a:off x="3043672" y="3072432"/>
+            <a:ext cx="6447787" cy="2000703"/>
+          </a:xfrm>
+          <a:prstGeom prst="rect">
+            <a:avLst/>
+          </a:prstGeom>
+        </p:spPr>
+      </p:pic>
+      <p:pic>
+        <p:nvPicPr>
+          <p:cNvPr id="12" name="Grafik 11" descr="Ein Bild, das Text enthält.&#10;&#10;Automatisch generierte Beschreibung">
+            <a:extLst>
+              <a:ext uri="{FF2B5EF4-FFF2-40B4-BE49-F238E27FC236}">
+                <a16:creationId xmlns:a16="http://schemas.microsoft.com/office/drawing/2014/main" id="{1F3401AF-61F3-424F-B137-7C9355633A78}"/>
+              </a:ext>
+            </a:extLst>
+          </p:cNvPr>
+          <p:cNvPicPr>
+            <a:picLocks noChangeAspect="1"/>
+          </p:cNvPicPr>
+          <p:nvPr/>
+        </p:nvPicPr>
+        <p:blipFill>
+          <a:blip r:embed="rId10">
+            <a:extLst>
+              <a:ext uri="{28A0092B-C50C-407E-A947-70E740481C1C}">
+                <a14:useLocalDpi xmlns:a14="http://schemas.microsoft.com/office/drawing/2010/main" val="0"/>
+              </a:ext>
+            </a:extLst>
+          </a:blip>
+          <a:stretch>
+            <a:fillRect/>
+          </a:stretch>
+        </p:blipFill>
+        <p:spPr>
+          <a:xfrm>
+            <a:off x="3043672" y="3114243"/>
+            <a:ext cx="6556756" cy="2000701"/>
+          </a:xfrm>
+          <a:prstGeom prst="rect">
+            <a:avLst/>
+          </a:prstGeom>
+        </p:spPr>
+      </p:pic>
+      <p:pic>
+        <p:nvPicPr>
+          <p:cNvPr id="13" name="Grafik 12" descr="Ein Bild, das Text enthält.&#10;&#10;Automatisch generierte Beschreibung">
+            <a:extLst>
+              <a:ext uri="{FF2B5EF4-FFF2-40B4-BE49-F238E27FC236}">
+                <a16:creationId xmlns:a16="http://schemas.microsoft.com/office/drawing/2014/main" id="{B97D5ECB-356A-48BF-B5CE-52F0FD65F656}"/>
+              </a:ext>
+            </a:extLst>
+          </p:cNvPr>
+          <p:cNvPicPr>
+            <a:picLocks noChangeAspect="1"/>
+          </p:cNvPicPr>
+          <p:nvPr/>
+        </p:nvPicPr>
+        <p:blipFill>
+          <a:blip r:embed="rId11">
+            <a:extLst>
+              <a:ext uri="{28A0092B-C50C-407E-A947-70E740481C1C}">
+                <a14:useLocalDpi xmlns:a14="http://schemas.microsoft.com/office/drawing/2010/main" val="0"/>
+              </a:ext>
+            </a:extLst>
+          </a:blip>
+          <a:stretch>
+            <a:fillRect/>
+          </a:stretch>
+        </p:blipFill>
+        <p:spPr>
+          <a:xfrm>
+            <a:off x="3043671" y="3114243"/>
+            <a:ext cx="6552450" cy="2170781"/>
+          </a:xfrm>
+          <a:prstGeom prst="rect">
+            <a:avLst/>
+          </a:prstGeom>
+        </p:spPr>
+      </p:pic>
+      <p:pic>
+        <p:nvPicPr>
+          <p:cNvPr id="14" name="Grafik 13" descr="Ein Bild, das Text enthält.&#10;&#10;Automatisch generierte Beschreibung">
+            <a:extLst>
+              <a:ext uri="{FF2B5EF4-FFF2-40B4-BE49-F238E27FC236}">
+                <a16:creationId xmlns:a16="http://schemas.microsoft.com/office/drawing/2014/main" id="{FB9956C2-9D54-43D4-84C2-0206EA5C6192}"/>
+              </a:ext>
+            </a:extLst>
+          </p:cNvPr>
+          <p:cNvPicPr>
+            <a:picLocks noChangeAspect="1"/>
+          </p:cNvPicPr>
+          <p:nvPr/>
+        </p:nvPicPr>
+        <p:blipFill>
+          <a:blip r:embed="rId12">
+            <a:extLst>
+              <a:ext uri="{28A0092B-C50C-407E-A947-70E740481C1C}">
+                <a14:useLocalDpi xmlns:a14="http://schemas.microsoft.com/office/drawing/2010/main" val="0"/>
+              </a:ext>
+            </a:extLst>
+          </a:blip>
+          <a:stretch>
+            <a:fillRect/>
+          </a:stretch>
+        </p:blipFill>
+        <p:spPr>
+          <a:xfrm>
+            <a:off x="3047997" y="3114243"/>
+            <a:ext cx="6991604" cy="1724174"/>
+          </a:xfrm>
+          <a:prstGeom prst="rect">
+            <a:avLst/>
+          </a:prstGeom>
+        </p:spPr>
+      </p:pic>
+      <p:pic>
+        <p:nvPicPr>
+          <p:cNvPr id="15" name="Grafik 14" descr="Ein Bild, das Text enthält.&#10;&#10;Automatisch generierte Beschreibung">
+            <a:extLst>
+              <a:ext uri="{FF2B5EF4-FFF2-40B4-BE49-F238E27FC236}">
+                <a16:creationId xmlns:a16="http://schemas.microsoft.com/office/drawing/2014/main" id="{D7EC003B-C023-4FD7-BC0D-FF68A4EF9406}"/>
+              </a:ext>
+            </a:extLst>
+          </p:cNvPr>
+          <p:cNvPicPr>
+            <a:picLocks noChangeAspect="1"/>
+          </p:cNvPicPr>
+          <p:nvPr/>
+        </p:nvPicPr>
+        <p:blipFill>
+          <a:blip r:embed="rId13">
+            <a:extLst>
+              <a:ext uri="{28A0092B-C50C-407E-A947-70E740481C1C}">
+                <a14:useLocalDpi xmlns:a14="http://schemas.microsoft.com/office/drawing/2010/main" val="0"/>
+              </a:ext>
+            </a:extLst>
+          </a:blip>
+          <a:stretch>
+            <a:fillRect/>
+          </a:stretch>
+        </p:blipFill>
+        <p:spPr>
+          <a:xfrm>
+            <a:off x="3082761" y="3100588"/>
+            <a:ext cx="6443463" cy="1810204"/>
+          </a:xfrm>
+          <a:prstGeom prst="rect">
+            <a:avLst/>
+          </a:prstGeom>
+        </p:spPr>
+      </p:pic>
+      <p:pic>
+        <p:nvPicPr>
+          <p:cNvPr id="16" name="Grafik 15" descr="Ein Bild, das Text enthält.&#10;&#10;Automatisch generierte Beschreibung">
+            <a:extLst>
+              <a:ext uri="{FF2B5EF4-FFF2-40B4-BE49-F238E27FC236}">
+                <a16:creationId xmlns:a16="http://schemas.microsoft.com/office/drawing/2014/main" id="{5356C877-E6B2-4C85-A39C-972A0FB60A3E}"/>
+              </a:ext>
+            </a:extLst>
+          </p:cNvPr>
+          <p:cNvPicPr>
+            <a:picLocks noChangeAspect="1"/>
+          </p:cNvPicPr>
+          <p:nvPr/>
+        </p:nvPicPr>
+        <p:blipFill>
+          <a:blip r:embed="rId14">
+            <a:extLst>
+              <a:ext uri="{28A0092B-C50C-407E-A947-70E740481C1C}">
+                <a14:useLocalDpi xmlns:a14="http://schemas.microsoft.com/office/drawing/2010/main" val="0"/>
+              </a:ext>
+            </a:extLst>
+          </a:blip>
+          <a:stretch>
+            <a:fillRect/>
+          </a:stretch>
+        </p:blipFill>
+        <p:spPr>
+          <a:xfrm>
+            <a:off x="3078454" y="3118928"/>
+            <a:ext cx="6248426" cy="1886317"/>
+          </a:xfrm>
+          <a:prstGeom prst="rect">
+            <a:avLst/>
+          </a:prstGeom>
+        </p:spPr>
+      </p:pic>
+      <p:sp>
+        <p:nvSpPr>
+          <p:cNvPr id="17" name="Titel 1">
+            <a:extLst>
+              <a:ext uri="{FF2B5EF4-FFF2-40B4-BE49-F238E27FC236}">
+                <a16:creationId xmlns:a16="http://schemas.microsoft.com/office/drawing/2014/main" id="{DC6CCB5A-23C8-4D42-A60F-263E6DB9CDF7}"/>
               </a:ext>
             </a:extLst>
           </p:cNvPr>
@@ -7384,17 +8417,1083 @@
             <p:ph type="title"/>
           </p:nvPr>
         </p:nvSpPr>
+        <p:spPr>
+          <a:xfrm>
+            <a:off x="990600" y="428625"/>
+            <a:ext cx="10315576" cy="1409700"/>
+          </a:xfrm>
+        </p:spPr>
+        <p:txBody>
+          <a:bodyPr>
+            <a:noAutofit/>
+          </a:bodyPr>
+          <a:lstStyle/>
+          <a:p>
+            <a:r>
+              <a:rPr lang="de-DE" sz="4000" b="0" i="0" dirty="0">
+                <a:solidFill>
+                  <a:schemeClr val="tx1"/>
+                </a:solidFill>
+                <a:effectLst/>
+              </a:rPr>
+              <a:t>Spezifikation des ersten technischen /architekturellen Proof-</a:t>
+            </a:r>
+            <a:r>
+              <a:rPr lang="de-DE" sz="4000" b="0" i="0" dirty="0" err="1">
+                <a:solidFill>
+                  <a:schemeClr val="tx1"/>
+                </a:solidFill>
+                <a:effectLst/>
+              </a:rPr>
+              <a:t>of</a:t>
+            </a:r>
+            <a:r>
+              <a:rPr lang="de-DE" sz="4000" b="0" i="0" dirty="0">
+                <a:solidFill>
+                  <a:schemeClr val="tx1"/>
+                </a:solidFill>
+                <a:effectLst/>
+              </a:rPr>
+              <a:t>-Concept (</a:t>
+            </a:r>
+            <a:r>
+              <a:rPr lang="de-DE" sz="4000" b="0" i="0" dirty="0" err="1">
+                <a:solidFill>
+                  <a:schemeClr val="tx1"/>
+                </a:solidFill>
+                <a:effectLst/>
+              </a:rPr>
+              <a:t>PoC</a:t>
+            </a:r>
+            <a:r>
+              <a:rPr lang="de-DE" sz="4000" b="0" i="0" dirty="0">
+                <a:solidFill>
+                  <a:schemeClr val="tx1"/>
+                </a:solidFill>
+                <a:effectLst/>
+              </a:rPr>
+              <a:t>)</a:t>
+            </a:r>
+            <a:endParaRPr lang="de-DE" sz="4000" dirty="0">
+              <a:solidFill>
+                <a:schemeClr val="tx1"/>
+              </a:solidFill>
+            </a:endParaRPr>
+          </a:p>
+        </p:txBody>
+      </p:sp>
+    </p:spTree>
+    <p:extLst>
+      <p:ext uri="{BB962C8B-B14F-4D97-AF65-F5344CB8AC3E}">
+        <p14:creationId xmlns:p14="http://schemas.microsoft.com/office/powerpoint/2010/main" val="4065599693"/>
+      </p:ext>
+    </p:extLst>
+  </p:cSld>
+  <p:clrMapOvr>
+    <a:masterClrMapping/>
+  </p:clrMapOvr>
+  <p:timing>
+    <p:tnLst>
+      <p:par>
+        <p:cTn id="1" dur="indefinite" restart="never" nodeType="tmRoot">
+          <p:childTnLst>
+            <p:seq concurrent="1" nextAc="seek">
+              <p:cTn id="2" dur="indefinite" nodeType="mainSeq">
+                <p:childTnLst>
+                  <p:par>
+                    <p:cTn id="3" fill="hold">
+                      <p:stCondLst>
+                        <p:cond delay="indefinite"/>
+                      </p:stCondLst>
+                      <p:childTnLst>
+                        <p:par>
+                          <p:cTn id="4" fill="hold">
+                            <p:stCondLst>
+                              <p:cond delay="0"/>
+                            </p:stCondLst>
+                            <p:childTnLst>
+                              <p:par>
+                                <p:cTn id="5" presetID="1" presetClass="exit" presetSubtype="0" fill="hold" nodeType="clickEffect">
+                                  <p:stCondLst>
+                                    <p:cond delay="0"/>
+                                  </p:stCondLst>
+                                  <p:childTnLst>
+                                    <p:set>
+                                      <p:cBhvr>
+                                        <p:cTn id="6" dur="1" fill="hold">
+                                          <p:stCondLst>
+                                            <p:cond delay="0"/>
+                                          </p:stCondLst>
+                                        </p:cTn>
+                                        <p:tgtEl>
+                                          <p:spTgt spid="5"/>
+                                        </p:tgtEl>
+                                        <p:attrNameLst>
+                                          <p:attrName>style.visibility</p:attrName>
+                                        </p:attrNameLst>
+                                      </p:cBhvr>
+                                      <p:to>
+                                        <p:strVal val="hidden"/>
+                                      </p:to>
+                                    </p:set>
+                                  </p:childTnLst>
+                                </p:cTn>
+                              </p:par>
+                              <p:par>
+                                <p:cTn id="7" presetID="1" presetClass="entr" presetSubtype="0" fill="hold" nodeType="withEffect">
+                                  <p:stCondLst>
+                                    <p:cond delay="0"/>
+                                  </p:stCondLst>
+                                  <p:childTnLst>
+                                    <p:set>
+                                      <p:cBhvr>
+                                        <p:cTn id="8" dur="1" fill="hold">
+                                          <p:stCondLst>
+                                            <p:cond delay="0"/>
+                                          </p:stCondLst>
+                                        </p:cTn>
+                                        <p:tgtEl>
+                                          <p:spTgt spid="4"/>
+                                        </p:tgtEl>
+                                        <p:attrNameLst>
+                                          <p:attrName>style.visibility</p:attrName>
+                                        </p:attrNameLst>
+                                      </p:cBhvr>
+                                      <p:to>
+                                        <p:strVal val="visible"/>
+                                      </p:to>
+                                    </p:set>
+                                  </p:childTnLst>
+                                </p:cTn>
+                              </p:par>
+                            </p:childTnLst>
+                          </p:cTn>
+                        </p:par>
+                      </p:childTnLst>
+                    </p:cTn>
+                  </p:par>
+                  <p:par>
+                    <p:cTn id="9" fill="hold">
+                      <p:stCondLst>
+                        <p:cond delay="indefinite"/>
+                      </p:stCondLst>
+                      <p:childTnLst>
+                        <p:par>
+                          <p:cTn id="10" fill="hold">
+                            <p:stCondLst>
+                              <p:cond delay="0"/>
+                            </p:stCondLst>
+                            <p:childTnLst>
+                              <p:par>
+                                <p:cTn id="11" presetID="9" presetClass="exit" presetSubtype="0" fill="hold" nodeType="clickEffect">
+                                  <p:stCondLst>
+                                    <p:cond delay="0"/>
+                                  </p:stCondLst>
+                                  <p:childTnLst>
+                                    <p:animEffect transition="out" filter="dissolve">
+                                      <p:cBhvr>
+                                        <p:cTn id="12" dur="500"/>
+                                        <p:tgtEl>
+                                          <p:spTgt spid="4"/>
+                                        </p:tgtEl>
+                                      </p:cBhvr>
+                                    </p:animEffect>
+                                    <p:set>
+                                      <p:cBhvr>
+                                        <p:cTn id="13" dur="1" fill="hold">
+                                          <p:stCondLst>
+                                            <p:cond delay="499"/>
+                                          </p:stCondLst>
+                                        </p:cTn>
+                                        <p:tgtEl>
+                                          <p:spTgt spid="4"/>
+                                        </p:tgtEl>
+                                        <p:attrNameLst>
+                                          <p:attrName>style.visibility</p:attrName>
+                                        </p:attrNameLst>
+                                      </p:cBhvr>
+                                      <p:to>
+                                        <p:strVal val="hidden"/>
+                                      </p:to>
+                                    </p:set>
+                                  </p:childTnLst>
+                                </p:cTn>
+                              </p:par>
+                              <p:par>
+                                <p:cTn id="14" presetID="1" presetClass="entr" presetSubtype="0" fill="hold" nodeType="withEffect">
+                                  <p:stCondLst>
+                                    <p:cond delay="0"/>
+                                  </p:stCondLst>
+                                  <p:childTnLst>
+                                    <p:set>
+                                      <p:cBhvr>
+                                        <p:cTn id="15" dur="1" fill="hold">
+                                          <p:stCondLst>
+                                            <p:cond delay="0"/>
+                                          </p:stCondLst>
+                                        </p:cTn>
+                                        <p:tgtEl>
+                                          <p:spTgt spid="6"/>
+                                        </p:tgtEl>
+                                        <p:attrNameLst>
+                                          <p:attrName>style.visibility</p:attrName>
+                                        </p:attrNameLst>
+                                      </p:cBhvr>
+                                      <p:to>
+                                        <p:strVal val="visible"/>
+                                      </p:to>
+                                    </p:set>
+                                  </p:childTnLst>
+                                </p:cTn>
+                              </p:par>
+                            </p:childTnLst>
+                          </p:cTn>
+                        </p:par>
+                      </p:childTnLst>
+                    </p:cTn>
+                  </p:par>
+                  <p:par>
+                    <p:cTn id="16" fill="hold">
+                      <p:stCondLst>
+                        <p:cond delay="indefinite"/>
+                      </p:stCondLst>
+                      <p:childTnLst>
+                        <p:par>
+                          <p:cTn id="17" fill="hold">
+                            <p:stCondLst>
+                              <p:cond delay="0"/>
+                            </p:stCondLst>
+                            <p:childTnLst>
+                              <p:par>
+                                <p:cTn id="18" presetID="9" presetClass="exit" presetSubtype="0" fill="hold" nodeType="clickEffect">
+                                  <p:stCondLst>
+                                    <p:cond delay="0"/>
+                                  </p:stCondLst>
+                                  <p:childTnLst>
+                                    <p:animEffect transition="out" filter="dissolve">
+                                      <p:cBhvr>
+                                        <p:cTn id="19" dur="500"/>
+                                        <p:tgtEl>
+                                          <p:spTgt spid="6"/>
+                                        </p:tgtEl>
+                                      </p:cBhvr>
+                                    </p:animEffect>
+                                    <p:set>
+                                      <p:cBhvr>
+                                        <p:cTn id="20" dur="1" fill="hold">
+                                          <p:stCondLst>
+                                            <p:cond delay="499"/>
+                                          </p:stCondLst>
+                                        </p:cTn>
+                                        <p:tgtEl>
+                                          <p:spTgt spid="6"/>
+                                        </p:tgtEl>
+                                        <p:attrNameLst>
+                                          <p:attrName>style.visibility</p:attrName>
+                                        </p:attrNameLst>
+                                      </p:cBhvr>
+                                      <p:to>
+                                        <p:strVal val="hidden"/>
+                                      </p:to>
+                                    </p:set>
+                                  </p:childTnLst>
+                                </p:cTn>
+                              </p:par>
+                              <p:par>
+                                <p:cTn id="21" presetID="1" presetClass="entr" presetSubtype="0" fill="hold" nodeType="withEffect">
+                                  <p:stCondLst>
+                                    <p:cond delay="0"/>
+                                  </p:stCondLst>
+                                  <p:childTnLst>
+                                    <p:set>
+                                      <p:cBhvr>
+                                        <p:cTn id="22" dur="1" fill="hold">
+                                          <p:stCondLst>
+                                            <p:cond delay="0"/>
+                                          </p:stCondLst>
+                                        </p:cTn>
+                                        <p:tgtEl>
+                                          <p:spTgt spid="7"/>
+                                        </p:tgtEl>
+                                        <p:attrNameLst>
+                                          <p:attrName>style.visibility</p:attrName>
+                                        </p:attrNameLst>
+                                      </p:cBhvr>
+                                      <p:to>
+                                        <p:strVal val="visible"/>
+                                      </p:to>
+                                    </p:set>
+                                  </p:childTnLst>
+                                </p:cTn>
+                              </p:par>
+                            </p:childTnLst>
+                          </p:cTn>
+                        </p:par>
+                      </p:childTnLst>
+                    </p:cTn>
+                  </p:par>
+                  <p:par>
+                    <p:cTn id="23" fill="hold">
+                      <p:stCondLst>
+                        <p:cond delay="indefinite"/>
+                      </p:stCondLst>
+                      <p:childTnLst>
+                        <p:par>
+                          <p:cTn id="24" fill="hold">
+                            <p:stCondLst>
+                              <p:cond delay="0"/>
+                            </p:stCondLst>
+                            <p:childTnLst>
+                              <p:par>
+                                <p:cTn id="25" presetID="1" presetClass="exit" presetSubtype="0" fill="hold" nodeType="clickEffect">
+                                  <p:stCondLst>
+                                    <p:cond delay="0"/>
+                                  </p:stCondLst>
+                                  <p:childTnLst>
+                                    <p:set>
+                                      <p:cBhvr>
+                                        <p:cTn id="26" dur="1" fill="hold">
+                                          <p:stCondLst>
+                                            <p:cond delay="0"/>
+                                          </p:stCondLst>
+                                        </p:cTn>
+                                        <p:tgtEl>
+                                          <p:spTgt spid="7"/>
+                                        </p:tgtEl>
+                                        <p:attrNameLst>
+                                          <p:attrName>style.visibility</p:attrName>
+                                        </p:attrNameLst>
+                                      </p:cBhvr>
+                                      <p:to>
+                                        <p:strVal val="hidden"/>
+                                      </p:to>
+                                    </p:set>
+                                  </p:childTnLst>
+                                </p:cTn>
+                              </p:par>
+                              <p:par>
+                                <p:cTn id="27" presetID="1" presetClass="entr" presetSubtype="0" fill="hold" nodeType="withEffect">
+                                  <p:stCondLst>
+                                    <p:cond delay="0"/>
+                                  </p:stCondLst>
+                                  <p:childTnLst>
+                                    <p:set>
+                                      <p:cBhvr>
+                                        <p:cTn id="28" dur="1" fill="hold">
+                                          <p:stCondLst>
+                                            <p:cond delay="0"/>
+                                          </p:stCondLst>
+                                        </p:cTn>
+                                        <p:tgtEl>
+                                          <p:spTgt spid="8"/>
+                                        </p:tgtEl>
+                                        <p:attrNameLst>
+                                          <p:attrName>style.visibility</p:attrName>
+                                        </p:attrNameLst>
+                                      </p:cBhvr>
+                                      <p:to>
+                                        <p:strVal val="visible"/>
+                                      </p:to>
+                                    </p:set>
+                                  </p:childTnLst>
+                                </p:cTn>
+                              </p:par>
+                            </p:childTnLst>
+                          </p:cTn>
+                        </p:par>
+                      </p:childTnLst>
+                    </p:cTn>
+                  </p:par>
+                  <p:par>
+                    <p:cTn id="29" fill="hold">
+                      <p:stCondLst>
+                        <p:cond delay="indefinite"/>
+                      </p:stCondLst>
+                      <p:childTnLst>
+                        <p:par>
+                          <p:cTn id="30" fill="hold">
+                            <p:stCondLst>
+                              <p:cond delay="0"/>
+                            </p:stCondLst>
+                            <p:childTnLst>
+                              <p:par>
+                                <p:cTn id="31" presetID="1" presetClass="exit" presetSubtype="0" fill="hold" nodeType="clickEffect">
+                                  <p:stCondLst>
+                                    <p:cond delay="0"/>
+                                  </p:stCondLst>
+                                  <p:childTnLst>
+                                    <p:set>
+                                      <p:cBhvr>
+                                        <p:cTn id="32" dur="1" fill="hold">
+                                          <p:stCondLst>
+                                            <p:cond delay="0"/>
+                                          </p:stCondLst>
+                                        </p:cTn>
+                                        <p:tgtEl>
+                                          <p:spTgt spid="8"/>
+                                        </p:tgtEl>
+                                        <p:attrNameLst>
+                                          <p:attrName>style.visibility</p:attrName>
+                                        </p:attrNameLst>
+                                      </p:cBhvr>
+                                      <p:to>
+                                        <p:strVal val="hidden"/>
+                                      </p:to>
+                                    </p:set>
+                                  </p:childTnLst>
+                                </p:cTn>
+                              </p:par>
+                              <p:par>
+                                <p:cTn id="33" presetID="1" presetClass="entr" presetSubtype="0" fill="hold" nodeType="withEffect">
+                                  <p:stCondLst>
+                                    <p:cond delay="0"/>
+                                  </p:stCondLst>
+                                  <p:childTnLst>
+                                    <p:set>
+                                      <p:cBhvr>
+                                        <p:cTn id="34" dur="1" fill="hold">
+                                          <p:stCondLst>
+                                            <p:cond delay="0"/>
+                                          </p:stCondLst>
+                                        </p:cTn>
+                                        <p:tgtEl>
+                                          <p:spTgt spid="9"/>
+                                        </p:tgtEl>
+                                        <p:attrNameLst>
+                                          <p:attrName>style.visibility</p:attrName>
+                                        </p:attrNameLst>
+                                      </p:cBhvr>
+                                      <p:to>
+                                        <p:strVal val="visible"/>
+                                      </p:to>
+                                    </p:set>
+                                  </p:childTnLst>
+                                </p:cTn>
+                              </p:par>
+                            </p:childTnLst>
+                          </p:cTn>
+                        </p:par>
+                      </p:childTnLst>
+                    </p:cTn>
+                  </p:par>
+                  <p:par>
+                    <p:cTn id="35" fill="hold">
+                      <p:stCondLst>
+                        <p:cond delay="indefinite"/>
+                      </p:stCondLst>
+                      <p:childTnLst>
+                        <p:par>
+                          <p:cTn id="36" fill="hold">
+                            <p:stCondLst>
+                              <p:cond delay="0"/>
+                            </p:stCondLst>
+                            <p:childTnLst>
+                              <p:par>
+                                <p:cTn id="37" presetID="1" presetClass="exit" presetSubtype="0" fill="hold" nodeType="clickEffect">
+                                  <p:stCondLst>
+                                    <p:cond delay="0"/>
+                                  </p:stCondLst>
+                                  <p:childTnLst>
+                                    <p:set>
+                                      <p:cBhvr>
+                                        <p:cTn id="38" dur="1" fill="hold">
+                                          <p:stCondLst>
+                                            <p:cond delay="0"/>
+                                          </p:stCondLst>
+                                        </p:cTn>
+                                        <p:tgtEl>
+                                          <p:spTgt spid="9"/>
+                                        </p:tgtEl>
+                                        <p:attrNameLst>
+                                          <p:attrName>style.visibility</p:attrName>
+                                        </p:attrNameLst>
+                                      </p:cBhvr>
+                                      <p:to>
+                                        <p:strVal val="hidden"/>
+                                      </p:to>
+                                    </p:set>
+                                  </p:childTnLst>
+                                </p:cTn>
+                              </p:par>
+                              <p:par>
+                                <p:cTn id="39" presetID="1" presetClass="entr" presetSubtype="0" fill="hold" nodeType="withEffect">
+                                  <p:stCondLst>
+                                    <p:cond delay="0"/>
+                                  </p:stCondLst>
+                                  <p:childTnLst>
+                                    <p:set>
+                                      <p:cBhvr>
+                                        <p:cTn id="40" dur="1" fill="hold">
+                                          <p:stCondLst>
+                                            <p:cond delay="0"/>
+                                          </p:stCondLst>
+                                        </p:cTn>
+                                        <p:tgtEl>
+                                          <p:spTgt spid="10"/>
+                                        </p:tgtEl>
+                                        <p:attrNameLst>
+                                          <p:attrName>style.visibility</p:attrName>
+                                        </p:attrNameLst>
+                                      </p:cBhvr>
+                                      <p:to>
+                                        <p:strVal val="visible"/>
+                                      </p:to>
+                                    </p:set>
+                                  </p:childTnLst>
+                                </p:cTn>
+                              </p:par>
+                            </p:childTnLst>
+                          </p:cTn>
+                        </p:par>
+                      </p:childTnLst>
+                    </p:cTn>
+                  </p:par>
+                  <p:par>
+                    <p:cTn id="41" fill="hold">
+                      <p:stCondLst>
+                        <p:cond delay="indefinite"/>
+                      </p:stCondLst>
+                      <p:childTnLst>
+                        <p:par>
+                          <p:cTn id="42" fill="hold">
+                            <p:stCondLst>
+                              <p:cond delay="0"/>
+                            </p:stCondLst>
+                            <p:childTnLst>
+                              <p:par>
+                                <p:cTn id="43" presetID="1" presetClass="exit" presetSubtype="0" fill="hold" nodeType="clickEffect">
+                                  <p:stCondLst>
+                                    <p:cond delay="0"/>
+                                  </p:stCondLst>
+                                  <p:childTnLst>
+                                    <p:set>
+                                      <p:cBhvr>
+                                        <p:cTn id="44" dur="1" fill="hold">
+                                          <p:stCondLst>
+                                            <p:cond delay="0"/>
+                                          </p:stCondLst>
+                                        </p:cTn>
+                                        <p:tgtEl>
+                                          <p:spTgt spid="10"/>
+                                        </p:tgtEl>
+                                        <p:attrNameLst>
+                                          <p:attrName>style.visibility</p:attrName>
+                                        </p:attrNameLst>
+                                      </p:cBhvr>
+                                      <p:to>
+                                        <p:strVal val="hidden"/>
+                                      </p:to>
+                                    </p:set>
+                                  </p:childTnLst>
+                                </p:cTn>
+                              </p:par>
+                              <p:par>
+                                <p:cTn id="45" presetID="1" presetClass="entr" presetSubtype="0" fill="hold" nodeType="withEffect">
+                                  <p:stCondLst>
+                                    <p:cond delay="0"/>
+                                  </p:stCondLst>
+                                  <p:childTnLst>
+                                    <p:set>
+                                      <p:cBhvr>
+                                        <p:cTn id="46" dur="1" fill="hold">
+                                          <p:stCondLst>
+                                            <p:cond delay="0"/>
+                                          </p:stCondLst>
+                                        </p:cTn>
+                                        <p:tgtEl>
+                                          <p:spTgt spid="11"/>
+                                        </p:tgtEl>
+                                        <p:attrNameLst>
+                                          <p:attrName>style.visibility</p:attrName>
+                                        </p:attrNameLst>
+                                      </p:cBhvr>
+                                      <p:to>
+                                        <p:strVal val="visible"/>
+                                      </p:to>
+                                    </p:set>
+                                  </p:childTnLst>
+                                </p:cTn>
+                              </p:par>
+                            </p:childTnLst>
+                          </p:cTn>
+                        </p:par>
+                      </p:childTnLst>
+                    </p:cTn>
+                  </p:par>
+                  <p:par>
+                    <p:cTn id="47" fill="hold">
+                      <p:stCondLst>
+                        <p:cond delay="indefinite"/>
+                      </p:stCondLst>
+                      <p:childTnLst>
+                        <p:par>
+                          <p:cTn id="48" fill="hold">
+                            <p:stCondLst>
+                              <p:cond delay="0"/>
+                            </p:stCondLst>
+                            <p:childTnLst>
+                              <p:par>
+                                <p:cTn id="49" presetID="1" presetClass="exit" presetSubtype="0" fill="hold" nodeType="clickEffect">
+                                  <p:stCondLst>
+                                    <p:cond delay="0"/>
+                                  </p:stCondLst>
+                                  <p:childTnLst>
+                                    <p:set>
+                                      <p:cBhvr>
+                                        <p:cTn id="50" dur="1" fill="hold">
+                                          <p:stCondLst>
+                                            <p:cond delay="0"/>
+                                          </p:stCondLst>
+                                        </p:cTn>
+                                        <p:tgtEl>
+                                          <p:spTgt spid="11"/>
+                                        </p:tgtEl>
+                                        <p:attrNameLst>
+                                          <p:attrName>style.visibility</p:attrName>
+                                        </p:attrNameLst>
+                                      </p:cBhvr>
+                                      <p:to>
+                                        <p:strVal val="hidden"/>
+                                      </p:to>
+                                    </p:set>
+                                  </p:childTnLst>
+                                </p:cTn>
+                              </p:par>
+                              <p:par>
+                                <p:cTn id="51" presetID="1" presetClass="entr" presetSubtype="0" fill="hold" nodeType="withEffect">
+                                  <p:stCondLst>
+                                    <p:cond delay="0"/>
+                                  </p:stCondLst>
+                                  <p:childTnLst>
+                                    <p:set>
+                                      <p:cBhvr>
+                                        <p:cTn id="52" dur="1" fill="hold">
+                                          <p:stCondLst>
+                                            <p:cond delay="0"/>
+                                          </p:stCondLst>
+                                        </p:cTn>
+                                        <p:tgtEl>
+                                          <p:spTgt spid="12"/>
+                                        </p:tgtEl>
+                                        <p:attrNameLst>
+                                          <p:attrName>style.visibility</p:attrName>
+                                        </p:attrNameLst>
+                                      </p:cBhvr>
+                                      <p:to>
+                                        <p:strVal val="visible"/>
+                                      </p:to>
+                                    </p:set>
+                                  </p:childTnLst>
+                                </p:cTn>
+                              </p:par>
+                            </p:childTnLst>
+                          </p:cTn>
+                        </p:par>
+                      </p:childTnLst>
+                    </p:cTn>
+                  </p:par>
+                  <p:par>
+                    <p:cTn id="53" fill="hold">
+                      <p:stCondLst>
+                        <p:cond delay="indefinite"/>
+                      </p:stCondLst>
+                      <p:childTnLst>
+                        <p:par>
+                          <p:cTn id="54" fill="hold">
+                            <p:stCondLst>
+                              <p:cond delay="0"/>
+                            </p:stCondLst>
+                            <p:childTnLst>
+                              <p:par>
+                                <p:cTn id="55" presetID="1" presetClass="exit" presetSubtype="0" fill="hold" nodeType="clickEffect">
+                                  <p:stCondLst>
+                                    <p:cond delay="0"/>
+                                  </p:stCondLst>
+                                  <p:childTnLst>
+                                    <p:set>
+                                      <p:cBhvr>
+                                        <p:cTn id="56" dur="1" fill="hold">
+                                          <p:stCondLst>
+                                            <p:cond delay="0"/>
+                                          </p:stCondLst>
+                                        </p:cTn>
+                                        <p:tgtEl>
+                                          <p:spTgt spid="12"/>
+                                        </p:tgtEl>
+                                        <p:attrNameLst>
+                                          <p:attrName>style.visibility</p:attrName>
+                                        </p:attrNameLst>
+                                      </p:cBhvr>
+                                      <p:to>
+                                        <p:strVal val="hidden"/>
+                                      </p:to>
+                                    </p:set>
+                                  </p:childTnLst>
+                                </p:cTn>
+                              </p:par>
+                              <p:par>
+                                <p:cTn id="57" presetID="1" presetClass="entr" presetSubtype="0" fill="hold" nodeType="withEffect">
+                                  <p:stCondLst>
+                                    <p:cond delay="0"/>
+                                  </p:stCondLst>
+                                  <p:childTnLst>
+                                    <p:set>
+                                      <p:cBhvr>
+                                        <p:cTn id="58" dur="1" fill="hold">
+                                          <p:stCondLst>
+                                            <p:cond delay="0"/>
+                                          </p:stCondLst>
+                                        </p:cTn>
+                                        <p:tgtEl>
+                                          <p:spTgt spid="13"/>
+                                        </p:tgtEl>
+                                        <p:attrNameLst>
+                                          <p:attrName>style.visibility</p:attrName>
+                                        </p:attrNameLst>
+                                      </p:cBhvr>
+                                      <p:to>
+                                        <p:strVal val="visible"/>
+                                      </p:to>
+                                    </p:set>
+                                  </p:childTnLst>
+                                </p:cTn>
+                              </p:par>
+                            </p:childTnLst>
+                          </p:cTn>
+                        </p:par>
+                      </p:childTnLst>
+                    </p:cTn>
+                  </p:par>
+                  <p:par>
+                    <p:cTn id="59" fill="hold">
+                      <p:stCondLst>
+                        <p:cond delay="indefinite"/>
+                      </p:stCondLst>
+                      <p:childTnLst>
+                        <p:par>
+                          <p:cTn id="60" fill="hold">
+                            <p:stCondLst>
+                              <p:cond delay="0"/>
+                            </p:stCondLst>
+                            <p:childTnLst>
+                              <p:par>
+                                <p:cTn id="61" presetID="1" presetClass="exit" presetSubtype="0" fill="hold" nodeType="clickEffect">
+                                  <p:stCondLst>
+                                    <p:cond delay="0"/>
+                                  </p:stCondLst>
+                                  <p:childTnLst>
+                                    <p:set>
+                                      <p:cBhvr>
+                                        <p:cTn id="62" dur="1" fill="hold">
+                                          <p:stCondLst>
+                                            <p:cond delay="0"/>
+                                          </p:stCondLst>
+                                        </p:cTn>
+                                        <p:tgtEl>
+                                          <p:spTgt spid="13"/>
+                                        </p:tgtEl>
+                                        <p:attrNameLst>
+                                          <p:attrName>style.visibility</p:attrName>
+                                        </p:attrNameLst>
+                                      </p:cBhvr>
+                                      <p:to>
+                                        <p:strVal val="hidden"/>
+                                      </p:to>
+                                    </p:set>
+                                  </p:childTnLst>
+                                </p:cTn>
+                              </p:par>
+                              <p:par>
+                                <p:cTn id="63" presetID="1" presetClass="entr" presetSubtype="0" fill="hold" nodeType="withEffect">
+                                  <p:stCondLst>
+                                    <p:cond delay="0"/>
+                                  </p:stCondLst>
+                                  <p:childTnLst>
+                                    <p:set>
+                                      <p:cBhvr>
+                                        <p:cTn id="64" dur="1" fill="hold">
+                                          <p:stCondLst>
+                                            <p:cond delay="0"/>
+                                          </p:stCondLst>
+                                        </p:cTn>
+                                        <p:tgtEl>
+                                          <p:spTgt spid="14"/>
+                                        </p:tgtEl>
+                                        <p:attrNameLst>
+                                          <p:attrName>style.visibility</p:attrName>
+                                        </p:attrNameLst>
+                                      </p:cBhvr>
+                                      <p:to>
+                                        <p:strVal val="visible"/>
+                                      </p:to>
+                                    </p:set>
+                                  </p:childTnLst>
+                                </p:cTn>
+                              </p:par>
+                            </p:childTnLst>
+                          </p:cTn>
+                        </p:par>
+                      </p:childTnLst>
+                    </p:cTn>
+                  </p:par>
+                  <p:par>
+                    <p:cTn id="65" fill="hold">
+                      <p:stCondLst>
+                        <p:cond delay="indefinite"/>
+                      </p:stCondLst>
+                      <p:childTnLst>
+                        <p:par>
+                          <p:cTn id="66" fill="hold">
+                            <p:stCondLst>
+                              <p:cond delay="0"/>
+                            </p:stCondLst>
+                            <p:childTnLst>
+                              <p:par>
+                                <p:cTn id="67" presetID="1" presetClass="exit" presetSubtype="0" fill="hold" nodeType="clickEffect">
+                                  <p:stCondLst>
+                                    <p:cond delay="0"/>
+                                  </p:stCondLst>
+                                  <p:childTnLst>
+                                    <p:set>
+                                      <p:cBhvr>
+                                        <p:cTn id="68" dur="1" fill="hold">
+                                          <p:stCondLst>
+                                            <p:cond delay="0"/>
+                                          </p:stCondLst>
+                                        </p:cTn>
+                                        <p:tgtEl>
+                                          <p:spTgt spid="14"/>
+                                        </p:tgtEl>
+                                        <p:attrNameLst>
+                                          <p:attrName>style.visibility</p:attrName>
+                                        </p:attrNameLst>
+                                      </p:cBhvr>
+                                      <p:to>
+                                        <p:strVal val="hidden"/>
+                                      </p:to>
+                                    </p:set>
+                                  </p:childTnLst>
+                                </p:cTn>
+                              </p:par>
+                              <p:par>
+                                <p:cTn id="69" presetID="1" presetClass="entr" presetSubtype="0" fill="hold" nodeType="withEffect">
+                                  <p:stCondLst>
+                                    <p:cond delay="0"/>
+                                  </p:stCondLst>
+                                  <p:childTnLst>
+                                    <p:set>
+                                      <p:cBhvr>
+                                        <p:cTn id="70" dur="1" fill="hold">
+                                          <p:stCondLst>
+                                            <p:cond delay="0"/>
+                                          </p:stCondLst>
+                                        </p:cTn>
+                                        <p:tgtEl>
+                                          <p:spTgt spid="15"/>
+                                        </p:tgtEl>
+                                        <p:attrNameLst>
+                                          <p:attrName>style.visibility</p:attrName>
+                                        </p:attrNameLst>
+                                      </p:cBhvr>
+                                      <p:to>
+                                        <p:strVal val="visible"/>
+                                      </p:to>
+                                    </p:set>
+                                  </p:childTnLst>
+                                </p:cTn>
+                              </p:par>
+                            </p:childTnLst>
+                          </p:cTn>
+                        </p:par>
+                      </p:childTnLst>
+                    </p:cTn>
+                  </p:par>
+                  <p:par>
+                    <p:cTn id="71" fill="hold">
+                      <p:stCondLst>
+                        <p:cond delay="indefinite"/>
+                      </p:stCondLst>
+                      <p:childTnLst>
+                        <p:par>
+                          <p:cTn id="72" fill="hold">
+                            <p:stCondLst>
+                              <p:cond delay="0"/>
+                            </p:stCondLst>
+                            <p:childTnLst>
+                              <p:par>
+                                <p:cTn id="73" presetID="1" presetClass="exit" presetSubtype="0" fill="hold" nodeType="clickEffect">
+                                  <p:stCondLst>
+                                    <p:cond delay="0"/>
+                                  </p:stCondLst>
+                                  <p:childTnLst>
+                                    <p:set>
+                                      <p:cBhvr>
+                                        <p:cTn id="74" dur="1" fill="hold">
+                                          <p:stCondLst>
+                                            <p:cond delay="0"/>
+                                          </p:stCondLst>
+                                        </p:cTn>
+                                        <p:tgtEl>
+                                          <p:spTgt spid="15"/>
+                                        </p:tgtEl>
+                                        <p:attrNameLst>
+                                          <p:attrName>style.visibility</p:attrName>
+                                        </p:attrNameLst>
+                                      </p:cBhvr>
+                                      <p:to>
+                                        <p:strVal val="hidden"/>
+                                      </p:to>
+                                    </p:set>
+                                  </p:childTnLst>
+                                </p:cTn>
+                              </p:par>
+                              <p:par>
+                                <p:cTn id="75" presetID="1" presetClass="entr" presetSubtype="0" fill="hold" nodeType="withEffect">
+                                  <p:stCondLst>
+                                    <p:cond delay="0"/>
+                                  </p:stCondLst>
+                                  <p:childTnLst>
+                                    <p:set>
+                                      <p:cBhvr>
+                                        <p:cTn id="76" dur="1" fill="hold">
+                                          <p:stCondLst>
+                                            <p:cond delay="0"/>
+                                          </p:stCondLst>
+                                        </p:cTn>
+                                        <p:tgtEl>
+                                          <p:spTgt spid="16"/>
+                                        </p:tgtEl>
+                                        <p:attrNameLst>
+                                          <p:attrName>style.visibility</p:attrName>
+                                        </p:attrNameLst>
+                                      </p:cBhvr>
+                                      <p:to>
+                                        <p:strVal val="visible"/>
+                                      </p:to>
+                                    </p:set>
+                                  </p:childTnLst>
+                                </p:cTn>
+                              </p:par>
+                            </p:childTnLst>
+                          </p:cTn>
+                        </p:par>
+                      </p:childTnLst>
+                    </p:cTn>
+                  </p:par>
+                  <p:par>
+                    <p:cTn id="77" fill="hold">
+                      <p:stCondLst>
+                        <p:cond delay="indefinite"/>
+                      </p:stCondLst>
+                      <p:childTnLst>
+                        <p:par>
+                          <p:cTn id="78" fill="hold">
+                            <p:stCondLst>
+                              <p:cond delay="0"/>
+                            </p:stCondLst>
+                            <p:childTnLst>
+                              <p:par>
+                                <p:cTn id="79" presetID="1" presetClass="exit" presetSubtype="0" fill="hold" nodeType="clickEffect">
+                                  <p:stCondLst>
+                                    <p:cond delay="0"/>
+                                  </p:stCondLst>
+                                  <p:childTnLst>
+                                    <p:set>
+                                      <p:cBhvr>
+                                        <p:cTn id="80" dur="1" fill="hold">
+                                          <p:stCondLst>
+                                            <p:cond delay="0"/>
+                                          </p:stCondLst>
+                                        </p:cTn>
+                                        <p:tgtEl>
+                                          <p:spTgt spid="16"/>
+                                        </p:tgtEl>
+                                        <p:attrNameLst>
+                                          <p:attrName>style.visibility</p:attrName>
+                                        </p:attrNameLst>
+                                      </p:cBhvr>
+                                      <p:to>
+                                        <p:strVal val="hidden"/>
+                                      </p:to>
+                                    </p:set>
+                                  </p:childTnLst>
+                                </p:cTn>
+                              </p:par>
+                            </p:childTnLst>
+                          </p:cTn>
+                        </p:par>
+                      </p:childTnLst>
+                    </p:cTn>
+                  </p:par>
+                </p:childTnLst>
+              </p:cTn>
+              <p:prevCondLst>
+                <p:cond evt="onPrev" delay="0">
+                  <p:tgtEl>
+                    <p:sldTgt/>
+                  </p:tgtEl>
+                </p:cond>
+              </p:prevCondLst>
+              <p:nextCondLst>
+                <p:cond evt="onNext" delay="0">
+                  <p:tgtEl>
+                    <p:sldTgt/>
+                  </p:tgtEl>
+                </p:cond>
+              </p:nextCondLst>
+            </p:seq>
+          </p:childTnLst>
+        </p:cTn>
+      </p:par>
+    </p:tnLst>
+  </p:timing>
+</p:sld>
+</file>
+
+<file path=ppt/slides/slide17.xml><?xml version="1.0" encoding="utf-8"?>
+<p:sld xmlns:a="http://schemas.openxmlformats.org/drawingml/2006/main" xmlns:r="http://schemas.openxmlformats.org/officeDocument/2006/relationships" xmlns:p="http://schemas.openxmlformats.org/presentationml/2006/main">
+  <p:cSld>
+    <p:spTree>
+      <p:nvGrpSpPr>
+        <p:cNvPr id="1" name=""/>
+        <p:cNvGrpSpPr/>
+        <p:nvPr/>
+      </p:nvGrpSpPr>
+      <p:grpSpPr>
+        <a:xfrm>
+          <a:off x="0" y="0"/>
+          <a:ext cx="0" cy="0"/>
+          <a:chOff x="0" y="0"/>
+          <a:chExt cx="0" cy="0"/>
+        </a:xfrm>
+      </p:grpSpPr>
+      <p:sp>
+        <p:nvSpPr>
+          <p:cNvPr id="3" name="Titel 2">
+            <a:extLst>
+              <a:ext uri="{FF2B5EF4-FFF2-40B4-BE49-F238E27FC236}">
+                <a16:creationId xmlns:a16="http://schemas.microsoft.com/office/drawing/2014/main" id="{DB2DDE27-5081-46AD-8B84-38FA64A48C00}"/>
+              </a:ext>
+            </a:extLst>
+          </p:cNvPr>
+          <p:cNvSpPr>
+            <a:spLocks noGrp="1"/>
+          </p:cNvSpPr>
+          <p:nvPr>
+            <p:ph type="title"/>
+          </p:nvPr>
+        </p:nvSpPr>
         <p:spPr/>
         <p:txBody>
           <a:bodyPr/>
           <a:lstStyle/>
           <a:p>
             <a:r>
-              <a:rPr lang="de-DE" dirty="0"/>
+              <a:rPr lang="de-DE"/>
               <a:t>Ende </a:t>
             </a:r>
             <a:r>
-              <a:rPr lang="de-DE" dirty="0">
+              <a:rPr lang="de-DE">
                 <a:sym typeface="Wingdings" panose="05000000000000000000" pitchFamily="2" charset="2"/>
               </a:rPr>
               <a:t></a:t>
@@ -7469,6 +9568,37 @@
           </a:p>
         </p:txBody>
       </p:sp>
+      <p:pic>
+        <p:nvPicPr>
+          <p:cNvPr id="19" name="Bildplatzhalter 18" descr="Ein Bild, das Text enthält.&#10;&#10;Automatisch generierte Beschreibung">
+            <a:extLst>
+              <a:ext uri="{FF2B5EF4-FFF2-40B4-BE49-F238E27FC236}">
+                <a16:creationId xmlns:a16="http://schemas.microsoft.com/office/drawing/2014/main" id="{2A5F4422-3C45-474D-AA87-6C324D5648CF}"/>
+              </a:ext>
+            </a:extLst>
+          </p:cNvPr>
+          <p:cNvPicPr>
+            <a:picLocks noGrp="1" noChangeAspect="1"/>
+          </p:cNvPicPr>
+          <p:nvPr>
+            <p:ph type="pic" idx="1"/>
+          </p:nvPr>
+        </p:nvPicPr>
+        <p:blipFill>
+          <a:blip r:embed="rId2">
+            <a:extLst>
+              <a:ext uri="{28A0092B-C50C-407E-A947-70E740481C1C}">
+                <a14:useLocalDpi xmlns:a14="http://schemas.microsoft.com/office/drawing/2010/main" val="0"/>
+              </a:ext>
+            </a:extLst>
+          </a:blip>
+          <a:srcRect t="22638" b="22638"/>
+          <a:stretch>
+            <a:fillRect/>
+          </a:stretch>
+        </p:blipFill>
+        <p:spPr/>
+      </p:pic>
     </p:spTree>
     <p:extLst>
       <p:ext uri="{BB962C8B-B14F-4D97-AF65-F5344CB8AC3E}">
@@ -8013,7 +10143,7 @@
           <p:nvPr/>
         </p:nvPicPr>
         <p:blipFill>
-          <a:blip r:embed="rId2">
+          <a:blip r:embed="rId3">
             <a:extLst>
               <a:ext uri="{28A0092B-C50C-407E-A947-70E740481C1C}">
                 <a14:useLocalDpi xmlns:a14="http://schemas.microsoft.com/office/drawing/2010/main" val="0"/>
@@ -8026,8 +10156,8 @@
         </p:blipFill>
         <p:spPr>
           <a:xfrm>
-            <a:off x="6252756" y="114459"/>
-            <a:ext cx="4524348" cy="6629082"/>
+            <a:off x="6214053" y="-1"/>
+            <a:ext cx="4648947" cy="6811645"/>
           </a:xfrm>
           <a:prstGeom prst="rect">
             <a:avLst/>
@@ -8096,7 +10226,7 @@
           <p:nvPr/>
         </p:nvPicPr>
         <p:blipFill>
-          <a:blip r:embed="rId3">
+          <a:blip r:embed="rId4">
             <a:extLst>
               <a:ext uri="{28A0092B-C50C-407E-A947-70E740481C1C}">
                 <a14:useLocalDpi xmlns:a14="http://schemas.microsoft.com/office/drawing/2010/main" val="0"/>
@@ -8150,7 +10280,7 @@
                 <a:solidFill>
                   <a:schemeClr val="bg1"/>
                 </a:solidFill>
-                <a:hlinkClick r:id="rId4">
+                <a:hlinkClick r:id="rId5">
                   <a:extLst>
                     <a:ext uri="{A12FA001-AC4F-418D-AE19-62706E023703}">
                       <ahyp:hlinkClr xmlns:ahyp="http://schemas.microsoft.com/office/drawing/2018/hyperlinkcolor" val="tx"/>
@@ -8165,7 +10295,7 @@
                 <a:solidFill>
                   <a:schemeClr val="bg1"/>
                 </a:solidFill>
-                <a:hlinkClick r:id="rId4">
+                <a:hlinkClick r:id="rId5">
                   <a:extLst>
                     <a:ext uri="{A12FA001-AC4F-418D-AE19-62706E023703}">
                       <ahyp:hlinkClr xmlns:ahyp="http://schemas.microsoft.com/office/drawing/2018/hyperlinkcolor" val="tx"/>
@@ -8180,7 +10310,7 @@
                 <a:solidFill>
                   <a:schemeClr val="bg1"/>
                 </a:solidFill>
-                <a:hlinkClick r:id="rId4">
+                <a:hlinkClick r:id="rId5">
                   <a:extLst>
                     <a:ext uri="{A12FA001-AC4F-418D-AE19-62706E023703}">
                       <ahyp:hlinkClr xmlns:ahyp="http://schemas.microsoft.com/office/drawing/2018/hyperlinkcolor" val="tx"/>
@@ -9043,7 +11173,7 @@
           <p:nvPr/>
         </p:nvPicPr>
         <p:blipFill>
-          <a:blip r:embed="rId2">
+          <a:blip r:embed="rId3">
             <a:extLst>
               <a:ext uri="{28A0092B-C50C-407E-A947-70E740481C1C}">
                 <a14:useLocalDpi xmlns:a14="http://schemas.microsoft.com/office/drawing/2010/main" val="0"/>

--- a/Audit 1/WS2020_SerttasPlackenhohn_Audit1.pptx
+++ b/Audit 1/WS2020_SerttasPlackenhohn_Audit1.pptx
@@ -137,6 +137,18 @@
 </p:presentation>
 </file>
 
+<file path=ppt/commentAuthors.xml><?xml version="1.0" encoding="utf-8"?>
+<p:cmAuthorLst xmlns:a="http://schemas.openxmlformats.org/drawingml/2006/main" xmlns:r="http://schemas.openxmlformats.org/officeDocument/2006/relationships" xmlns:p="http://schemas.openxmlformats.org/presentationml/2006/main">
+  <p:cmAuthor id="1" name="Eda Serttas" initials="ES" lastIdx="1" clrIdx="0">
+    <p:extLst>
+      <p:ext uri="{19B8F6BF-5375-455C-9EA6-DF929625EA0E}">
+        <p15:presenceInfo xmlns:p15="http://schemas.microsoft.com/office/powerpoint/2012/main" userId="Eda Serttas" providerId="None"/>
+      </p:ext>
+    </p:extLst>
+  </p:cmAuthor>
+</p:cmAuthorLst>
+</file>
+
 <file path=ppt/handoutMasters/handoutMaster1.xml><?xml version="1.0" encoding="utf-8"?>
 <p:handoutMaster xmlns:a="http://schemas.openxmlformats.org/drawingml/2006/main" xmlns:r="http://schemas.openxmlformats.org/officeDocument/2006/relationships" xmlns:p="http://schemas.openxmlformats.org/presentationml/2006/main">
   <p:cSld>
@@ -391,7 +403,7 @@
             <a:pPr rtl="0"/>
             <a:fld id="{BB4411EF-09CB-4E62-A9ED-59F7AB2BB401}" type="datetime1">
               <a:rPr lang="de-DE" smtClean="0"/>
-              <a:t>24.11.2020</a:t>
+              <a:t>25.11.2020</a:t>
             </a:fld>
             <a:endParaRPr lang="en-US"/>
           </a:p>
@@ -730,7 +742,7 @@
             <a:pPr rtl="0"/>
             <a:fld id="{BB4411EF-09CB-4E62-A9ED-59F7AB2BB401}" type="datetime1">
               <a:rPr lang="de-DE" smtClean="0"/>
-              <a:t>24.11.2020</a:t>
+              <a:t>25.11.2020</a:t>
             </a:fld>
             <a:endParaRPr lang="en-US"/>
           </a:p>
@@ -842,7 +854,7 @@
             <a:pPr rtl="0"/>
             <a:fld id="{BB4411EF-09CB-4E62-A9ED-59F7AB2BB401}" type="datetime1">
               <a:rPr lang="de-DE" smtClean="0"/>
-              <a:t>24.11.2020</a:t>
+              <a:t>25.11.2020</a:t>
             </a:fld>
             <a:endParaRPr lang="en-US"/>
           </a:p>
@@ -965,7 +977,7 @@
             <a:pPr rtl="0"/>
             <a:fld id="{BB4411EF-09CB-4E62-A9ED-59F7AB2BB401}" type="datetime1">
               <a:rPr lang="de-DE" smtClean="0"/>
-              <a:t>24.11.2020</a:t>
+              <a:t>25.11.2020</a:t>
             </a:fld>
             <a:endParaRPr lang="en-US"/>
           </a:p>
@@ -1255,7 +1267,7 @@
             <a:pPr rtl="0"/>
             <a:fld id="{D058F8EF-9461-4DB5-8DE8-65F0C8AF5E0D}" type="datetime1">
               <a:rPr lang="de-DE" smtClean="0"/>
-              <a:t>24.11.2020</a:t>
+              <a:t>25.11.2020</a:t>
             </a:fld>
             <a:endParaRPr lang="en-US" dirty="0"/>
           </a:p>
@@ -1447,7 +1459,7 @@
             <a:pPr rtl="0"/>
             <a:fld id="{A4B84E5B-C9E8-4DB6-BA34-0E271B709DFA}" type="datetime1">
               <a:rPr lang="de-DE" smtClean="0"/>
-              <a:t>24.11.2020</a:t>
+              <a:t>25.11.2020</a:t>
             </a:fld>
             <a:endParaRPr lang="en-US" dirty="0"/>
           </a:p>
@@ -1693,7 +1705,7 @@
             <a:pPr rtl="0"/>
             <a:fld id="{F650C74D-3EC7-4807-8009-B91685601A76}" type="datetime1">
               <a:rPr lang="de-DE" smtClean="0"/>
-              <a:t>24.11.2020</a:t>
+              <a:t>25.11.2020</a:t>
             </a:fld>
             <a:endParaRPr lang="en-US" dirty="0"/>
           </a:p>
@@ -1885,7 +1897,7 @@
             <a:pPr rtl="0"/>
             <a:fld id="{CA5E3BD6-493E-4773-AC13-EE70A9E3F498}" type="datetime1">
               <a:rPr lang="de-DE" smtClean="0"/>
-              <a:t>24.11.2020</a:t>
+              <a:t>25.11.2020</a:t>
             </a:fld>
             <a:endParaRPr lang="en-US" dirty="0"/>
           </a:p>
@@ -2262,7 +2274,7 @@
             <a:pPr rtl="0"/>
             <a:fld id="{FEE6A76B-C923-49BD-ABE7-ADE768C6F571}" type="datetime1">
               <a:rPr lang="de-DE" smtClean="0"/>
-              <a:t>24.11.2020</a:t>
+              <a:t>25.11.2020</a:t>
             </a:fld>
             <a:endParaRPr lang="en-US" dirty="0"/>
           </a:p>
@@ -2521,7 +2533,7 @@
             <a:pPr rtl="0"/>
             <a:fld id="{4CD334EC-5459-4A98-AF88-01FD6D7BAF68}" type="datetime1">
               <a:rPr lang="de-DE" smtClean="0"/>
-              <a:t>24.11.2020</a:t>
+              <a:t>25.11.2020</a:t>
             </a:fld>
             <a:endParaRPr lang="en-US" dirty="0"/>
           </a:p>
@@ -2922,7 +2934,7 @@
             <a:pPr rtl="0"/>
             <a:fld id="{62F56688-ED28-473C-871E-9EEF4BB0D1F0}" type="datetime1">
               <a:rPr lang="de-DE" smtClean="0"/>
-              <a:t>24.11.2020</a:t>
+              <a:t>25.11.2020</a:t>
             </a:fld>
             <a:endParaRPr lang="en-US" dirty="0"/>
           </a:p>
@@ -3062,7 +3074,7 @@
             <a:pPr rtl="0"/>
             <a:fld id="{F9110680-7D80-41F3-804A-113A4CB11D73}" type="datetime1">
               <a:rPr lang="de-DE" smtClean="0"/>
-              <a:t>24.11.2020</a:t>
+              <a:t>25.11.2020</a:t>
             </a:fld>
             <a:endParaRPr lang="en-US" dirty="0"/>
           </a:p>
@@ -3222,7 +3234,7 @@
             <a:pPr rtl="0"/>
             <a:fld id="{7E7F7112-C41D-45A5-B762-BC15064583EE}" type="datetime1">
               <a:rPr lang="de-DE" smtClean="0"/>
-              <a:t>24.11.2020</a:t>
+              <a:t>25.11.2020</a:t>
             </a:fld>
             <a:endParaRPr lang="en-US" dirty="0"/>
           </a:p>
@@ -3555,7 +3567,7 @@
             <a:pPr rtl="0"/>
             <a:fld id="{1CFE5CD5-4320-48E9-85AB-4E68C78D0837}" type="datetime1">
               <a:rPr lang="de-DE" smtClean="0"/>
-              <a:t>24.11.2020</a:t>
+              <a:t>25.11.2020</a:t>
             </a:fld>
             <a:endParaRPr lang="en-US" dirty="0"/>
           </a:p>
@@ -3910,7 +3922,7 @@
             <a:pPr rtl="0"/>
             <a:fld id="{4B989E5A-44CF-486A-A324-E4C01361A073}" type="datetime1">
               <a:rPr lang="de-DE" smtClean="0"/>
-              <a:t>24.11.2020</a:t>
+              <a:t>25.11.2020</a:t>
             </a:fld>
             <a:endParaRPr lang="en-US" dirty="0"/>
           </a:p>
@@ -4174,7 +4186,7 @@
             <a:pPr rtl="0"/>
             <a:fld id="{C5518B76-3D47-40C3-B678-8969E3806FFF}" type="datetime1">
               <a:rPr lang="de-DE" smtClean="0"/>
-              <a:t>24.11.2020</a:t>
+              <a:t>25.11.2020</a:t>
             </a:fld>
             <a:endParaRPr lang="en-US" dirty="0"/>
           </a:p>
@@ -5134,7 +5146,7 @@
                   <a:spcPts val="600"/>
                 </a:spcAft>
               </a:pPr>
-              <a:t>24.11.2020</a:t>
+              <a:t>25.11.2020</a:t>
             </a:fld>
             <a:endParaRPr lang="en-US"/>
           </a:p>
@@ -5663,7 +5675,7 @@
                   <a:spcPts val="600"/>
                 </a:spcAft>
               </a:pPr>
-              <a:t>24.11.2020</a:t>
+              <a:t>25.11.2020</a:t>
             </a:fld>
             <a:endParaRPr lang="en-US"/>
           </a:p>
@@ -6404,7 +6416,7 @@
                   <a:spcPts val="600"/>
                 </a:spcAft>
               </a:pPr>
-              <a:t>24.11.2020</a:t>
+              <a:t>25.11.2020</a:t>
             </a:fld>
             <a:endParaRPr lang="en-US"/>
           </a:p>
@@ -7197,7 +7209,7 @@
                   <a:spcPts val="600"/>
                 </a:spcAft>
               </a:pPr>
-              <a:t>24.11.2020</a:t>
+              <a:t>25.11.2020</a:t>
             </a:fld>
             <a:endParaRPr lang="en-US"/>
           </a:p>
@@ -7285,7 +7297,7 @@
             <a:pPr rtl="0"/>
             <a:fld id="{F9110680-7D80-41F3-804A-113A4CB11D73}" type="datetime1">
               <a:rPr lang="de-DE" smtClean="0"/>
-              <a:t>24.11.2020</a:t>
+              <a:t>25.11.2020</a:t>
             </a:fld>
             <a:endParaRPr lang="en-US" dirty="0"/>
           </a:p>
@@ -7306,7 +7318,7 @@
         <p:spPr>
           <a:xfrm>
             <a:off x="1167765" y="1976189"/>
-            <a:ext cx="9719310" cy="4293483"/>
+            <a:ext cx="9719310" cy="4539704"/>
           </a:xfrm>
           <a:prstGeom prst="rect">
             <a:avLst/>
@@ -7320,6 +7332,21 @@
           <a:lstStyle/>
           <a:p>
             <a:pPr algn="l">
+              <a:buFont typeface="Arial" panose="020B0604020202020204" pitchFamily="34" charset="0"/>
+              <a:buChar char="•"/>
+            </a:pPr>
+            <a:r>
+              <a:rPr lang="de-DE" sz="1700" dirty="0">
+                <a:solidFill>
+                  <a:srgbClr val="24292E"/>
+                </a:solidFill>
+                <a:latin typeface="-apple-system"/>
+              </a:rPr>
+              <a:t> Wenn wir uns auf eine App fokussieren, aber diesen nicht Entwickeln können.</a:t>
+            </a:r>
+          </a:p>
+          <a:p>
+            <a:pPr>
               <a:buFont typeface="Arial" panose="020B0604020202020204" pitchFamily="34" charset="0"/>
               <a:buChar char="•"/>
             </a:pPr>
@@ -7682,7 +7709,7 @@
             <a:pPr rtl="0"/>
             <a:fld id="{F9110680-7D80-41F3-804A-113A4CB11D73}" type="datetime1">
               <a:rPr lang="de-DE" smtClean="0"/>
-              <a:t>24.11.2020</a:t>
+              <a:t>25.11.2020</a:t>
             </a:fld>
             <a:endParaRPr lang="en-US" dirty="0"/>
           </a:p>
@@ -7927,7 +7954,7 @@
             <a:pPr rtl="0"/>
             <a:fld id="{F9110680-7D80-41F3-804A-113A4CB11D73}" type="datetime1">
               <a:rPr lang="de-DE" smtClean="0"/>
-              <a:t>24.11.2020</a:t>
+              <a:t>25.11.2020</a:t>
             </a:fld>
             <a:endParaRPr lang="en-US" dirty="0"/>
           </a:p>
@@ -9562,7 +9589,7 @@
             <a:pPr rtl="0"/>
             <a:fld id="{4B989E5A-44CF-486A-A324-E4C01361A073}" type="datetime1">
               <a:rPr lang="de-DE" smtClean="0"/>
-              <a:t>24.11.2020</a:t>
+              <a:t>25.11.2020</a:t>
             </a:fld>
             <a:endParaRPr lang="en-US" dirty="0"/>
           </a:p>
@@ -10057,7 +10084,7 @@
             <a:pPr rtl="0"/>
             <a:fld id="{CA5E3BD6-493E-4773-AC13-EE70A9E3F498}" type="datetime1">
               <a:rPr lang="de-DE" smtClean="0"/>
-              <a:t>24.11.2020</a:t>
+              <a:t>25.11.2020</a:t>
             </a:fld>
             <a:endParaRPr lang="en-US" dirty="0"/>
           </a:p>
@@ -10205,7 +10232,7 @@
                   <a:spcPts val="600"/>
                 </a:spcAft>
               </a:pPr>
-              <a:t>24.11.2020</a:t>
+              <a:t>25.11.2020</a:t>
             </a:fld>
             <a:endParaRPr lang="en-US"/>
           </a:p>
@@ -10410,7 +10437,7 @@
             <a:pPr rtl="0"/>
             <a:fld id="{F9110680-7D80-41F3-804A-113A4CB11D73}" type="datetime1">
               <a:rPr lang="de-DE" smtClean="0"/>
-              <a:t>24.11.2020</a:t>
+              <a:t>25.11.2020</a:t>
             </a:fld>
             <a:endParaRPr lang="en-US" dirty="0"/>
           </a:p>
@@ -10766,7 +10793,7 @@
             <a:pPr rtl="0"/>
             <a:fld id="{F9110680-7D80-41F3-804A-113A4CB11D73}" type="datetime1">
               <a:rPr lang="de-DE" smtClean="0"/>
-              <a:t>24.11.2020</a:t>
+              <a:t>25.11.2020</a:t>
             </a:fld>
             <a:endParaRPr lang="en-US" dirty="0"/>
           </a:p>
@@ -11047,7 +11074,7 @@
                   <a:spcPts val="600"/>
                 </a:spcAft>
               </a:pPr>
-              <a:t>24.11.2020</a:t>
+              <a:t>25.11.2020</a:t>
             </a:fld>
             <a:endParaRPr lang="en-US"/>
           </a:p>
@@ -11333,7 +11360,7 @@
                   <a:spcPts val="600"/>
                 </a:spcAft>
               </a:pPr>
-              <a:t>24.11.2020</a:t>
+              <a:t>25.11.2020</a:t>
             </a:fld>
             <a:endParaRPr lang="en-US"/>
           </a:p>
@@ -11687,7 +11714,7 @@
                   <a:spcPts val="600"/>
                 </a:spcAft>
               </a:pPr>
-              <a:t>24.11.2020</a:t>
+              <a:t>25.11.2020</a:t>
             </a:fld>
             <a:endParaRPr lang="en-US"/>
           </a:p>

--- a/Audit 1/WS2020_SerttasPlackenhohn_Audit1.pptx
+++ b/Audit 1/WS2020_SerttasPlackenhohn_Audit1.pptx
@@ -785,6 +785,462 @@
 </p:notes>
 </file>
 
+<file path=ppt/notesSlides/notesSlide10.xml><?xml version="1.0" encoding="utf-8"?>
+<p:notes xmlns:a="http://schemas.openxmlformats.org/drawingml/2006/main" xmlns:r="http://schemas.openxmlformats.org/officeDocument/2006/relationships" xmlns:p="http://schemas.openxmlformats.org/presentationml/2006/main">
+  <p:cSld>
+    <p:spTree>
+      <p:nvGrpSpPr>
+        <p:cNvPr id="1" name=""/>
+        <p:cNvGrpSpPr/>
+        <p:nvPr/>
+      </p:nvGrpSpPr>
+      <p:grpSpPr>
+        <a:xfrm>
+          <a:off x="0" y="0"/>
+          <a:ext cx="0" cy="0"/>
+          <a:chOff x="0" y="0"/>
+          <a:chExt cx="0" cy="0"/>
+        </a:xfrm>
+      </p:grpSpPr>
+      <p:sp>
+        <p:nvSpPr>
+          <p:cNvPr id="2" name="Folienbildplatzhalter 1"/>
+          <p:cNvSpPr>
+            <a:spLocks noGrp="1" noRot="1" noChangeAspect="1"/>
+          </p:cNvSpPr>
+          <p:nvPr>
+            <p:ph type="sldImg"/>
+          </p:nvPr>
+        </p:nvSpPr>
+        <p:spPr/>
+      </p:sp>
+      <p:sp>
+        <p:nvSpPr>
+          <p:cNvPr id="3" name="Notizenplatzhalter 2"/>
+          <p:cNvSpPr>
+            <a:spLocks noGrp="1"/>
+          </p:cNvSpPr>
+          <p:nvPr>
+            <p:ph type="body" idx="1"/>
+          </p:nvPr>
+        </p:nvSpPr>
+        <p:spPr/>
+        <p:txBody>
+          <a:bodyPr/>
+          <a:lstStyle/>
+          <a:p>
+            <a:r>
+              <a:rPr lang="de-DE" dirty="0"/>
+              <a:t>Das Alleinstellungsmerkmal ist wichtig um von anderen Systemen herauszuragen und das unser System einzigartig ist. Um auf dem Markt bekannter zu werden und den Kunden von unserem System zu überzeugen, ist es uns wichtig ein Alleinstellungsmerkmal zu haben. Hierbei haben wir uns für 8 Alleinstellungsmerkmale entschieden. </a:t>
+            </a:r>
+          </a:p>
+        </p:txBody>
+      </p:sp>
+      <p:sp>
+        <p:nvSpPr>
+          <p:cNvPr id="4" name="Datumsplatzhalter 3"/>
+          <p:cNvSpPr>
+            <a:spLocks noGrp="1"/>
+          </p:cNvSpPr>
+          <p:nvPr>
+            <p:ph type="dt" idx="1"/>
+          </p:nvPr>
+        </p:nvSpPr>
+        <p:spPr/>
+        <p:txBody>
+          <a:bodyPr/>
+          <a:lstStyle/>
+          <a:p>
+            <a:pPr rtl="0"/>
+            <a:fld id="{BB4411EF-09CB-4E62-A9ED-59F7AB2BB401}" type="datetime1">
+              <a:rPr lang="de-DE" smtClean="0"/>
+              <a:t>25.11.2020</a:t>
+            </a:fld>
+            <a:endParaRPr lang="en-US"/>
+          </a:p>
+        </p:txBody>
+      </p:sp>
+      <p:sp>
+        <p:nvSpPr>
+          <p:cNvPr id="5" name="Foliennummernplatzhalter 4"/>
+          <p:cNvSpPr>
+            <a:spLocks noGrp="1"/>
+          </p:cNvSpPr>
+          <p:nvPr>
+            <p:ph type="sldNum" sz="quarter" idx="5"/>
+          </p:nvPr>
+        </p:nvSpPr>
+        <p:spPr/>
+        <p:txBody>
+          <a:bodyPr/>
+          <a:lstStyle/>
+          <a:p>
+            <a:pPr rtl="0"/>
+            <a:fld id="{9C2B151B-D7D1-48E5-8230-5AADBC794F88}" type="slidenum">
+              <a:rPr lang="en-US" smtClean="0"/>
+              <a:t>13</a:t>
+            </a:fld>
+            <a:endParaRPr lang="en-US"/>
+          </a:p>
+        </p:txBody>
+      </p:sp>
+    </p:spTree>
+    <p:extLst>
+      <p:ext uri="{BB962C8B-B14F-4D97-AF65-F5344CB8AC3E}">
+        <p14:creationId xmlns:p14="http://schemas.microsoft.com/office/powerpoint/2010/main" val="2880888902"/>
+      </p:ext>
+    </p:extLst>
+  </p:cSld>
+  <p:clrMapOvr>
+    <a:masterClrMapping/>
+  </p:clrMapOvr>
+</p:notes>
+</file>
+
+<file path=ppt/notesSlides/notesSlide11.xml><?xml version="1.0" encoding="utf-8"?>
+<p:notes xmlns:a="http://schemas.openxmlformats.org/drawingml/2006/main" xmlns:r="http://schemas.openxmlformats.org/officeDocument/2006/relationships" xmlns:p="http://schemas.openxmlformats.org/presentationml/2006/main">
+  <p:cSld>
+    <p:spTree>
+      <p:nvGrpSpPr>
+        <p:cNvPr id="1" name=""/>
+        <p:cNvGrpSpPr/>
+        <p:nvPr/>
+      </p:nvGrpSpPr>
+      <p:grpSpPr>
+        <a:xfrm>
+          <a:off x="0" y="0"/>
+          <a:ext cx="0" cy="0"/>
+          <a:chOff x="0" y="0"/>
+          <a:chExt cx="0" cy="0"/>
+        </a:xfrm>
+      </p:grpSpPr>
+      <p:sp>
+        <p:nvSpPr>
+          <p:cNvPr id="2" name="Folienbildplatzhalter 1"/>
+          <p:cNvSpPr>
+            <a:spLocks noGrp="1" noRot="1" noChangeAspect="1"/>
+          </p:cNvSpPr>
+          <p:nvPr>
+            <p:ph type="sldImg"/>
+          </p:nvPr>
+        </p:nvSpPr>
+        <p:spPr/>
+      </p:sp>
+      <p:sp>
+        <p:nvSpPr>
+          <p:cNvPr id="3" name="Notizenplatzhalter 2"/>
+          <p:cNvSpPr>
+            <a:spLocks noGrp="1"/>
+          </p:cNvSpPr>
+          <p:nvPr>
+            <p:ph type="body" idx="1"/>
+          </p:nvPr>
+        </p:nvSpPr>
+        <p:spPr/>
+        <p:txBody>
+          <a:bodyPr/>
+          <a:lstStyle/>
+          <a:p>
+            <a:r>
+              <a:rPr lang="de-DE" dirty="0"/>
+              <a:t>Die Risikoanalyse dient dazu, um die Risiken während des Projekts bewerten zu können. Wir haben uns dafür entschieden diese miteinzubauen, damit wir uns Vorbereiten können, falls ein solches Risiko eintritt. Vor allem soll durch die Risikoanalyse, das Risiko vermieden werden, sodass wir auf keine bzw. nur wenige Risiken während des Projekts stoßen. </a:t>
+            </a:r>
+          </a:p>
+        </p:txBody>
+      </p:sp>
+      <p:sp>
+        <p:nvSpPr>
+          <p:cNvPr id="4" name="Datumsplatzhalter 3"/>
+          <p:cNvSpPr>
+            <a:spLocks noGrp="1"/>
+          </p:cNvSpPr>
+          <p:nvPr>
+            <p:ph type="dt" idx="1"/>
+          </p:nvPr>
+        </p:nvSpPr>
+        <p:spPr/>
+        <p:txBody>
+          <a:bodyPr/>
+          <a:lstStyle/>
+          <a:p>
+            <a:pPr rtl="0"/>
+            <a:fld id="{BB4411EF-09CB-4E62-A9ED-59F7AB2BB401}" type="datetime1">
+              <a:rPr lang="de-DE" smtClean="0"/>
+              <a:t>25.11.2020</a:t>
+            </a:fld>
+            <a:endParaRPr lang="en-US"/>
+          </a:p>
+        </p:txBody>
+      </p:sp>
+      <p:sp>
+        <p:nvSpPr>
+          <p:cNvPr id="5" name="Foliennummernplatzhalter 4"/>
+          <p:cNvSpPr>
+            <a:spLocks noGrp="1"/>
+          </p:cNvSpPr>
+          <p:nvPr>
+            <p:ph type="sldNum" sz="quarter" idx="5"/>
+          </p:nvPr>
+        </p:nvSpPr>
+        <p:spPr/>
+        <p:txBody>
+          <a:bodyPr/>
+          <a:lstStyle/>
+          <a:p>
+            <a:pPr rtl="0"/>
+            <a:fld id="{9C2B151B-D7D1-48E5-8230-5AADBC794F88}" type="slidenum">
+              <a:rPr lang="en-US" smtClean="0"/>
+              <a:t>14</a:t>
+            </a:fld>
+            <a:endParaRPr lang="en-US"/>
+          </a:p>
+        </p:txBody>
+      </p:sp>
+    </p:spTree>
+    <p:extLst>
+      <p:ext uri="{BB962C8B-B14F-4D97-AF65-F5344CB8AC3E}">
+        <p14:creationId xmlns:p14="http://schemas.microsoft.com/office/powerpoint/2010/main" val="2021694564"/>
+      </p:ext>
+    </p:extLst>
+  </p:cSld>
+  <p:clrMapOvr>
+    <a:masterClrMapping/>
+  </p:clrMapOvr>
+</p:notes>
+</file>
+
+<file path=ppt/notesSlides/notesSlide12.xml><?xml version="1.0" encoding="utf-8"?>
+<p:notes xmlns:a="http://schemas.openxmlformats.org/drawingml/2006/main" xmlns:r="http://schemas.openxmlformats.org/officeDocument/2006/relationships" xmlns:p="http://schemas.openxmlformats.org/presentationml/2006/main">
+  <p:cSld>
+    <p:spTree>
+      <p:nvGrpSpPr>
+        <p:cNvPr id="1" name=""/>
+        <p:cNvGrpSpPr/>
+        <p:nvPr/>
+      </p:nvGrpSpPr>
+      <p:grpSpPr>
+        <a:xfrm>
+          <a:off x="0" y="0"/>
+          <a:ext cx="0" cy="0"/>
+          <a:chOff x="0" y="0"/>
+          <a:chExt cx="0" cy="0"/>
+        </a:xfrm>
+      </p:grpSpPr>
+      <p:sp>
+        <p:nvSpPr>
+          <p:cNvPr id="2" name="Folienbildplatzhalter 1"/>
+          <p:cNvSpPr>
+            <a:spLocks noGrp="1" noRot="1" noChangeAspect="1"/>
+          </p:cNvSpPr>
+          <p:nvPr>
+            <p:ph type="sldImg"/>
+          </p:nvPr>
+        </p:nvSpPr>
+        <p:spPr/>
+      </p:sp>
+      <p:sp>
+        <p:nvSpPr>
+          <p:cNvPr id="3" name="Notizenplatzhalter 2"/>
+          <p:cNvSpPr>
+            <a:spLocks noGrp="1"/>
+          </p:cNvSpPr>
+          <p:nvPr>
+            <p:ph type="body" idx="1"/>
+          </p:nvPr>
+        </p:nvSpPr>
+        <p:spPr/>
+        <p:txBody>
+          <a:bodyPr/>
+          <a:lstStyle/>
+          <a:p>
+            <a:r>
+              <a:rPr lang="de-DE" dirty="0"/>
+              <a:t>Das POC hilft dabei, die Funktionen zu testen und bei einem Fehlerfall auf was andere zuzugreifen. Damit wir die Funktionen testen können und bis zum zweiten Audit schon wissen, welche Funktionen wir testen wollen und uns nicht noch weiter damit aufhalten, haben wie die Spezifikation des ersten technischen Proof-</a:t>
+            </a:r>
+            <a:r>
+              <a:rPr lang="de-DE" dirty="0" err="1"/>
+              <a:t>of</a:t>
+            </a:r>
+            <a:r>
+              <a:rPr lang="de-DE" dirty="0"/>
+              <a:t>-Concept entwickelt.</a:t>
+            </a:r>
+          </a:p>
+        </p:txBody>
+      </p:sp>
+      <p:sp>
+        <p:nvSpPr>
+          <p:cNvPr id="4" name="Datumsplatzhalter 3"/>
+          <p:cNvSpPr>
+            <a:spLocks noGrp="1"/>
+          </p:cNvSpPr>
+          <p:nvPr>
+            <p:ph type="dt" idx="1"/>
+          </p:nvPr>
+        </p:nvSpPr>
+        <p:spPr/>
+        <p:txBody>
+          <a:bodyPr/>
+          <a:lstStyle/>
+          <a:p>
+            <a:pPr rtl="0"/>
+            <a:fld id="{BB4411EF-09CB-4E62-A9ED-59F7AB2BB401}" type="datetime1">
+              <a:rPr lang="de-DE" smtClean="0"/>
+              <a:t>25.11.2020</a:t>
+            </a:fld>
+            <a:endParaRPr lang="en-US"/>
+          </a:p>
+        </p:txBody>
+      </p:sp>
+      <p:sp>
+        <p:nvSpPr>
+          <p:cNvPr id="5" name="Foliennummernplatzhalter 4"/>
+          <p:cNvSpPr>
+            <a:spLocks noGrp="1"/>
+          </p:cNvSpPr>
+          <p:nvPr>
+            <p:ph type="sldNum" sz="quarter" idx="5"/>
+          </p:nvPr>
+        </p:nvSpPr>
+        <p:spPr/>
+        <p:txBody>
+          <a:bodyPr/>
+          <a:lstStyle/>
+          <a:p>
+            <a:pPr rtl="0"/>
+            <a:fld id="{9C2B151B-D7D1-48E5-8230-5AADBC794F88}" type="slidenum">
+              <a:rPr lang="en-US" smtClean="0"/>
+              <a:t>15</a:t>
+            </a:fld>
+            <a:endParaRPr lang="en-US"/>
+          </a:p>
+        </p:txBody>
+      </p:sp>
+    </p:spTree>
+    <p:extLst>
+      <p:ext uri="{BB962C8B-B14F-4D97-AF65-F5344CB8AC3E}">
+        <p14:creationId xmlns:p14="http://schemas.microsoft.com/office/powerpoint/2010/main" val="3475839022"/>
+      </p:ext>
+    </p:extLst>
+  </p:cSld>
+  <p:clrMapOvr>
+    <a:masterClrMapping/>
+  </p:clrMapOvr>
+</p:notes>
+</file>
+
+<file path=ppt/notesSlides/notesSlide13.xml><?xml version="1.0" encoding="utf-8"?>
+<p:notes xmlns:a="http://schemas.openxmlformats.org/drawingml/2006/main" xmlns:r="http://schemas.openxmlformats.org/officeDocument/2006/relationships" xmlns:p="http://schemas.openxmlformats.org/presentationml/2006/main">
+  <p:cSld>
+    <p:spTree>
+      <p:nvGrpSpPr>
+        <p:cNvPr id="1" name=""/>
+        <p:cNvGrpSpPr/>
+        <p:nvPr/>
+      </p:nvGrpSpPr>
+      <p:grpSpPr>
+        <a:xfrm>
+          <a:off x="0" y="0"/>
+          <a:ext cx="0" cy="0"/>
+          <a:chOff x="0" y="0"/>
+          <a:chExt cx="0" cy="0"/>
+        </a:xfrm>
+      </p:grpSpPr>
+      <p:sp>
+        <p:nvSpPr>
+          <p:cNvPr id="2" name="Folienbildplatzhalter 1"/>
+          <p:cNvSpPr>
+            <a:spLocks noGrp="1" noRot="1" noChangeAspect="1"/>
+          </p:cNvSpPr>
+          <p:nvPr>
+            <p:ph type="sldImg"/>
+          </p:nvPr>
+        </p:nvSpPr>
+        <p:spPr/>
+      </p:sp>
+      <p:sp>
+        <p:nvSpPr>
+          <p:cNvPr id="3" name="Notizenplatzhalter 2"/>
+          <p:cNvSpPr>
+            <a:spLocks noGrp="1"/>
+          </p:cNvSpPr>
+          <p:nvPr>
+            <p:ph type="body" idx="1"/>
+          </p:nvPr>
+        </p:nvSpPr>
+        <p:spPr/>
+        <p:txBody>
+          <a:bodyPr/>
+          <a:lstStyle/>
+          <a:p>
+            <a:r>
+              <a:rPr lang="de-DE" dirty="0"/>
+              <a:t>Um zu wissen, was wir machen, wenn etwas nicht Funktioniert haben wir schon weitere Fallbacks aufgestellt.</a:t>
+            </a:r>
+          </a:p>
+        </p:txBody>
+      </p:sp>
+      <p:sp>
+        <p:nvSpPr>
+          <p:cNvPr id="4" name="Datumsplatzhalter 3"/>
+          <p:cNvSpPr>
+            <a:spLocks noGrp="1"/>
+          </p:cNvSpPr>
+          <p:nvPr>
+            <p:ph type="dt" idx="1"/>
+          </p:nvPr>
+        </p:nvSpPr>
+        <p:spPr/>
+        <p:txBody>
+          <a:bodyPr/>
+          <a:lstStyle/>
+          <a:p>
+            <a:pPr rtl="0"/>
+            <a:fld id="{BB4411EF-09CB-4E62-A9ED-59F7AB2BB401}" type="datetime1">
+              <a:rPr lang="de-DE" smtClean="0"/>
+              <a:t>25.11.2020</a:t>
+            </a:fld>
+            <a:endParaRPr lang="en-US"/>
+          </a:p>
+        </p:txBody>
+      </p:sp>
+      <p:sp>
+        <p:nvSpPr>
+          <p:cNvPr id="5" name="Foliennummernplatzhalter 4"/>
+          <p:cNvSpPr>
+            <a:spLocks noGrp="1"/>
+          </p:cNvSpPr>
+          <p:nvPr>
+            <p:ph type="sldNum" sz="quarter" idx="5"/>
+          </p:nvPr>
+        </p:nvSpPr>
+        <p:spPr/>
+        <p:txBody>
+          <a:bodyPr/>
+          <a:lstStyle/>
+          <a:p>
+            <a:pPr rtl="0"/>
+            <a:fld id="{9C2B151B-D7D1-48E5-8230-5AADBC794F88}" type="slidenum">
+              <a:rPr lang="en-US" smtClean="0"/>
+              <a:t>16</a:t>
+            </a:fld>
+            <a:endParaRPr lang="en-US"/>
+          </a:p>
+        </p:txBody>
+      </p:sp>
+    </p:spTree>
+    <p:extLst>
+      <p:ext uri="{BB962C8B-B14F-4D97-AF65-F5344CB8AC3E}">
+        <p14:creationId xmlns:p14="http://schemas.microsoft.com/office/powerpoint/2010/main" val="211577566"/>
+      </p:ext>
+    </p:extLst>
+  </p:cSld>
+  <p:clrMapOvr>
+    <a:masterClrMapping/>
+  </p:clrMapOvr>
+</p:notes>
+</file>
+
 <file path=ppt/notesSlides/notesSlide2.xml><?xml version="1.0" encoding="utf-8"?>
 <p:notes xmlns:a="http://schemas.openxmlformats.org/drawingml/2006/main" xmlns:r="http://schemas.openxmlformats.org/officeDocument/2006/relationships" xmlns:p="http://schemas.openxmlformats.org/presentationml/2006/main">
   <p:cSld>
@@ -831,7 +1287,7 @@
           <a:p>
             <a:r>
               <a:rPr lang="de-DE" dirty="0"/>
-              <a:t>Das Domänenmodell stellt den Problemraum dar und die alternative Optionen dazu.</a:t>
+              <a:t>Einmal haben wir uns dafür entschieden, verschiedene Anforderungen herauszuarbeiten. Die Anforderungen helfen uns bei der Umsetzung des Projekts. Wir wissen nun wo wir bei der technischen Umsetzung achten müssen.</a:t>
             </a:r>
           </a:p>
         </p:txBody>
@@ -878,7 +1334,7 @@
             <a:pPr rtl="0"/>
             <a:fld id="{9C2B151B-D7D1-48E5-8230-5AADBC794F88}" type="slidenum">
               <a:rPr lang="en-US" smtClean="0"/>
-              <a:t>8</a:t>
+              <a:t>5</a:t>
             </a:fld>
             <a:endParaRPr lang="en-US"/>
           </a:p>
@@ -887,7 +1343,7 @@
     </p:spTree>
     <p:extLst>
       <p:ext uri="{BB962C8B-B14F-4D97-AF65-F5344CB8AC3E}">
-        <p14:creationId xmlns:p14="http://schemas.microsoft.com/office/powerpoint/2010/main" val="3309831270"/>
+        <p14:creationId xmlns:p14="http://schemas.microsoft.com/office/powerpoint/2010/main" val="2532233064"/>
       </p:ext>
     </p:extLst>
   </p:cSld>
@@ -943,19 +1399,23 @@
           <a:p>
             <a:r>
               <a:rPr lang="de-DE" dirty="0"/>
-              <a:t>Das Use-Case </a:t>
-            </a:r>
-            <a:r>
-              <a:rPr lang="de-DE" b="0" i="0" dirty="0">
-                <a:solidFill>
-                  <a:srgbClr val="202124"/>
-                </a:solidFill>
-                <a:effectLst/>
-                <a:latin typeface="arial" panose="020B0604020202020204" pitchFamily="34" charset="0"/>
-              </a:rPr>
-              <a:t>beschreibt das Szenario, die bei der Interaktion der Akteuren mit dem System eintreten können.</a:t>
-            </a:r>
+              <a:t>Um unser Ziel erfolgreich zu verfolgen, haben wir allgemeine Projektziele, sowie die Zielgruppe herausgearbeitet. Durch das Projektziel konnten wir schauen, was unser System beinhalten muss und worauf wir uns am besten fokussieren. Auch während der technischen Entwicklung kann man immer wieder das Ziel verfolgen, ohne abzuschweifen. Die Projekteziele sind außerdem dafür da, um zu sehen, ob man das Projekt erfolgreich abgeschlossen wurde oder ob noch etwas fehlt. Durch das festlegen von Zielen ist man motivierter und freut sich um so mehr diese zu erreichen.</a:t>
+            </a:r>
+          </a:p>
+          <a:p>
             <a:endParaRPr lang="de-DE" dirty="0"/>
+          </a:p>
+          <a:p>
+            <a:r>
+              <a:rPr lang="de-DE" dirty="0"/>
+              <a:t>Durch das festlegend er Zielgruppe können wir uns auf die Probleme dieser konzentrieren. Durch die Festlegung der Zielgruppe sprechen wir explizit die Menschen an, die an Stress leiden, entspannen möchten, genug trinken möchten und evtl. Gleichzeitig mit jemandem sprechen möchten, den sie nicht kennen. Wir möchten eine Lösung für ein spezielles Problem finden und legen deswegen eine Zielgruppe fest. So werden genau die Menschen mit unserem System angesprochen, auf die wir uns konzentrieren. </a:t>
+            </a:r>
+          </a:p>
+          <a:p>
+            <a:r>
+              <a:rPr lang="de-DE" dirty="0"/>
+              <a:t>Auch für das Design ist die Zielgruppe wichtig. Da jede Altersgruppe angesprochen wird, sollte das Design nicht verspielt sein und eher schlicht. Es müssen sowohl jüngere, als auch ältere mit unserem System klar kommen. Also auch ältere Menschen, die sich nicht so gut mit einer Webseite/ App auskennen. </a:t>
+            </a:r>
           </a:p>
         </p:txBody>
       </p:sp>
@@ -1001,6 +1461,478 @@
             <a:pPr rtl="0"/>
             <a:fld id="{9C2B151B-D7D1-48E5-8230-5AADBC794F88}" type="slidenum">
               <a:rPr lang="en-US" smtClean="0"/>
+              <a:t>6</a:t>
+            </a:fld>
+            <a:endParaRPr lang="en-US"/>
+          </a:p>
+        </p:txBody>
+      </p:sp>
+    </p:spTree>
+    <p:extLst>
+      <p:ext uri="{BB962C8B-B14F-4D97-AF65-F5344CB8AC3E}">
+        <p14:creationId xmlns:p14="http://schemas.microsoft.com/office/powerpoint/2010/main" val="49203264"/>
+      </p:ext>
+    </p:extLst>
+  </p:cSld>
+  <p:clrMapOvr>
+    <a:masterClrMapping/>
+  </p:clrMapOvr>
+</p:notes>
+</file>
+
+<file path=ppt/notesSlides/notesSlide4.xml><?xml version="1.0" encoding="utf-8"?>
+<p:notes xmlns:a="http://schemas.openxmlformats.org/drawingml/2006/main" xmlns:r="http://schemas.openxmlformats.org/officeDocument/2006/relationships" xmlns:p="http://schemas.openxmlformats.org/presentationml/2006/main">
+  <p:cSld>
+    <p:spTree>
+      <p:nvGrpSpPr>
+        <p:cNvPr id="1" name=""/>
+        <p:cNvGrpSpPr/>
+        <p:nvPr/>
+      </p:nvGrpSpPr>
+      <p:grpSpPr>
+        <a:xfrm>
+          <a:off x="0" y="0"/>
+          <a:ext cx="0" cy="0"/>
+          <a:chOff x="0" y="0"/>
+          <a:chExt cx="0" cy="0"/>
+        </a:xfrm>
+      </p:grpSpPr>
+      <p:sp>
+        <p:nvSpPr>
+          <p:cNvPr id="2" name="Folienbildplatzhalter 1"/>
+          <p:cNvSpPr>
+            <a:spLocks noGrp="1" noRot="1" noChangeAspect="1"/>
+          </p:cNvSpPr>
+          <p:nvPr>
+            <p:ph type="sldImg"/>
+          </p:nvPr>
+        </p:nvSpPr>
+        <p:spPr/>
+      </p:sp>
+      <p:sp>
+        <p:nvSpPr>
+          <p:cNvPr id="3" name="Notizenplatzhalter 2"/>
+          <p:cNvSpPr>
+            <a:spLocks noGrp="1"/>
+          </p:cNvSpPr>
+          <p:nvPr>
+            <p:ph type="body" idx="1"/>
+          </p:nvPr>
+        </p:nvSpPr>
+        <p:spPr/>
+        <p:txBody>
+          <a:bodyPr/>
+          <a:lstStyle/>
+          <a:p>
+            <a:r>
+              <a:rPr lang="de-DE" dirty="0"/>
+              <a:t>Das Problemszenario wurde erstellt, um die Probleme aufzudecken und das System einmal in einem Alltag darzustellen. </a:t>
+            </a:r>
+            <a:br>
+              <a:rPr lang="de-DE" dirty="0"/>
+            </a:br>
+            <a:r>
+              <a:rPr lang="de-DE" dirty="0"/>
+              <a:t>Das Problemszenario hilft ebenfalls bei der Verwirklichung unseres Systems. Außerdem hilft es dabei zu sehen, ob bei unseren ersten Ideen für das System, alles bedacht wurde oder ob etwas fehlt und die Umsetzung so möglich ist.</a:t>
+            </a:r>
+          </a:p>
+        </p:txBody>
+      </p:sp>
+      <p:sp>
+        <p:nvSpPr>
+          <p:cNvPr id="4" name="Datumsplatzhalter 3"/>
+          <p:cNvSpPr>
+            <a:spLocks noGrp="1"/>
+          </p:cNvSpPr>
+          <p:nvPr>
+            <p:ph type="dt" idx="1"/>
+          </p:nvPr>
+        </p:nvSpPr>
+        <p:spPr/>
+        <p:txBody>
+          <a:bodyPr/>
+          <a:lstStyle/>
+          <a:p>
+            <a:pPr rtl="0"/>
+            <a:fld id="{BB4411EF-09CB-4E62-A9ED-59F7AB2BB401}" type="datetime1">
+              <a:rPr lang="de-DE" smtClean="0"/>
+              <a:t>25.11.2020</a:t>
+            </a:fld>
+            <a:endParaRPr lang="en-US"/>
+          </a:p>
+        </p:txBody>
+      </p:sp>
+      <p:sp>
+        <p:nvSpPr>
+          <p:cNvPr id="5" name="Foliennummernplatzhalter 4"/>
+          <p:cNvSpPr>
+            <a:spLocks noGrp="1"/>
+          </p:cNvSpPr>
+          <p:nvPr>
+            <p:ph type="sldNum" sz="quarter" idx="5"/>
+          </p:nvPr>
+        </p:nvSpPr>
+        <p:spPr/>
+        <p:txBody>
+          <a:bodyPr/>
+          <a:lstStyle/>
+          <a:p>
+            <a:pPr rtl="0"/>
+            <a:fld id="{9C2B151B-D7D1-48E5-8230-5AADBC794F88}" type="slidenum">
+              <a:rPr lang="en-US" smtClean="0"/>
+              <a:t>7</a:t>
+            </a:fld>
+            <a:endParaRPr lang="en-US"/>
+          </a:p>
+        </p:txBody>
+      </p:sp>
+    </p:spTree>
+    <p:extLst>
+      <p:ext uri="{BB962C8B-B14F-4D97-AF65-F5344CB8AC3E}">
+        <p14:creationId xmlns:p14="http://schemas.microsoft.com/office/powerpoint/2010/main" val="55197314"/>
+      </p:ext>
+    </p:extLst>
+  </p:cSld>
+  <p:clrMapOvr>
+    <a:masterClrMapping/>
+  </p:clrMapOvr>
+</p:notes>
+</file>
+
+<file path=ppt/notesSlides/notesSlide5.xml><?xml version="1.0" encoding="utf-8"?>
+<p:notes xmlns:a="http://schemas.openxmlformats.org/drawingml/2006/main" xmlns:r="http://schemas.openxmlformats.org/officeDocument/2006/relationships" xmlns:p="http://schemas.openxmlformats.org/presentationml/2006/main">
+  <p:cSld>
+    <p:spTree>
+      <p:nvGrpSpPr>
+        <p:cNvPr id="1" name=""/>
+        <p:cNvGrpSpPr/>
+        <p:nvPr/>
+      </p:nvGrpSpPr>
+      <p:grpSpPr>
+        <a:xfrm>
+          <a:off x="0" y="0"/>
+          <a:ext cx="0" cy="0"/>
+          <a:chOff x="0" y="0"/>
+          <a:chExt cx="0" cy="0"/>
+        </a:xfrm>
+      </p:grpSpPr>
+      <p:sp>
+        <p:nvSpPr>
+          <p:cNvPr id="2" name="Folienbildplatzhalter 1"/>
+          <p:cNvSpPr>
+            <a:spLocks noGrp="1" noRot="1" noChangeAspect="1"/>
+          </p:cNvSpPr>
+          <p:nvPr>
+            <p:ph type="sldImg"/>
+          </p:nvPr>
+        </p:nvSpPr>
+        <p:spPr/>
+      </p:sp>
+      <p:sp>
+        <p:nvSpPr>
+          <p:cNvPr id="3" name="Notizenplatzhalter 2"/>
+          <p:cNvSpPr>
+            <a:spLocks noGrp="1"/>
+          </p:cNvSpPr>
+          <p:nvPr>
+            <p:ph type="body" idx="1"/>
+          </p:nvPr>
+        </p:nvSpPr>
+        <p:spPr/>
+        <p:txBody>
+          <a:bodyPr/>
+          <a:lstStyle/>
+          <a:p>
+            <a:r>
+              <a:rPr lang="de-DE" dirty="0"/>
+              <a:t>Das Domänenmodell stellt den Problemraum dar und die alternative Optionen dazu.</a:t>
+            </a:r>
+          </a:p>
+          <a:p>
+            <a:r>
+              <a:rPr lang="de-DE" dirty="0"/>
+              <a:t>Das Domänenmodell enthält die Entitäten und deren Eigenschaften. Ebenfalls enthält das Domänenmodell die Beziehungen zwischen den Entitäten. Durch das Domänenmodell stellen wir die Kommunikation der einzelnen Domänen sicher.</a:t>
+            </a:r>
+          </a:p>
+        </p:txBody>
+      </p:sp>
+      <p:sp>
+        <p:nvSpPr>
+          <p:cNvPr id="4" name="Datumsplatzhalter 3"/>
+          <p:cNvSpPr>
+            <a:spLocks noGrp="1"/>
+          </p:cNvSpPr>
+          <p:nvPr>
+            <p:ph type="dt" idx="1"/>
+          </p:nvPr>
+        </p:nvSpPr>
+        <p:spPr/>
+        <p:txBody>
+          <a:bodyPr/>
+          <a:lstStyle/>
+          <a:p>
+            <a:pPr rtl="0"/>
+            <a:fld id="{BB4411EF-09CB-4E62-A9ED-59F7AB2BB401}" type="datetime1">
+              <a:rPr lang="de-DE" smtClean="0"/>
+              <a:t>25.11.2020</a:t>
+            </a:fld>
+            <a:endParaRPr lang="en-US"/>
+          </a:p>
+        </p:txBody>
+      </p:sp>
+      <p:sp>
+        <p:nvSpPr>
+          <p:cNvPr id="5" name="Foliennummernplatzhalter 4"/>
+          <p:cNvSpPr>
+            <a:spLocks noGrp="1"/>
+          </p:cNvSpPr>
+          <p:nvPr>
+            <p:ph type="sldNum" sz="quarter" idx="5"/>
+          </p:nvPr>
+        </p:nvSpPr>
+        <p:spPr/>
+        <p:txBody>
+          <a:bodyPr/>
+          <a:lstStyle/>
+          <a:p>
+            <a:pPr rtl="0"/>
+            <a:fld id="{9C2B151B-D7D1-48E5-8230-5AADBC794F88}" type="slidenum">
+              <a:rPr lang="en-US" smtClean="0"/>
+              <a:t>8</a:t>
+            </a:fld>
+            <a:endParaRPr lang="en-US"/>
+          </a:p>
+        </p:txBody>
+      </p:sp>
+    </p:spTree>
+    <p:extLst>
+      <p:ext uri="{BB962C8B-B14F-4D97-AF65-F5344CB8AC3E}">
+        <p14:creationId xmlns:p14="http://schemas.microsoft.com/office/powerpoint/2010/main" val="3309831270"/>
+      </p:ext>
+    </p:extLst>
+  </p:cSld>
+  <p:clrMapOvr>
+    <a:masterClrMapping/>
+  </p:clrMapOvr>
+</p:notes>
+</file>
+
+<file path=ppt/notesSlides/notesSlide6.xml><?xml version="1.0" encoding="utf-8"?>
+<p:notes xmlns:a="http://schemas.openxmlformats.org/drawingml/2006/main" xmlns:r="http://schemas.openxmlformats.org/officeDocument/2006/relationships" xmlns:p="http://schemas.openxmlformats.org/presentationml/2006/main">
+  <p:cSld>
+    <p:spTree>
+      <p:nvGrpSpPr>
+        <p:cNvPr id="1" name=""/>
+        <p:cNvGrpSpPr/>
+        <p:nvPr/>
+      </p:nvGrpSpPr>
+      <p:grpSpPr>
+        <a:xfrm>
+          <a:off x="0" y="0"/>
+          <a:ext cx="0" cy="0"/>
+          <a:chOff x="0" y="0"/>
+          <a:chExt cx="0" cy="0"/>
+        </a:xfrm>
+      </p:grpSpPr>
+      <p:sp>
+        <p:nvSpPr>
+          <p:cNvPr id="2" name="Folienbildplatzhalter 1"/>
+          <p:cNvSpPr>
+            <a:spLocks noGrp="1" noRot="1" noChangeAspect="1"/>
+          </p:cNvSpPr>
+          <p:nvPr>
+            <p:ph type="sldImg"/>
+          </p:nvPr>
+        </p:nvSpPr>
+        <p:spPr/>
+      </p:sp>
+      <p:sp>
+        <p:nvSpPr>
+          <p:cNvPr id="3" name="Notizenplatzhalter 2"/>
+          <p:cNvSpPr>
+            <a:spLocks noGrp="1"/>
+          </p:cNvSpPr>
+          <p:nvPr>
+            <p:ph type="body" idx="1"/>
+          </p:nvPr>
+        </p:nvSpPr>
+        <p:spPr/>
+        <p:txBody>
+          <a:bodyPr/>
+          <a:lstStyle/>
+          <a:p>
+            <a:r>
+              <a:rPr lang="de-DE" dirty="0"/>
+              <a:t>Die Anwendungslogik stellt die Funktionen des Systems dar. Diese haben wir erstellt um ein Use-Case zu entwerfen. </a:t>
+            </a:r>
+          </a:p>
+        </p:txBody>
+      </p:sp>
+      <p:sp>
+        <p:nvSpPr>
+          <p:cNvPr id="4" name="Datumsplatzhalter 3"/>
+          <p:cNvSpPr>
+            <a:spLocks noGrp="1"/>
+          </p:cNvSpPr>
+          <p:nvPr>
+            <p:ph type="dt" idx="1"/>
+          </p:nvPr>
+        </p:nvSpPr>
+        <p:spPr/>
+        <p:txBody>
+          <a:bodyPr/>
+          <a:lstStyle/>
+          <a:p>
+            <a:pPr rtl="0"/>
+            <a:fld id="{BB4411EF-09CB-4E62-A9ED-59F7AB2BB401}" type="datetime1">
+              <a:rPr lang="de-DE" smtClean="0"/>
+              <a:t>25.11.2020</a:t>
+            </a:fld>
+            <a:endParaRPr lang="en-US"/>
+          </a:p>
+        </p:txBody>
+      </p:sp>
+      <p:sp>
+        <p:nvSpPr>
+          <p:cNvPr id="5" name="Foliennummernplatzhalter 4"/>
+          <p:cNvSpPr>
+            <a:spLocks noGrp="1"/>
+          </p:cNvSpPr>
+          <p:nvPr>
+            <p:ph type="sldNum" sz="quarter" idx="5"/>
+          </p:nvPr>
+        </p:nvSpPr>
+        <p:spPr/>
+        <p:txBody>
+          <a:bodyPr/>
+          <a:lstStyle/>
+          <a:p>
+            <a:pPr rtl="0"/>
+            <a:fld id="{9C2B151B-D7D1-48E5-8230-5AADBC794F88}" type="slidenum">
+              <a:rPr lang="en-US" smtClean="0"/>
+              <a:t>9</a:t>
+            </a:fld>
+            <a:endParaRPr lang="en-US"/>
+          </a:p>
+        </p:txBody>
+      </p:sp>
+    </p:spTree>
+    <p:extLst>
+      <p:ext uri="{BB962C8B-B14F-4D97-AF65-F5344CB8AC3E}">
+        <p14:creationId xmlns:p14="http://schemas.microsoft.com/office/powerpoint/2010/main" val="803057226"/>
+      </p:ext>
+    </p:extLst>
+  </p:cSld>
+  <p:clrMapOvr>
+    <a:masterClrMapping/>
+  </p:clrMapOvr>
+</p:notes>
+</file>
+
+<file path=ppt/notesSlides/notesSlide7.xml><?xml version="1.0" encoding="utf-8"?>
+<p:notes xmlns:a="http://schemas.openxmlformats.org/drawingml/2006/main" xmlns:r="http://schemas.openxmlformats.org/officeDocument/2006/relationships" xmlns:p="http://schemas.openxmlformats.org/presentationml/2006/main">
+  <p:cSld>
+    <p:spTree>
+      <p:nvGrpSpPr>
+        <p:cNvPr id="1" name=""/>
+        <p:cNvGrpSpPr/>
+        <p:nvPr/>
+      </p:nvGrpSpPr>
+      <p:grpSpPr>
+        <a:xfrm>
+          <a:off x="0" y="0"/>
+          <a:ext cx="0" cy="0"/>
+          <a:chOff x="0" y="0"/>
+          <a:chExt cx="0" cy="0"/>
+        </a:xfrm>
+      </p:grpSpPr>
+      <p:sp>
+        <p:nvSpPr>
+          <p:cNvPr id="2" name="Folienbildplatzhalter 1"/>
+          <p:cNvSpPr>
+            <a:spLocks noGrp="1" noRot="1" noChangeAspect="1"/>
+          </p:cNvSpPr>
+          <p:nvPr>
+            <p:ph type="sldImg"/>
+          </p:nvPr>
+        </p:nvSpPr>
+        <p:spPr/>
+      </p:sp>
+      <p:sp>
+        <p:nvSpPr>
+          <p:cNvPr id="3" name="Notizenplatzhalter 2"/>
+          <p:cNvSpPr>
+            <a:spLocks noGrp="1"/>
+          </p:cNvSpPr>
+          <p:nvPr>
+            <p:ph type="body" idx="1"/>
+          </p:nvPr>
+        </p:nvSpPr>
+        <p:spPr/>
+        <p:txBody>
+          <a:bodyPr/>
+          <a:lstStyle/>
+          <a:p>
+            <a:r>
+              <a:rPr lang="de-DE" dirty="0"/>
+              <a:t>Das Use-Case </a:t>
+            </a:r>
+            <a:r>
+              <a:rPr lang="de-DE" b="0" i="0" dirty="0">
+                <a:solidFill>
+                  <a:srgbClr val="202124"/>
+                </a:solidFill>
+                <a:effectLst/>
+                <a:latin typeface="arial" panose="020B0604020202020204" pitchFamily="34" charset="0"/>
+              </a:rPr>
+              <a:t>beschreibt das Szenario, die bei der Interaktion der Akteuren mit dem System eintreten können.</a:t>
+            </a:r>
+            <a:endParaRPr lang="de-DE" dirty="0"/>
+          </a:p>
+        </p:txBody>
+      </p:sp>
+      <p:sp>
+        <p:nvSpPr>
+          <p:cNvPr id="4" name="Datumsplatzhalter 3"/>
+          <p:cNvSpPr>
+            <a:spLocks noGrp="1"/>
+          </p:cNvSpPr>
+          <p:nvPr>
+            <p:ph type="dt" idx="1"/>
+          </p:nvPr>
+        </p:nvSpPr>
+        <p:spPr/>
+        <p:txBody>
+          <a:bodyPr/>
+          <a:lstStyle/>
+          <a:p>
+            <a:pPr rtl="0"/>
+            <a:fld id="{BB4411EF-09CB-4E62-A9ED-59F7AB2BB401}" type="datetime1">
+              <a:rPr lang="de-DE" smtClean="0"/>
+              <a:t>25.11.2020</a:t>
+            </a:fld>
+            <a:endParaRPr lang="en-US"/>
+          </a:p>
+        </p:txBody>
+      </p:sp>
+      <p:sp>
+        <p:nvSpPr>
+          <p:cNvPr id="5" name="Foliennummernplatzhalter 4"/>
+          <p:cNvSpPr>
+            <a:spLocks noGrp="1"/>
+          </p:cNvSpPr>
+          <p:nvPr>
+            <p:ph type="sldNum" sz="quarter" idx="5"/>
+          </p:nvPr>
+        </p:nvSpPr>
+        <p:spPr/>
+        <p:txBody>
+          <a:bodyPr/>
+          <a:lstStyle/>
+          <a:p>
+            <a:pPr rtl="0"/>
+            <a:fld id="{9C2B151B-D7D1-48E5-8230-5AADBC794F88}" type="slidenum">
+              <a:rPr lang="en-US" smtClean="0"/>
               <a:t>10</a:t>
             </a:fld>
             <a:endParaRPr lang="en-US"/>
@@ -1011,6 +1943,236 @@
     <p:extLst>
       <p:ext uri="{BB962C8B-B14F-4D97-AF65-F5344CB8AC3E}">
         <p14:creationId xmlns:p14="http://schemas.microsoft.com/office/powerpoint/2010/main" val="1618018227"/>
+      </p:ext>
+    </p:extLst>
+  </p:cSld>
+  <p:clrMapOvr>
+    <a:masterClrMapping/>
+  </p:clrMapOvr>
+</p:notes>
+</file>
+
+<file path=ppt/notesSlides/notesSlide8.xml><?xml version="1.0" encoding="utf-8"?>
+<p:notes xmlns:a="http://schemas.openxmlformats.org/drawingml/2006/main" xmlns:r="http://schemas.openxmlformats.org/officeDocument/2006/relationships" xmlns:p="http://schemas.openxmlformats.org/presentationml/2006/main">
+  <p:cSld>
+    <p:spTree>
+      <p:nvGrpSpPr>
+        <p:cNvPr id="1" name=""/>
+        <p:cNvGrpSpPr/>
+        <p:nvPr/>
+      </p:nvGrpSpPr>
+      <p:grpSpPr>
+        <a:xfrm>
+          <a:off x="0" y="0"/>
+          <a:ext cx="0" cy="0"/>
+          <a:chOff x="0" y="0"/>
+          <a:chExt cx="0" cy="0"/>
+        </a:xfrm>
+      </p:grpSpPr>
+      <p:sp>
+        <p:nvSpPr>
+          <p:cNvPr id="2" name="Folienbildplatzhalter 1"/>
+          <p:cNvSpPr>
+            <a:spLocks noGrp="1" noRot="1" noChangeAspect="1"/>
+          </p:cNvSpPr>
+          <p:nvPr>
+            <p:ph type="sldImg"/>
+          </p:nvPr>
+        </p:nvSpPr>
+        <p:spPr/>
+      </p:sp>
+      <p:sp>
+        <p:nvSpPr>
+          <p:cNvPr id="3" name="Notizenplatzhalter 2"/>
+          <p:cNvSpPr>
+            <a:spLocks noGrp="1"/>
+          </p:cNvSpPr>
+          <p:nvPr>
+            <p:ph type="body" idx="1"/>
+          </p:nvPr>
+        </p:nvSpPr>
+        <p:spPr/>
+        <p:txBody>
+          <a:bodyPr/>
+          <a:lstStyle/>
+          <a:p>
+            <a:r>
+              <a:rPr lang="de-DE" dirty="0"/>
+              <a:t>Eine Konkurrenzanalyse ist wichtig, um sein Alleinstellungsmerkmal herauszuarbeiten. Hierdurch können wir unsere Konkurrenten einschätzen und schauen was wir anders machen können. Damit unser System von anderen abhebt, muss ebenso eine Konkurrenzanalyse durchgeführt werden. Es sollte kein System entwickelt werden, welches es schon gibt, da sonst kaum jemand unser System nutzt. So können wir schauen, was wir bei der Umsetzung unseres Systems verbessern und ändern können. </a:t>
+            </a:r>
+          </a:p>
+        </p:txBody>
+      </p:sp>
+      <p:sp>
+        <p:nvSpPr>
+          <p:cNvPr id="4" name="Datumsplatzhalter 3"/>
+          <p:cNvSpPr>
+            <a:spLocks noGrp="1"/>
+          </p:cNvSpPr>
+          <p:nvPr>
+            <p:ph type="dt" idx="1"/>
+          </p:nvPr>
+        </p:nvSpPr>
+        <p:spPr/>
+        <p:txBody>
+          <a:bodyPr/>
+          <a:lstStyle/>
+          <a:p>
+            <a:pPr rtl="0"/>
+            <a:fld id="{BB4411EF-09CB-4E62-A9ED-59F7AB2BB401}" type="datetime1">
+              <a:rPr lang="de-DE" smtClean="0"/>
+              <a:t>25.11.2020</a:t>
+            </a:fld>
+            <a:endParaRPr lang="en-US"/>
+          </a:p>
+        </p:txBody>
+      </p:sp>
+      <p:sp>
+        <p:nvSpPr>
+          <p:cNvPr id="5" name="Foliennummernplatzhalter 4"/>
+          <p:cNvSpPr>
+            <a:spLocks noGrp="1"/>
+          </p:cNvSpPr>
+          <p:nvPr>
+            <p:ph type="sldNum" sz="quarter" idx="5"/>
+          </p:nvPr>
+        </p:nvSpPr>
+        <p:spPr/>
+        <p:txBody>
+          <a:bodyPr/>
+          <a:lstStyle/>
+          <a:p>
+            <a:pPr rtl="0"/>
+            <a:fld id="{9C2B151B-D7D1-48E5-8230-5AADBC794F88}" type="slidenum">
+              <a:rPr lang="en-US" smtClean="0"/>
+              <a:t>11</a:t>
+            </a:fld>
+            <a:endParaRPr lang="en-US"/>
+          </a:p>
+        </p:txBody>
+      </p:sp>
+    </p:spTree>
+    <p:extLst>
+      <p:ext uri="{BB962C8B-B14F-4D97-AF65-F5344CB8AC3E}">
+        <p14:creationId xmlns:p14="http://schemas.microsoft.com/office/powerpoint/2010/main" val="4288848860"/>
+      </p:ext>
+    </p:extLst>
+  </p:cSld>
+  <p:clrMapOvr>
+    <a:masterClrMapping/>
+  </p:clrMapOvr>
+</p:notes>
+</file>
+
+<file path=ppt/notesSlides/notesSlide9.xml><?xml version="1.0" encoding="utf-8"?>
+<p:notes xmlns:a="http://schemas.openxmlformats.org/drawingml/2006/main" xmlns:r="http://schemas.openxmlformats.org/officeDocument/2006/relationships" xmlns:p="http://schemas.openxmlformats.org/presentationml/2006/main">
+  <p:cSld>
+    <p:spTree>
+      <p:nvGrpSpPr>
+        <p:cNvPr id="1" name=""/>
+        <p:cNvGrpSpPr/>
+        <p:nvPr/>
+      </p:nvGrpSpPr>
+      <p:grpSpPr>
+        <a:xfrm>
+          <a:off x="0" y="0"/>
+          <a:ext cx="0" cy="0"/>
+          <a:chOff x="0" y="0"/>
+          <a:chExt cx="0" cy="0"/>
+        </a:xfrm>
+      </p:grpSpPr>
+      <p:sp>
+        <p:nvSpPr>
+          <p:cNvPr id="2" name="Folienbildplatzhalter 1"/>
+          <p:cNvSpPr>
+            <a:spLocks noGrp="1" noRot="1" noChangeAspect="1"/>
+          </p:cNvSpPr>
+          <p:nvPr>
+            <p:ph type="sldImg"/>
+          </p:nvPr>
+        </p:nvSpPr>
+        <p:spPr/>
+      </p:sp>
+      <p:sp>
+        <p:nvSpPr>
+          <p:cNvPr id="3" name="Notizenplatzhalter 2"/>
+          <p:cNvSpPr>
+            <a:spLocks noGrp="1"/>
+          </p:cNvSpPr>
+          <p:nvPr>
+            <p:ph type="body" idx="1"/>
+          </p:nvPr>
+        </p:nvSpPr>
+        <p:spPr/>
+        <p:txBody>
+          <a:bodyPr/>
+          <a:lstStyle/>
+          <a:p>
+            <a:r>
+              <a:rPr lang="de-DE" dirty="0"/>
+              <a:t>Wir haben uns entschieden die Analyse für den Wasser Trinkwecker und drei Meditations-Apps durchzuführen. Da wir ein System entwickeln, das beides beinhaltet, ist es für uns wichtig zu wissen, was die App ausmacht. </a:t>
+            </a:r>
+          </a:p>
+          <a:p>
+            <a:r>
+              <a:rPr lang="de-DE" dirty="0"/>
+              <a:t>Wir haben uns für den Trinkwecker entschieden, da dieser verschiedene Funktionen hat und wir damit schon schauen könne, was wir denn ändern oder besser machen können. Außerdem haben wir uns für 3 große Unternehmen zum Meditieren entschieden, da diese viele verschiedene Funktionen anbieten. So können wir besser schauen, was unser Alleinstellungsmerkmal ist.</a:t>
+            </a:r>
+          </a:p>
+        </p:txBody>
+      </p:sp>
+      <p:sp>
+        <p:nvSpPr>
+          <p:cNvPr id="4" name="Datumsplatzhalter 3"/>
+          <p:cNvSpPr>
+            <a:spLocks noGrp="1"/>
+          </p:cNvSpPr>
+          <p:nvPr>
+            <p:ph type="dt" idx="1"/>
+          </p:nvPr>
+        </p:nvSpPr>
+        <p:spPr/>
+        <p:txBody>
+          <a:bodyPr/>
+          <a:lstStyle/>
+          <a:p>
+            <a:pPr rtl="0"/>
+            <a:fld id="{BB4411EF-09CB-4E62-A9ED-59F7AB2BB401}" type="datetime1">
+              <a:rPr lang="de-DE" smtClean="0"/>
+              <a:t>25.11.2020</a:t>
+            </a:fld>
+            <a:endParaRPr lang="en-US"/>
+          </a:p>
+        </p:txBody>
+      </p:sp>
+      <p:sp>
+        <p:nvSpPr>
+          <p:cNvPr id="5" name="Foliennummernplatzhalter 4"/>
+          <p:cNvSpPr>
+            <a:spLocks noGrp="1"/>
+          </p:cNvSpPr>
+          <p:nvPr>
+            <p:ph type="sldNum" sz="quarter" idx="5"/>
+          </p:nvPr>
+        </p:nvSpPr>
+        <p:spPr/>
+        <p:txBody>
+          <a:bodyPr/>
+          <a:lstStyle/>
+          <a:p>
+            <a:pPr rtl="0"/>
+            <a:fld id="{9C2B151B-D7D1-48E5-8230-5AADBC794F88}" type="slidenum">
+              <a:rPr lang="en-US" smtClean="0"/>
+              <a:t>12</a:t>
+            </a:fld>
+            <a:endParaRPr lang="en-US"/>
+          </a:p>
+        </p:txBody>
+      </p:sp>
+    </p:spTree>
+    <p:extLst>
+      <p:ext uri="{BB962C8B-B14F-4D97-AF65-F5344CB8AC3E}">
+        <p14:creationId xmlns:p14="http://schemas.microsoft.com/office/powerpoint/2010/main" val="1051614078"/>
       </p:ext>
     </p:extLst>
   </p:cSld>
@@ -7975,7 +9137,7 @@
           <p:nvPr/>
         </p:nvPicPr>
         <p:blipFill>
-          <a:blip r:embed="rId2">
+          <a:blip r:embed="rId3">
             <a:extLst>
               <a:ext uri="{28A0092B-C50C-407E-A947-70E740481C1C}">
                 <a14:useLocalDpi xmlns:a14="http://schemas.microsoft.com/office/drawing/2010/main" val="0"/>
@@ -8011,7 +9173,7 @@
           <p:nvPr/>
         </p:nvPicPr>
         <p:blipFill>
-          <a:blip r:embed="rId3">
+          <a:blip r:embed="rId4">
             <a:extLst>
               <a:ext uri="{28A0092B-C50C-407E-A947-70E740481C1C}">
                 <a14:useLocalDpi xmlns:a14="http://schemas.microsoft.com/office/drawing/2010/main" val="0"/>
@@ -8047,7 +9209,7 @@
           <p:nvPr/>
         </p:nvPicPr>
         <p:blipFill>
-          <a:blip r:embed="rId4">
+          <a:blip r:embed="rId5">
             <a:extLst>
               <a:ext uri="{28A0092B-C50C-407E-A947-70E740481C1C}">
                 <a14:useLocalDpi xmlns:a14="http://schemas.microsoft.com/office/drawing/2010/main" val="0"/>
@@ -8083,7 +9245,7 @@
           <p:nvPr/>
         </p:nvPicPr>
         <p:blipFill>
-          <a:blip r:embed="rId5">
+          <a:blip r:embed="rId6">
             <a:extLst>
               <a:ext uri="{28A0092B-C50C-407E-A947-70E740481C1C}">
                 <a14:useLocalDpi xmlns:a14="http://schemas.microsoft.com/office/drawing/2010/main" val="0"/>
@@ -8119,7 +9281,7 @@
           <p:nvPr/>
         </p:nvPicPr>
         <p:blipFill>
-          <a:blip r:embed="rId6">
+          <a:blip r:embed="rId7">
             <a:extLst>
               <a:ext uri="{28A0092B-C50C-407E-A947-70E740481C1C}">
                 <a14:useLocalDpi xmlns:a14="http://schemas.microsoft.com/office/drawing/2010/main" val="0"/>
@@ -8155,7 +9317,7 @@
           <p:nvPr/>
         </p:nvPicPr>
         <p:blipFill>
-          <a:blip r:embed="rId7">
+          <a:blip r:embed="rId8">
             <a:extLst>
               <a:ext uri="{28A0092B-C50C-407E-A947-70E740481C1C}">
                 <a14:useLocalDpi xmlns:a14="http://schemas.microsoft.com/office/drawing/2010/main" val="0"/>
@@ -8191,7 +9353,7 @@
           <p:nvPr/>
         </p:nvPicPr>
         <p:blipFill>
-          <a:blip r:embed="rId8">
+          <a:blip r:embed="rId9">
             <a:extLst>
               <a:ext uri="{28A0092B-C50C-407E-A947-70E740481C1C}">
                 <a14:useLocalDpi xmlns:a14="http://schemas.microsoft.com/office/drawing/2010/main" val="0"/>
@@ -8227,7 +9389,7 @@
           <p:nvPr/>
         </p:nvPicPr>
         <p:blipFill>
-          <a:blip r:embed="rId9">
+          <a:blip r:embed="rId10">
             <a:extLst>
               <a:ext uri="{28A0092B-C50C-407E-A947-70E740481C1C}">
                 <a14:useLocalDpi xmlns:a14="http://schemas.microsoft.com/office/drawing/2010/main" val="0"/>
@@ -8263,7 +9425,7 @@
           <p:nvPr/>
         </p:nvPicPr>
         <p:blipFill>
-          <a:blip r:embed="rId10">
+          <a:blip r:embed="rId11">
             <a:extLst>
               <a:ext uri="{28A0092B-C50C-407E-A947-70E740481C1C}">
                 <a14:useLocalDpi xmlns:a14="http://schemas.microsoft.com/office/drawing/2010/main" val="0"/>
@@ -8299,7 +9461,7 @@
           <p:nvPr/>
         </p:nvPicPr>
         <p:blipFill>
-          <a:blip r:embed="rId11">
+          <a:blip r:embed="rId12">
             <a:extLst>
               <a:ext uri="{28A0092B-C50C-407E-A947-70E740481C1C}">
                 <a14:useLocalDpi xmlns:a14="http://schemas.microsoft.com/office/drawing/2010/main" val="0"/>
@@ -8335,7 +9497,7 @@
           <p:nvPr/>
         </p:nvPicPr>
         <p:blipFill>
-          <a:blip r:embed="rId12">
+          <a:blip r:embed="rId13">
             <a:extLst>
               <a:ext uri="{28A0092B-C50C-407E-A947-70E740481C1C}">
                 <a14:useLocalDpi xmlns:a14="http://schemas.microsoft.com/office/drawing/2010/main" val="0"/>
@@ -8371,7 +9533,7 @@
           <p:nvPr/>
         </p:nvPicPr>
         <p:blipFill>
-          <a:blip r:embed="rId13">
+          <a:blip r:embed="rId14">
             <a:extLst>
               <a:ext uri="{28A0092B-C50C-407E-A947-70E740481C1C}">
                 <a14:useLocalDpi xmlns:a14="http://schemas.microsoft.com/office/drawing/2010/main" val="0"/>
@@ -8407,7 +9569,7 @@
           <p:nvPr/>
         </p:nvPicPr>
         <p:blipFill>
-          <a:blip r:embed="rId14">
+          <a:blip r:embed="rId15">
             <a:extLst>
               <a:ext uri="{28A0092B-C50C-407E-A947-70E740481C1C}">
                 <a14:useLocalDpi xmlns:a14="http://schemas.microsoft.com/office/drawing/2010/main" val="0"/>
@@ -9624,7 +10786,12 @@
             <a:fillRect/>
           </a:stretch>
         </p:blipFill>
-        <p:spPr/>
+        <p:spPr>
+          <a:xfrm>
+            <a:off x="15" y="-2"/>
+            <a:ext cx="12191985" cy="4578350"/>
+          </a:xfrm>
+        </p:spPr>
       </p:pic>
     </p:spTree>
     <p:extLst>
@@ -10541,7 +11708,7 @@
                 <a:latin typeface="-apple-system"/>
                 <a:sym typeface="Wingdings" panose="05000000000000000000" pitchFamily="2" charset="2"/>
               </a:rPr>
-              <a:t> Fehler und Abstürze verhindern</a:t>
+              <a:t>    Fehler und Abstürze verhindern</a:t>
             </a:r>
             <a:br>
               <a:rPr lang="de-DE" sz="1200" dirty="0">
@@ -10574,7 +11741,7 @@
                 <a:latin typeface="-apple-system"/>
                 <a:sym typeface="Wingdings" panose="05000000000000000000" pitchFamily="2" charset="2"/>
               </a:rPr>
-              <a:t> Akku schonend</a:t>
+              <a:t>   Akku schonend</a:t>
             </a:r>
             <a:br>
               <a:rPr lang="de-DE" sz="1200" dirty="0">
@@ -10604,7 +11771,7 @@
                 <a:latin typeface="-apple-system"/>
                 <a:sym typeface="Wingdings" panose="05000000000000000000" pitchFamily="2" charset="2"/>
               </a:rPr>
-              <a:t> Daten verschlüsselt aufbewahren</a:t>
+              <a:t>    Daten verschlüsselt aufbewahren</a:t>
             </a:r>
             <a:br>
               <a:rPr lang="de-DE" sz="1200" dirty="0">
@@ -10634,7 +11801,7 @@
                 <a:latin typeface="-apple-system"/>
                 <a:sym typeface="Wingdings" panose="05000000000000000000" pitchFamily="2" charset="2"/>
               </a:rPr>
-              <a:t> Eingabe bis zur ersten Reaktion darf 0,5 Sek., bis zur ersten Ausgabe 5 Sek. Nicht überschreiten </a:t>
+              <a:t>    Eingabe bis zur ersten Reaktion darf 0,5 Sek., bis zur ersten Ausgabe 5 Sek. Nicht überschreiten </a:t>
             </a:r>
             <a:br>
               <a:rPr lang="de-DE" sz="1200" dirty="0">
@@ -10664,7 +11831,7 @@
                 <a:latin typeface="-apple-system"/>
                 <a:sym typeface="Wingdings" panose="05000000000000000000" pitchFamily="2" charset="2"/>
               </a:rPr>
-              <a:t> Benutzerfreundliche Oberfläche</a:t>
+              <a:t>    Benutzerfreundliche Oberfläche</a:t>
             </a:r>
           </a:p>
           <a:p>
@@ -11095,7 +12262,7 @@
           <p:nvPr/>
         </p:nvPicPr>
         <p:blipFill>
-          <a:blip r:embed="rId2">
+          <a:blip r:embed="rId3">
             <a:extLst>
               <a:ext uri="{28A0092B-C50C-407E-A947-70E740481C1C}">
                 <a14:useLocalDpi xmlns:a14="http://schemas.microsoft.com/office/drawing/2010/main" val="0"/>

--- a/Audit 1/WS2020_SerttasPlackenhohn_Audit1.pptx
+++ b/Audit 1/WS2020_SerttasPlackenhohn_Audit1.pptx
@@ -1055,7 +1055,7 @@
           <a:p>
             <a:r>
               <a:rPr lang="de-DE" dirty="0"/>
-              <a:t>Das POC hilft dabei, die Funktionen zu testen und bei einem Fehlerfall auf was andere zuzugreifen. Damit wir die Funktionen testen können und bis zum zweiten Audit schon wissen, welche Funktionen wir testen wollen und uns nicht noch weiter damit aufhalten, haben wie die Spezifikation des ersten technischen Proof-</a:t>
+              <a:t>Das POC hilft dabei, die Funktionen zu testen und stellt dabei alternativen für mögliche Fehlerfälle auf, auf die man dann zugreifen könnte. Damit wir die Funktionen testen können und bis zum zweiten Audit schon wissen, welche Funktionen wir testen wollen und uns nicht noch weiter damit aufhalten, haben wie die Spezifikation des ersten technischen Proof-</a:t>
             </a:r>
             <a:r>
               <a:rPr lang="de-DE" dirty="0" err="1"/>
@@ -1654,6 +1654,15 @@
               <a:t>Das Domänenmodell enthält die Entitäten und deren Eigenschaften. Ebenfalls enthält das Domänenmodell die Beziehungen zwischen den Entitäten. Durch das Domänenmodell stellen wir die Kommunikation der einzelnen Domänen sicher.</a:t>
             </a:r>
           </a:p>
+          <a:p>
+            <a:endParaRPr lang="de-DE" dirty="0"/>
+          </a:p>
+          <a:p>
+            <a:r>
+              <a:rPr lang="de-DE" dirty="0"/>
+              <a:t>Die aufgelisteten Stakeholder sind die Akteure die mit unserem System interagieren/ unser System nutzen. </a:t>
+            </a:r>
+          </a:p>
         </p:txBody>
       </p:sp>
       <p:sp>
@@ -1885,7 +1894,7 @@
                 <a:effectLst/>
                 <a:latin typeface="arial" panose="020B0604020202020204" pitchFamily="34" charset="0"/>
               </a:rPr>
-              <a:t>beschreibt das Szenario, die bei der Interaktion der Akteuren mit dem System eintreten können.</a:t>
+              <a:t>beschreibt das Szenario, die bei der Interaktion der Akteuren mit dem System eintreten können. In diesem Use-Case wurden die wichtigsten Funktionen und ein kurzer Ablauf des Systems dargestellt.</a:t>
             </a:r>
             <a:endParaRPr lang="de-DE" dirty="0"/>
           </a:p>
@@ -8208,7 +8217,7 @@
                 </a:solidFill>
                 <a:latin typeface="-apple-system"/>
               </a:rPr>
-              <a:t>Übungen, Musik, Hörbücher etc. werden sortiert. Z.B. nach 	Stresskategorie, Zeit usw.</a:t>
+              <a:t>Übungen, Musik, Hörbücher etc. werden sortiert. z.B. nach 	Stresskategorie, Zeit usw.</a:t>
             </a:r>
           </a:p>
           <a:p>
@@ -8232,7 +8241,7 @@
                 </a:solidFill>
                 <a:latin typeface="-apple-system"/>
               </a:rPr>
-              <a:t>Auswertung am ende der Woche und des Monats</a:t>
+              <a:t>Auswertung am Ende der Woche und des Monats</a:t>
             </a:r>
           </a:p>
           <a:p>

--- a/Audit 1/WS2020_SerttasPlackenhohn_Audit1.pptx
+++ b/Audit 1/WS2020_SerttasPlackenhohn_Audit1.pptx
@@ -233,7 +233,7 @@
             <a:pPr rtl="0"/>
             <a:fld id="{7260543F-C6AC-4A94-9181-2A0B47128E40}" type="datetime1">
               <a:rPr lang="de-DE" smtClean="0"/>
-              <a:t>25.11.2020</a:t>
+              <a:t>26.11.2020</a:t>
             </a:fld>
             <a:endParaRPr lang="en-US" dirty="0"/>
           </a:p>
@@ -403,7 +403,7 @@
             <a:pPr rtl="0"/>
             <a:fld id="{BB4411EF-09CB-4E62-A9ED-59F7AB2BB401}" type="datetime1">
               <a:rPr lang="de-DE" smtClean="0"/>
-              <a:t>25.11.2020</a:t>
+              <a:t>26.11.2020</a:t>
             </a:fld>
             <a:endParaRPr lang="en-US"/>
           </a:p>
@@ -742,7 +742,7 @@
             <a:pPr rtl="0"/>
             <a:fld id="{BB4411EF-09CB-4E62-A9ED-59F7AB2BB401}" type="datetime1">
               <a:rPr lang="de-DE" smtClean="0"/>
-              <a:t>25.11.2020</a:t>
+              <a:t>26.11.2020</a:t>
             </a:fld>
             <a:endParaRPr lang="en-US"/>
           </a:p>
@@ -854,7 +854,7 @@
             <a:pPr rtl="0"/>
             <a:fld id="{BB4411EF-09CB-4E62-A9ED-59F7AB2BB401}" type="datetime1">
               <a:rPr lang="de-DE" smtClean="0"/>
-              <a:t>25.11.2020</a:t>
+              <a:t>26.11.2020</a:t>
             </a:fld>
             <a:endParaRPr lang="en-US"/>
           </a:p>
@@ -966,7 +966,7 @@
             <a:pPr rtl="0"/>
             <a:fld id="{BB4411EF-09CB-4E62-A9ED-59F7AB2BB401}" type="datetime1">
               <a:rPr lang="de-DE" smtClean="0"/>
-              <a:t>25.11.2020</a:t>
+              <a:t>26.11.2020</a:t>
             </a:fld>
             <a:endParaRPr lang="en-US"/>
           </a:p>
@@ -1086,7 +1086,7 @@
             <a:pPr rtl="0"/>
             <a:fld id="{BB4411EF-09CB-4E62-A9ED-59F7AB2BB401}" type="datetime1">
               <a:rPr lang="de-DE" smtClean="0"/>
-              <a:t>25.11.2020</a:t>
+              <a:t>26.11.2020</a:t>
             </a:fld>
             <a:endParaRPr lang="en-US"/>
           </a:p>
@@ -1198,7 +1198,7 @@
             <a:pPr rtl="0"/>
             <a:fld id="{BB4411EF-09CB-4E62-A9ED-59F7AB2BB401}" type="datetime1">
               <a:rPr lang="de-DE" smtClean="0"/>
-              <a:t>25.11.2020</a:t>
+              <a:t>26.11.2020</a:t>
             </a:fld>
             <a:endParaRPr lang="en-US"/>
           </a:p>
@@ -1310,7 +1310,7 @@
             <a:pPr rtl="0"/>
             <a:fld id="{BB4411EF-09CB-4E62-A9ED-59F7AB2BB401}" type="datetime1">
               <a:rPr lang="de-DE" smtClean="0"/>
-              <a:t>25.11.2020</a:t>
+              <a:t>26.11.2020</a:t>
             </a:fld>
             <a:endParaRPr lang="en-US"/>
           </a:p>
@@ -1437,7 +1437,7 @@
             <a:pPr rtl="0"/>
             <a:fld id="{BB4411EF-09CB-4E62-A9ED-59F7AB2BB401}" type="datetime1">
               <a:rPr lang="de-DE" smtClean="0"/>
-              <a:t>25.11.2020</a:t>
+              <a:t>26.11.2020</a:t>
             </a:fld>
             <a:endParaRPr lang="en-US"/>
           </a:p>
@@ -1556,7 +1556,7 @@
             <a:pPr rtl="0"/>
             <a:fld id="{BB4411EF-09CB-4E62-A9ED-59F7AB2BB401}" type="datetime1">
               <a:rPr lang="de-DE" smtClean="0"/>
-              <a:t>25.11.2020</a:t>
+              <a:t>26.11.2020</a:t>
             </a:fld>
             <a:endParaRPr lang="en-US"/>
           </a:p>
@@ -1683,7 +1683,7 @@
             <a:pPr rtl="0"/>
             <a:fld id="{BB4411EF-09CB-4E62-A9ED-59F7AB2BB401}" type="datetime1">
               <a:rPr lang="de-DE" smtClean="0"/>
-              <a:t>25.11.2020</a:t>
+              <a:t>26.11.2020</a:t>
             </a:fld>
             <a:endParaRPr lang="en-US"/>
           </a:p>
@@ -1795,7 +1795,7 @@
             <a:pPr rtl="0"/>
             <a:fld id="{BB4411EF-09CB-4E62-A9ED-59F7AB2BB401}" type="datetime1">
               <a:rPr lang="de-DE" smtClean="0"/>
-              <a:t>25.11.2020</a:t>
+              <a:t>26.11.2020</a:t>
             </a:fld>
             <a:endParaRPr lang="en-US"/>
           </a:p>
@@ -1918,7 +1918,7 @@
             <a:pPr rtl="0"/>
             <a:fld id="{BB4411EF-09CB-4E62-A9ED-59F7AB2BB401}" type="datetime1">
               <a:rPr lang="de-DE" smtClean="0"/>
-              <a:t>25.11.2020</a:t>
+              <a:t>26.11.2020</a:t>
             </a:fld>
             <a:endParaRPr lang="en-US"/>
           </a:p>
@@ -2030,7 +2030,7 @@
             <a:pPr rtl="0"/>
             <a:fld id="{BB4411EF-09CB-4E62-A9ED-59F7AB2BB401}" type="datetime1">
               <a:rPr lang="de-DE" smtClean="0"/>
-              <a:t>25.11.2020</a:t>
+              <a:t>26.11.2020</a:t>
             </a:fld>
             <a:endParaRPr lang="en-US"/>
           </a:p>
@@ -2148,7 +2148,7 @@
             <a:pPr rtl="0"/>
             <a:fld id="{BB4411EF-09CB-4E62-A9ED-59F7AB2BB401}" type="datetime1">
               <a:rPr lang="de-DE" smtClean="0"/>
-              <a:t>25.11.2020</a:t>
+              <a:t>26.11.2020</a:t>
             </a:fld>
             <a:endParaRPr lang="en-US"/>
           </a:p>
@@ -2438,7 +2438,7 @@
             <a:pPr rtl="0"/>
             <a:fld id="{D058F8EF-9461-4DB5-8DE8-65F0C8AF5E0D}" type="datetime1">
               <a:rPr lang="de-DE" smtClean="0"/>
-              <a:t>25.11.2020</a:t>
+              <a:t>26.11.2020</a:t>
             </a:fld>
             <a:endParaRPr lang="en-US" dirty="0"/>
           </a:p>
@@ -2630,7 +2630,7 @@
             <a:pPr rtl="0"/>
             <a:fld id="{A4B84E5B-C9E8-4DB6-BA34-0E271B709DFA}" type="datetime1">
               <a:rPr lang="de-DE" smtClean="0"/>
-              <a:t>25.11.2020</a:t>
+              <a:t>26.11.2020</a:t>
             </a:fld>
             <a:endParaRPr lang="en-US" dirty="0"/>
           </a:p>
@@ -2876,7 +2876,7 @@
             <a:pPr rtl="0"/>
             <a:fld id="{F650C74D-3EC7-4807-8009-B91685601A76}" type="datetime1">
               <a:rPr lang="de-DE" smtClean="0"/>
-              <a:t>25.11.2020</a:t>
+              <a:t>26.11.2020</a:t>
             </a:fld>
             <a:endParaRPr lang="en-US" dirty="0"/>
           </a:p>
@@ -3068,7 +3068,7 @@
             <a:pPr rtl="0"/>
             <a:fld id="{CA5E3BD6-493E-4773-AC13-EE70A9E3F498}" type="datetime1">
               <a:rPr lang="de-DE" smtClean="0"/>
-              <a:t>25.11.2020</a:t>
+              <a:t>26.11.2020</a:t>
             </a:fld>
             <a:endParaRPr lang="en-US" dirty="0"/>
           </a:p>
@@ -3445,7 +3445,7 @@
             <a:pPr rtl="0"/>
             <a:fld id="{FEE6A76B-C923-49BD-ABE7-ADE768C6F571}" type="datetime1">
               <a:rPr lang="de-DE" smtClean="0"/>
-              <a:t>25.11.2020</a:t>
+              <a:t>26.11.2020</a:t>
             </a:fld>
             <a:endParaRPr lang="en-US" dirty="0"/>
           </a:p>
@@ -3704,7 +3704,7 @@
             <a:pPr rtl="0"/>
             <a:fld id="{4CD334EC-5459-4A98-AF88-01FD6D7BAF68}" type="datetime1">
               <a:rPr lang="de-DE" smtClean="0"/>
-              <a:t>25.11.2020</a:t>
+              <a:t>26.11.2020</a:t>
             </a:fld>
             <a:endParaRPr lang="en-US" dirty="0"/>
           </a:p>
@@ -4105,7 +4105,7 @@
             <a:pPr rtl="0"/>
             <a:fld id="{62F56688-ED28-473C-871E-9EEF4BB0D1F0}" type="datetime1">
               <a:rPr lang="de-DE" smtClean="0"/>
-              <a:t>25.11.2020</a:t>
+              <a:t>26.11.2020</a:t>
             </a:fld>
             <a:endParaRPr lang="en-US" dirty="0"/>
           </a:p>
@@ -4245,7 +4245,7 @@
             <a:pPr rtl="0"/>
             <a:fld id="{F9110680-7D80-41F3-804A-113A4CB11D73}" type="datetime1">
               <a:rPr lang="de-DE" smtClean="0"/>
-              <a:t>25.11.2020</a:t>
+              <a:t>26.11.2020</a:t>
             </a:fld>
             <a:endParaRPr lang="en-US" dirty="0"/>
           </a:p>
@@ -4405,7 +4405,7 @@
             <a:pPr rtl="0"/>
             <a:fld id="{7E7F7112-C41D-45A5-B762-BC15064583EE}" type="datetime1">
               <a:rPr lang="de-DE" smtClean="0"/>
-              <a:t>25.11.2020</a:t>
+              <a:t>26.11.2020</a:t>
             </a:fld>
             <a:endParaRPr lang="en-US" dirty="0"/>
           </a:p>
@@ -4738,7 +4738,7 @@
             <a:pPr rtl="0"/>
             <a:fld id="{1CFE5CD5-4320-48E9-85AB-4E68C78D0837}" type="datetime1">
               <a:rPr lang="de-DE" smtClean="0"/>
-              <a:t>25.11.2020</a:t>
+              <a:t>26.11.2020</a:t>
             </a:fld>
             <a:endParaRPr lang="en-US" dirty="0"/>
           </a:p>
@@ -5093,7 +5093,7 @@
             <a:pPr rtl="0"/>
             <a:fld id="{4B989E5A-44CF-486A-A324-E4C01361A073}" type="datetime1">
               <a:rPr lang="de-DE" smtClean="0"/>
-              <a:t>25.11.2020</a:t>
+              <a:t>26.11.2020</a:t>
             </a:fld>
             <a:endParaRPr lang="en-US" dirty="0"/>
           </a:p>
@@ -5357,7 +5357,7 @@
             <a:pPr rtl="0"/>
             <a:fld id="{C5518B76-3D47-40C3-B678-8969E3806FFF}" type="datetime1">
               <a:rPr lang="de-DE" smtClean="0"/>
-              <a:t>25.11.2020</a:t>
+              <a:t>26.11.2020</a:t>
             </a:fld>
             <a:endParaRPr lang="en-US" dirty="0"/>
           </a:p>
@@ -6317,7 +6317,7 @@
                   <a:spcPts val="600"/>
                 </a:spcAft>
               </a:pPr>
-              <a:t>25.11.2020</a:t>
+              <a:t>26.11.2020</a:t>
             </a:fld>
             <a:endParaRPr lang="en-US"/>
           </a:p>
@@ -6846,7 +6846,7 @@
                   <a:spcPts val="600"/>
                 </a:spcAft>
               </a:pPr>
-              <a:t>25.11.2020</a:t>
+              <a:t>26.11.2020</a:t>
             </a:fld>
             <a:endParaRPr lang="en-US"/>
           </a:p>
@@ -7587,7 +7587,7 @@
                   <a:spcPts val="600"/>
                 </a:spcAft>
               </a:pPr>
-              <a:t>25.11.2020</a:t>
+              <a:t>26.11.2020</a:t>
             </a:fld>
             <a:endParaRPr lang="en-US"/>
           </a:p>
@@ -7757,6 +7757,101 @@
             </a:r>
           </a:p>
           <a:p>
+            <a:pPr>
+              <a:lnSpc>
+                <a:spcPct val="90000"/>
+              </a:lnSpc>
+              <a:spcAft>
+                <a:spcPts val="600"/>
+              </a:spcAft>
+              <a:buFont typeface="Calibri" panose="020F0502020204030204" pitchFamily="34" charset="0"/>
+            </a:pPr>
+            <a:r>
+              <a:rPr lang="de-DE" sz="1200" dirty="0">
+                <a:solidFill>
+                  <a:schemeClr val="tx1">
+                    <a:lumMod val="75000"/>
+                    <a:lumOff val="25000"/>
+                  </a:schemeClr>
+                </a:solidFill>
+                <a:latin typeface="-apple-system"/>
+              </a:rPr>
+              <a:t>	</a:t>
+            </a:r>
+            <a:r>
+              <a:rPr lang="de-DE" sz="1200" dirty="0">
+                <a:solidFill>
+                  <a:schemeClr val="tx1">
+                    <a:lumMod val="75000"/>
+                    <a:lumOff val="25000"/>
+                  </a:schemeClr>
+                </a:solidFill>
+                <a:latin typeface="-apple-system"/>
+                <a:sym typeface="Wingdings" panose="05000000000000000000" pitchFamily="2" charset="2"/>
+              </a:rPr>
+              <a:t> </a:t>
+            </a:r>
+            <a:r>
+              <a:rPr lang="de-DE" sz="1200" b="0" i="0" dirty="0">
+                <a:solidFill>
+                  <a:srgbClr val="24292E"/>
+                </a:solidFill>
+                <a:effectLst/>
+                <a:latin typeface="-apple-system"/>
+              </a:rPr>
+              <a:t>Der Benutzer kann bei jeder Erinnerung angeben, wie viel er bis zu diesem 	Zeitpunkt getrunken hat.</a:t>
+            </a:r>
+            <a:br>
+              <a:rPr lang="de-DE" sz="1200" b="0" i="0" dirty="0">
+                <a:solidFill>
+                  <a:srgbClr val="24292E"/>
+                </a:solidFill>
+                <a:effectLst/>
+                <a:latin typeface="-apple-system"/>
+              </a:rPr>
+            </a:br>
+            <a:r>
+              <a:rPr lang="de-DE" sz="1200" b="0" i="0" dirty="0">
+                <a:solidFill>
+                  <a:srgbClr val="24292E"/>
+                </a:solidFill>
+                <a:effectLst/>
+                <a:latin typeface="-apple-system"/>
+              </a:rPr>
+              <a:t>	</a:t>
+            </a:r>
+            <a:r>
+              <a:rPr lang="de-DE" sz="1200" b="0" i="0" dirty="0">
+                <a:solidFill>
+                  <a:srgbClr val="24292E"/>
+                </a:solidFill>
+                <a:effectLst/>
+                <a:latin typeface="-apple-system"/>
+                <a:sym typeface="Wingdings" panose="05000000000000000000" pitchFamily="2" charset="2"/>
+              </a:rPr>
+              <a:t> </a:t>
+            </a:r>
+            <a:r>
+              <a:rPr lang="de-DE" sz="1200" b="0" i="0" dirty="0">
+                <a:solidFill>
+                  <a:srgbClr val="24292E"/>
+                </a:solidFill>
+                <a:effectLst/>
+                <a:latin typeface="-apple-system"/>
+              </a:rPr>
+              <a:t>Dem Benutzer wird ein Verlauf zur Verfügung gestellt, damit dieser sehen 	kann, ob er genug trinkt und was er in wie vielen Tagen getrunken hat.</a:t>
+            </a:r>
+            <a:endParaRPr lang="de-DE" sz="1200" dirty="0">
+              <a:solidFill>
+                <a:schemeClr val="tx1">
+                  <a:lumMod val="75000"/>
+                  <a:lumOff val="25000"/>
+                </a:schemeClr>
+              </a:solidFill>
+              <a:latin typeface="-apple-system"/>
+            </a:endParaRPr>
+          </a:p>
+          <a:p>
             <a:pPr marL="285750" indent="-285750">
               <a:lnSpc>
                 <a:spcPct val="90000"/>
@@ -8380,7 +8475,7 @@
                   <a:spcPts val="600"/>
                 </a:spcAft>
               </a:pPr>
-              <a:t>25.11.2020</a:t>
+              <a:t>26.11.2020</a:t>
             </a:fld>
             <a:endParaRPr lang="en-US"/>
           </a:p>
@@ -8468,7 +8563,7 @@
             <a:pPr rtl="0"/>
             <a:fld id="{F9110680-7D80-41F3-804A-113A4CB11D73}" type="datetime1">
               <a:rPr lang="de-DE" smtClean="0"/>
-              <a:t>25.11.2020</a:t>
+              <a:t>26.11.2020</a:t>
             </a:fld>
             <a:endParaRPr lang="en-US" dirty="0"/>
           </a:p>
@@ -8489,7 +8584,7 @@
         <p:spPr>
           <a:xfrm>
             <a:off x="1167765" y="1976189"/>
-            <a:ext cx="9719310" cy="4539704"/>
+            <a:ext cx="9719310" cy="4801314"/>
           </a:xfrm>
           <a:prstGeom prst="rect">
             <a:avLst/>
@@ -8675,6 +8770,29 @@
               </a:rPr>
               <a:t> Der Benutzer kann nicht auf sein Profil zugreifen</a:t>
             </a:r>
+          </a:p>
+          <a:p>
+            <a:pPr>
+              <a:buFont typeface="Arial" panose="020B0604020202020204" pitchFamily="34" charset="0"/>
+              <a:buChar char="•"/>
+            </a:pPr>
+            <a:r>
+              <a:rPr lang="de-DE" sz="1600" b="0" i="0" dirty="0">
+                <a:solidFill>
+                  <a:srgbClr val="24292E"/>
+                </a:solidFill>
+                <a:effectLst/>
+                <a:latin typeface="-apple-system"/>
+              </a:rPr>
+              <a:t> Die Daten (Umfragen und Anzahl der Liter) werden für den Verlauf nicht gespeichert</a:t>
+            </a:r>
+            <a:endParaRPr lang="de-DE" sz="1700" b="0" i="0" dirty="0">
+              <a:solidFill>
+                <a:srgbClr val="24292E"/>
+              </a:solidFill>
+              <a:effectLst/>
+              <a:latin typeface="-apple-system"/>
+            </a:endParaRPr>
           </a:p>
           <a:p>
             <a:pPr algn="l">
@@ -8880,7 +8998,7 @@
             <a:pPr rtl="0"/>
             <a:fld id="{F9110680-7D80-41F3-804A-113A4CB11D73}" type="datetime1">
               <a:rPr lang="de-DE" smtClean="0"/>
-              <a:t>25.11.2020</a:t>
+              <a:t>26.11.2020</a:t>
             </a:fld>
             <a:endParaRPr lang="en-US" dirty="0"/>
           </a:p>
@@ -8901,7 +9019,7 @@
         <p:spPr>
           <a:xfrm>
             <a:off x="1161143" y="2162629"/>
-            <a:ext cx="10145033" cy="3693319"/>
+            <a:ext cx="10145033" cy="3970318"/>
           </a:xfrm>
           <a:prstGeom prst="rect">
             <a:avLst/>
@@ -9068,6 +9186,21 @@
               </a:rPr>
               <a:t>POC13: Auswertungen</a:t>
             </a:r>
+          </a:p>
+          <a:p>
+            <a:pPr marL="285750" indent="-285750">
+              <a:buFont typeface="Arial" panose="020B0604020202020204" pitchFamily="34" charset="0"/>
+              <a:buChar char="•"/>
+            </a:pPr>
+            <a:r>
+              <a:rPr lang="de-DE">
+                <a:latin typeface="-apple-system"/>
+              </a:rPr>
+              <a:t>POC14: Anzahl der Liter</a:t>
+            </a:r>
+            <a:endParaRPr lang="de-DE" dirty="0">
+              <a:latin typeface="-apple-system"/>
+            </a:endParaRPr>
           </a:p>
         </p:txBody>
       </p:sp>
@@ -9125,7 +9258,7 @@
             <a:pPr rtl="0"/>
             <a:fld id="{F9110680-7D80-41F3-804A-113A4CB11D73}" type="datetime1">
               <a:rPr lang="de-DE" smtClean="0"/>
-              <a:t>25.11.2020</a:t>
+              <a:t>26.11.2020</a:t>
             </a:fld>
             <a:endParaRPr lang="en-US" dirty="0"/>
           </a:p>
@@ -10760,7 +10893,7 @@
             <a:pPr rtl="0"/>
             <a:fld id="{4B989E5A-44CF-486A-A324-E4C01361A073}" type="datetime1">
               <a:rPr lang="de-DE" smtClean="0"/>
-              <a:t>25.11.2020</a:t>
+              <a:t>26.11.2020</a:t>
             </a:fld>
             <a:endParaRPr lang="en-US" dirty="0"/>
           </a:p>
@@ -11260,7 +11393,7 @@
             <a:pPr rtl="0"/>
             <a:fld id="{CA5E3BD6-493E-4773-AC13-EE70A9E3F498}" type="datetime1">
               <a:rPr lang="de-DE" smtClean="0"/>
-              <a:t>25.11.2020</a:t>
+              <a:t>26.11.2020</a:t>
             </a:fld>
             <a:endParaRPr lang="en-US" dirty="0"/>
           </a:p>
@@ -11408,7 +11541,7 @@
                   <a:spcPts val="600"/>
                 </a:spcAft>
               </a:pPr>
-              <a:t>25.11.2020</a:t>
+              <a:t>26.11.2020</a:t>
             </a:fld>
             <a:endParaRPr lang="en-US"/>
           </a:p>
@@ -11613,7 +11746,7 @@
             <a:pPr rtl="0"/>
             <a:fld id="{F9110680-7D80-41F3-804A-113A4CB11D73}" type="datetime1">
               <a:rPr lang="de-DE" smtClean="0"/>
-              <a:t>25.11.2020</a:t>
+              <a:t>26.11.2020</a:t>
             </a:fld>
             <a:endParaRPr lang="en-US" dirty="0"/>
           </a:p>
@@ -11969,7 +12102,7 @@
             <a:pPr rtl="0"/>
             <a:fld id="{F9110680-7D80-41F3-804A-113A4CB11D73}" type="datetime1">
               <a:rPr lang="de-DE" smtClean="0"/>
-              <a:t>25.11.2020</a:t>
+              <a:t>26.11.2020</a:t>
             </a:fld>
             <a:endParaRPr lang="en-US" dirty="0"/>
           </a:p>
@@ -11990,7 +12123,7 @@
         <p:spPr>
           <a:xfrm>
             <a:off x="1203960" y="2081596"/>
-            <a:ext cx="9951720" cy="1754326"/>
+            <a:ext cx="9951720" cy="2308324"/>
           </a:xfrm>
           <a:prstGeom prst="rect">
             <a:avLst/>
@@ -12057,6 +12190,54 @@
               <a:rPr lang="de-DE" dirty="0"/>
               <a:t>Verhindern von weiteren Krankheiten</a:t>
             </a:r>
+          </a:p>
+          <a:p>
+            <a:pPr marL="285750" indent="-285750">
+              <a:buFont typeface="Arial" panose="020B0604020202020204" pitchFamily="34" charset="0"/>
+              <a:buChar char="•"/>
+            </a:pPr>
+            <a:r>
+              <a:rPr lang="de-DE" b="0" i="0" dirty="0">
+                <a:solidFill>
+                  <a:srgbClr val="24292E"/>
+                </a:solidFill>
+                <a:effectLst/>
+                <a:latin typeface="-apple-system"/>
+              </a:rPr>
+              <a:t>Durch Protokolle und Graphiken wird ein Verlauf des Stresslevels angezeigt</a:t>
+            </a:r>
+          </a:p>
+          <a:p>
+            <a:r>
+              <a:rPr lang="de-DE" dirty="0">
+                <a:solidFill>
+                  <a:srgbClr val="24292E"/>
+                </a:solidFill>
+                <a:latin typeface="-apple-system"/>
+              </a:rPr>
+              <a:t>	</a:t>
+            </a:r>
+            <a:r>
+              <a:rPr lang="de-DE" dirty="0">
+                <a:solidFill>
+                  <a:srgbClr val="24292E"/>
+                </a:solidFill>
+                <a:latin typeface="-apple-system"/>
+                <a:sym typeface="Wingdings" panose="05000000000000000000" pitchFamily="2" charset="2"/>
+              </a:rPr>
+              <a:t> </a:t>
+            </a:r>
+            <a:r>
+              <a:rPr lang="de-DE" b="0" i="0" dirty="0">
+                <a:solidFill>
+                  <a:srgbClr val="24292E"/>
+                </a:solidFill>
+                <a:effectLst/>
+                <a:latin typeface="-apple-system"/>
+              </a:rPr>
+              <a:t>hilft dabei zu sehen, wie sich das Stresslevel bessert</a:t>
+            </a:r>
+            <a:endParaRPr lang="de-DE" dirty="0"/>
           </a:p>
         </p:txBody>
       </p:sp>
@@ -12074,8 +12255,8 @@
         </p:nvSpPr>
         <p:spPr>
           <a:xfrm>
-            <a:off x="1203960" y="4078558"/>
-            <a:ext cx="9951720" cy="1754326"/>
+            <a:off x="1203960" y="4411072"/>
+            <a:ext cx="9951720" cy="1089298"/>
           </a:xfrm>
           <a:prstGeom prst="rect">
             <a:avLst/>
@@ -12250,7 +12431,7 @@
                   <a:spcPts val="600"/>
                 </a:spcAft>
               </a:pPr>
-              <a:t>25.11.2020</a:t>
+              <a:t>26.11.2020</a:t>
             </a:fld>
             <a:endParaRPr lang="en-US"/>
           </a:p>
@@ -12536,7 +12717,7 @@
                   <a:spcPts val="600"/>
                 </a:spcAft>
               </a:pPr>
-              <a:t>25.11.2020</a:t>
+              <a:t>26.11.2020</a:t>
             </a:fld>
             <a:endParaRPr lang="en-US"/>
           </a:p>
@@ -12685,7 +12866,7 @@
         </p:spPr>
         <p:txBody>
           <a:bodyPr>
-            <a:normAutofit fontScale="62500" lnSpcReduction="20000"/>
+            <a:normAutofit fontScale="55000" lnSpcReduction="20000"/>
           </a:bodyPr>
           <a:lstStyle/>
           <a:p>
@@ -12779,6 +12960,22 @@
                 <a:latin typeface="-apple-system"/>
               </a:rPr>
               <a:t>Kann ans trinken erinnert werden</a:t>
+            </a:r>
+          </a:p>
+          <a:p>
+            <a:pPr>
+              <a:buFont typeface="Arial" panose="020B0604020202020204" pitchFamily="34" charset="0"/>
+              <a:buChar char="•"/>
+            </a:pPr>
+            <a:r>
+              <a:rPr lang="de-DE" b="0" i="0" dirty="0">
+                <a:solidFill>
+                  <a:srgbClr val="24292E"/>
+                </a:solidFill>
+                <a:effectLst/>
+                <a:latin typeface="-apple-system"/>
+              </a:rPr>
+              <a:t>Kann sich sein Trinkverhalten/ Verlauf ansehen</a:t>
             </a:r>
           </a:p>
           <a:p>
@@ -12890,7 +13087,7 @@
                   <a:spcPts val="600"/>
                 </a:spcAft>
               </a:pPr>
-              <a:t>25.11.2020</a:t>
+              <a:t>26.11.2020</a:t>
             </a:fld>
             <a:endParaRPr lang="en-US"/>
           </a:p>

--- a/Audit 1/WS2020_SerttasPlackenhohn_Audit1.pptx
+++ b/Audit 1/WS2020_SerttasPlackenhohn_Audit1.pptx
@@ -5,10 +5,10 @@
     <p:sldMasterId id="2147483746" r:id="rId1"/>
   </p:sldMasterIdLst>
   <p:notesMasterIdLst>
-    <p:notesMasterId r:id="rId19"/>
+    <p:notesMasterId r:id="rId20"/>
   </p:notesMasterIdLst>
   <p:handoutMasterIdLst>
-    <p:handoutMasterId r:id="rId20"/>
+    <p:handoutMasterId r:id="rId21"/>
   </p:handoutMasterIdLst>
   <p:sldIdLst>
     <p:sldId id="257" r:id="rId2"/>
@@ -27,7 +27,8 @@
     <p:sldId id="268" r:id="rId15"/>
     <p:sldId id="269" r:id="rId16"/>
     <p:sldId id="276" r:id="rId17"/>
-    <p:sldId id="271" r:id="rId18"/>
+    <p:sldId id="277" r:id="rId18"/>
+    <p:sldId id="271" r:id="rId19"/>
   </p:sldIdLst>
   <p:sldSz cx="12192000" cy="6858000"/>
   <p:notesSz cx="6858000" cy="9144000"/>
@@ -1232,6 +1233,115 @@
     <p:extLst>
       <p:ext uri="{BB962C8B-B14F-4D97-AF65-F5344CB8AC3E}">
         <p14:creationId xmlns:p14="http://schemas.microsoft.com/office/powerpoint/2010/main" val="211577566"/>
+      </p:ext>
+    </p:extLst>
+  </p:cSld>
+  <p:clrMapOvr>
+    <a:masterClrMapping/>
+  </p:clrMapOvr>
+</p:notes>
+</file>
+
+<file path=ppt/notesSlides/notesSlide14.xml><?xml version="1.0" encoding="utf-8"?>
+<p:notes xmlns:a="http://schemas.openxmlformats.org/drawingml/2006/main" xmlns:r="http://schemas.openxmlformats.org/officeDocument/2006/relationships" xmlns:p="http://schemas.openxmlformats.org/presentationml/2006/main">
+  <p:cSld>
+    <p:spTree>
+      <p:nvGrpSpPr>
+        <p:cNvPr id="1" name=""/>
+        <p:cNvGrpSpPr/>
+        <p:nvPr/>
+      </p:nvGrpSpPr>
+      <p:grpSpPr>
+        <a:xfrm>
+          <a:off x="0" y="0"/>
+          <a:ext cx="0" cy="0"/>
+          <a:chOff x="0" y="0"/>
+          <a:chExt cx="0" cy="0"/>
+        </a:xfrm>
+      </p:grpSpPr>
+      <p:sp>
+        <p:nvSpPr>
+          <p:cNvPr id="2" name="Folienbildplatzhalter 1"/>
+          <p:cNvSpPr>
+            <a:spLocks noGrp="1" noRot="1" noChangeAspect="1"/>
+          </p:cNvSpPr>
+          <p:nvPr>
+            <p:ph type="sldImg"/>
+          </p:nvPr>
+        </p:nvSpPr>
+        <p:spPr/>
+      </p:sp>
+      <p:sp>
+        <p:nvSpPr>
+          <p:cNvPr id="3" name="Notizenplatzhalter 2"/>
+          <p:cNvSpPr>
+            <a:spLocks noGrp="1"/>
+          </p:cNvSpPr>
+          <p:nvPr>
+            <p:ph type="body" idx="1"/>
+          </p:nvPr>
+        </p:nvSpPr>
+        <p:spPr/>
+        <p:txBody>
+          <a:bodyPr/>
+          <a:lstStyle/>
+          <a:p>
+            <a:endParaRPr lang="de-DE" dirty="0"/>
+          </a:p>
+        </p:txBody>
+      </p:sp>
+      <p:sp>
+        <p:nvSpPr>
+          <p:cNvPr id="4" name="Datumsplatzhalter 3"/>
+          <p:cNvSpPr>
+            <a:spLocks noGrp="1"/>
+          </p:cNvSpPr>
+          <p:nvPr>
+            <p:ph type="dt" idx="1"/>
+          </p:nvPr>
+        </p:nvSpPr>
+        <p:spPr/>
+        <p:txBody>
+          <a:bodyPr/>
+          <a:lstStyle/>
+          <a:p>
+            <a:pPr rtl="0"/>
+            <a:fld id="{BB4411EF-09CB-4E62-A9ED-59F7AB2BB401}" type="datetime1">
+              <a:rPr lang="de-DE" smtClean="0"/>
+              <a:t>26.11.2020</a:t>
+            </a:fld>
+            <a:endParaRPr lang="en-US"/>
+          </a:p>
+        </p:txBody>
+      </p:sp>
+      <p:sp>
+        <p:nvSpPr>
+          <p:cNvPr id="5" name="Foliennummernplatzhalter 4"/>
+          <p:cNvSpPr>
+            <a:spLocks noGrp="1"/>
+          </p:cNvSpPr>
+          <p:nvPr>
+            <p:ph type="sldNum" sz="quarter" idx="5"/>
+          </p:nvPr>
+        </p:nvSpPr>
+        <p:spPr/>
+        <p:txBody>
+          <a:bodyPr/>
+          <a:lstStyle/>
+          <a:p>
+            <a:pPr rtl="0"/>
+            <a:fld id="{9C2B151B-D7D1-48E5-8230-5AADBC794F88}" type="slidenum">
+              <a:rPr lang="en-US" smtClean="0"/>
+              <a:t>17</a:t>
+            </a:fld>
+            <a:endParaRPr lang="en-US"/>
+          </a:p>
+        </p:txBody>
+      </p:sp>
+    </p:spTree>
+    <p:extLst>
+      <p:ext uri="{BB962C8B-B14F-4D97-AF65-F5344CB8AC3E}">
+        <p14:creationId xmlns:p14="http://schemas.microsoft.com/office/powerpoint/2010/main" val="2140251383"/>
       </p:ext>
     </p:extLst>
   </p:cSld>
@@ -10800,6 +10910,457 @@
       </p:grpSpPr>
       <p:sp>
         <p:nvSpPr>
+          <p:cNvPr id="2" name="Titel 1">
+            <a:extLst>
+              <a:ext uri="{FF2B5EF4-FFF2-40B4-BE49-F238E27FC236}">
+                <a16:creationId xmlns:a16="http://schemas.microsoft.com/office/drawing/2014/main" id="{CD3A9CA6-B50B-4943-A0B8-F7FB06E3EC81}"/>
+              </a:ext>
+            </a:extLst>
+          </p:cNvPr>
+          <p:cNvSpPr>
+            <a:spLocks noGrp="1"/>
+          </p:cNvSpPr>
+          <p:nvPr>
+            <p:ph type="title"/>
+          </p:nvPr>
+        </p:nvSpPr>
+        <p:spPr/>
+        <p:txBody>
+          <a:bodyPr/>
+          <a:lstStyle/>
+          <a:p>
+            <a:r>
+              <a:rPr lang="de-DE" dirty="0"/>
+              <a:t>Projektplan</a:t>
+            </a:r>
+          </a:p>
+        </p:txBody>
+      </p:sp>
+      <p:sp>
+        <p:nvSpPr>
+          <p:cNvPr id="3" name="Datumsplatzhalter 2">
+            <a:extLst>
+              <a:ext uri="{FF2B5EF4-FFF2-40B4-BE49-F238E27FC236}">
+                <a16:creationId xmlns:a16="http://schemas.microsoft.com/office/drawing/2014/main" id="{322DFE83-BA60-4A4E-8A46-B39ED1EFB780}"/>
+              </a:ext>
+            </a:extLst>
+          </p:cNvPr>
+          <p:cNvSpPr>
+            <a:spLocks noGrp="1"/>
+          </p:cNvSpPr>
+          <p:nvPr>
+            <p:ph type="dt" sz="half" idx="10"/>
+          </p:nvPr>
+        </p:nvSpPr>
+        <p:spPr/>
+        <p:txBody>
+          <a:bodyPr/>
+          <a:lstStyle/>
+          <a:p>
+            <a:pPr rtl="0"/>
+            <a:fld id="{F9110680-7D80-41F3-804A-113A4CB11D73}" type="datetime1">
+              <a:rPr lang="de-DE" smtClean="0"/>
+              <a:t>26.11.2020</a:t>
+            </a:fld>
+            <a:endParaRPr lang="en-US" dirty="0"/>
+          </a:p>
+        </p:txBody>
+      </p:sp>
+      <p:sp>
+        <p:nvSpPr>
+          <p:cNvPr id="4" name="Textfeld 3">
+            <a:extLst>
+              <a:ext uri="{FF2B5EF4-FFF2-40B4-BE49-F238E27FC236}">
+                <a16:creationId xmlns:a16="http://schemas.microsoft.com/office/drawing/2014/main" id="{05B60045-C38D-468D-94DB-029F547B46E2}"/>
+              </a:ext>
+            </a:extLst>
+          </p:cNvPr>
+          <p:cNvSpPr txBox="1"/>
+          <p:nvPr/>
+        </p:nvSpPr>
+        <p:spPr>
+          <a:xfrm>
+            <a:off x="1215188" y="2114816"/>
+            <a:ext cx="9940491" cy="830997"/>
+          </a:xfrm>
+          <a:prstGeom prst="rect">
+            <a:avLst/>
+          </a:prstGeom>
+          <a:noFill/>
+        </p:spPr>
+        <p:txBody>
+          <a:bodyPr wrap="square" rtlCol="0">
+            <a:spAutoFit/>
+          </a:bodyPr>
+          <a:lstStyle/>
+          <a:p>
+            <a:r>
+              <a:rPr lang="de-DE" sz="1600" dirty="0">
+                <a:latin typeface="-apple-system"/>
+              </a:rPr>
+              <a:t>Artefakte für den 2. Audit: </a:t>
+            </a:r>
+          </a:p>
+          <a:p>
+            <a:pPr marL="285750" indent="-285750">
+              <a:buFont typeface="Arial" panose="020B0604020202020204" pitchFamily="34" charset="0"/>
+              <a:buChar char="•"/>
+            </a:pPr>
+            <a:r>
+              <a:rPr lang="de-DE" sz="1600" dirty="0">
+                <a:latin typeface="-apple-system"/>
+              </a:rPr>
+              <a:t>Technisches POC</a:t>
+            </a:r>
+          </a:p>
+          <a:p>
+            <a:pPr marL="285750" indent="-285750">
+              <a:buFont typeface="Arial" panose="020B0604020202020204" pitchFamily="34" charset="0"/>
+              <a:buChar char="•"/>
+            </a:pPr>
+            <a:r>
+              <a:rPr lang="de-DE" sz="1600" dirty="0">
+                <a:latin typeface="-apple-system"/>
+              </a:rPr>
+              <a:t>Coding</a:t>
+            </a:r>
+          </a:p>
+        </p:txBody>
+      </p:sp>
+      <p:sp>
+        <p:nvSpPr>
+          <p:cNvPr id="5" name="Textfeld 4">
+            <a:extLst>
+              <a:ext uri="{FF2B5EF4-FFF2-40B4-BE49-F238E27FC236}">
+                <a16:creationId xmlns:a16="http://schemas.microsoft.com/office/drawing/2014/main" id="{4CEFFE58-77C7-41FC-8A08-106E0D88F459}"/>
+              </a:ext>
+            </a:extLst>
+          </p:cNvPr>
+          <p:cNvSpPr txBox="1"/>
+          <p:nvPr/>
+        </p:nvSpPr>
+        <p:spPr>
+          <a:xfrm>
+            <a:off x="1215188" y="3050177"/>
+            <a:ext cx="9940491" cy="2308324"/>
+          </a:xfrm>
+          <a:prstGeom prst="rect">
+            <a:avLst/>
+          </a:prstGeom>
+          <a:noFill/>
+        </p:spPr>
+        <p:txBody>
+          <a:bodyPr wrap="square" rtlCol="0">
+            <a:spAutoFit/>
+          </a:bodyPr>
+          <a:lstStyle/>
+          <a:p>
+            <a:r>
+              <a:rPr lang="de-DE" sz="1600" dirty="0">
+                <a:latin typeface="-apple-system"/>
+              </a:rPr>
+              <a:t>Arbeitsaufteilung:</a:t>
+            </a:r>
+          </a:p>
+          <a:p>
+            <a:pPr marL="285750" indent="-285750">
+              <a:buFont typeface="Arial" panose="020B0604020202020204" pitchFamily="34" charset="0"/>
+              <a:buChar char="•"/>
+            </a:pPr>
+            <a:r>
+              <a:rPr lang="de-DE" sz="1600" dirty="0">
+                <a:latin typeface="-apple-system"/>
+              </a:rPr>
+              <a:t>23.11.2020 – </a:t>
+            </a:r>
+            <a:r>
+              <a:rPr lang="de-DE" sz="1600" b="1" dirty="0">
+                <a:latin typeface="-apple-system"/>
+              </a:rPr>
+              <a:t>Zielhierarchie &amp; Anforderungen </a:t>
+            </a:r>
+            <a:r>
+              <a:rPr lang="de-DE" sz="1600" dirty="0">
+                <a:latin typeface="-apple-system"/>
+              </a:rPr>
+              <a:t>– Kimberly</a:t>
+            </a:r>
+          </a:p>
+          <a:p>
+            <a:pPr marL="285750" indent="-285750">
+              <a:buFont typeface="Arial" panose="020B0604020202020204" pitchFamily="34" charset="0"/>
+              <a:buChar char="•"/>
+            </a:pPr>
+            <a:r>
+              <a:rPr lang="de-DE" sz="1600" dirty="0">
+                <a:latin typeface="-apple-system"/>
+              </a:rPr>
+              <a:t>23.11.2020 – </a:t>
+            </a:r>
+            <a:r>
+              <a:rPr lang="de-DE" sz="1600" b="1" dirty="0">
+                <a:latin typeface="-apple-system"/>
+              </a:rPr>
+              <a:t>Problemszenario</a:t>
+            </a:r>
+            <a:r>
+              <a:rPr lang="de-DE" sz="1600" dirty="0">
+                <a:latin typeface="-apple-system"/>
+              </a:rPr>
+              <a:t> – Kimberly</a:t>
+            </a:r>
+          </a:p>
+          <a:p>
+            <a:pPr marL="285750" indent="-285750">
+              <a:buFont typeface="Arial" panose="020B0604020202020204" pitchFamily="34" charset="0"/>
+              <a:buChar char="•"/>
+            </a:pPr>
+            <a:r>
+              <a:rPr lang="de-DE" sz="1600" dirty="0">
+                <a:latin typeface="-apple-system"/>
+              </a:rPr>
+              <a:t>23.11.2020 – </a:t>
+            </a:r>
+            <a:r>
+              <a:rPr lang="de-DE" sz="1600" b="1" dirty="0">
+                <a:latin typeface="-apple-system"/>
+              </a:rPr>
+              <a:t>Domänenmodell &amp; Stakeholder </a:t>
+            </a:r>
+            <a:r>
+              <a:rPr lang="de-DE" sz="1600" dirty="0">
+                <a:latin typeface="-apple-system"/>
+              </a:rPr>
+              <a:t>– Eda</a:t>
+            </a:r>
+          </a:p>
+          <a:p>
+            <a:pPr marL="285750" indent="-285750">
+              <a:buFont typeface="Arial" panose="020B0604020202020204" pitchFamily="34" charset="0"/>
+              <a:buChar char="•"/>
+            </a:pPr>
+            <a:r>
+              <a:rPr lang="de-DE" sz="1600" dirty="0">
+                <a:latin typeface="-apple-system"/>
+              </a:rPr>
+              <a:t>23.11.2020 – </a:t>
+            </a:r>
+            <a:r>
+              <a:rPr lang="de-DE" sz="1600" b="1" dirty="0">
+                <a:latin typeface="-apple-system"/>
+              </a:rPr>
+              <a:t>Anwendungslogik &amp; Use-Case </a:t>
+            </a:r>
+            <a:r>
+              <a:rPr lang="de-DE" sz="1600" dirty="0">
+                <a:latin typeface="-apple-system"/>
+              </a:rPr>
+              <a:t>– Eda</a:t>
+            </a:r>
+          </a:p>
+          <a:p>
+            <a:pPr marL="285750" indent="-285750">
+              <a:buFont typeface="Arial" panose="020B0604020202020204" pitchFamily="34" charset="0"/>
+              <a:buChar char="•"/>
+            </a:pPr>
+            <a:r>
+              <a:rPr lang="de-DE" sz="1600" dirty="0">
+                <a:latin typeface="-apple-system"/>
+              </a:rPr>
+              <a:t>23.11.2020 – </a:t>
+            </a:r>
+            <a:r>
+              <a:rPr lang="de-DE" sz="1600" b="1" dirty="0">
+                <a:latin typeface="-apple-system"/>
+              </a:rPr>
+              <a:t>Konkurrenzanalyse</a:t>
+            </a:r>
+            <a:r>
+              <a:rPr lang="de-DE" sz="1600" dirty="0">
+                <a:latin typeface="-apple-system"/>
+              </a:rPr>
+              <a:t> – Kimberly</a:t>
+            </a:r>
+          </a:p>
+          <a:p>
+            <a:pPr marL="285750" indent="-285750">
+              <a:buFont typeface="Arial" panose="020B0604020202020204" pitchFamily="34" charset="0"/>
+              <a:buChar char="•"/>
+            </a:pPr>
+            <a:r>
+              <a:rPr lang="de-DE" sz="1600" dirty="0">
+                <a:latin typeface="-apple-system"/>
+              </a:rPr>
+              <a:t>23.11.2020 – </a:t>
+            </a:r>
+            <a:r>
+              <a:rPr lang="de-DE" sz="1600" b="1" dirty="0">
+                <a:latin typeface="-apple-system"/>
+              </a:rPr>
+              <a:t>Alleinstellungsmerkmal</a:t>
+            </a:r>
+            <a:r>
+              <a:rPr lang="de-DE" sz="1600" dirty="0">
+                <a:latin typeface="-apple-system"/>
+              </a:rPr>
+              <a:t> – Kimberly</a:t>
+            </a:r>
+          </a:p>
+          <a:p>
+            <a:pPr marL="285750" indent="-285750">
+              <a:buFont typeface="Arial" panose="020B0604020202020204" pitchFamily="34" charset="0"/>
+              <a:buChar char="•"/>
+            </a:pPr>
+            <a:r>
+              <a:rPr lang="de-DE" sz="1600" dirty="0">
+                <a:latin typeface="-apple-system"/>
+              </a:rPr>
+              <a:t>23.11.2020 – </a:t>
+            </a:r>
+            <a:r>
+              <a:rPr lang="de-DE" sz="1600" b="1" dirty="0">
+                <a:latin typeface="-apple-system"/>
+              </a:rPr>
+              <a:t>Risiken</a:t>
+            </a:r>
+            <a:r>
+              <a:rPr lang="de-DE" sz="1600" dirty="0">
+                <a:latin typeface="-apple-system"/>
+              </a:rPr>
+              <a:t> – Eda</a:t>
+            </a:r>
+          </a:p>
+          <a:p>
+            <a:pPr marL="285750" indent="-285750">
+              <a:buFont typeface="Arial" panose="020B0604020202020204" pitchFamily="34" charset="0"/>
+              <a:buChar char="•"/>
+            </a:pPr>
+            <a:r>
+              <a:rPr lang="de-DE" sz="1600" dirty="0">
+                <a:latin typeface="-apple-system"/>
+              </a:rPr>
+              <a:t>24.11.2020 – </a:t>
+            </a:r>
+            <a:r>
+              <a:rPr lang="de-DE" sz="1600" b="1" dirty="0">
+                <a:latin typeface="-apple-system"/>
+              </a:rPr>
+              <a:t>Spezifikation des ersten technischen architekturellen </a:t>
+            </a:r>
+            <a:r>
+              <a:rPr lang="de-DE" sz="1600" b="1" dirty="0" err="1">
+                <a:latin typeface="-apple-system"/>
+              </a:rPr>
+              <a:t>PoC</a:t>
+            </a:r>
+            <a:r>
+              <a:rPr lang="de-DE" sz="1600" b="1" dirty="0">
+                <a:latin typeface="-apple-system"/>
+              </a:rPr>
+              <a:t> </a:t>
+            </a:r>
+            <a:r>
+              <a:rPr lang="de-DE" sz="1600" dirty="0">
+                <a:latin typeface="-apple-system"/>
+              </a:rPr>
+              <a:t>– Eda &amp; Kimberly </a:t>
+            </a:r>
+          </a:p>
+        </p:txBody>
+      </p:sp>
+      <p:sp>
+        <p:nvSpPr>
+          <p:cNvPr id="6" name="Textfeld 5">
+            <a:extLst>
+              <a:ext uri="{FF2B5EF4-FFF2-40B4-BE49-F238E27FC236}">
+                <a16:creationId xmlns:a16="http://schemas.microsoft.com/office/drawing/2014/main" id="{E5E26654-C554-441A-B02B-657BC8D9C0FE}"/>
+              </a:ext>
+            </a:extLst>
+          </p:cNvPr>
+          <p:cNvSpPr txBox="1"/>
+          <p:nvPr/>
+        </p:nvSpPr>
+        <p:spPr>
+          <a:xfrm>
+            <a:off x="1215188" y="5391445"/>
+            <a:ext cx="9940491" cy="830997"/>
+          </a:xfrm>
+          <a:prstGeom prst="rect">
+            <a:avLst/>
+          </a:prstGeom>
+          <a:noFill/>
+        </p:spPr>
+        <p:txBody>
+          <a:bodyPr wrap="square" rtlCol="0">
+            <a:spAutoFit/>
+          </a:bodyPr>
+          <a:lstStyle/>
+          <a:p>
+            <a:r>
+              <a:rPr lang="de-DE" sz="1600" dirty="0">
+                <a:latin typeface="-apple-system"/>
+              </a:rPr>
+              <a:t>Arbeitsmatrix:</a:t>
+            </a:r>
+          </a:p>
+          <a:p>
+            <a:pPr marL="285750" indent="-285750">
+              <a:buFont typeface="Arial" panose="020B0604020202020204" pitchFamily="34" charset="0"/>
+              <a:buChar char="•"/>
+            </a:pPr>
+            <a:r>
+              <a:rPr lang="de-DE" sz="1600" dirty="0">
+                <a:latin typeface="-apple-system"/>
+              </a:rPr>
+              <a:t>Eda: 50%</a:t>
+            </a:r>
+          </a:p>
+          <a:p>
+            <a:pPr marL="285750" indent="-285750">
+              <a:buFont typeface="Arial" panose="020B0604020202020204" pitchFamily="34" charset="0"/>
+              <a:buChar char="•"/>
+            </a:pPr>
+            <a:r>
+              <a:rPr lang="de-DE" sz="1600" dirty="0">
+                <a:latin typeface="-apple-system"/>
+              </a:rPr>
+              <a:t>Kimberly: 50%</a:t>
+            </a:r>
+          </a:p>
+        </p:txBody>
+      </p:sp>
+    </p:spTree>
+    <p:extLst>
+      <p:ext uri="{BB962C8B-B14F-4D97-AF65-F5344CB8AC3E}">
+        <p14:creationId xmlns:p14="http://schemas.microsoft.com/office/powerpoint/2010/main" val="494850812"/>
+      </p:ext>
+    </p:extLst>
+  </p:cSld>
+  <p:clrMapOvr>
+    <a:masterClrMapping/>
+  </p:clrMapOvr>
+</p:sld>
+</file>
+
+<file path=ppt/slides/slide18.xml><?xml version="1.0" encoding="utf-8"?>
+<p:sld xmlns:a="http://schemas.openxmlformats.org/drawingml/2006/main" xmlns:r="http://schemas.openxmlformats.org/officeDocument/2006/relationships" xmlns:p="http://schemas.openxmlformats.org/presentationml/2006/main">
+  <p:cSld>
+    <p:spTree>
+      <p:nvGrpSpPr>
+        <p:cNvPr id="1" name=""/>
+        <p:cNvGrpSpPr/>
+        <p:nvPr/>
+      </p:nvGrpSpPr>
+      <p:grpSpPr>
+        <a:xfrm>
+          <a:off x="0" y="0"/>
+          <a:ext cx="0" cy="0"/>
+          <a:chOff x="0" y="0"/>
+          <a:chExt cx="0" cy="0"/>
+        </a:xfrm>
+      </p:grpSpPr>
+      <p:sp>
+        <p:nvSpPr>
           <p:cNvPr id="3" name="Titel 2">
             <a:extLst>
               <a:ext uri="{FF2B5EF4-FFF2-40B4-BE49-F238E27FC236}">
@@ -11273,7 +11834,12 @@
             <p:ph idx="1"/>
           </p:nvPr>
         </p:nvSpPr>
-        <p:spPr/>
+        <p:spPr>
+          <a:xfrm>
+            <a:off x="1097280" y="2108201"/>
+            <a:ext cx="10058400" cy="4160252"/>
+          </a:xfrm>
+        </p:spPr>
         <p:txBody>
           <a:bodyPr>
             <a:normAutofit fontScale="85000" lnSpcReduction="20000"/>
@@ -11365,6 +11931,12 @@
             <a:r>
               <a:rPr lang="de-DE" dirty="0"/>
               <a:t>)</a:t>
+            </a:r>
+          </a:p>
+          <a:p>
+            <a:r>
+              <a:rPr lang="de-DE" dirty="0"/>
+              <a:t>10. Projektplan</a:t>
             </a:r>
           </a:p>
         </p:txBody>

--- a/Audit 1/WS2020_SerttasPlackenhohn_Audit1.pptx
+++ b/Audit 1/WS2020_SerttasPlackenhohn_Audit1.pptx
@@ -6352,10 +6352,10 @@
       </p:sp>
       <p:pic>
         <p:nvPicPr>
-          <p:cNvPr id="5" name="Grafik 4">
+          <p:cNvPr id="6" name="Grafik 5">
             <a:extLst>
               <a:ext uri="{FF2B5EF4-FFF2-40B4-BE49-F238E27FC236}">
-                <a16:creationId xmlns:a16="http://schemas.microsoft.com/office/drawing/2014/main" id="{34489803-F80B-4AB2-B7CC-EC206BF7B1C9}"/>
+                <a16:creationId xmlns:a16="http://schemas.microsoft.com/office/drawing/2014/main" id="{2A9D7723-87D9-4F4F-9222-2C7454CC5EC0}"/>
               </a:ext>
             </a:extLst>
           </p:cNvPr>
@@ -6364,7 +6364,7 @@
           </p:cNvPicPr>
           <p:nvPr/>
         </p:nvPicPr>
-        <p:blipFill>
+        <p:blipFill rotWithShape="1">
           <a:blip r:embed="rId3">
             <a:extLst>
               <a:ext uri="{28A0092B-C50C-407E-A947-70E740481C1C}">
@@ -6372,14 +6372,13 @@
               </a:ext>
             </a:extLst>
           </a:blip>
-          <a:stretch>
-            <a:fillRect/>
-          </a:stretch>
+          <a:srcRect t="2559" b="2737"/>
+          <a:stretch/>
         </p:blipFill>
         <p:spPr>
           <a:xfrm>
-            <a:off x="3050391" y="1944944"/>
-            <a:ext cx="6091218" cy="4294309"/>
+            <a:off x="2907030" y="1943967"/>
+            <a:ext cx="6438900" cy="4423263"/>
           </a:xfrm>
           <a:prstGeom prst="rect">
             <a:avLst/>
@@ -7782,8 +7781,8 @@
         </p:nvSpPr>
         <p:spPr>
           <a:xfrm>
-            <a:off x="5620190" y="372679"/>
-            <a:ext cx="5928344" cy="6578666"/>
+            <a:off x="5791200" y="165100"/>
+            <a:ext cx="5435600" cy="6578599"/>
           </a:xfrm>
           <a:prstGeom prst="rect">
             <a:avLst/>
@@ -7806,7 +7805,7 @@
               <a:buChar char="•"/>
             </a:pPr>
             <a:r>
-              <a:rPr lang="de-DE" sz="1200" b="1" dirty="0">
+              <a:rPr lang="de-DE" sz="1100" b="1" dirty="0">
                 <a:solidFill>
                   <a:schemeClr val="tx1">
                     <a:lumMod val="75000"/>
@@ -7829,7 +7828,7 @@
               <a:buFont typeface="Calibri" panose="020F0502020204030204" pitchFamily="34" charset="0"/>
             </a:pPr>
             <a:r>
-              <a:rPr lang="de-DE" sz="1200" dirty="0">
+              <a:rPr lang="de-DE" sz="1100" dirty="0">
                 <a:solidFill>
                   <a:schemeClr val="tx1">
                     <a:lumMod val="75000"/>
@@ -7841,7 +7840,7 @@
               <a:t>	</a:t>
             </a:r>
             <a:r>
-              <a:rPr lang="de-DE" sz="1200" dirty="0">
+              <a:rPr lang="de-DE" sz="1100" dirty="0">
                 <a:solidFill>
                   <a:schemeClr val="tx1">
                     <a:lumMod val="75000"/>
@@ -7854,7 +7853,7 @@
               <a:t> </a:t>
             </a:r>
             <a:r>
-              <a:rPr lang="de-DE" sz="1200" dirty="0">
+              <a:rPr lang="de-DE" sz="1100" dirty="0">
                 <a:solidFill>
                   <a:schemeClr val="tx1">
                     <a:lumMod val="75000"/>
@@ -7877,7 +7876,7 @@
               <a:buFont typeface="Calibri" panose="020F0502020204030204" pitchFamily="34" charset="0"/>
             </a:pPr>
             <a:r>
-              <a:rPr lang="de-DE" sz="1200" dirty="0">
+              <a:rPr lang="de-DE" sz="1100" dirty="0">
                 <a:solidFill>
                   <a:schemeClr val="tx1">
                     <a:lumMod val="75000"/>
@@ -7889,7 +7888,7 @@
               <a:t>	</a:t>
             </a:r>
             <a:r>
-              <a:rPr lang="de-DE" sz="1200" dirty="0">
+              <a:rPr lang="de-DE" sz="1100" dirty="0">
                 <a:solidFill>
                   <a:schemeClr val="tx1">
                     <a:lumMod val="75000"/>
@@ -7902,7 +7901,7 @@
               <a:t> </a:t>
             </a:r>
             <a:r>
-              <a:rPr lang="de-DE" sz="1200" b="0" i="0" dirty="0">
+              <a:rPr lang="de-DE" sz="1100" b="0" i="0" dirty="0">
                 <a:solidFill>
                   <a:srgbClr val="24292E"/>
                 </a:solidFill>
@@ -7912,7 +7911,7 @@
               <a:t>Der Benutzer kann bei jeder Erinnerung angeben, wie viel er bis zu diesem 	Zeitpunkt getrunken hat.</a:t>
             </a:r>
             <a:br>
-              <a:rPr lang="de-DE" sz="1200" b="0" i="0" dirty="0">
+              <a:rPr lang="de-DE" sz="1100" b="0" i="0" dirty="0">
                 <a:solidFill>
                   <a:srgbClr val="24292E"/>
                 </a:solidFill>
@@ -7921,7 +7920,7 @@
               </a:rPr>
             </a:br>
             <a:r>
-              <a:rPr lang="de-DE" sz="1200" b="0" i="0" dirty="0">
+              <a:rPr lang="de-DE" sz="1100" b="0" i="0" dirty="0">
                 <a:solidFill>
                   <a:srgbClr val="24292E"/>
                 </a:solidFill>
@@ -7931,7 +7930,7 @@
               <a:t>	</a:t>
             </a:r>
             <a:r>
-              <a:rPr lang="de-DE" sz="1200" b="0" i="0" dirty="0">
+              <a:rPr lang="de-DE" sz="1100" b="0" i="0" dirty="0">
                 <a:solidFill>
                   <a:srgbClr val="24292E"/>
                 </a:solidFill>
@@ -7942,7 +7941,7 @@
               <a:t> </a:t>
             </a:r>
             <a:r>
-              <a:rPr lang="de-DE" sz="1200" b="0" i="0" dirty="0">
+              <a:rPr lang="de-DE" sz="1100" b="0" i="0" dirty="0">
                 <a:solidFill>
                   <a:srgbClr val="24292E"/>
                 </a:solidFill>
@@ -7951,7 +7950,7 @@
               </a:rPr>
               <a:t>Dem Benutzer wird ein Verlauf zur Verfügung gestellt, damit dieser sehen 	kann, ob er genug trinkt und was er in wie vielen Tagen getrunken hat.</a:t>
             </a:r>
-            <a:endParaRPr lang="de-DE" sz="1200" dirty="0">
+            <a:endParaRPr lang="de-DE" sz="1100" dirty="0">
               <a:solidFill>
                 <a:schemeClr val="tx1">
                   <a:lumMod val="75000"/>
@@ -7973,7 +7972,7 @@
               <a:buChar char="•"/>
             </a:pPr>
             <a:r>
-              <a:rPr lang="de-DE" sz="1200" b="1" dirty="0">
+              <a:rPr lang="de-DE" sz="1100" b="1" dirty="0">
                 <a:solidFill>
                   <a:schemeClr val="tx1">
                     <a:lumMod val="75000"/>
@@ -7996,7 +7995,7 @@
               <a:buFont typeface="Calibri" panose="020F0502020204030204" pitchFamily="34" charset="0"/>
             </a:pPr>
             <a:r>
-              <a:rPr lang="de-DE" sz="1200" dirty="0">
+              <a:rPr lang="de-DE" sz="1100" dirty="0">
                 <a:solidFill>
                   <a:schemeClr val="tx1">
                     <a:lumMod val="75000"/>
@@ -8008,7 +8007,7 @@
               <a:t>	</a:t>
             </a:r>
             <a:r>
-              <a:rPr lang="de-DE" sz="1200" dirty="0">
+              <a:rPr lang="de-DE" sz="1100" dirty="0">
                 <a:solidFill>
                   <a:schemeClr val="tx1">
                     <a:lumMod val="75000"/>
@@ -8021,7 +8020,7 @@
               <a:t> </a:t>
             </a:r>
             <a:r>
-              <a:rPr lang="de-DE" sz="1200" dirty="0">
+              <a:rPr lang="de-DE" sz="1100" dirty="0">
                 <a:solidFill>
                   <a:schemeClr val="tx1">
                     <a:lumMod val="75000"/>
@@ -8033,7 +8032,7 @@
               <a:t>3x tägliche Erinnerung (Voreinstellungen) oder der Nutzer stellt seine</a:t>
             </a:r>
             <a:br>
-              <a:rPr lang="de-DE" sz="1200" dirty="0">
+              <a:rPr lang="de-DE" sz="1100" dirty="0">
                 <a:solidFill>
                   <a:schemeClr val="tx1">
                     <a:lumMod val="75000"/>
@@ -8044,7 +8043,7 @@
               </a:rPr>
             </a:br>
             <a:r>
-              <a:rPr lang="de-DE" sz="1200" dirty="0">
+              <a:rPr lang="de-DE" sz="1100" dirty="0">
                 <a:solidFill>
                   <a:schemeClr val="tx1">
                     <a:lumMod val="75000"/>
@@ -8068,7 +8067,7 @@
               <a:buChar char="•"/>
             </a:pPr>
             <a:r>
-              <a:rPr lang="de-DE" sz="1200" b="1" dirty="0">
+              <a:rPr lang="de-DE" sz="1100" b="1" dirty="0">
                 <a:solidFill>
                   <a:schemeClr val="tx1">
                     <a:lumMod val="75000"/>
@@ -8090,7 +8089,7 @@
               </a:spcAft>
             </a:pPr>
             <a:r>
-              <a:rPr lang="de-DE" sz="1200" dirty="0">
+              <a:rPr lang="de-DE" sz="1100" dirty="0">
                 <a:solidFill>
                   <a:schemeClr val="tx1">
                     <a:lumMod val="75000"/>
@@ -8103,7 +8102,7 @@
               <a:t> </a:t>
             </a:r>
             <a:r>
-              <a:rPr lang="de-DE" sz="1200" dirty="0">
+              <a:rPr lang="de-DE" sz="1100" dirty="0">
                 <a:solidFill>
                   <a:schemeClr val="tx1">
                     <a:lumMod val="75000"/>
@@ -8127,7 +8126,7 @@
               <a:buChar char="•"/>
             </a:pPr>
             <a:r>
-              <a:rPr lang="de-DE" sz="1200" b="1" dirty="0">
+              <a:rPr lang="de-DE" sz="1100" b="1" dirty="0">
                 <a:solidFill>
                   <a:schemeClr val="tx1">
                     <a:lumMod val="75000"/>
@@ -8150,7 +8149,7 @@
               <a:buFont typeface="Calibri" panose="020F0502020204030204" pitchFamily="34" charset="0"/>
             </a:pPr>
             <a:r>
-              <a:rPr lang="de-DE" sz="1200" b="1" dirty="0">
+              <a:rPr lang="de-DE" sz="1100" b="1" dirty="0">
                 <a:solidFill>
                   <a:schemeClr val="tx1">
                     <a:lumMod val="75000"/>
@@ -8162,7 +8161,7 @@
               <a:t>	</a:t>
             </a:r>
             <a:r>
-              <a:rPr lang="de-DE" sz="1200" dirty="0">
+              <a:rPr lang="de-DE" sz="1100" dirty="0">
                 <a:solidFill>
                   <a:schemeClr val="tx1">
                     <a:lumMod val="75000"/>
@@ -8175,7 +8174,7 @@
               <a:t></a:t>
             </a:r>
             <a:r>
-              <a:rPr lang="de-DE" sz="1200" b="1" dirty="0">
+              <a:rPr lang="de-DE" sz="1100" b="1" dirty="0">
                 <a:solidFill>
                   <a:schemeClr val="tx1">
                     <a:lumMod val="75000"/>
@@ -8188,7 +8187,7 @@
               <a:t> </a:t>
             </a:r>
             <a:r>
-              <a:rPr lang="de-DE" sz="1200" dirty="0">
+              <a:rPr lang="de-DE" sz="1100" dirty="0">
                 <a:solidFill>
                   <a:schemeClr val="tx1">
                     <a:lumMod val="75000"/>
@@ -8199,7 +8198,7 @@
               </a:rPr>
               <a:t>10-20 Fragen. Der Benutzer kann diese Überspringen oder daran 	teilnehmen. Der Benutzer kann dadurch eingeschätzt werden (Stresslevel/ 	gefährdeter Benutzer).</a:t>
             </a:r>
-            <a:endParaRPr lang="de-DE" sz="1200" b="1" dirty="0">
+            <a:endParaRPr lang="de-DE" sz="1100" b="1" dirty="0">
               <a:solidFill>
                 <a:schemeClr val="tx1">
                   <a:lumMod val="75000"/>
@@ -8221,7 +8220,7 @@
               <a:buChar char="•"/>
             </a:pPr>
             <a:r>
-              <a:rPr lang="de-DE" sz="1200" b="1" dirty="0">
+              <a:rPr lang="de-DE" sz="1100" b="1" dirty="0">
                 <a:solidFill>
                   <a:schemeClr val="tx1">
                     <a:lumMod val="75000"/>
@@ -8244,7 +8243,7 @@
               <a:buFont typeface="Calibri" panose="020F0502020204030204" pitchFamily="34" charset="0"/>
             </a:pPr>
             <a:r>
-              <a:rPr lang="de-DE" sz="1200" dirty="0">
+              <a:rPr lang="de-DE" sz="1100" dirty="0">
                 <a:solidFill>
                   <a:schemeClr val="tx1">
                     <a:lumMod val="75000"/>
@@ -8256,7 +8255,7 @@
               <a:t>	</a:t>
             </a:r>
             <a:r>
-              <a:rPr lang="de-DE" sz="1200" dirty="0">
+              <a:rPr lang="de-DE" sz="1100" dirty="0">
                 <a:solidFill>
                   <a:schemeClr val="tx1">
                     <a:lumMod val="75000"/>
@@ -8269,7 +8268,7 @@
               <a:t></a:t>
             </a:r>
             <a:r>
-              <a:rPr lang="de-DE" sz="1200" dirty="0">
+              <a:rPr lang="de-DE" sz="1100" dirty="0">
                 <a:solidFill>
                   <a:schemeClr val="tx1">
                     <a:lumMod val="75000"/>
@@ -8293,7 +8292,7 @@
               <a:buChar char="•"/>
             </a:pPr>
             <a:r>
-              <a:rPr lang="de-DE" sz="1200" b="1" dirty="0">
+              <a:rPr lang="de-DE" sz="1100" b="1" dirty="0">
                 <a:solidFill>
                   <a:schemeClr val="tx1">
                     <a:lumMod val="75000"/>
@@ -8316,7 +8315,7 @@
               <a:buFont typeface="Calibri" panose="020F0502020204030204" pitchFamily="34" charset="0"/>
             </a:pPr>
             <a:r>
-              <a:rPr lang="de-DE" sz="1200" dirty="0">
+              <a:rPr lang="de-DE" sz="1100" dirty="0">
                 <a:solidFill>
                   <a:schemeClr val="tx1">
                     <a:lumMod val="75000"/>
@@ -8328,7 +8327,7 @@
               <a:t>	</a:t>
             </a:r>
             <a:r>
-              <a:rPr lang="de-DE" sz="1200" dirty="0">
+              <a:rPr lang="de-DE" sz="1100" dirty="0">
                 <a:solidFill>
                   <a:schemeClr val="tx1">
                     <a:lumMod val="75000"/>
@@ -8341,7 +8340,7 @@
               <a:t> </a:t>
             </a:r>
             <a:r>
-              <a:rPr lang="de-DE" sz="1200" dirty="0">
+              <a:rPr lang="de-DE" sz="1100" dirty="0">
                 <a:solidFill>
                   <a:schemeClr val="tx1">
                     <a:lumMod val="75000"/>
@@ -8365,7 +8364,7 @@
               <a:buChar char="•"/>
             </a:pPr>
             <a:r>
-              <a:rPr lang="de-DE" sz="1200" b="1" dirty="0">
+              <a:rPr lang="de-DE" sz="1100" b="1" dirty="0">
                 <a:solidFill>
                   <a:schemeClr val="tx1">
                     <a:lumMod val="75000"/>
@@ -8388,7 +8387,7 @@
               <a:buFont typeface="Calibri" panose="020F0502020204030204" pitchFamily="34" charset="0"/>
             </a:pPr>
             <a:r>
-              <a:rPr lang="de-DE" sz="1200" dirty="0">
+              <a:rPr lang="de-DE" sz="1100" dirty="0">
                 <a:solidFill>
                   <a:schemeClr val="tx1">
                     <a:lumMod val="75000"/>
@@ -8400,7 +8399,7 @@
               <a:t>	</a:t>
             </a:r>
             <a:r>
-              <a:rPr lang="de-DE" sz="1200" dirty="0">
+              <a:rPr lang="de-DE" sz="1100" dirty="0">
                 <a:solidFill>
                   <a:schemeClr val="tx1">
                     <a:lumMod val="75000"/>
@@ -8413,7 +8412,7 @@
               <a:t> </a:t>
             </a:r>
             <a:r>
-              <a:rPr lang="de-DE" sz="1200" dirty="0">
+              <a:rPr lang="de-DE" sz="1100" dirty="0">
                 <a:solidFill>
                   <a:schemeClr val="tx1">
                     <a:lumMod val="75000"/>
@@ -8437,7 +8436,7 @@
               <a:buChar char="•"/>
             </a:pPr>
             <a:r>
-              <a:rPr lang="de-DE" sz="1200" b="1" dirty="0">
+              <a:rPr lang="de-DE" sz="1100" b="1" dirty="0">
                 <a:solidFill>
                   <a:schemeClr val="tx1">
                     <a:lumMod val="75000"/>
@@ -8460,7 +8459,7 @@
               <a:buFont typeface="Calibri" panose="020F0502020204030204" pitchFamily="34" charset="0"/>
             </a:pPr>
             <a:r>
-              <a:rPr lang="de-DE" sz="1200" b="1" dirty="0">
+              <a:rPr lang="de-DE" sz="1100" b="1" dirty="0">
                 <a:solidFill>
                   <a:schemeClr val="tx1">
                     <a:lumMod val="75000"/>
@@ -8472,7 +8471,7 @@
               <a:t>	</a:t>
             </a:r>
             <a:r>
-              <a:rPr lang="de-DE" sz="1200" b="1" dirty="0">
+              <a:rPr lang="de-DE" sz="1100" b="1" dirty="0">
                 <a:solidFill>
                   <a:schemeClr val="tx1">
                     <a:lumMod val="75000"/>
@@ -8485,7 +8484,7 @@
               <a:t> </a:t>
             </a:r>
             <a:r>
-              <a:rPr lang="de-DE" sz="1200" dirty="0">
+              <a:rPr lang="de-DE" sz="1100" dirty="0">
                 <a:solidFill>
                   <a:schemeClr val="tx1">
                     <a:lumMod val="75000"/>
@@ -8494,19 +8493,7 @@
                 </a:solidFill>
                 <a:latin typeface="-apple-system"/>
               </a:rPr>
-              <a:t>Durch die Umfragen, an denen täglich und am Ende des Monats  	teilgenommen wird, kann der User in seine Auswertung schauen. Es wird der 	Verlauf von der täglichen Umfrage und der Verlauf von der Umfrage am Ende 	des Monats angezeigt</a:t>
-            </a:r>
-            <a:r>
-              <a:rPr lang="de-DE" sz="1100" dirty="0">
-                <a:solidFill>
-                  <a:schemeClr val="tx1">
-                    <a:lumMod val="75000"/>
-                    <a:lumOff val="25000"/>
-                  </a:schemeClr>
-                </a:solidFill>
-                <a:latin typeface="-apple-system"/>
-              </a:rPr>
-              <a:t>.</a:t>
+              <a:t>Durch die Umfragen, an denen täglich und am Ende des Monats  	teilgenommen wird, kann der User in seine Auswertung schauen. Es wird der 	Verlauf von der täglichen Umfrage und der Verlauf von der Umfrage am Ende 	des Monats angezeigt.</a:t>
             </a:r>
           </a:p>
         </p:txBody>
@@ -8693,7 +8680,7 @@
         </p:nvSpPr>
         <p:spPr>
           <a:xfrm>
-            <a:off x="1167765" y="1976189"/>
+            <a:off x="1167765" y="1879939"/>
             <a:ext cx="9719310" cy="4801314"/>
           </a:xfrm>
           <a:prstGeom prst="rect">
@@ -8894,15 +8881,17 @@
                 <a:effectLst/>
                 <a:latin typeface="-apple-system"/>
               </a:rPr>
-              <a:t> Die Daten (Umfragen und Anzahl der Liter) werden für den Verlauf nicht gespeichert</a:t>
-            </a:r>
-            <a:endParaRPr lang="de-DE" sz="1700" b="0" i="0" dirty="0">
-              <a:solidFill>
-                <a:srgbClr val="24292E"/>
-              </a:solidFill>
-              <a:effectLst/>
-              <a:latin typeface="-apple-system"/>
-            </a:endParaRPr>
+              <a:t> </a:t>
+            </a:r>
+            <a:r>
+              <a:rPr lang="de-DE" sz="1700" dirty="0">
+                <a:solidFill>
+                  <a:srgbClr val="24292E"/>
+                </a:solidFill>
+                <a:latin typeface="-apple-system"/>
+              </a:rPr>
+              <a:t>Die Daten (Umfragen und Anzahl der Liter) werden für den Verlauf nicht gespeichert</a:t>
+            </a:r>
           </a:p>
           <a:p>
             <a:pPr algn="l">
@@ -9923,6 +9912,42 @@
           </a:p>
         </p:txBody>
       </p:sp>
+      <p:pic>
+        <p:nvPicPr>
+          <p:cNvPr id="18" name="Grafik 17" descr="Ein Bild, das Text enthält.&#10;&#10;Automatisch generierte Beschreibung">
+            <a:extLst>
+              <a:ext uri="{FF2B5EF4-FFF2-40B4-BE49-F238E27FC236}">
+                <a16:creationId xmlns:a16="http://schemas.microsoft.com/office/drawing/2014/main" id="{E5D6403E-B864-41CE-9408-9E0E7C8C0677}"/>
+              </a:ext>
+            </a:extLst>
+          </p:cNvPr>
+          <p:cNvPicPr>
+            <a:picLocks noChangeAspect="1"/>
+          </p:cNvPicPr>
+          <p:nvPr/>
+        </p:nvPicPr>
+        <p:blipFill>
+          <a:blip r:embed="rId16">
+            <a:extLst>
+              <a:ext uri="{28A0092B-C50C-407E-A947-70E740481C1C}">
+                <a14:useLocalDpi xmlns:a14="http://schemas.microsoft.com/office/drawing/2010/main" val="0"/>
+              </a:ext>
+            </a:extLst>
+          </a:blip>
+          <a:stretch>
+            <a:fillRect/>
+          </a:stretch>
+        </p:blipFill>
+        <p:spPr>
+          <a:xfrm>
+            <a:off x="3067846" y="3069600"/>
+            <a:ext cx="6024784" cy="1859704"/>
+          </a:xfrm>
+          <a:prstGeom prst="rect">
+            <a:avLst/>
+          </a:prstGeom>
+        </p:spPr>
+      </p:pic>
     </p:spTree>
     <p:extLst>
       <p:ext uri="{BB962C8B-B14F-4D97-AF65-F5344CB8AC3E}">
@@ -10860,6 +10885,33 @@
                                   </p:childTnLst>
                                 </p:cTn>
                               </p:par>
+                              <p:par>
+                                <p:cTn id="81" presetID="1" presetClass="entr" presetSubtype="0" fill="hold" nodeType="withEffect">
+                                  <p:stCondLst>
+                                    <p:cond delay="0"/>
+                                  </p:stCondLst>
+                                  <p:childTnLst>
+                                    <p:set>
+                                      <p:cBhvr>
+                                        <p:cTn id="82" dur="1" fill="hold">
+                                          <p:stCondLst>
+                                            <p:cond delay="0"/>
+                                          </p:stCondLst>
+                                        </p:cTn>
+                                        <p:tgtEl>
+                                          <p:spTgt spid="18"/>
+                                        </p:tgtEl>
+                                        <p:attrNameLst>
+                                          <p:attrName>style.visibility</p:attrName>
+                                        </p:attrNameLst>
+                                      </p:cBhvr>
+                                      <p:to>
+                                        <p:strVal val="visible"/>
+                                      </p:to>
+                                    </p:set>
+                                  </p:childTnLst>
+                                </p:cTn>
+                              </p:par>
                             </p:childTnLst>
                           </p:cTn>
                         </p:par>
@@ -10980,7 +11032,7 @@
         </p:nvSpPr>
         <p:spPr>
           <a:xfrm>
-            <a:off x="1215188" y="2114816"/>
+            <a:off x="1215188" y="2025916"/>
             <a:ext cx="9940491" cy="830997"/>
           </a:xfrm>
           <a:prstGeom prst="rect">
@@ -11041,7 +11093,7 @@
         </p:nvSpPr>
         <p:spPr>
           <a:xfrm>
-            <a:off x="1215188" y="3050177"/>
+            <a:off x="1215188" y="2910477"/>
             <a:ext cx="9940491" cy="2308324"/>
           </a:xfrm>
           <a:prstGeom prst="rect">
@@ -11282,7 +11334,7 @@
         </p:nvSpPr>
         <p:spPr>
           <a:xfrm>
-            <a:off x="1215188" y="5391445"/>
+            <a:off x="1215188" y="5315245"/>
             <a:ext cx="9940491" cy="830997"/>
           </a:xfrm>
           <a:prstGeom prst="rect">
@@ -11836,77 +11888,73 @@
         </p:nvSpPr>
         <p:spPr>
           <a:xfrm>
-            <a:off x="1097280" y="2108201"/>
+            <a:off x="1097280" y="2011945"/>
             <a:ext cx="10058400" cy="4160252"/>
           </a:xfrm>
         </p:spPr>
         <p:txBody>
           <a:bodyPr>
-            <a:normAutofit fontScale="85000" lnSpcReduction="20000"/>
+            <a:normAutofit fontScale="77500" lnSpcReduction="20000"/>
           </a:bodyPr>
           <a:lstStyle/>
           <a:p>
             <a:r>
               <a:rPr lang="de-DE" dirty="0"/>
-              <a:t>1. Exposé</a:t>
-            </a:r>
-          </a:p>
-          <a:p>
-            <a:pPr lvl="1">
-              <a:buFont typeface="Arial" panose="020B0604020202020204" pitchFamily="34" charset="0"/>
-              <a:buChar char="•"/>
-            </a:pPr>
+              <a:t>  1. Exposé</a:t>
+            </a:r>
+          </a:p>
+          <a:p>
             <a:r>
               <a:rPr lang="de-DE" dirty="0"/>
-              <a:t>Zielhierarchie und Anforderungen</a:t>
+              <a:t>  2. Zielhierarchie und Anforderungen</a:t>
             </a:r>
           </a:p>
           <a:p>
             <a:r>
               <a:rPr lang="de-DE" dirty="0"/>
-              <a:t>2. Problemszenario</a:t>
+              <a:t>  3. Problemszenario</a:t>
             </a:r>
           </a:p>
           <a:p>
             <a:r>
               <a:rPr lang="de-DE" dirty="0"/>
-              <a:t>3. Domänenmodell und Stakeholder</a:t>
+              <a:t>  4. Domänenmodell und Stakeholder</a:t>
             </a:r>
           </a:p>
           <a:p>
             <a:r>
               <a:rPr lang="de-DE" dirty="0"/>
-              <a:t>4. Anwendungslogik</a:t>
+              <a:t>  5. Anwendungslogik</a:t>
             </a:r>
           </a:p>
           <a:p>
             <a:r>
               <a:rPr lang="de-DE" dirty="0"/>
-              <a:t>5. Use Case</a:t>
+              <a:t>  6. Use Case</a:t>
             </a:r>
           </a:p>
           <a:p>
             <a:r>
               <a:rPr lang="de-DE" dirty="0"/>
-              <a:t>6. Konkurrenzanalyse</a:t>
+              <a:t>  7. Konkurrenzanalyse</a:t>
             </a:r>
           </a:p>
           <a:p>
             <a:r>
               <a:rPr lang="de-DE" dirty="0"/>
-              <a:t>7. Alleinstellungsmerkmal</a:t>
+              <a:t>  8. Alleinstellungsmerkmal</a:t>
             </a:r>
           </a:p>
           <a:p>
             <a:r>
               <a:rPr lang="de-DE" dirty="0"/>
-              <a:t>8. Risiken</a:t>
+              <a:t>  9. Risiken</a:t>
             </a:r>
           </a:p>
           <a:p>
             <a:r>
               <a:rPr lang="de-DE" dirty="0"/>
-              <a:t>9. Spezifikation des ersten technischen/architekturellen Proof-</a:t>
+              <a:t>10. Spezifikation des ersten technischen/architekturellen Proof-</a:t>
             </a:r>
             <a:r>
               <a:rPr lang="de-DE" dirty="0" err="1"/>
@@ -11936,7 +11984,7 @@
           <a:p>
             <a:r>
               <a:rPr lang="de-DE" dirty="0"/>
-              <a:t>10. Projektplan</a:t>
+              <a:t>11. Projektplan</a:t>
             </a:r>
           </a:p>
         </p:txBody>
@@ -13011,10 +13059,10 @@
       </p:sp>
       <p:pic>
         <p:nvPicPr>
-          <p:cNvPr id="9" name="Grafik 8" descr="Ein Bild, das Text enthält.&#10;&#10;Automatisch generierte Beschreibung">
+          <p:cNvPr id="5" name="Grafik 4" descr="Ein Bild, das Text enthält.&#10;&#10;Automatisch generierte Beschreibung">
             <a:extLst>
               <a:ext uri="{FF2B5EF4-FFF2-40B4-BE49-F238E27FC236}">
-                <a16:creationId xmlns:a16="http://schemas.microsoft.com/office/drawing/2014/main" id="{A8C912EE-9EAB-4C7B-A989-4F13D82CF5A8}"/>
+                <a16:creationId xmlns:a16="http://schemas.microsoft.com/office/drawing/2014/main" id="{57529B7B-68DF-4525-BAD1-80C7E9B972E1}"/>
               </a:ext>
             </a:extLst>
           </p:cNvPr>
@@ -13037,8 +13085,8 @@
         </p:blipFill>
         <p:spPr>
           <a:xfrm>
-            <a:off x="5934327" y="160887"/>
-            <a:ext cx="5485872" cy="6536225"/>
+            <a:off x="5892800" y="86527"/>
+            <a:ext cx="5160308" cy="6684946"/>
           </a:xfrm>
           <a:prstGeom prst="rect">
             <a:avLst/>

--- a/Audit 1/WS2020_SerttasPlackenhohn_Audit1.pptx
+++ b/Audit 1/WS2020_SerttasPlackenhohn_Audit1.pptx
@@ -7782,8 +7782,8 @@
         </p:nvSpPr>
         <p:spPr>
           <a:xfrm>
-            <a:off x="5620190" y="372679"/>
-            <a:ext cx="5928344" cy="6578666"/>
+            <a:off x="5620190" y="232979"/>
+            <a:ext cx="5928344" cy="6480642"/>
           </a:xfrm>
           <a:prstGeom prst="rect">
             <a:avLst/>
@@ -7806,7 +7806,7 @@
               <a:buChar char="•"/>
             </a:pPr>
             <a:r>
-              <a:rPr lang="de-DE" sz="1200" b="1" dirty="0">
+              <a:rPr lang="de-DE" sz="1100" b="1" dirty="0">
                 <a:solidFill>
                   <a:schemeClr val="tx1">
                     <a:lumMod val="75000"/>
@@ -7829,7 +7829,7 @@
               <a:buFont typeface="Calibri" panose="020F0502020204030204" pitchFamily="34" charset="0"/>
             </a:pPr>
             <a:r>
-              <a:rPr lang="de-DE" sz="1200" dirty="0">
+              <a:rPr lang="de-DE" sz="1100" dirty="0">
                 <a:solidFill>
                   <a:schemeClr val="tx1">
                     <a:lumMod val="75000"/>
@@ -7841,7 +7841,7 @@
               <a:t>	</a:t>
             </a:r>
             <a:r>
-              <a:rPr lang="de-DE" sz="1200" dirty="0">
+              <a:rPr lang="de-DE" sz="1100" dirty="0">
                 <a:solidFill>
                   <a:schemeClr val="tx1">
                     <a:lumMod val="75000"/>
@@ -7854,7 +7854,7 @@
               <a:t> </a:t>
             </a:r>
             <a:r>
-              <a:rPr lang="de-DE" sz="1200" dirty="0">
+              <a:rPr lang="de-DE" sz="1100" dirty="0">
                 <a:solidFill>
                   <a:schemeClr val="tx1">
                     <a:lumMod val="75000"/>
@@ -7877,7 +7877,7 @@
               <a:buFont typeface="Calibri" panose="020F0502020204030204" pitchFamily="34" charset="0"/>
             </a:pPr>
             <a:r>
-              <a:rPr lang="de-DE" sz="1200" dirty="0">
+              <a:rPr lang="de-DE" sz="1100" dirty="0">
                 <a:solidFill>
                   <a:schemeClr val="tx1">
                     <a:lumMod val="75000"/>
@@ -7889,7 +7889,7 @@
               <a:t>	</a:t>
             </a:r>
             <a:r>
-              <a:rPr lang="de-DE" sz="1200" dirty="0">
+              <a:rPr lang="de-DE" sz="1100" dirty="0">
                 <a:solidFill>
                   <a:schemeClr val="tx1">
                     <a:lumMod val="75000"/>
@@ -7902,17 +7902,17 @@
               <a:t> </a:t>
             </a:r>
             <a:r>
-              <a:rPr lang="de-DE" sz="1200" b="0" i="0" dirty="0">
+              <a:rPr lang="de-DE" sz="1100" b="0" i="0" dirty="0">
                 <a:solidFill>
                   <a:srgbClr val="24292E"/>
                 </a:solidFill>
                 <a:effectLst/>
                 <a:latin typeface="-apple-system"/>
               </a:rPr>
-              <a:t>Der Benutzer kann bei jeder Erinnerung angeben, wie viel er bis zu diesem 	Zeitpunkt getrunken hat.</a:t>
+              <a:t>Der Benutzer kann bei jeder Erinnerung angeben, wie viel er bis zu diesem 	Zeitpunkt getrunken hat</a:t>
             </a:r>
             <a:br>
-              <a:rPr lang="de-DE" sz="1200" b="0" i="0" dirty="0">
+              <a:rPr lang="de-DE" sz="1100" b="0" i="0" dirty="0">
                 <a:solidFill>
                   <a:srgbClr val="24292E"/>
                 </a:solidFill>
@@ -7921,7 +7921,7 @@
               </a:rPr>
             </a:br>
             <a:r>
-              <a:rPr lang="de-DE" sz="1200" b="0" i="0" dirty="0">
+              <a:rPr lang="de-DE" sz="1100" b="0" i="0" dirty="0">
                 <a:solidFill>
                   <a:srgbClr val="24292E"/>
                 </a:solidFill>
@@ -7931,7 +7931,7 @@
               <a:t>	</a:t>
             </a:r>
             <a:r>
-              <a:rPr lang="de-DE" sz="1200" b="0" i="0" dirty="0">
+              <a:rPr lang="de-DE" sz="1100" b="0" i="0" dirty="0">
                 <a:solidFill>
                   <a:srgbClr val="24292E"/>
                 </a:solidFill>
@@ -7942,16 +7942,16 @@
               <a:t> </a:t>
             </a:r>
             <a:r>
-              <a:rPr lang="de-DE" sz="1200" b="0" i="0" dirty="0">
+              <a:rPr lang="de-DE" sz="1100" b="0" i="0" dirty="0">
                 <a:solidFill>
                   <a:srgbClr val="24292E"/>
                 </a:solidFill>
                 <a:effectLst/>
                 <a:latin typeface="-apple-system"/>
               </a:rPr>
-              <a:t>Dem Benutzer wird ein Verlauf zur Verfügung gestellt, damit dieser sehen 	kann, ob er genug trinkt und was er in wie vielen Tagen getrunken hat.</a:t>
-            </a:r>
-            <a:endParaRPr lang="de-DE" sz="1200" dirty="0">
+              <a:t>Dem Benutzer wird ein Verlauf zur Verfügung gestellt, damit dieser sehen kann, ob er 	genug trinkt und was er in wie vielen Tagen getrunken hat.</a:t>
+            </a:r>
+            <a:endParaRPr lang="de-DE" sz="1100" dirty="0">
               <a:solidFill>
                 <a:schemeClr val="tx1">
                   <a:lumMod val="75000"/>
@@ -7973,7 +7973,7 @@
               <a:buChar char="•"/>
             </a:pPr>
             <a:r>
-              <a:rPr lang="de-DE" sz="1200" b="1" dirty="0">
+              <a:rPr lang="de-DE" sz="1100" b="1" dirty="0">
                 <a:solidFill>
                   <a:schemeClr val="tx1">
                     <a:lumMod val="75000"/>
@@ -7996,7 +7996,7 @@
               <a:buFont typeface="Calibri" panose="020F0502020204030204" pitchFamily="34" charset="0"/>
             </a:pPr>
             <a:r>
-              <a:rPr lang="de-DE" sz="1200" dirty="0">
+              <a:rPr lang="de-DE" sz="1100" dirty="0">
                 <a:solidFill>
                   <a:schemeClr val="tx1">
                     <a:lumMod val="75000"/>
@@ -8008,7 +8008,7 @@
               <a:t>	</a:t>
             </a:r>
             <a:r>
-              <a:rPr lang="de-DE" sz="1200" dirty="0">
+              <a:rPr lang="de-DE" sz="1100" dirty="0">
                 <a:solidFill>
                   <a:schemeClr val="tx1">
                     <a:lumMod val="75000"/>
@@ -8021,7 +8021,7 @@
               <a:t> </a:t>
             </a:r>
             <a:r>
-              <a:rPr lang="de-DE" sz="1200" dirty="0">
+              <a:rPr lang="de-DE" sz="1100" dirty="0">
                 <a:solidFill>
                   <a:schemeClr val="tx1">
                     <a:lumMod val="75000"/>
@@ -8033,7 +8033,7 @@
               <a:t>3x tägliche Erinnerung (Voreinstellungen) oder der Nutzer stellt seine</a:t>
             </a:r>
             <a:br>
-              <a:rPr lang="de-DE" sz="1200" dirty="0">
+              <a:rPr lang="de-DE" sz="1100" dirty="0">
                 <a:solidFill>
                   <a:schemeClr val="tx1">
                     <a:lumMod val="75000"/>
@@ -8044,7 +8044,7 @@
               </a:rPr>
             </a:br>
             <a:r>
-              <a:rPr lang="de-DE" sz="1200" dirty="0">
+              <a:rPr lang="de-DE" sz="1100" dirty="0">
                 <a:solidFill>
                   <a:schemeClr val="tx1">
                     <a:lumMod val="75000"/>
@@ -8068,7 +8068,7 @@
               <a:buChar char="•"/>
             </a:pPr>
             <a:r>
-              <a:rPr lang="de-DE" sz="1200" b="1" dirty="0">
+              <a:rPr lang="de-DE" sz="1100" b="1" dirty="0">
                 <a:solidFill>
                   <a:schemeClr val="tx1">
                     <a:lumMod val="75000"/>
@@ -8090,7 +8090,7 @@
               </a:spcAft>
             </a:pPr>
             <a:r>
-              <a:rPr lang="de-DE" sz="1200" dirty="0">
+              <a:rPr lang="de-DE" sz="1100" dirty="0">
                 <a:solidFill>
                   <a:schemeClr val="tx1">
                     <a:lumMod val="75000"/>
@@ -8103,7 +8103,7 @@
               <a:t> </a:t>
             </a:r>
             <a:r>
-              <a:rPr lang="de-DE" sz="1200" dirty="0">
+              <a:rPr lang="de-DE" sz="1100" dirty="0">
                 <a:solidFill>
                   <a:schemeClr val="tx1">
                     <a:lumMod val="75000"/>
@@ -8127,7 +8127,7 @@
               <a:buChar char="•"/>
             </a:pPr>
             <a:r>
-              <a:rPr lang="de-DE" sz="1200" b="1" dirty="0">
+              <a:rPr lang="de-DE" sz="1100" b="1" dirty="0">
                 <a:solidFill>
                   <a:schemeClr val="tx1">
                     <a:lumMod val="75000"/>
@@ -8150,7 +8150,7 @@
               <a:buFont typeface="Calibri" panose="020F0502020204030204" pitchFamily="34" charset="0"/>
             </a:pPr>
             <a:r>
-              <a:rPr lang="de-DE" sz="1200" b="1" dirty="0">
+              <a:rPr lang="de-DE" sz="1100" b="1" dirty="0">
                 <a:solidFill>
                   <a:schemeClr val="tx1">
                     <a:lumMod val="75000"/>
@@ -8162,7 +8162,7 @@
               <a:t>	</a:t>
             </a:r>
             <a:r>
-              <a:rPr lang="de-DE" sz="1200" dirty="0">
+              <a:rPr lang="de-DE" sz="1100" dirty="0">
                 <a:solidFill>
                   <a:schemeClr val="tx1">
                     <a:lumMod val="75000"/>
@@ -8175,7 +8175,7 @@
               <a:t></a:t>
             </a:r>
             <a:r>
-              <a:rPr lang="de-DE" sz="1200" b="1" dirty="0">
+              <a:rPr lang="de-DE" sz="1100" b="1" dirty="0">
                 <a:solidFill>
                   <a:schemeClr val="tx1">
                     <a:lumMod val="75000"/>
@@ -8188,7 +8188,7 @@
               <a:t> </a:t>
             </a:r>
             <a:r>
-              <a:rPr lang="de-DE" sz="1200" dirty="0">
+              <a:rPr lang="de-DE" sz="1100" dirty="0">
                 <a:solidFill>
                   <a:schemeClr val="tx1">
                     <a:lumMod val="75000"/>
@@ -8199,7 +8199,7 @@
               </a:rPr>
               <a:t>10-20 Fragen. Der Benutzer kann diese Überspringen oder daran 	teilnehmen. Der Benutzer kann dadurch eingeschätzt werden (Stresslevel/ 	gefährdeter Benutzer).</a:t>
             </a:r>
-            <a:endParaRPr lang="de-DE" sz="1200" b="1" dirty="0">
+            <a:endParaRPr lang="de-DE" sz="1100" b="1" dirty="0">
               <a:solidFill>
                 <a:schemeClr val="tx1">
                   <a:lumMod val="75000"/>
@@ -8221,7 +8221,7 @@
               <a:buChar char="•"/>
             </a:pPr>
             <a:r>
-              <a:rPr lang="de-DE" sz="1200" b="1" dirty="0">
+              <a:rPr lang="de-DE" sz="1100" b="1" dirty="0">
                 <a:solidFill>
                   <a:schemeClr val="tx1">
                     <a:lumMod val="75000"/>
@@ -8244,7 +8244,7 @@
               <a:buFont typeface="Calibri" panose="020F0502020204030204" pitchFamily="34" charset="0"/>
             </a:pPr>
             <a:r>
-              <a:rPr lang="de-DE" sz="1200" dirty="0">
+              <a:rPr lang="de-DE" sz="1100" dirty="0">
                 <a:solidFill>
                   <a:schemeClr val="tx1">
                     <a:lumMod val="75000"/>
@@ -8256,7 +8256,7 @@
               <a:t>	</a:t>
             </a:r>
             <a:r>
-              <a:rPr lang="de-DE" sz="1200" dirty="0">
+              <a:rPr lang="de-DE" sz="1100" dirty="0">
                 <a:solidFill>
                   <a:schemeClr val="tx1">
                     <a:lumMod val="75000"/>
@@ -8269,7 +8269,7 @@
               <a:t></a:t>
             </a:r>
             <a:r>
-              <a:rPr lang="de-DE" sz="1200" dirty="0">
+              <a:rPr lang="de-DE" sz="1100" dirty="0">
                 <a:solidFill>
                   <a:schemeClr val="tx1">
                     <a:lumMod val="75000"/>
@@ -8278,7 +8278,7 @@
                 </a:solidFill>
                 <a:latin typeface="-apple-system"/>
               </a:rPr>
-              <a:t> Geht es dem Benutzer nicht gut oder man merkt, dass es dem Benutzer 	nicht besser geht mit der Zeit (durch die Umfragen), kann man sich an das 	geschulte Personal wenden. Das geschulte Personal berät die Benutzer, gibt 	Tipps und schlägt verschiedene Anlaufmöglichkeiten vor.</a:t>
+              <a:t> Geht es dem Benutzer nicht gut oder man merkt, dass es dem Benutzer nicht besser 	geht mit der Zeit (durch die Umfragen), kann man sich an das geschulte Personal 	wenden. Das geschulte Personal berät die Benutzer, gibt Tipps und schlägt verschiedene 	Anlaufmöglichkeiten vor.</a:t>
             </a:r>
           </a:p>
           <a:p>
@@ -8293,7 +8293,7 @@
               <a:buChar char="•"/>
             </a:pPr>
             <a:r>
-              <a:rPr lang="de-DE" sz="1200" b="1" dirty="0">
+              <a:rPr lang="de-DE" sz="1100" b="1" dirty="0">
                 <a:solidFill>
                   <a:schemeClr val="tx1">
                     <a:lumMod val="75000"/>
@@ -8316,7 +8316,7 @@
               <a:buFont typeface="Calibri" panose="020F0502020204030204" pitchFamily="34" charset="0"/>
             </a:pPr>
             <a:r>
-              <a:rPr lang="de-DE" sz="1200" dirty="0">
+              <a:rPr lang="de-DE" sz="1100" dirty="0">
                 <a:solidFill>
                   <a:schemeClr val="tx1">
                     <a:lumMod val="75000"/>
@@ -8328,7 +8328,7 @@
               <a:t>	</a:t>
             </a:r>
             <a:r>
-              <a:rPr lang="de-DE" sz="1200" dirty="0">
+              <a:rPr lang="de-DE" sz="1100" dirty="0">
                 <a:solidFill>
                   <a:schemeClr val="tx1">
                     <a:lumMod val="75000"/>
@@ -8341,7 +8341,7 @@
               <a:t> </a:t>
             </a:r>
             <a:r>
-              <a:rPr lang="de-DE" sz="1200" dirty="0">
+              <a:rPr lang="de-DE" sz="1100" dirty="0">
                 <a:solidFill>
                   <a:schemeClr val="tx1">
                     <a:lumMod val="75000"/>
@@ -8365,7 +8365,7 @@
               <a:buChar char="•"/>
             </a:pPr>
             <a:r>
-              <a:rPr lang="de-DE" sz="1200" b="1" dirty="0">
+              <a:rPr lang="de-DE" sz="1100" b="1" dirty="0">
                 <a:solidFill>
                   <a:schemeClr val="tx1">
                     <a:lumMod val="75000"/>
@@ -8388,7 +8388,7 @@
               <a:buFont typeface="Calibri" panose="020F0502020204030204" pitchFamily="34" charset="0"/>
             </a:pPr>
             <a:r>
-              <a:rPr lang="de-DE" sz="1200" dirty="0">
+              <a:rPr lang="de-DE" sz="1100" dirty="0">
                 <a:solidFill>
                   <a:schemeClr val="tx1">
                     <a:lumMod val="75000"/>
@@ -8400,7 +8400,7 @@
               <a:t>	</a:t>
             </a:r>
             <a:r>
-              <a:rPr lang="de-DE" sz="1200" dirty="0">
+              <a:rPr lang="de-DE" sz="1100" dirty="0">
                 <a:solidFill>
                   <a:schemeClr val="tx1">
                     <a:lumMod val="75000"/>
@@ -8413,7 +8413,7 @@
               <a:t> </a:t>
             </a:r>
             <a:r>
-              <a:rPr lang="de-DE" sz="1200" dirty="0">
+              <a:rPr lang="de-DE" sz="1100" dirty="0">
                 <a:solidFill>
                   <a:schemeClr val="tx1">
                     <a:lumMod val="75000"/>
@@ -8422,7 +8422,7 @@
                 </a:solidFill>
                 <a:latin typeface="-apple-system"/>
               </a:rPr>
-              <a:t>Übungen, Musik, Hörbücher etc. werden sortiert. z.B. nach 	Stresskategorie, Zeit usw.</a:t>
+              <a:t>Übungen, Musik, Hörbücher etc. werden sortiert. z.B. nach Stresskategorie, Zeit 	usw.</a:t>
             </a:r>
           </a:p>
           <a:p>
@@ -8437,7 +8437,7 @@
               <a:buChar char="•"/>
             </a:pPr>
             <a:r>
-              <a:rPr lang="de-DE" sz="1200" b="1" dirty="0">
+              <a:rPr lang="de-DE" sz="1100" b="1" dirty="0">
                 <a:solidFill>
                   <a:schemeClr val="tx1">
                     <a:lumMod val="75000"/>
@@ -8460,7 +8460,7 @@
               <a:buFont typeface="Calibri" panose="020F0502020204030204" pitchFamily="34" charset="0"/>
             </a:pPr>
             <a:r>
-              <a:rPr lang="de-DE" sz="1200" b="1" dirty="0">
+              <a:rPr lang="de-DE" sz="1100" b="1" dirty="0">
                 <a:solidFill>
                   <a:schemeClr val="tx1">
                     <a:lumMod val="75000"/>
@@ -8472,7 +8472,7 @@
               <a:t>	</a:t>
             </a:r>
             <a:r>
-              <a:rPr lang="de-DE" sz="1200" b="1" dirty="0">
+              <a:rPr lang="de-DE" sz="1100" b="1" dirty="0">
                 <a:solidFill>
                   <a:schemeClr val="tx1">
                     <a:lumMod val="75000"/>
@@ -8485,7 +8485,7 @@
               <a:t> </a:t>
             </a:r>
             <a:r>
-              <a:rPr lang="de-DE" sz="1200" dirty="0">
+              <a:rPr lang="de-DE" sz="1100" dirty="0">
                 <a:solidFill>
                   <a:schemeClr val="tx1">
                     <a:lumMod val="75000"/>
@@ -8494,19 +8494,7 @@
                 </a:solidFill>
                 <a:latin typeface="-apple-system"/>
               </a:rPr>
-              <a:t>Durch die Umfragen, an denen täglich und am Ende des Monats  	teilgenommen wird, kann der User in seine Auswertung schauen. Es wird der 	Verlauf von der täglichen Umfrage und der Verlauf von der Umfrage am Ende 	des Monats angezeigt</a:t>
-            </a:r>
-            <a:r>
-              <a:rPr lang="de-DE" sz="1100" dirty="0">
-                <a:solidFill>
-                  <a:schemeClr val="tx1">
-                    <a:lumMod val="75000"/>
-                    <a:lumOff val="25000"/>
-                  </a:schemeClr>
-                </a:solidFill>
-                <a:latin typeface="-apple-system"/>
-              </a:rPr>
-              <a:t>.</a:t>
+              <a:t>Durch die Umfragen, an denen täglich und am Ende des Monats  	teilgenommen wird, kann der User in seine Auswertung schauen. Es wird der Verlauf 	von der täglichen Umfrage und der Verlauf von der Umfrage am Ende des Monats 	angezeigt.</a:t>
             </a:r>
           </a:p>
         </p:txBody>
@@ -8694,7 +8682,7 @@
         <p:spPr>
           <a:xfrm>
             <a:off x="1167765" y="1976189"/>
-            <a:ext cx="9719310" cy="4801314"/>
+            <a:ext cx="9719310" cy="4555093"/>
           </a:xfrm>
           <a:prstGeom prst="rect">
             <a:avLst/>
@@ -8712,7 +8700,7 @@
               <a:buChar char="•"/>
             </a:pPr>
             <a:r>
-              <a:rPr lang="de-DE" sz="1700" dirty="0">
+              <a:rPr lang="de-DE" sz="1600" dirty="0">
                 <a:solidFill>
                   <a:srgbClr val="24292E"/>
                 </a:solidFill>
@@ -8727,7 +8715,7 @@
               <a:buChar char="•"/>
             </a:pPr>
             <a:r>
-              <a:rPr lang="de-DE" sz="1700" b="0" i="0" dirty="0">
+              <a:rPr lang="de-DE" sz="1600" b="0" i="0" dirty="0">
                 <a:solidFill>
                   <a:srgbClr val="24292E"/>
                 </a:solidFill>
@@ -8743,7 +8731,7 @@
               <a:buChar char="•"/>
             </a:pPr>
             <a:r>
-              <a:rPr lang="de-DE" sz="1700" b="0" i="0" dirty="0">
+              <a:rPr lang="de-DE" sz="1600" b="0" i="0" dirty="0">
                 <a:solidFill>
                   <a:srgbClr val="24292E"/>
                 </a:solidFill>
@@ -8759,7 +8747,7 @@
               <a:buChar char="•"/>
             </a:pPr>
             <a:r>
-              <a:rPr lang="de-DE" sz="1700" b="0" i="0" dirty="0">
+              <a:rPr lang="de-DE" sz="1600" b="0" i="0" dirty="0">
                 <a:solidFill>
                   <a:srgbClr val="24292E"/>
                 </a:solidFill>
@@ -8775,7 +8763,7 @@
               <a:buChar char="•"/>
             </a:pPr>
             <a:r>
-              <a:rPr lang="de-DE" sz="1700" b="0" i="0" dirty="0">
+              <a:rPr lang="de-DE" sz="1600" b="0" i="0" dirty="0">
                 <a:solidFill>
                   <a:srgbClr val="24292E"/>
                 </a:solidFill>
@@ -8791,7 +8779,7 @@
               <a:buChar char="•"/>
             </a:pPr>
             <a:r>
-              <a:rPr lang="de-DE" sz="1700" b="0" i="0" dirty="0">
+              <a:rPr lang="de-DE" sz="1600" b="0" i="0" dirty="0">
                 <a:solidFill>
                   <a:srgbClr val="24292E"/>
                 </a:solidFill>
@@ -8807,7 +8795,7 @@
               <a:buChar char="•"/>
             </a:pPr>
             <a:r>
-              <a:rPr lang="de-DE" sz="1700" b="0" i="0" dirty="0">
+              <a:rPr lang="de-DE" sz="1600" b="0" i="0" dirty="0">
                 <a:solidFill>
                   <a:srgbClr val="24292E"/>
                 </a:solidFill>
@@ -8823,7 +8811,7 @@
               <a:buChar char="•"/>
             </a:pPr>
             <a:r>
-              <a:rPr lang="de-DE" sz="1700" b="0" i="0" dirty="0">
+              <a:rPr lang="de-DE" sz="1600" b="0" i="0" dirty="0">
                 <a:solidFill>
                   <a:srgbClr val="24292E"/>
                 </a:solidFill>
@@ -8839,7 +8827,7 @@
               <a:buChar char="•"/>
             </a:pPr>
             <a:r>
-              <a:rPr lang="de-DE" sz="1700" b="0" i="0" dirty="0">
+              <a:rPr lang="de-DE" sz="1600" b="0" i="0" dirty="0">
                 <a:solidFill>
                   <a:srgbClr val="24292E"/>
                 </a:solidFill>
@@ -8855,7 +8843,7 @@
               <a:buChar char="•"/>
             </a:pPr>
             <a:r>
-              <a:rPr lang="de-DE" sz="1700" b="0" i="0" dirty="0">
+              <a:rPr lang="de-DE" sz="1600" b="0" i="0" dirty="0">
                 <a:solidFill>
                   <a:srgbClr val="24292E"/>
                 </a:solidFill>
@@ -8871,7 +8859,7 @@
               <a:buChar char="•"/>
             </a:pPr>
             <a:r>
-              <a:rPr lang="de-DE" sz="1700" b="0" i="0" dirty="0">
+              <a:rPr lang="de-DE" sz="1600" b="0" i="0" dirty="0">
                 <a:solidFill>
                   <a:srgbClr val="24292E"/>
                 </a:solidFill>
@@ -8896,13 +8884,6 @@
               </a:rPr>
               <a:t> Die Daten (Umfragen und Anzahl der Liter) werden für den Verlauf nicht gespeichert</a:t>
             </a:r>
-            <a:endParaRPr lang="de-DE" sz="1700" b="0" i="0" dirty="0">
-              <a:solidFill>
-                <a:srgbClr val="24292E"/>
-              </a:solidFill>
-              <a:effectLst/>
-              <a:latin typeface="-apple-system"/>
-            </a:endParaRPr>
           </a:p>
           <a:p>
             <a:pPr algn="l">
@@ -8910,7 +8891,7 @@
               <a:buChar char="•"/>
             </a:pPr>
             <a:r>
-              <a:rPr lang="de-DE" sz="1700" b="0" i="0" dirty="0">
+              <a:rPr lang="de-DE" sz="1600" b="0" i="0" dirty="0">
                 <a:solidFill>
                   <a:srgbClr val="24292E"/>
                 </a:solidFill>
@@ -8926,7 +8907,7 @@
               <a:buChar char="•"/>
             </a:pPr>
             <a:r>
-              <a:rPr lang="de-DE" sz="1700" b="0" i="0" dirty="0">
+              <a:rPr lang="de-DE" sz="1600" b="0" i="0" dirty="0">
                 <a:solidFill>
                   <a:srgbClr val="24292E"/>
                 </a:solidFill>
@@ -8942,7 +8923,7 @@
               <a:buChar char="•"/>
             </a:pPr>
             <a:r>
-              <a:rPr lang="de-DE" sz="1700" b="0" i="0" dirty="0">
+              <a:rPr lang="de-DE" sz="1600" b="0" i="0" dirty="0">
                 <a:solidFill>
                   <a:srgbClr val="24292E"/>
                 </a:solidFill>
@@ -8958,7 +8939,7 @@
               <a:buChar char="•"/>
             </a:pPr>
             <a:r>
-              <a:rPr lang="de-DE" sz="1700" b="0" i="0" dirty="0">
+              <a:rPr lang="de-DE" sz="1600" b="0" i="0" dirty="0">
                 <a:solidFill>
                   <a:srgbClr val="24292E"/>
                 </a:solidFill>
@@ -9303,14 +9284,11 @@
               <a:buChar char="•"/>
             </a:pPr>
             <a:r>
-              <a:rPr lang="de-DE">
+              <a:rPr lang="de-DE" dirty="0">
                 <a:latin typeface="-apple-system"/>
               </a:rPr>
               <a:t>POC14: Anzahl der Liter</a:t>
             </a:r>
-            <a:endParaRPr lang="de-DE" dirty="0">
-              <a:latin typeface="-apple-system"/>
-            </a:endParaRPr>
           </a:p>
         </p:txBody>
       </p:sp>
@@ -11847,7 +11825,9 @@
           <a:lstStyle/>
           <a:p>
             <a:r>
-              <a:rPr lang="de-DE" dirty="0"/>
+              <a:rPr lang="de-DE" dirty="0">
+                <a:latin typeface="-apple-system"/>
+              </a:rPr>
               <a:t>1. Exposé</a:t>
             </a:r>
           </a:p>
@@ -11857,85 +11837,117 @@
               <a:buChar char="•"/>
             </a:pPr>
             <a:r>
-              <a:rPr lang="de-DE" dirty="0"/>
+              <a:rPr lang="de-DE" dirty="0">
+                <a:latin typeface="-apple-system"/>
+              </a:rPr>
               <a:t>Zielhierarchie und Anforderungen</a:t>
             </a:r>
           </a:p>
           <a:p>
             <a:r>
-              <a:rPr lang="de-DE" dirty="0"/>
+              <a:rPr lang="de-DE" dirty="0">
+                <a:latin typeface="-apple-system"/>
+              </a:rPr>
               <a:t>2. Problemszenario</a:t>
             </a:r>
           </a:p>
           <a:p>
             <a:r>
-              <a:rPr lang="de-DE" dirty="0"/>
+              <a:rPr lang="de-DE" dirty="0">
+                <a:latin typeface="-apple-system"/>
+              </a:rPr>
               <a:t>3. Domänenmodell und Stakeholder</a:t>
             </a:r>
           </a:p>
           <a:p>
             <a:r>
-              <a:rPr lang="de-DE" dirty="0"/>
+              <a:rPr lang="de-DE" dirty="0">
+                <a:latin typeface="-apple-system"/>
+              </a:rPr>
               <a:t>4. Anwendungslogik</a:t>
             </a:r>
           </a:p>
           <a:p>
             <a:r>
-              <a:rPr lang="de-DE" dirty="0"/>
+              <a:rPr lang="de-DE" dirty="0">
+                <a:latin typeface="-apple-system"/>
+              </a:rPr>
               <a:t>5. Use Case</a:t>
             </a:r>
           </a:p>
           <a:p>
             <a:r>
-              <a:rPr lang="de-DE" dirty="0"/>
+              <a:rPr lang="de-DE" dirty="0">
+                <a:latin typeface="-apple-system"/>
+              </a:rPr>
               <a:t>6. Konkurrenzanalyse</a:t>
             </a:r>
           </a:p>
           <a:p>
             <a:r>
-              <a:rPr lang="de-DE" dirty="0"/>
+              <a:rPr lang="de-DE" dirty="0">
+                <a:latin typeface="-apple-system"/>
+              </a:rPr>
               <a:t>7. Alleinstellungsmerkmal</a:t>
             </a:r>
           </a:p>
           <a:p>
             <a:r>
-              <a:rPr lang="de-DE" dirty="0"/>
+              <a:rPr lang="de-DE" dirty="0">
+                <a:latin typeface="-apple-system"/>
+              </a:rPr>
               <a:t>8. Risiken</a:t>
             </a:r>
           </a:p>
           <a:p>
             <a:r>
-              <a:rPr lang="de-DE" dirty="0"/>
+              <a:rPr lang="de-DE" dirty="0">
+                <a:latin typeface="-apple-system"/>
+              </a:rPr>
               <a:t>9. Spezifikation des ersten technischen/architekturellen Proof-</a:t>
             </a:r>
             <a:r>
-              <a:rPr lang="de-DE" dirty="0" err="1"/>
+              <a:rPr lang="de-DE" dirty="0" err="1">
+                <a:latin typeface="-apple-system"/>
+              </a:rPr>
               <a:t>of</a:t>
             </a:r>
             <a:r>
-              <a:rPr lang="de-DE" dirty="0"/>
+              <a:rPr lang="de-DE" dirty="0">
+                <a:latin typeface="-apple-system"/>
+              </a:rPr>
               <a:t>-</a:t>
             </a:r>
             <a:r>
-              <a:rPr lang="de-DE" dirty="0" err="1"/>
+              <a:rPr lang="de-DE" dirty="0" err="1">
+                <a:latin typeface="-apple-system"/>
+              </a:rPr>
               <a:t>Concepts</a:t>
             </a:r>
             <a:r>
-              <a:rPr lang="de-DE" dirty="0"/>
+              <a:rPr lang="de-DE" dirty="0">
+                <a:latin typeface="-apple-system"/>
+              </a:rPr>
               <a:t> (</a:t>
             </a:r>
             <a:r>
-              <a:rPr lang="de-DE" dirty="0" err="1"/>
+              <a:rPr lang="de-DE" dirty="0" err="1">
+                <a:latin typeface="-apple-system"/>
+              </a:rPr>
               <a:t>PoC</a:t>
             </a:r>
             <a:r>
-              <a:rPr lang="de-DE" dirty="0"/>
+              <a:rPr lang="de-DE" dirty="0">
+                <a:latin typeface="-apple-system"/>
+              </a:rPr>
               <a:t>)</a:t>
             </a:r>
           </a:p>
           <a:p>
             <a:r>
-              <a:rPr lang="de-DE" dirty="0"/>
+              <a:rPr lang="de-DE" dirty="0">
+                <a:latin typeface="-apple-system"/>
+              </a:rPr>
               <a:t>10. Projektplan</a:t>
             </a:r>
           </a:p>
@@ -12709,7 +12721,9 @@
           <a:lstStyle/>
           <a:p>
             <a:r>
-              <a:rPr lang="de-DE" b="1" dirty="0"/>
+              <a:rPr lang="de-DE" b="1" dirty="0">
+                <a:latin typeface="-apple-system"/>
+              </a:rPr>
               <a:t>Allgemeines Projektziel:</a:t>
             </a:r>
           </a:p>
@@ -12719,7 +12733,9 @@
               <a:buChar char="•"/>
             </a:pPr>
             <a:r>
-              <a:rPr lang="de-DE" dirty="0"/>
+              <a:rPr lang="de-DE" dirty="0">
+                <a:latin typeface="-apple-system"/>
+              </a:rPr>
               <a:t>Menschen helfen, die unter Stress leiden</a:t>
             </a:r>
           </a:p>
@@ -12729,7 +12745,9 @@
               <a:buChar char="•"/>
             </a:pPr>
             <a:r>
-              <a:rPr lang="de-DE" dirty="0"/>
+              <a:rPr lang="de-DE" dirty="0">
+                <a:latin typeface="-apple-system"/>
+              </a:rPr>
               <a:t>Die Benutzer sollen sich entspannter fühlen</a:t>
             </a:r>
           </a:p>
@@ -12739,7 +12757,9 @@
               <a:buChar char="•"/>
             </a:pPr>
             <a:r>
-              <a:rPr lang="de-DE" dirty="0"/>
+              <a:rPr lang="de-DE" dirty="0">
+                <a:latin typeface="-apple-system"/>
+              </a:rPr>
               <a:t>Die Benutzer sollen motivierter sein</a:t>
             </a:r>
           </a:p>
@@ -12749,7 +12769,9 @@
               <a:buChar char="•"/>
             </a:pPr>
             <a:r>
-              <a:rPr lang="de-DE" dirty="0"/>
+              <a:rPr lang="de-DE" dirty="0">
+                <a:latin typeface="-apple-system"/>
+              </a:rPr>
               <a:t>Positive gesundheitliche Auswirkung der Benutzer</a:t>
             </a:r>
           </a:p>
@@ -12759,7 +12781,9 @@
               <a:buChar char="•"/>
             </a:pPr>
             <a:r>
-              <a:rPr lang="de-DE" dirty="0"/>
+              <a:rPr lang="de-DE" dirty="0">
+                <a:latin typeface="-apple-system"/>
+              </a:rPr>
               <a:t>Verhindern von weiteren Krankheiten</a:t>
             </a:r>
           </a:p>
@@ -12809,7 +12833,9 @@
               </a:rPr>
               <a:t>hilft dabei zu sehen, wie sich das Stresslevel bessert</a:t>
             </a:r>
-            <a:endParaRPr lang="de-DE" dirty="0"/>
+            <a:endParaRPr lang="de-DE" dirty="0">
+              <a:latin typeface="-apple-system"/>
+            </a:endParaRPr>
           </a:p>
         </p:txBody>
       </p:sp>
@@ -12828,7 +12854,7 @@
         <p:spPr>
           <a:xfrm>
             <a:off x="1203960" y="4411072"/>
-            <a:ext cx="9951720" cy="1089298"/>
+            <a:ext cx="9951720" cy="1754326"/>
           </a:xfrm>
           <a:prstGeom prst="rect">
             <a:avLst/>
@@ -12842,7 +12868,9 @@
           <a:lstStyle/>
           <a:p>
             <a:r>
-              <a:rPr lang="de-DE" b="1" dirty="0"/>
+              <a:rPr lang="de-DE" b="1" dirty="0">
+                <a:latin typeface="-apple-system"/>
+              </a:rPr>
               <a:t>Zielgruppe:</a:t>
             </a:r>
           </a:p>
@@ -12852,7 +12880,9 @@
               <a:buChar char="•"/>
             </a:pPr>
             <a:r>
-              <a:rPr lang="de-DE" dirty="0"/>
+              <a:rPr lang="de-DE" dirty="0">
+                <a:latin typeface="-apple-system"/>
+              </a:rPr>
               <a:t>Männlich, Weiblich, Divers jeder Altersklasse</a:t>
             </a:r>
           </a:p>
@@ -12862,7 +12892,9 @@
               <a:buChar char="•"/>
             </a:pPr>
             <a:r>
-              <a:rPr lang="de-DE" dirty="0"/>
+              <a:rPr lang="de-DE" dirty="0">
+                <a:latin typeface="-apple-system"/>
+              </a:rPr>
               <a:t>Besitzen eines PC/ Laptop, Smartphone, Tablet</a:t>
             </a:r>
           </a:p>
@@ -12872,7 +12904,9 @@
               <a:buChar char="•"/>
             </a:pPr>
             <a:r>
-              <a:rPr lang="de-DE" dirty="0"/>
+              <a:rPr lang="de-DE" dirty="0">
+                <a:latin typeface="-apple-system"/>
+              </a:rPr>
               <a:t>Schüler, Studierende, Angestellte etc.</a:t>
             </a:r>
           </a:p>
@@ -12882,7 +12916,9 @@
               <a:buChar char="•"/>
             </a:pPr>
             <a:r>
-              <a:rPr lang="de-DE" dirty="0"/>
+              <a:rPr lang="de-DE" dirty="0">
+                <a:latin typeface="-apple-system"/>
+              </a:rPr>
               <a:t>Alle, die unter Stress leiden und mehr entspannen möchten</a:t>
             </a:r>
           </a:p>
@@ -12892,7 +12928,9 @@
               <a:buChar char="•"/>
             </a:pPr>
             <a:r>
-              <a:rPr lang="de-DE" dirty="0"/>
+              <a:rPr lang="de-DE" dirty="0">
+                <a:latin typeface="-apple-system"/>
+              </a:rPr>
               <a:t>Die darauf achten möchten, genug zu trinken</a:t>
             </a:r>
           </a:p>

--- a/Audit 1/WS2020_SerttasPlackenhohn_Audit1.pptx
+++ b/Audit 1/WS2020_SerttasPlackenhohn_Audit1.pptx
@@ -234,7 +234,7 @@
             <a:pPr rtl="0"/>
             <a:fld id="{7260543F-C6AC-4A94-9181-2A0B47128E40}" type="datetime1">
               <a:rPr lang="de-DE" smtClean="0"/>
-              <a:t>26.11.2020</a:t>
+              <a:t>29.11.2020</a:t>
             </a:fld>
             <a:endParaRPr lang="en-US" dirty="0"/>
           </a:p>
@@ -404,7 +404,7 @@
             <a:pPr rtl="0"/>
             <a:fld id="{BB4411EF-09CB-4E62-A9ED-59F7AB2BB401}" type="datetime1">
               <a:rPr lang="de-DE" smtClean="0"/>
-              <a:t>26.11.2020</a:t>
+              <a:t>29.11.2020</a:t>
             </a:fld>
             <a:endParaRPr lang="en-US"/>
           </a:p>
@@ -721,7 +721,17 @@
           <a:bodyPr/>
           <a:lstStyle/>
           <a:p>
-            <a:endParaRPr lang="de-DE" dirty="0"/>
+            <a:r>
+              <a:rPr lang="de-DE" dirty="0"/>
+              <a:t>Um in noch mal kurz in unser Thema zu kommen, haben wir das Exposé noch einmal hinzugefügt. So starten wird nicht direkt mit den Anforderungen gestartet.</a:t>
+            </a:r>
+            <a:br>
+              <a:rPr lang="de-DE" dirty="0"/>
+            </a:br>
+            <a:r>
+              <a:rPr lang="de-DE" dirty="0"/>
+              <a:t>Falls Fragen aufkommen, kann man auch noch mal schnell auf das Exposé in der Power Point zugreifen.</a:t>
+            </a:r>
           </a:p>
         </p:txBody>
       </p:sp>
@@ -743,7 +753,7 @@
             <a:pPr rtl="0"/>
             <a:fld id="{BB4411EF-09CB-4E62-A9ED-59F7AB2BB401}" type="datetime1">
               <a:rPr lang="de-DE" smtClean="0"/>
-              <a:t>26.11.2020</a:t>
+              <a:t>29.11.2020</a:t>
             </a:fld>
             <a:endParaRPr lang="en-US"/>
           </a:p>
@@ -855,7 +865,7 @@
             <a:pPr rtl="0"/>
             <a:fld id="{BB4411EF-09CB-4E62-A9ED-59F7AB2BB401}" type="datetime1">
               <a:rPr lang="de-DE" smtClean="0"/>
-              <a:t>26.11.2020</a:t>
+              <a:t>29.11.2020</a:t>
             </a:fld>
             <a:endParaRPr lang="en-US"/>
           </a:p>
@@ -967,7 +977,7 @@
             <a:pPr rtl="0"/>
             <a:fld id="{BB4411EF-09CB-4E62-A9ED-59F7AB2BB401}" type="datetime1">
               <a:rPr lang="de-DE" smtClean="0"/>
-              <a:t>26.11.2020</a:t>
+              <a:t>29.11.2020</a:t>
             </a:fld>
             <a:endParaRPr lang="en-US"/>
           </a:p>
@@ -1087,7 +1097,7 @@
             <a:pPr rtl="0"/>
             <a:fld id="{BB4411EF-09CB-4E62-A9ED-59F7AB2BB401}" type="datetime1">
               <a:rPr lang="de-DE" smtClean="0"/>
-              <a:t>26.11.2020</a:t>
+              <a:t>29.11.2020</a:t>
             </a:fld>
             <a:endParaRPr lang="en-US"/>
           </a:p>
@@ -1179,6 +1189,12 @@
               <a:t>Um zu wissen, was wir machen, wenn etwas nicht Funktioniert haben wir schon weitere Fallbacks aufgestellt.</a:t>
             </a:r>
           </a:p>
+          <a:p>
+            <a:r>
+              <a:rPr lang="de-DE" dirty="0"/>
+              <a:t>Um sich die POCs anzuschauen, muss die Präsentation gestartet werden.</a:t>
+            </a:r>
+          </a:p>
         </p:txBody>
       </p:sp>
       <p:sp>
@@ -1199,7 +1215,7 @@
             <a:pPr rtl="0"/>
             <a:fld id="{BB4411EF-09CB-4E62-A9ED-59F7AB2BB401}" type="datetime1">
               <a:rPr lang="de-DE" smtClean="0"/>
-              <a:t>26.11.2020</a:t>
+              <a:t>29.11.2020</a:t>
             </a:fld>
             <a:endParaRPr lang="en-US"/>
           </a:p>
@@ -1308,7 +1324,7 @@
             <a:pPr rtl="0"/>
             <a:fld id="{BB4411EF-09CB-4E62-A9ED-59F7AB2BB401}" type="datetime1">
               <a:rPr lang="de-DE" smtClean="0"/>
-              <a:t>26.11.2020</a:t>
+              <a:t>29.11.2020</a:t>
             </a:fld>
             <a:endParaRPr lang="en-US"/>
           </a:p>
@@ -1397,7 +1413,7 @@
           <a:p>
             <a:r>
               <a:rPr lang="de-DE" dirty="0"/>
-              <a:t>Einmal haben wir uns dafür entschieden, verschiedene Anforderungen herauszuarbeiten. Die Anforderungen helfen uns bei der Umsetzung des Projekts. Wir wissen nun wo wir bei der technischen Umsetzung achten müssen.</a:t>
+              <a:t>Einmal haben wir uns dafür entschieden, verschiedene Anforderungen herauszuarbeiten. Die Anforderungen helfen uns bei der Umsetzung des Projekts. Wir wissen nun worauf wir bei der technischen Umsetzung achten müssen. </a:t>
             </a:r>
           </a:p>
         </p:txBody>
@@ -1420,7 +1436,7 @@
             <a:pPr rtl="0"/>
             <a:fld id="{BB4411EF-09CB-4E62-A9ED-59F7AB2BB401}" type="datetime1">
               <a:rPr lang="de-DE" smtClean="0"/>
-              <a:t>26.11.2020</a:t>
+              <a:t>29.11.2020</a:t>
             </a:fld>
             <a:endParaRPr lang="en-US"/>
           </a:p>
@@ -1518,7 +1534,7 @@
           <a:p>
             <a:r>
               <a:rPr lang="de-DE" dirty="0"/>
-              <a:t>Durch das festlegend er Zielgruppe können wir uns auf die Probleme dieser konzentrieren. Durch die Festlegung der Zielgruppe sprechen wir explizit die Menschen an, die an Stress leiden, entspannen möchten, genug trinken möchten und evtl. Gleichzeitig mit jemandem sprechen möchten, den sie nicht kennen. Wir möchten eine Lösung für ein spezielles Problem finden und legen deswegen eine Zielgruppe fest. So werden genau die Menschen mit unserem System angesprochen, auf die wir uns konzentrieren. </a:t>
+              <a:t>Durch das festlegen der Zielgruppe können wir uns auf die Probleme dieser konzentrieren. Durch die Festlegung sprechen wir explizit die Menschen an, die an Stress leiden, entspannen möchten, genug trinken möchten und evtl. gleichzeitig mit jemandem sprechen möchten, den sie nicht kennen. Wir möchten eine Lösung für ein spezielles Problem finden und legen deswegen eine Zielgruppe fest. So werden genau die Menschen mit unserem System angesprochen, auf die wir uns konzentrieren. </a:t>
             </a:r>
           </a:p>
           <a:p>
@@ -1547,7 +1563,7 @@
             <a:pPr rtl="0"/>
             <a:fld id="{BB4411EF-09CB-4E62-A9ED-59F7AB2BB401}" type="datetime1">
               <a:rPr lang="de-DE" smtClean="0"/>
-              <a:t>26.11.2020</a:t>
+              <a:t>29.11.2020</a:t>
             </a:fld>
             <a:endParaRPr lang="en-US"/>
           </a:p>
@@ -1666,7 +1682,7 @@
             <a:pPr rtl="0"/>
             <a:fld id="{BB4411EF-09CB-4E62-A9ED-59F7AB2BB401}" type="datetime1">
               <a:rPr lang="de-DE" smtClean="0"/>
-              <a:t>26.11.2020</a:t>
+              <a:t>29.11.2020</a:t>
             </a:fld>
             <a:endParaRPr lang="en-US"/>
           </a:p>
@@ -1755,7 +1771,7 @@
           <a:p>
             <a:r>
               <a:rPr lang="de-DE" dirty="0"/>
-              <a:t>Das Domänenmodell stellt den Problemraum dar und die alternative Optionen dazu.</a:t>
+              <a:t>Das Domänenmodell stellt den Problemraum dar und die alternativen Optionen dazu.</a:t>
             </a:r>
           </a:p>
           <a:p>
@@ -1793,7 +1809,7 @@
             <a:pPr rtl="0"/>
             <a:fld id="{BB4411EF-09CB-4E62-A9ED-59F7AB2BB401}" type="datetime1">
               <a:rPr lang="de-DE" smtClean="0"/>
-              <a:t>26.11.2020</a:t>
+              <a:t>29.11.2020</a:t>
             </a:fld>
             <a:endParaRPr lang="en-US"/>
           </a:p>
@@ -1882,7 +1898,7 @@
           <a:p>
             <a:r>
               <a:rPr lang="de-DE" dirty="0"/>
-              <a:t>Die Anwendungslogik stellt die Funktionen des Systems dar. Diese haben wir erstellt um ein Use-Case zu entwerfen. </a:t>
+              <a:t>Die Anwendungslogik stellt die Funktionen des Systems dar. Diese haben wir erstellt um ein Use-Case zu entwerfen, außerdem hilft die Anwendungslogik schon bei der Spezifikation des ersten technischen POCs.</a:t>
             </a:r>
           </a:p>
         </p:txBody>
@@ -1905,7 +1921,7 @@
             <a:pPr rtl="0"/>
             <a:fld id="{BB4411EF-09CB-4E62-A9ED-59F7AB2BB401}" type="datetime1">
               <a:rPr lang="de-DE" smtClean="0"/>
-              <a:t>26.11.2020</a:t>
+              <a:t>29.11.2020</a:t>
             </a:fld>
             <a:endParaRPr lang="en-US"/>
           </a:p>
@@ -2004,7 +2020,27 @@
                 <a:effectLst/>
                 <a:latin typeface="arial" panose="020B0604020202020204" pitchFamily="34" charset="0"/>
               </a:rPr>
-              <a:t>beschreibt das Szenario, die bei der Interaktion der Akteuren mit dem System eintreten können. In diesem Use-Case wurden die wichtigsten Funktionen und ein kurzer Ablauf des Systems dargestellt.</a:t>
+              <a:t>beschreibt das Szenario, die bei der Interaktion der Akteuren mit dem System eintreten können. In diesem Use-Case wurden die wichtigsten Funktionen und ein kurzer Ablauf des Systems dargestellt. Wir haben uns für ein Use-Case entschieden um zu schauen, ob der Programmablauf so funktioniert. Mit Hilfe des Use-</a:t>
+            </a:r>
+            <a:r>
+              <a:rPr lang="de-DE" b="0" i="0" dirty="0" err="1">
+                <a:solidFill>
+                  <a:srgbClr val="202124"/>
+                </a:solidFill>
+                <a:effectLst/>
+                <a:latin typeface="arial" panose="020B0604020202020204" pitchFamily="34" charset="0"/>
+              </a:rPr>
+              <a:t>Case´s</a:t>
+            </a:r>
+            <a:r>
+              <a:rPr lang="de-DE" b="0" i="0" dirty="0">
+                <a:solidFill>
+                  <a:srgbClr val="202124"/>
+                </a:solidFill>
+                <a:effectLst/>
+                <a:latin typeface="arial" panose="020B0604020202020204" pitchFamily="34" charset="0"/>
+              </a:rPr>
+              <a:t> können wir uns Gedanken über die Spezifikation für das erste technische POC machen.</a:t>
             </a:r>
             <a:endParaRPr lang="de-DE" dirty="0"/>
           </a:p>
@@ -2028,7 +2064,7 @@
             <a:pPr rtl="0"/>
             <a:fld id="{BB4411EF-09CB-4E62-A9ED-59F7AB2BB401}" type="datetime1">
               <a:rPr lang="de-DE" smtClean="0"/>
-              <a:t>26.11.2020</a:t>
+              <a:t>29.11.2020</a:t>
             </a:fld>
             <a:endParaRPr lang="en-US"/>
           </a:p>
@@ -2140,7 +2176,7 @@
             <a:pPr rtl="0"/>
             <a:fld id="{BB4411EF-09CB-4E62-A9ED-59F7AB2BB401}" type="datetime1">
               <a:rPr lang="de-DE" smtClean="0"/>
-              <a:t>26.11.2020</a:t>
+              <a:t>29.11.2020</a:t>
             </a:fld>
             <a:endParaRPr lang="en-US"/>
           </a:p>
@@ -2258,7 +2294,7 @@
             <a:pPr rtl="0"/>
             <a:fld id="{BB4411EF-09CB-4E62-A9ED-59F7AB2BB401}" type="datetime1">
               <a:rPr lang="de-DE" smtClean="0"/>
-              <a:t>26.11.2020</a:t>
+              <a:t>29.11.2020</a:t>
             </a:fld>
             <a:endParaRPr lang="en-US"/>
           </a:p>
@@ -2548,7 +2584,7 @@
             <a:pPr rtl="0"/>
             <a:fld id="{D058F8EF-9461-4DB5-8DE8-65F0C8AF5E0D}" type="datetime1">
               <a:rPr lang="de-DE" smtClean="0"/>
-              <a:t>26.11.2020</a:t>
+              <a:t>29.11.2020</a:t>
             </a:fld>
             <a:endParaRPr lang="en-US" dirty="0"/>
           </a:p>
@@ -2740,7 +2776,7 @@
             <a:pPr rtl="0"/>
             <a:fld id="{A4B84E5B-C9E8-4DB6-BA34-0E271B709DFA}" type="datetime1">
               <a:rPr lang="de-DE" smtClean="0"/>
-              <a:t>26.11.2020</a:t>
+              <a:t>29.11.2020</a:t>
             </a:fld>
             <a:endParaRPr lang="en-US" dirty="0"/>
           </a:p>
@@ -2986,7 +3022,7 @@
             <a:pPr rtl="0"/>
             <a:fld id="{F650C74D-3EC7-4807-8009-B91685601A76}" type="datetime1">
               <a:rPr lang="de-DE" smtClean="0"/>
-              <a:t>26.11.2020</a:t>
+              <a:t>29.11.2020</a:t>
             </a:fld>
             <a:endParaRPr lang="en-US" dirty="0"/>
           </a:p>
@@ -3178,7 +3214,7 @@
             <a:pPr rtl="0"/>
             <a:fld id="{CA5E3BD6-493E-4773-AC13-EE70A9E3F498}" type="datetime1">
               <a:rPr lang="de-DE" smtClean="0"/>
-              <a:t>26.11.2020</a:t>
+              <a:t>29.11.2020</a:t>
             </a:fld>
             <a:endParaRPr lang="en-US" dirty="0"/>
           </a:p>
@@ -3555,7 +3591,7 @@
             <a:pPr rtl="0"/>
             <a:fld id="{FEE6A76B-C923-49BD-ABE7-ADE768C6F571}" type="datetime1">
               <a:rPr lang="de-DE" smtClean="0"/>
-              <a:t>26.11.2020</a:t>
+              <a:t>29.11.2020</a:t>
             </a:fld>
             <a:endParaRPr lang="en-US" dirty="0"/>
           </a:p>
@@ -3814,7 +3850,7 @@
             <a:pPr rtl="0"/>
             <a:fld id="{4CD334EC-5459-4A98-AF88-01FD6D7BAF68}" type="datetime1">
               <a:rPr lang="de-DE" smtClean="0"/>
-              <a:t>26.11.2020</a:t>
+              <a:t>29.11.2020</a:t>
             </a:fld>
             <a:endParaRPr lang="en-US" dirty="0"/>
           </a:p>
@@ -4215,7 +4251,7 @@
             <a:pPr rtl="0"/>
             <a:fld id="{62F56688-ED28-473C-871E-9EEF4BB0D1F0}" type="datetime1">
               <a:rPr lang="de-DE" smtClean="0"/>
-              <a:t>26.11.2020</a:t>
+              <a:t>29.11.2020</a:t>
             </a:fld>
             <a:endParaRPr lang="en-US" dirty="0"/>
           </a:p>
@@ -4355,7 +4391,7 @@
             <a:pPr rtl="0"/>
             <a:fld id="{F9110680-7D80-41F3-804A-113A4CB11D73}" type="datetime1">
               <a:rPr lang="de-DE" smtClean="0"/>
-              <a:t>26.11.2020</a:t>
+              <a:t>29.11.2020</a:t>
             </a:fld>
             <a:endParaRPr lang="en-US" dirty="0"/>
           </a:p>
@@ -4515,7 +4551,7 @@
             <a:pPr rtl="0"/>
             <a:fld id="{7E7F7112-C41D-45A5-B762-BC15064583EE}" type="datetime1">
               <a:rPr lang="de-DE" smtClean="0"/>
-              <a:t>26.11.2020</a:t>
+              <a:t>29.11.2020</a:t>
             </a:fld>
             <a:endParaRPr lang="en-US" dirty="0"/>
           </a:p>
@@ -4848,7 +4884,7 @@
             <a:pPr rtl="0"/>
             <a:fld id="{1CFE5CD5-4320-48E9-85AB-4E68C78D0837}" type="datetime1">
               <a:rPr lang="de-DE" smtClean="0"/>
-              <a:t>26.11.2020</a:t>
+              <a:t>29.11.2020</a:t>
             </a:fld>
             <a:endParaRPr lang="en-US" dirty="0"/>
           </a:p>
@@ -5203,7 +5239,7 @@
             <a:pPr rtl="0"/>
             <a:fld id="{4B989E5A-44CF-486A-A324-E4C01361A073}" type="datetime1">
               <a:rPr lang="de-DE" smtClean="0"/>
-              <a:t>26.11.2020</a:t>
+              <a:t>29.11.2020</a:t>
             </a:fld>
             <a:endParaRPr lang="en-US" dirty="0"/>
           </a:p>
@@ -5467,7 +5503,7 @@
             <a:pPr rtl="0"/>
             <a:fld id="{C5518B76-3D47-40C3-B678-8969E3806FFF}" type="datetime1">
               <a:rPr lang="de-DE" smtClean="0"/>
-              <a:t>26.11.2020</a:t>
+              <a:t>29.11.2020</a:t>
             </a:fld>
             <a:endParaRPr lang="en-US" dirty="0"/>
           </a:p>
@@ -6427,7 +6463,7 @@
                   <a:spcPts val="600"/>
                 </a:spcAft>
               </a:pPr>
-              <a:t>26.11.2020</a:t>
+              <a:t>29.11.2020</a:t>
             </a:fld>
             <a:endParaRPr lang="en-US"/>
           </a:p>
@@ -6956,7 +6992,7 @@
                   <a:spcPts val="600"/>
                 </a:spcAft>
               </a:pPr>
-              <a:t>26.11.2020</a:t>
+              <a:t>29.11.2020</a:t>
             </a:fld>
             <a:endParaRPr lang="en-US"/>
           </a:p>
@@ -7697,7 +7733,7 @@
                   <a:spcPts val="600"/>
                 </a:spcAft>
               </a:pPr>
-              <a:t>26.11.2020</a:t>
+              <a:t>29.11.2020</a:t>
             </a:fld>
             <a:endParaRPr lang="en-US"/>
           </a:p>
@@ -8573,7 +8609,7 @@
                   <a:spcPts val="600"/>
                 </a:spcAft>
               </a:pPr>
-              <a:t>26.11.2020</a:t>
+              <a:t>29.11.2020</a:t>
             </a:fld>
             <a:endParaRPr lang="en-US"/>
           </a:p>
@@ -8661,7 +8697,7 @@
             <a:pPr rtl="0"/>
             <a:fld id="{F9110680-7D80-41F3-804A-113A4CB11D73}" type="datetime1">
               <a:rPr lang="de-DE" smtClean="0"/>
-              <a:t>26.11.2020</a:t>
+              <a:t>29.11.2020</a:t>
             </a:fld>
             <a:endParaRPr lang="en-US" dirty="0"/>
           </a:p>
@@ -9089,7 +9125,7 @@
             <a:pPr rtl="0"/>
             <a:fld id="{F9110680-7D80-41F3-804A-113A4CB11D73}" type="datetime1">
               <a:rPr lang="de-DE" smtClean="0"/>
-              <a:t>26.11.2020</a:t>
+              <a:t>29.11.2020</a:t>
             </a:fld>
             <a:endParaRPr lang="en-US" dirty="0"/>
           </a:p>
@@ -9346,7 +9382,7 @@
             <a:pPr rtl="0"/>
             <a:fld id="{F9110680-7D80-41F3-804A-113A4CB11D73}" type="datetime1">
               <a:rPr lang="de-DE" smtClean="0"/>
-              <a:t>26.11.2020</a:t>
+              <a:t>29.11.2020</a:t>
             </a:fld>
             <a:endParaRPr lang="en-US" dirty="0"/>
           </a:p>
@@ -10938,7 +10974,7 @@
             <a:pPr rtl="0"/>
             <a:fld id="{F9110680-7D80-41F3-804A-113A4CB11D73}" type="datetime1">
               <a:rPr lang="de-DE" smtClean="0"/>
-              <a:t>26.11.2020</a:t>
+              <a:t>29.11.2020</a:t>
             </a:fld>
             <a:endParaRPr lang="en-US" dirty="0"/>
           </a:p>
@@ -10959,7 +10995,7 @@
         <p:spPr>
           <a:xfrm>
             <a:off x="1215188" y="2114816"/>
-            <a:ext cx="9940491" cy="830997"/>
+            <a:ext cx="9940491" cy="954107"/>
           </a:xfrm>
           <a:prstGeom prst="rect">
             <a:avLst/>
@@ -10973,7 +11009,7 @@
           <a:lstStyle/>
           <a:p>
             <a:r>
-              <a:rPr lang="de-DE" sz="1600" dirty="0">
+              <a:rPr lang="de-DE" sz="1400" dirty="0">
                 <a:latin typeface="-apple-system"/>
               </a:rPr>
               <a:t>Artefakte für den 2. Audit: </a:t>
@@ -10985,7 +11021,7 @@
               <a:buChar char="•"/>
             </a:pPr>
             <a:r>
-              <a:rPr lang="de-DE" sz="1600" dirty="0">
+              <a:rPr lang="de-DE" sz="1400" dirty="0">
                 <a:latin typeface="-apple-system"/>
               </a:rPr>
               <a:t>Technisches POC</a:t>
@@ -10997,10 +11033,22 @@
               <a:buChar char="•"/>
             </a:pPr>
             <a:r>
-              <a:rPr lang="de-DE" sz="1600" dirty="0">
+              <a:rPr lang="de-DE" sz="1400" dirty="0">
                 <a:latin typeface="-apple-system"/>
               </a:rPr>
               <a:t>Coding</a:t>
+            </a:r>
+          </a:p>
+          <a:p>
+            <a:pPr marL="285750" indent="-285750">
+              <a:buFont typeface="Arial" panose="020B0604020202020204" pitchFamily="34" charset="0"/>
+              <a:buChar char="•"/>
+            </a:pPr>
+            <a:r>
+              <a:rPr lang="de-DE" sz="1400" dirty="0">
+                <a:latin typeface="-apple-system"/>
+              </a:rPr>
+              <a:t>Projektplan </a:t>
             </a:r>
           </a:p>
         </p:txBody>
@@ -11019,8 +11067,8 @@
         </p:nvSpPr>
         <p:spPr>
           <a:xfrm>
-            <a:off x="1215188" y="3050177"/>
-            <a:ext cx="9940491" cy="2308324"/>
+            <a:off x="1215188" y="3241486"/>
+            <a:ext cx="9940491" cy="2031325"/>
           </a:xfrm>
           <a:prstGeom prst="rect">
             <a:avLst/>
@@ -11034,7 +11082,7 @@
           <a:lstStyle/>
           <a:p>
             <a:r>
-              <a:rPr lang="de-DE" sz="1600" dirty="0">
+              <a:rPr lang="de-DE" sz="1400" dirty="0">
                 <a:latin typeface="-apple-system"/>
               </a:rPr>
               <a:t>Arbeitsaufteilung:</a:t>
@@ -11046,19 +11094,19 @@
               <a:buChar char="•"/>
             </a:pPr>
             <a:r>
-              <a:rPr lang="de-DE" sz="1600" dirty="0">
+              <a:rPr lang="de-DE" sz="1400" dirty="0">
                 <a:latin typeface="-apple-system"/>
               </a:rPr>
               <a:t>23.11.2020 – </a:t>
             </a:r>
             <a:r>
-              <a:rPr lang="de-DE" sz="1600" b="1" dirty="0">
+              <a:rPr lang="de-DE" sz="1400" b="1" dirty="0">
                 <a:latin typeface="-apple-system"/>
               </a:rPr>
               <a:t>Zielhierarchie &amp; Anforderungen </a:t>
             </a:r>
             <a:r>
-              <a:rPr lang="de-DE" sz="1600" dirty="0">
+              <a:rPr lang="de-DE" sz="1400" dirty="0">
                 <a:latin typeface="-apple-system"/>
               </a:rPr>
               <a:t>– Kimberly</a:t>
@@ -11070,19 +11118,19 @@
               <a:buChar char="•"/>
             </a:pPr>
             <a:r>
-              <a:rPr lang="de-DE" sz="1600" dirty="0">
+              <a:rPr lang="de-DE" sz="1400" dirty="0">
                 <a:latin typeface="-apple-system"/>
               </a:rPr>
               <a:t>23.11.2020 – </a:t>
             </a:r>
             <a:r>
-              <a:rPr lang="de-DE" sz="1600" b="1" dirty="0">
+              <a:rPr lang="de-DE" sz="1400" b="1" dirty="0">
                 <a:latin typeface="-apple-system"/>
               </a:rPr>
               <a:t>Problemszenario</a:t>
             </a:r>
             <a:r>
-              <a:rPr lang="de-DE" sz="1600" dirty="0">
+              <a:rPr lang="de-DE" sz="1400" dirty="0">
                 <a:latin typeface="-apple-system"/>
               </a:rPr>
               <a:t> – Kimberly</a:t>
@@ -11094,19 +11142,19 @@
               <a:buChar char="•"/>
             </a:pPr>
             <a:r>
-              <a:rPr lang="de-DE" sz="1600" dirty="0">
+              <a:rPr lang="de-DE" sz="1400" dirty="0">
                 <a:latin typeface="-apple-system"/>
               </a:rPr>
               <a:t>23.11.2020 – </a:t>
             </a:r>
             <a:r>
-              <a:rPr lang="de-DE" sz="1600" b="1" dirty="0">
+              <a:rPr lang="de-DE" sz="1400" b="1" dirty="0">
                 <a:latin typeface="-apple-system"/>
               </a:rPr>
               <a:t>Domänenmodell &amp; Stakeholder </a:t>
             </a:r>
             <a:r>
-              <a:rPr lang="de-DE" sz="1600" dirty="0">
+              <a:rPr lang="de-DE" sz="1400" dirty="0">
                 <a:latin typeface="-apple-system"/>
               </a:rPr>
               <a:t>– Eda</a:t>
@@ -11118,19 +11166,19 @@
               <a:buChar char="•"/>
             </a:pPr>
             <a:r>
-              <a:rPr lang="de-DE" sz="1600" dirty="0">
+              <a:rPr lang="de-DE" sz="1400" dirty="0">
                 <a:latin typeface="-apple-system"/>
               </a:rPr>
               <a:t>23.11.2020 – </a:t>
             </a:r>
             <a:r>
-              <a:rPr lang="de-DE" sz="1600" b="1" dirty="0">
+              <a:rPr lang="de-DE" sz="1400" b="1" dirty="0">
                 <a:latin typeface="-apple-system"/>
               </a:rPr>
               <a:t>Anwendungslogik &amp; Use-Case </a:t>
             </a:r>
             <a:r>
-              <a:rPr lang="de-DE" sz="1600" dirty="0">
+              <a:rPr lang="de-DE" sz="1400" dirty="0">
                 <a:latin typeface="-apple-system"/>
               </a:rPr>
               <a:t>– Eda</a:t>
@@ -11142,19 +11190,19 @@
               <a:buChar char="•"/>
             </a:pPr>
             <a:r>
-              <a:rPr lang="de-DE" sz="1600" dirty="0">
+              <a:rPr lang="de-DE" sz="1400" dirty="0">
                 <a:latin typeface="-apple-system"/>
               </a:rPr>
               <a:t>23.11.2020 – </a:t>
             </a:r>
             <a:r>
-              <a:rPr lang="de-DE" sz="1600" b="1" dirty="0">
+              <a:rPr lang="de-DE" sz="1400" b="1" dirty="0">
                 <a:latin typeface="-apple-system"/>
               </a:rPr>
               <a:t>Konkurrenzanalyse</a:t>
             </a:r>
             <a:r>
-              <a:rPr lang="de-DE" sz="1600" dirty="0">
+              <a:rPr lang="de-DE" sz="1400" dirty="0">
                 <a:latin typeface="-apple-system"/>
               </a:rPr>
               <a:t> – Kimberly</a:t>
@@ -11166,19 +11214,19 @@
               <a:buChar char="•"/>
             </a:pPr>
             <a:r>
-              <a:rPr lang="de-DE" sz="1600" dirty="0">
+              <a:rPr lang="de-DE" sz="1400" dirty="0">
                 <a:latin typeface="-apple-system"/>
               </a:rPr>
               <a:t>23.11.2020 – </a:t>
             </a:r>
             <a:r>
-              <a:rPr lang="de-DE" sz="1600" b="1" dirty="0">
+              <a:rPr lang="de-DE" sz="1400" b="1" dirty="0">
                 <a:latin typeface="-apple-system"/>
               </a:rPr>
               <a:t>Alleinstellungsmerkmal</a:t>
             </a:r>
             <a:r>
-              <a:rPr lang="de-DE" sz="1600" dirty="0">
+              <a:rPr lang="de-DE" sz="1400" dirty="0">
                 <a:latin typeface="-apple-system"/>
               </a:rPr>
               <a:t> – Kimberly</a:t>
@@ -11190,19 +11238,19 @@
               <a:buChar char="•"/>
             </a:pPr>
             <a:r>
-              <a:rPr lang="de-DE" sz="1600" dirty="0">
+              <a:rPr lang="de-DE" sz="1400" dirty="0">
                 <a:latin typeface="-apple-system"/>
               </a:rPr>
               <a:t>23.11.2020 – </a:t>
             </a:r>
             <a:r>
-              <a:rPr lang="de-DE" sz="1600" b="1" dirty="0">
+              <a:rPr lang="de-DE" sz="1400" b="1" dirty="0">
                 <a:latin typeface="-apple-system"/>
               </a:rPr>
               <a:t>Risiken</a:t>
             </a:r>
             <a:r>
-              <a:rPr lang="de-DE" sz="1600" dirty="0">
+              <a:rPr lang="de-DE" sz="1400" dirty="0">
                 <a:latin typeface="-apple-system"/>
               </a:rPr>
               <a:t> – Eda</a:t>
@@ -11214,31 +11262,31 @@
               <a:buChar char="•"/>
             </a:pPr>
             <a:r>
-              <a:rPr lang="de-DE" sz="1600" dirty="0">
+              <a:rPr lang="de-DE" sz="1400" dirty="0">
                 <a:latin typeface="-apple-system"/>
               </a:rPr>
               <a:t>24.11.2020 – </a:t>
             </a:r>
             <a:r>
-              <a:rPr lang="de-DE" sz="1600" b="1" dirty="0">
+              <a:rPr lang="de-DE" sz="1400" b="1" dirty="0">
                 <a:latin typeface="-apple-system"/>
               </a:rPr>
               <a:t>Spezifikation des ersten technischen architekturellen </a:t>
             </a:r>
             <a:r>
-              <a:rPr lang="de-DE" sz="1600" b="1" dirty="0" err="1">
+              <a:rPr lang="de-DE" sz="1400" b="1" dirty="0" err="1">
                 <a:latin typeface="-apple-system"/>
               </a:rPr>
               <a:t>PoC</a:t>
             </a:r>
             <a:r>
-              <a:rPr lang="de-DE" sz="1600" b="1" dirty="0">
+              <a:rPr lang="de-DE" sz="1400" b="1" dirty="0">
                 <a:latin typeface="-apple-system"/>
               </a:rPr>
               <a:t> </a:t>
             </a:r>
             <a:r>
-              <a:rPr lang="de-DE" sz="1600" dirty="0">
+              <a:rPr lang="de-DE" sz="1400" dirty="0">
                 <a:latin typeface="-apple-system"/>
               </a:rPr>
               <a:t>– Eda &amp; Kimberly </a:t>
@@ -11261,7 +11309,7 @@
         <p:spPr>
           <a:xfrm>
             <a:off x="1215188" y="5391445"/>
-            <a:ext cx="9940491" cy="830997"/>
+            <a:ext cx="9940491" cy="738664"/>
           </a:xfrm>
           <a:prstGeom prst="rect">
             <a:avLst/>
@@ -11275,7 +11323,7 @@
           <a:lstStyle/>
           <a:p>
             <a:r>
-              <a:rPr lang="de-DE" sz="1600" dirty="0">
+              <a:rPr lang="de-DE" sz="1400" dirty="0">
                 <a:latin typeface="-apple-system"/>
               </a:rPr>
               <a:t>Arbeitsmatrix:</a:t>
@@ -11287,7 +11335,7 @@
               <a:buChar char="•"/>
             </a:pPr>
             <a:r>
-              <a:rPr lang="de-DE" sz="1600" dirty="0">
+              <a:rPr lang="de-DE" sz="1400" dirty="0">
                 <a:latin typeface="-apple-system"/>
               </a:rPr>
               <a:t>Eda: 50%</a:t>
@@ -11299,7 +11347,7 @@
               <a:buChar char="•"/>
             </a:pPr>
             <a:r>
-              <a:rPr lang="de-DE" sz="1600" dirty="0">
+              <a:rPr lang="de-DE" sz="1400" dirty="0">
                 <a:latin typeface="-apple-system"/>
               </a:rPr>
               <a:t>Kimberly: 50%</a:t>
@@ -11432,7 +11480,7 @@
             <a:pPr rtl="0"/>
             <a:fld id="{4B989E5A-44CF-486A-A324-E4C01361A073}" type="datetime1">
               <a:rPr lang="de-DE" smtClean="0"/>
-              <a:t>26.11.2020</a:t>
+              <a:t>29.11.2020</a:t>
             </a:fld>
             <a:endParaRPr lang="en-US" dirty="0"/>
           </a:p>
@@ -11977,7 +12025,7 @@
             <a:pPr rtl="0"/>
             <a:fld id="{CA5E3BD6-493E-4773-AC13-EE70A9E3F498}" type="datetime1">
               <a:rPr lang="de-DE" smtClean="0"/>
-              <a:t>26.11.2020</a:t>
+              <a:t>29.11.2020</a:t>
             </a:fld>
             <a:endParaRPr lang="en-US" dirty="0"/>
           </a:p>
@@ -12125,7 +12173,7 @@
                   <a:spcPts val="600"/>
                 </a:spcAft>
               </a:pPr>
-              <a:t>26.11.2020</a:t>
+              <a:t>29.11.2020</a:t>
             </a:fld>
             <a:endParaRPr lang="en-US"/>
           </a:p>
@@ -12330,7 +12378,7 @@
             <a:pPr rtl="0"/>
             <a:fld id="{F9110680-7D80-41F3-804A-113A4CB11D73}" type="datetime1">
               <a:rPr lang="de-DE" smtClean="0"/>
-              <a:t>26.11.2020</a:t>
+              <a:t>29.11.2020</a:t>
             </a:fld>
             <a:endParaRPr lang="en-US" dirty="0"/>
           </a:p>
@@ -12686,7 +12734,7 @@
             <a:pPr rtl="0"/>
             <a:fld id="{F9110680-7D80-41F3-804A-113A4CB11D73}" type="datetime1">
               <a:rPr lang="de-DE" smtClean="0"/>
-              <a:t>26.11.2020</a:t>
+              <a:t>29.11.2020</a:t>
             </a:fld>
             <a:endParaRPr lang="en-US" dirty="0"/>
           </a:p>
@@ -13041,7 +13089,7 @@
                   <a:spcPts val="600"/>
                 </a:spcAft>
               </a:pPr>
-              <a:t>26.11.2020</a:t>
+              <a:t>29.11.2020</a:t>
             </a:fld>
             <a:endParaRPr lang="en-US"/>
           </a:p>
@@ -13327,7 +13375,7 @@
                   <a:spcPts val="600"/>
                 </a:spcAft>
               </a:pPr>
-              <a:t>26.11.2020</a:t>
+              <a:t>29.11.2020</a:t>
             </a:fld>
             <a:endParaRPr lang="en-US"/>
           </a:p>
@@ -13697,7 +13745,7 @@
                   <a:spcPts val="600"/>
                 </a:spcAft>
               </a:pPr>
-              <a:t>26.11.2020</a:t>
+              <a:t>29.11.2020</a:t>
             </a:fld>
             <a:endParaRPr lang="en-US"/>
           </a:p>

--- a/Audit 1/WS2020_SerttasPlackenhohn_Audit1.pptx
+++ b/Audit 1/WS2020_SerttasPlackenhohn_Audit1.pptx
@@ -5,10 +5,10 @@
     <p:sldMasterId id="2147483746" r:id="rId1"/>
   </p:sldMasterIdLst>
   <p:notesMasterIdLst>
-    <p:notesMasterId r:id="rId20"/>
+    <p:notesMasterId r:id="rId21"/>
   </p:notesMasterIdLst>
   <p:handoutMasterIdLst>
-    <p:handoutMasterId r:id="rId21"/>
+    <p:handoutMasterId r:id="rId22"/>
   </p:handoutMasterIdLst>
   <p:sldIdLst>
     <p:sldId id="257" r:id="rId2"/>
@@ -28,7 +28,8 @@
     <p:sldId id="269" r:id="rId16"/>
     <p:sldId id="276" r:id="rId17"/>
     <p:sldId id="277" r:id="rId18"/>
-    <p:sldId id="271" r:id="rId19"/>
+    <p:sldId id="278" r:id="rId19"/>
+    <p:sldId id="271" r:id="rId20"/>
   </p:sldIdLst>
   <p:sldSz cx="12192000" cy="6858000"/>
   <p:notesSz cx="6858000" cy="9144000"/>
@@ -954,17 +955,8 @@
           <a:p>
             <a:r>
               <a:rPr lang="de-DE" dirty="0"/>
-              <a:t>Die Risikoanalyse dient dazu, um die Risiken während des Projekts bewerten zu können. Wir haben uns dafür entschieden diese miteinzubauen, damit wir uns Vorbereiten können, falls ein solches Risiko eintritt. Vor allem soll durch die Risikoanalyse, das Risiko vermieden werden, sodass wir auf keine bzw. nur wenige Risiken während des Projekts stoßen. Die Risiken sind bei der Spezifikation des ersten technischen </a:t>
-            </a:r>
-            <a:r>
-              <a:rPr lang="de-DE" dirty="0" err="1"/>
-              <a:t>PoC</a:t>
-            </a:r>
-            <a:r>
-              <a:rPr lang="de-DE"/>
-              <a:t> hilfreich.</a:t>
-            </a:r>
-            <a:endParaRPr lang="de-DE" dirty="0"/>
+              <a:t>Die Risikoanalyse dient dazu, um die Risiken während des Projekts bewerten zu können. Wir haben uns dafür entschieden diese miteinzubauen, damit wir uns Vorbereiten können, falls ein solches Risiko eintritt. Vor allem soll durch die Risikoanalyse, das Risiko vermieden werden, sodass wir auf keine bzw. nur wenige Risiken während des Projekts stoßen. </a:t>
+            </a:r>
           </a:p>
         </p:txBody>
       </p:sp>
@@ -1376,6 +1368,115 @@
 </p:notes>
 </file>
 
+<file path=ppt/notesSlides/notesSlide15.xml><?xml version="1.0" encoding="utf-8"?>
+<p:notes xmlns:a="http://schemas.openxmlformats.org/drawingml/2006/main" xmlns:r="http://schemas.openxmlformats.org/officeDocument/2006/relationships" xmlns:p="http://schemas.openxmlformats.org/presentationml/2006/main">
+  <p:cSld>
+    <p:spTree>
+      <p:nvGrpSpPr>
+        <p:cNvPr id="1" name=""/>
+        <p:cNvGrpSpPr/>
+        <p:nvPr/>
+      </p:nvGrpSpPr>
+      <p:grpSpPr>
+        <a:xfrm>
+          <a:off x="0" y="0"/>
+          <a:ext cx="0" cy="0"/>
+          <a:chOff x="0" y="0"/>
+          <a:chExt cx="0" cy="0"/>
+        </a:xfrm>
+      </p:grpSpPr>
+      <p:sp>
+        <p:nvSpPr>
+          <p:cNvPr id="2" name="Folienbildplatzhalter 1"/>
+          <p:cNvSpPr>
+            <a:spLocks noGrp="1" noRot="1" noChangeAspect="1"/>
+          </p:cNvSpPr>
+          <p:nvPr>
+            <p:ph type="sldImg"/>
+          </p:nvPr>
+        </p:nvSpPr>
+        <p:spPr/>
+      </p:sp>
+      <p:sp>
+        <p:nvSpPr>
+          <p:cNvPr id="3" name="Notizenplatzhalter 2"/>
+          <p:cNvSpPr>
+            <a:spLocks noGrp="1"/>
+          </p:cNvSpPr>
+          <p:nvPr>
+            <p:ph type="body" idx="1"/>
+          </p:nvPr>
+        </p:nvSpPr>
+        <p:spPr/>
+        <p:txBody>
+          <a:bodyPr/>
+          <a:lstStyle/>
+          <a:p>
+            <a:endParaRPr lang="de-DE"/>
+          </a:p>
+        </p:txBody>
+      </p:sp>
+      <p:sp>
+        <p:nvSpPr>
+          <p:cNvPr id="4" name="Datumsplatzhalter 3"/>
+          <p:cNvSpPr>
+            <a:spLocks noGrp="1"/>
+          </p:cNvSpPr>
+          <p:nvPr>
+            <p:ph type="dt" idx="1"/>
+          </p:nvPr>
+        </p:nvSpPr>
+        <p:spPr/>
+        <p:txBody>
+          <a:bodyPr/>
+          <a:lstStyle/>
+          <a:p>
+            <a:pPr rtl="0"/>
+            <a:fld id="{BB4411EF-09CB-4E62-A9ED-59F7AB2BB401}" type="datetime1">
+              <a:rPr lang="de-DE" smtClean="0"/>
+              <a:t>29.11.2020</a:t>
+            </a:fld>
+            <a:endParaRPr lang="en-US"/>
+          </a:p>
+        </p:txBody>
+      </p:sp>
+      <p:sp>
+        <p:nvSpPr>
+          <p:cNvPr id="5" name="Foliennummernplatzhalter 4"/>
+          <p:cNvSpPr>
+            <a:spLocks noGrp="1"/>
+          </p:cNvSpPr>
+          <p:nvPr>
+            <p:ph type="sldNum" sz="quarter" idx="5"/>
+          </p:nvPr>
+        </p:nvSpPr>
+        <p:spPr/>
+        <p:txBody>
+          <a:bodyPr/>
+          <a:lstStyle/>
+          <a:p>
+            <a:pPr rtl="0"/>
+            <a:fld id="{9C2B151B-D7D1-48E5-8230-5AADBC794F88}" type="slidenum">
+              <a:rPr lang="en-US" smtClean="0"/>
+              <a:t>18</a:t>
+            </a:fld>
+            <a:endParaRPr lang="en-US"/>
+          </a:p>
+        </p:txBody>
+      </p:sp>
+    </p:spTree>
+    <p:extLst>
+      <p:ext uri="{BB962C8B-B14F-4D97-AF65-F5344CB8AC3E}">
+        <p14:creationId xmlns:p14="http://schemas.microsoft.com/office/powerpoint/2010/main" val="169757941"/>
+      </p:ext>
+    </p:extLst>
+  </p:cSld>
+  <p:clrMapOvr>
+    <a:masterClrMapping/>
+  </p:clrMapOvr>
+</p:notes>
+</file>
+
 <file path=ppt/notesSlides/notesSlide2.xml><?xml version="1.0" encoding="utf-8"?>
 <p:notes xmlns:a="http://schemas.openxmlformats.org/drawingml/2006/main" xmlns:r="http://schemas.openxmlformats.org/officeDocument/2006/relationships" xmlns:p="http://schemas.openxmlformats.org/presentationml/2006/main">
   <p:cSld>
@@ -1907,7 +2008,7 @@
           <a:p>
             <a:r>
               <a:rPr lang="de-DE" dirty="0"/>
-              <a:t>Die Anwendungslogik stellt die Funktionen des Systems dar. Diese haben wir erstellt um ein Use-Case zu entwerfen.</a:t>
+              <a:t>Die Anwendungslogik stellt die Funktionen des Systems dar. Diese haben wir erstellt um ein Use-Case zu entwerfen, außerdem hilft die Anwendungslogik schon bei der Spezifikation des ersten technischen POCs.</a:t>
             </a:r>
           </a:p>
         </p:txBody>
@@ -2049,7 +2150,7 @@
                 <a:effectLst/>
                 <a:latin typeface="arial" panose="020B0604020202020204" pitchFamily="34" charset="0"/>
               </a:rPr>
-              <a:t> können wir uns Gedanken über die Risiken machen.</a:t>
+              <a:t> können wir uns Gedanken über die Spezifikation für das erste technische POC machen.</a:t>
             </a:r>
             <a:endParaRPr lang="de-DE" dirty="0"/>
           </a:p>
@@ -11396,6 +11497,373 @@
       </p:grpSpPr>
       <p:sp>
         <p:nvSpPr>
+          <p:cNvPr id="2" name="Titel 1">
+            <a:extLst>
+              <a:ext uri="{FF2B5EF4-FFF2-40B4-BE49-F238E27FC236}">
+                <a16:creationId xmlns:a16="http://schemas.microsoft.com/office/drawing/2014/main" id="{1000917D-4547-48A6-84FB-F43EFC62703E}"/>
+              </a:ext>
+            </a:extLst>
+          </p:cNvPr>
+          <p:cNvSpPr>
+            <a:spLocks noGrp="1"/>
+          </p:cNvSpPr>
+          <p:nvPr>
+            <p:ph type="title"/>
+          </p:nvPr>
+        </p:nvSpPr>
+        <p:spPr/>
+        <p:txBody>
+          <a:bodyPr/>
+          <a:lstStyle/>
+          <a:p>
+            <a:r>
+              <a:rPr lang="de-DE" dirty="0"/>
+              <a:t>Quellen</a:t>
+            </a:r>
+          </a:p>
+        </p:txBody>
+      </p:sp>
+      <p:sp>
+        <p:nvSpPr>
+          <p:cNvPr id="3" name="Datumsplatzhalter 2">
+            <a:extLst>
+              <a:ext uri="{FF2B5EF4-FFF2-40B4-BE49-F238E27FC236}">
+                <a16:creationId xmlns:a16="http://schemas.microsoft.com/office/drawing/2014/main" id="{6B757306-810D-49E7-B5BB-3250A02865C7}"/>
+              </a:ext>
+            </a:extLst>
+          </p:cNvPr>
+          <p:cNvSpPr>
+            <a:spLocks noGrp="1"/>
+          </p:cNvSpPr>
+          <p:nvPr>
+            <p:ph type="dt" sz="half" idx="10"/>
+          </p:nvPr>
+        </p:nvSpPr>
+        <p:spPr/>
+        <p:txBody>
+          <a:bodyPr/>
+          <a:lstStyle/>
+          <a:p>
+            <a:pPr rtl="0"/>
+            <a:fld id="{F9110680-7D80-41F3-804A-113A4CB11D73}" type="datetime1">
+              <a:rPr lang="de-DE" smtClean="0"/>
+              <a:t>29.11.2020</a:t>
+            </a:fld>
+            <a:endParaRPr lang="en-US" dirty="0"/>
+          </a:p>
+        </p:txBody>
+      </p:sp>
+      <p:sp>
+        <p:nvSpPr>
+          <p:cNvPr id="4" name="Textfeld 3">
+            <a:extLst>
+              <a:ext uri="{FF2B5EF4-FFF2-40B4-BE49-F238E27FC236}">
+                <a16:creationId xmlns:a16="http://schemas.microsoft.com/office/drawing/2014/main" id="{7A45CCCC-0A1D-47D4-AA93-208EE6D41258}"/>
+              </a:ext>
+            </a:extLst>
+          </p:cNvPr>
+          <p:cNvSpPr txBox="1"/>
+          <p:nvPr/>
+        </p:nvSpPr>
+        <p:spPr>
+          <a:xfrm>
+            <a:off x="1208868" y="2030278"/>
+            <a:ext cx="9946812" cy="3416320"/>
+          </a:xfrm>
+          <a:prstGeom prst="rect">
+            <a:avLst/>
+          </a:prstGeom>
+          <a:noFill/>
+        </p:spPr>
+        <p:txBody>
+          <a:bodyPr wrap="square" rtlCol="0">
+            <a:spAutoFit/>
+          </a:bodyPr>
+          <a:lstStyle/>
+          <a:p>
+            <a:pPr marL="285750" indent="-285750" algn="l">
+              <a:buFont typeface="Arial" panose="020B0604020202020204" pitchFamily="34" charset="0"/>
+              <a:buChar char="•"/>
+            </a:pPr>
+            <a:r>
+              <a:rPr lang="de-DE" b="0" i="0" u="none" strike="noStrike" dirty="0">
+                <a:solidFill>
+                  <a:srgbClr val="24292E"/>
+                </a:solidFill>
+                <a:effectLst/>
+                <a:latin typeface="-apple-system"/>
+                <a:hlinkClick r:id="rId3"/>
+              </a:rPr>
+              <a:t>https://de.statista.com/themen/236/stress/#:~:text=Laut%20einer%20gro%C3%9Fangelegten%20Umfrage%20der,betroffen%20zu%20sein%20als%20M%C3%A4nner</a:t>
+            </a:r>
+            <a:r>
+              <a:rPr lang="de-DE" b="0" i="0" dirty="0">
+                <a:solidFill>
+                  <a:srgbClr val="24292E"/>
+                </a:solidFill>
+                <a:effectLst/>
+                <a:latin typeface="-apple-system"/>
+              </a:rPr>
+              <a:t>.</a:t>
+            </a:r>
+          </a:p>
+          <a:p>
+            <a:pPr marL="285750" indent="-285750" algn="l">
+              <a:buFont typeface="Arial" panose="020B0604020202020204" pitchFamily="34" charset="0"/>
+              <a:buChar char="•"/>
+            </a:pPr>
+            <a:r>
+              <a:rPr lang="de-DE" b="0" i="0" u="none" strike="noStrike" dirty="0">
+                <a:solidFill>
+                  <a:srgbClr val="24292E"/>
+                </a:solidFill>
+                <a:effectLst/>
+                <a:latin typeface="-apple-system"/>
+                <a:hlinkClick r:id="rId4"/>
+              </a:rPr>
+              <a:t>https://www.wuv.de/karriere/stress_und_die_folgen_leider_noch_immer_tabu</a:t>
+            </a:r>
+            <a:endParaRPr lang="de-DE" b="0" i="0" dirty="0">
+              <a:solidFill>
+                <a:srgbClr val="24292E"/>
+              </a:solidFill>
+              <a:effectLst/>
+              <a:latin typeface="-apple-system"/>
+            </a:endParaRPr>
+          </a:p>
+          <a:p>
+            <a:pPr marL="285750" indent="-285750" algn="l">
+              <a:buFont typeface="Arial" panose="020B0604020202020204" pitchFamily="34" charset="0"/>
+              <a:buChar char="•"/>
+            </a:pPr>
+            <a:r>
+              <a:rPr lang="de-DE" b="0" i="0" u="none" strike="noStrike" dirty="0">
+                <a:solidFill>
+                  <a:srgbClr val="24292E"/>
+                </a:solidFill>
+                <a:effectLst/>
+                <a:latin typeface="-apple-system"/>
+                <a:hlinkClick r:id="rId5"/>
+              </a:rPr>
+              <a:t>https://www.laif900balance.de/symptome/chronischer-stress/</a:t>
+            </a:r>
+            <a:endParaRPr lang="de-DE" b="0" i="0" dirty="0">
+              <a:solidFill>
+                <a:srgbClr val="24292E"/>
+              </a:solidFill>
+              <a:effectLst/>
+              <a:latin typeface="-apple-system"/>
+            </a:endParaRPr>
+          </a:p>
+          <a:p>
+            <a:pPr marL="285750" indent="-285750" algn="l">
+              <a:buFont typeface="Arial" panose="020B0604020202020204" pitchFamily="34" charset="0"/>
+              <a:buChar char="•"/>
+            </a:pPr>
+            <a:r>
+              <a:rPr lang="de-DE" b="0" i="0" u="none" strike="noStrike" dirty="0">
+                <a:solidFill>
+                  <a:srgbClr val="24292E"/>
+                </a:solidFill>
+                <a:effectLst/>
+                <a:latin typeface="-apple-system"/>
+                <a:hlinkClick r:id="rId6"/>
+              </a:rPr>
+              <a:t>https://meditopia.com/de/</a:t>
+            </a:r>
+            <a:endParaRPr lang="de-DE" b="0" i="0" dirty="0">
+              <a:solidFill>
+                <a:srgbClr val="24292E"/>
+              </a:solidFill>
+              <a:effectLst/>
+              <a:latin typeface="-apple-system"/>
+            </a:endParaRPr>
+          </a:p>
+          <a:p>
+            <a:pPr marL="285750" indent="-285750" algn="l">
+              <a:buFont typeface="Arial" panose="020B0604020202020204" pitchFamily="34" charset="0"/>
+              <a:buChar char="•"/>
+            </a:pPr>
+            <a:r>
+              <a:rPr lang="de-DE" b="0" i="0" u="none" strike="noStrike" dirty="0">
+                <a:solidFill>
+                  <a:srgbClr val="24292E"/>
+                </a:solidFill>
+                <a:effectLst/>
+                <a:latin typeface="-apple-system"/>
+                <a:hlinkClick r:id="rId7"/>
+              </a:rPr>
+              <a:t>https://apps.apple.com/de/app/meditopia-meditation-deutsch/id1190294015</a:t>
+            </a:r>
+            <a:endParaRPr lang="de-DE" b="0" i="0" dirty="0">
+              <a:solidFill>
+                <a:srgbClr val="24292E"/>
+              </a:solidFill>
+              <a:effectLst/>
+              <a:latin typeface="-apple-system"/>
+            </a:endParaRPr>
+          </a:p>
+          <a:p>
+            <a:pPr marL="285750" indent="-285750" algn="l">
+              <a:buFont typeface="Arial" panose="020B0604020202020204" pitchFamily="34" charset="0"/>
+              <a:buChar char="•"/>
+            </a:pPr>
+            <a:r>
+              <a:rPr lang="de-DE" b="0" i="0" u="none" strike="noStrike" dirty="0">
+                <a:solidFill>
+                  <a:srgbClr val="24292E"/>
+                </a:solidFill>
+                <a:effectLst/>
+                <a:latin typeface="-apple-system"/>
+                <a:hlinkClick r:id="rId8"/>
+              </a:rPr>
+              <a:t>https://www.headspace.com/de</a:t>
+            </a:r>
+            <a:endParaRPr lang="de-DE" b="0" i="0" dirty="0">
+              <a:solidFill>
+                <a:srgbClr val="24292E"/>
+              </a:solidFill>
+              <a:effectLst/>
+              <a:latin typeface="-apple-system"/>
+            </a:endParaRPr>
+          </a:p>
+          <a:p>
+            <a:pPr marL="285750" indent="-285750" algn="l">
+              <a:buFont typeface="Arial" panose="020B0604020202020204" pitchFamily="34" charset="0"/>
+              <a:buChar char="•"/>
+            </a:pPr>
+            <a:r>
+              <a:rPr lang="de-DE" b="0" i="0" u="none" strike="noStrike" dirty="0">
+                <a:solidFill>
+                  <a:srgbClr val="24292E"/>
+                </a:solidFill>
+                <a:effectLst/>
+                <a:latin typeface="-apple-system"/>
+                <a:hlinkClick r:id="rId9"/>
+              </a:rPr>
+              <a:t>https://apps.apple.com/de/app/headspace-meditation-schlaf/id493145008</a:t>
+            </a:r>
+            <a:endParaRPr lang="de-DE" b="0" i="0" dirty="0">
+              <a:solidFill>
+                <a:srgbClr val="24292E"/>
+              </a:solidFill>
+              <a:effectLst/>
+              <a:latin typeface="-apple-system"/>
+            </a:endParaRPr>
+          </a:p>
+          <a:p>
+            <a:pPr marL="285750" indent="-285750" algn="l">
+              <a:buFont typeface="Arial" panose="020B0604020202020204" pitchFamily="34" charset="0"/>
+              <a:buChar char="•"/>
+            </a:pPr>
+            <a:r>
+              <a:rPr lang="de-DE" b="0" i="0" u="none" strike="noStrike" dirty="0">
+                <a:solidFill>
+                  <a:srgbClr val="24292E"/>
+                </a:solidFill>
+                <a:effectLst/>
+                <a:latin typeface="-apple-system"/>
+                <a:hlinkClick r:id="rId10"/>
+              </a:rPr>
+              <a:t>https://play.google.com/store/apps/details?id=com.northpark.drinkwater&amp;hl=de&amp;gl=US</a:t>
+            </a:r>
+            <a:endParaRPr lang="de-DE" b="0" i="0" dirty="0">
+              <a:solidFill>
+                <a:srgbClr val="24292E"/>
+              </a:solidFill>
+              <a:effectLst/>
+              <a:latin typeface="-apple-system"/>
+            </a:endParaRPr>
+          </a:p>
+          <a:p>
+            <a:pPr marL="285750" indent="-285750" algn="l">
+              <a:buFont typeface="Arial" panose="020B0604020202020204" pitchFamily="34" charset="0"/>
+              <a:buChar char="•"/>
+            </a:pPr>
+            <a:r>
+              <a:rPr lang="de-DE" b="0" i="0" u="none" strike="noStrike" dirty="0">
+                <a:solidFill>
+                  <a:srgbClr val="24292E"/>
+                </a:solidFill>
+                <a:effectLst/>
+                <a:latin typeface="-apple-system"/>
+                <a:hlinkClick r:id="rId11"/>
+              </a:rPr>
+              <a:t>https://www.7mind.de/</a:t>
+            </a:r>
+            <a:endParaRPr lang="de-DE" b="0" i="0" dirty="0">
+              <a:solidFill>
+                <a:srgbClr val="24292E"/>
+              </a:solidFill>
+              <a:effectLst/>
+              <a:latin typeface="-apple-system"/>
+            </a:endParaRPr>
+          </a:p>
+          <a:p>
+            <a:pPr marL="285750" indent="-285750" algn="l">
+              <a:buFont typeface="Arial" panose="020B0604020202020204" pitchFamily="34" charset="0"/>
+              <a:buChar char="•"/>
+            </a:pPr>
+            <a:r>
+              <a:rPr lang="de-DE" b="0" i="0" u="none" strike="noStrike" dirty="0">
+                <a:solidFill>
+                  <a:srgbClr val="24292E"/>
+                </a:solidFill>
+                <a:effectLst/>
+                <a:latin typeface="-apple-system"/>
+                <a:hlinkClick r:id="rId12"/>
+              </a:rPr>
+              <a:t>https://apps.apple.com/de/app/7mind-meditation-achtsamkeit/id943347681</a:t>
+            </a:r>
+            <a:endParaRPr lang="de-DE" b="0" i="0" dirty="0">
+              <a:solidFill>
+                <a:srgbClr val="24292E"/>
+              </a:solidFill>
+              <a:effectLst/>
+              <a:latin typeface="-apple-system"/>
+            </a:endParaRPr>
+          </a:p>
+          <a:p>
+            <a:pPr marL="285750" indent="-285750">
+              <a:buFont typeface="Arial" panose="020B0604020202020204" pitchFamily="34" charset="0"/>
+              <a:buChar char="•"/>
+            </a:pPr>
+            <a:endParaRPr lang="de-DE" dirty="0"/>
+          </a:p>
+        </p:txBody>
+      </p:sp>
+    </p:spTree>
+    <p:extLst>
+      <p:ext uri="{BB962C8B-B14F-4D97-AF65-F5344CB8AC3E}">
+        <p14:creationId xmlns:p14="http://schemas.microsoft.com/office/powerpoint/2010/main" val="873189558"/>
+      </p:ext>
+    </p:extLst>
+  </p:cSld>
+  <p:clrMapOvr>
+    <a:masterClrMapping/>
+  </p:clrMapOvr>
+</p:sld>
+</file>
+
+<file path=ppt/slides/slide19.xml><?xml version="1.0" encoding="utf-8"?>
+<p:sld xmlns:a="http://schemas.openxmlformats.org/drawingml/2006/main" xmlns:r="http://schemas.openxmlformats.org/officeDocument/2006/relationships" xmlns:p="http://schemas.openxmlformats.org/presentationml/2006/main">
+  <p:cSld>
+    <p:spTree>
+      <p:nvGrpSpPr>
+        <p:cNvPr id="1" name=""/>
+        <p:cNvGrpSpPr/>
+        <p:nvPr/>
+      </p:nvGrpSpPr>
+      <p:grpSpPr>
+        <a:xfrm>
+          <a:off x="0" y="0"/>
+          <a:ext cx="0" cy="0"/>
+          <a:chOff x="0" y="0"/>
+          <a:chExt cx="0" cy="0"/>
+        </a:xfrm>
+      </p:grpSpPr>
+      <p:sp>
+        <p:nvSpPr>
           <p:cNvPr id="3" name="Titel 2">
             <a:extLst>
               <a:ext uri="{FF2B5EF4-FFF2-40B4-BE49-F238E27FC236}">
@@ -11877,7 +12345,7 @@
         </p:spPr>
         <p:txBody>
           <a:bodyPr>
-            <a:normAutofit fontScale="85000" lnSpcReduction="20000"/>
+            <a:normAutofit fontScale="70000" lnSpcReduction="20000"/>
           </a:bodyPr>
           <a:lstStyle/>
           <a:p>
@@ -12006,6 +12474,14 @@
                 <a:latin typeface="-apple-system"/>
               </a:rPr>
               <a:t>10. Projektplan</a:t>
+            </a:r>
+          </a:p>
+          <a:p>
+            <a:r>
+              <a:rPr lang="de-DE" dirty="0">
+                <a:latin typeface="-apple-system"/>
+              </a:rPr>
+              <a:t>11. Quellen</a:t>
             </a:r>
           </a:p>
         </p:txBody>

--- a/Audit 1/WS2020_SerttasPlackenhohn_Audit1.pptx
+++ b/Audit 1/WS2020_SerttasPlackenhohn_Audit1.pptx
@@ -2008,7 +2008,7 @@
           <a:p>
             <a:r>
               <a:rPr lang="de-DE" dirty="0"/>
-              <a:t>Die Anwendungslogik stellt die Funktionen des Systems dar. Diese haben wir erstellt um ein Use-Case zu entwerfen, außerdem hilft die Anwendungslogik schon bei der Spezifikation des ersten technischen POCs.</a:t>
+              <a:t>Die Anwendungslogik stellt die Funktionen des Systems dar. Diese haben wir erstellt um ein Use-Case zu entwerfen.</a:t>
             </a:r>
           </a:p>
         </p:txBody>
@@ -2150,7 +2150,7 @@
                 <a:effectLst/>
                 <a:latin typeface="arial" panose="020B0604020202020204" pitchFamily="34" charset="0"/>
               </a:rPr>
-              <a:t> können wir uns Gedanken über die Spezifikation für das erste technische POC machen.</a:t>
+              <a:t> können wir uns Gedanken über die Risiken machen.</a:t>
             </a:r>
             <a:endParaRPr lang="de-DE" dirty="0"/>
           </a:p>

--- a/Audit 1/WS2020_SerttasPlackenhohn_Audit1.pptx
+++ b/Audit 1/WS2020_SerttasPlackenhohn_Audit1.pptx
@@ -724,7 +724,7 @@
           <a:p>
             <a:r>
               <a:rPr lang="de-DE" dirty="0"/>
-              <a:t>Um in noch mal kurz in unser Thema zu kommen, haben wir das Exposé noch einmal hinzugefügt. So starten wird nicht direkt mit den Anforderungen gestartet.</a:t>
+              <a:t>Um in noch mal kurz in unser Thema zu kommen und eine Einleitung zu haben, haben wir das Exposé noch einmal hinzugefügt. So starten wird nicht direkt mit den Anforderungen gestartet.</a:t>
             </a:r>
             <a:br>
               <a:rPr lang="de-DE" dirty="0"/>

--- a/Audit 1/WS2020_SerttasPlackenhohn_Audit1.pptx
+++ b/Audit 1/WS2020_SerttasPlackenhohn_Audit1.pptx
@@ -32,7 +32,7 @@
     <p:sldId id="271" r:id="rId20"/>
   </p:sldIdLst>
   <p:sldSz cx="12192000" cy="6858000"/>
-  <p:notesSz cx="6858000" cy="9144000"/>
+  <p:notesSz cx="7315200" cy="9601200"/>
   <p:defaultTextStyle>
     <a:defPPr rtl="0">
       <a:defRPr lang="de-de"/>
@@ -186,17 +186,17 @@
         <p:spPr>
           <a:xfrm>
             <a:off x="0" y="0"/>
-            <a:ext cx="2971800" cy="458788"/>
+            <a:ext cx="3169920" cy="481727"/>
           </a:xfrm>
           <a:prstGeom prst="rect">
             <a:avLst/>
           </a:prstGeom>
         </p:spPr>
         <p:txBody>
-          <a:bodyPr vert="horz" lIns="91440" tIns="45720" rIns="91440" bIns="45720" rtlCol="0"/>
+          <a:bodyPr vert="horz" lIns="96661" tIns="48331" rIns="96661" bIns="48331" rtlCol="0"/>
           <a:lstStyle>
             <a:lvl1pPr algn="l">
-              <a:defRPr sz="1200"/>
+              <a:defRPr sz="1300"/>
             </a:lvl1pPr>
           </a:lstStyle>
           <a:p>
@@ -217,18 +217,18 @@
         </p:nvSpPr>
         <p:spPr>
           <a:xfrm>
-            <a:off x="3884613" y="0"/>
-            <a:ext cx="2971800" cy="458788"/>
+            <a:off x="4143587" y="0"/>
+            <a:ext cx="3169920" cy="481727"/>
           </a:xfrm>
           <a:prstGeom prst="rect">
             <a:avLst/>
           </a:prstGeom>
         </p:spPr>
         <p:txBody>
-          <a:bodyPr vert="horz" lIns="91440" tIns="45720" rIns="91440" bIns="45720" rtlCol="0"/>
+          <a:bodyPr vert="horz" lIns="96661" tIns="48331" rIns="96661" bIns="48331" rtlCol="0"/>
           <a:lstStyle>
             <a:lvl1pPr algn="r">
-              <a:defRPr sz="1200"/>
+              <a:defRPr sz="1300"/>
             </a:lvl1pPr>
           </a:lstStyle>
           <a:p>
@@ -253,18 +253,18 @@
         </p:nvSpPr>
         <p:spPr>
           <a:xfrm>
-            <a:off x="0" y="8685213"/>
-            <a:ext cx="2971800" cy="458787"/>
+            <a:off x="0" y="9119474"/>
+            <a:ext cx="3169920" cy="481726"/>
           </a:xfrm>
           <a:prstGeom prst="rect">
             <a:avLst/>
           </a:prstGeom>
         </p:spPr>
         <p:txBody>
-          <a:bodyPr vert="horz" lIns="91440" tIns="45720" rIns="91440" bIns="45720" rtlCol="0" anchor="b"/>
+          <a:bodyPr vert="horz" lIns="96661" tIns="48331" rIns="96661" bIns="48331" rtlCol="0" anchor="b"/>
           <a:lstStyle>
             <a:lvl1pPr algn="l">
-              <a:defRPr sz="1200"/>
+              <a:defRPr sz="1300"/>
             </a:lvl1pPr>
           </a:lstStyle>
           <a:p>
@@ -285,18 +285,18 @@
         </p:nvSpPr>
         <p:spPr>
           <a:xfrm>
-            <a:off x="3884613" y="8685213"/>
-            <a:ext cx="2971800" cy="458787"/>
+            <a:off x="4143587" y="9119474"/>
+            <a:ext cx="3169920" cy="481726"/>
           </a:xfrm>
           <a:prstGeom prst="rect">
             <a:avLst/>
           </a:prstGeom>
         </p:spPr>
         <p:txBody>
-          <a:bodyPr vert="horz" lIns="91440" tIns="45720" rIns="91440" bIns="45720" rtlCol="0" anchor="b"/>
+          <a:bodyPr vert="horz" lIns="96661" tIns="48331" rIns="96661" bIns="48331" rtlCol="0" anchor="b"/>
           <a:lstStyle>
             <a:lvl1pPr algn="r">
-              <a:defRPr sz="1200"/>
+              <a:defRPr sz="1300"/>
             </a:lvl1pPr>
           </a:lstStyle>
           <a:p>
@@ -356,17 +356,17 @@
         <p:spPr>
           <a:xfrm>
             <a:off x="0" y="0"/>
-            <a:ext cx="2971800" cy="458788"/>
+            <a:ext cx="3169920" cy="481727"/>
           </a:xfrm>
           <a:prstGeom prst="rect">
             <a:avLst/>
           </a:prstGeom>
         </p:spPr>
         <p:txBody>
-          <a:bodyPr vert="horz" lIns="91440" tIns="45720" rIns="91440" bIns="45720" rtlCol="0"/>
+          <a:bodyPr vert="horz" lIns="96661" tIns="48331" rIns="96661" bIns="48331" rtlCol="0"/>
           <a:lstStyle>
             <a:lvl1pPr algn="l">
-              <a:defRPr sz="1200"/>
+              <a:defRPr sz="1300"/>
             </a:lvl1pPr>
           </a:lstStyle>
           <a:p>
@@ -387,18 +387,18 @@
         </p:nvSpPr>
         <p:spPr>
           <a:xfrm>
-            <a:off x="3884613" y="0"/>
-            <a:ext cx="2971800" cy="458788"/>
+            <a:off x="4143587" y="0"/>
+            <a:ext cx="3169920" cy="481727"/>
           </a:xfrm>
           <a:prstGeom prst="rect">
             <a:avLst/>
           </a:prstGeom>
         </p:spPr>
         <p:txBody>
-          <a:bodyPr vert="horz" lIns="91440" tIns="45720" rIns="91440" bIns="45720" rtlCol="0"/>
+          <a:bodyPr vert="horz" lIns="96661" tIns="48331" rIns="96661" bIns="48331" rtlCol="0"/>
           <a:lstStyle>
             <a:lvl1pPr algn="r">
-              <a:defRPr sz="1200"/>
+              <a:defRPr sz="1300"/>
             </a:lvl1pPr>
           </a:lstStyle>
           <a:p>
@@ -423,8 +423,8 @@
         </p:nvSpPr>
         <p:spPr>
           <a:xfrm>
-            <a:off x="685800" y="1143000"/>
-            <a:ext cx="5486400" cy="3086100"/>
+            <a:off x="777875" y="1200150"/>
+            <a:ext cx="5759450" cy="3240088"/>
           </a:xfrm>
           <a:prstGeom prst="rect">
             <a:avLst/>
@@ -437,7 +437,7 @@
           </a:ln>
         </p:spPr>
         <p:txBody>
-          <a:bodyPr vert="horz" lIns="91440" tIns="45720" rIns="91440" bIns="45720" rtlCol="0" anchor="ctr"/>
+          <a:bodyPr vert="horz" lIns="96661" tIns="48331" rIns="96661" bIns="48331" rtlCol="0" anchor="ctr"/>
           <a:lstStyle/>
           <a:p>
             <a:pPr rtl="0"/>
@@ -457,15 +457,15 @@
         </p:nvSpPr>
         <p:spPr>
           <a:xfrm>
-            <a:off x="685800" y="4400550"/>
-            <a:ext cx="5486400" cy="3600450"/>
+            <a:off x="731520" y="4620577"/>
+            <a:ext cx="5852160" cy="3780473"/>
           </a:xfrm>
           <a:prstGeom prst="rect">
             <a:avLst/>
           </a:prstGeom>
         </p:spPr>
         <p:txBody>
-          <a:bodyPr vert="horz" lIns="91440" tIns="45720" rIns="91440" bIns="45720" rtlCol="0"/>
+          <a:bodyPr vert="horz" lIns="96661" tIns="48331" rIns="96661" bIns="48331" rtlCol="0"/>
           <a:lstStyle/>
           <a:p>
             <a:pPr lvl="0" rtl="0"/>
@@ -518,18 +518,18 @@
         </p:nvSpPr>
         <p:spPr>
           <a:xfrm>
-            <a:off x="0" y="8685213"/>
-            <a:ext cx="2971800" cy="458787"/>
+            <a:off x="0" y="9119474"/>
+            <a:ext cx="3169920" cy="481726"/>
           </a:xfrm>
           <a:prstGeom prst="rect">
             <a:avLst/>
           </a:prstGeom>
         </p:spPr>
         <p:txBody>
-          <a:bodyPr vert="horz" lIns="91440" tIns="45720" rIns="91440" bIns="45720" rtlCol="0" anchor="b"/>
+          <a:bodyPr vert="horz" lIns="96661" tIns="48331" rIns="96661" bIns="48331" rtlCol="0" anchor="b"/>
           <a:lstStyle>
             <a:lvl1pPr algn="l">
-              <a:defRPr sz="1200"/>
+              <a:defRPr sz="1300"/>
             </a:lvl1pPr>
           </a:lstStyle>
           <a:p>
@@ -550,18 +550,18 @@
         </p:nvSpPr>
         <p:spPr>
           <a:xfrm>
-            <a:off x="3884613" y="8685213"/>
-            <a:ext cx="2971800" cy="458787"/>
+            <a:off x="4143587" y="9119474"/>
+            <a:ext cx="3169920" cy="481726"/>
           </a:xfrm>
           <a:prstGeom prst="rect">
             <a:avLst/>
           </a:prstGeom>
         </p:spPr>
         <p:txBody>
-          <a:bodyPr vert="horz" lIns="91440" tIns="45720" rIns="91440" bIns="45720" rtlCol="0" anchor="b"/>
+          <a:bodyPr vert="horz" lIns="96661" tIns="48331" rIns="96661" bIns="48331" rtlCol="0" anchor="b"/>
           <a:lstStyle>
             <a:lvl1pPr algn="r">
-              <a:defRPr sz="1200"/>
+              <a:defRPr sz="1300"/>
             </a:lvl1pPr>
           </a:lstStyle>
           <a:p>
@@ -10047,6 +10047,42 @@
           </a:p>
         </p:txBody>
       </p:sp>
+      <p:pic>
+        <p:nvPicPr>
+          <p:cNvPr id="18" name="Grafik 17" descr="Ein Bild, das Text enthält.&#10;&#10;Automatisch generierte Beschreibung">
+            <a:extLst>
+              <a:ext uri="{FF2B5EF4-FFF2-40B4-BE49-F238E27FC236}">
+                <a16:creationId xmlns:a16="http://schemas.microsoft.com/office/drawing/2014/main" id="{C7334D11-BEDF-4938-98FA-8C1465B49B69}"/>
+              </a:ext>
+            </a:extLst>
+          </p:cNvPr>
+          <p:cNvPicPr>
+            <a:picLocks noChangeAspect="1"/>
+          </p:cNvPicPr>
+          <p:nvPr/>
+        </p:nvPicPr>
+        <p:blipFill>
+          <a:blip r:embed="rId16">
+            <a:extLst>
+              <a:ext uri="{28A0092B-C50C-407E-A947-70E740481C1C}">
+                <a14:useLocalDpi xmlns:a14="http://schemas.microsoft.com/office/drawing/2010/main" val="0"/>
+              </a:ext>
+            </a:extLst>
+          </a:blip>
+          <a:stretch>
+            <a:fillRect/>
+          </a:stretch>
+        </p:blipFill>
+        <p:spPr>
+          <a:xfrm>
+            <a:off x="3100545" y="3102714"/>
+            <a:ext cx="6230462" cy="1905654"/>
+          </a:xfrm>
+          <a:prstGeom prst="rect">
+            <a:avLst/>
+          </a:prstGeom>
+        </p:spPr>
+      </p:pic>
     </p:spTree>
     <p:extLst>
       <p:ext uri="{BB962C8B-B14F-4D97-AF65-F5344CB8AC3E}">
@@ -10984,6 +11020,33 @@
                                   </p:childTnLst>
                                 </p:cTn>
                               </p:par>
+                              <p:par>
+                                <p:cTn id="81" presetID="1" presetClass="entr" presetSubtype="0" fill="hold" nodeType="withEffect">
+                                  <p:stCondLst>
+                                    <p:cond delay="0"/>
+                                  </p:stCondLst>
+                                  <p:childTnLst>
+                                    <p:set>
+                                      <p:cBhvr>
+                                        <p:cTn id="82" dur="1" fill="hold">
+                                          <p:stCondLst>
+                                            <p:cond delay="0"/>
+                                          </p:stCondLst>
+                                        </p:cTn>
+                                        <p:tgtEl>
+                                          <p:spTgt spid="18"/>
+                                        </p:tgtEl>
+                                        <p:attrNameLst>
+                                          <p:attrName>style.visibility</p:attrName>
+                                        </p:attrNameLst>
+                                      </p:cBhvr>
+                                      <p:to>
+                                        <p:strVal val="visible"/>
+                                      </p:to>
+                                    </p:set>
+                                  </p:childTnLst>
+                                </p:cTn>
+                              </p:par>
                             </p:childTnLst>
                           </p:cTn>
                         </p:par>
@@ -12353,7 +12416,7 @@
               <a:rPr lang="de-DE" dirty="0">
                 <a:latin typeface="-apple-system"/>
               </a:rPr>
-              <a:t>1. Exposé</a:t>
+              <a:t>  1. Exposé</a:t>
             </a:r>
           </a:p>
           <a:p>
@@ -12373,7 +12436,7 @@
               <a:rPr lang="de-DE" dirty="0">
                 <a:latin typeface="-apple-system"/>
               </a:rPr>
-              <a:t>2. Problemszenario</a:t>
+              <a:t>  2. Problemszenario</a:t>
             </a:r>
           </a:p>
           <a:p>
@@ -12381,7 +12444,7 @@
               <a:rPr lang="de-DE" dirty="0">
                 <a:latin typeface="-apple-system"/>
               </a:rPr>
-              <a:t>3. Domänenmodell und Stakeholder</a:t>
+              <a:t>  3. Domänenmodell und Stakeholder</a:t>
             </a:r>
           </a:p>
           <a:p>
@@ -12389,7 +12452,7 @@
               <a:rPr lang="de-DE" dirty="0">
                 <a:latin typeface="-apple-system"/>
               </a:rPr>
-              <a:t>4. Anwendungslogik</a:t>
+              <a:t>  4. Anwendungslogik</a:t>
             </a:r>
           </a:p>
           <a:p>
@@ -12397,7 +12460,7 @@
               <a:rPr lang="de-DE" dirty="0">
                 <a:latin typeface="-apple-system"/>
               </a:rPr>
-              <a:t>5. Use Case</a:t>
+              <a:t>  5. Use Case</a:t>
             </a:r>
           </a:p>
           <a:p>
@@ -12405,7 +12468,7 @@
               <a:rPr lang="de-DE" dirty="0">
                 <a:latin typeface="-apple-system"/>
               </a:rPr>
-              <a:t>6. Konkurrenzanalyse</a:t>
+              <a:t>  6. Konkurrenzanalyse</a:t>
             </a:r>
           </a:p>
           <a:p>
@@ -12413,7 +12476,7 @@
               <a:rPr lang="de-DE" dirty="0">
                 <a:latin typeface="-apple-system"/>
               </a:rPr>
-              <a:t>7. Alleinstellungsmerkmal</a:t>
+              <a:t>  7. Alleinstellungsmerkmal</a:t>
             </a:r>
           </a:p>
           <a:p>
@@ -12421,7 +12484,7 @@
               <a:rPr lang="de-DE" dirty="0">
                 <a:latin typeface="-apple-system"/>
               </a:rPr>
-              <a:t>8. Risiken</a:t>
+              <a:t>  8. Risiken</a:t>
             </a:r>
           </a:p>
           <a:p>
@@ -12429,7 +12492,7 @@
               <a:rPr lang="de-DE" dirty="0">
                 <a:latin typeface="-apple-system"/>
               </a:rPr>
-              <a:t>9. Spezifikation des ersten technischen/architekturellen Proof-</a:t>
+              <a:t>  9. Spezifikation des ersten technischen/architekturellen Proof-</a:t>
             </a:r>
             <a:r>
               <a:rPr lang="de-DE" dirty="0" err="1">
@@ -12884,7 +12947,7 @@
         <p:spPr>
           <a:xfrm>
             <a:off x="1206500" y="2091551"/>
-            <a:ext cx="9949180" cy="4001095"/>
+            <a:ext cx="9949180" cy="3631763"/>
           </a:xfrm>
           <a:prstGeom prst="rect">
             <a:avLst/>
@@ -12975,32 +13038,12 @@
                 <a:sym typeface="Wingdings" panose="05000000000000000000" pitchFamily="2" charset="2"/>
               </a:rPr>
             </a:br>
-            <a:endParaRPr lang="de-DE" sz="1200" dirty="0">
-              <a:latin typeface="-apple-system"/>
-            </a:endParaRPr>
-          </a:p>
-          <a:p>
-            <a:pPr marL="285750" indent="-285750">
-              <a:buFont typeface="Arial" panose="020B0604020202020204" pitchFamily="34" charset="0"/>
-              <a:buChar char="•"/>
-            </a:pPr>
-            <a:r>
-              <a:rPr lang="de-DE" sz="1200" b="1" dirty="0" err="1">
-                <a:latin typeface="-apple-system"/>
-              </a:rPr>
-              <a:t>Responsiveness</a:t>
-            </a:r>
-            <a:endParaRPr lang="de-DE" sz="1200" b="1" dirty="0">
-              <a:latin typeface="-apple-system"/>
-            </a:endParaRPr>
-          </a:p>
-          <a:p>
             <a:r>
               <a:rPr lang="de-DE" sz="1200" dirty="0">
                 <a:latin typeface="-apple-system"/>
                 <a:sym typeface="Wingdings" panose="05000000000000000000" pitchFamily="2" charset="2"/>
               </a:rPr>
-              <a:t>   Akku schonend</a:t>
+              <a:t>    Akku schonend</a:t>
             </a:r>
             <a:br>
               <a:rPr lang="de-DE" sz="1200" dirty="0">

--- a/Audit 1/WS2020_SerttasPlackenhohn_Audit1.pptx
+++ b/Audit 1/WS2020_SerttasPlackenhohn_Audit1.pptx
@@ -724,14 +724,14 @@
           <a:p>
             <a:r>
               <a:rPr lang="de-DE" dirty="0"/>
-              <a:t>Um in noch mal kurz in unser Thema zu kommen und eine Einleitung zu haben, haben wir das Exposé noch einmal hinzugefügt. So starten wird nicht direkt mit den Anforderungen gestartet.</a:t>
+              <a:t>Um noch mal kurz in unser Thema zu kommen und eine Einleitung zu haben, haben wir das Exposé noch einmal hinzugefügt. So wird nicht direkt mit den Anforderungen gestartet.</a:t>
             </a:r>
             <a:br>
               <a:rPr lang="de-DE" dirty="0"/>
             </a:br>
             <a:r>
               <a:rPr lang="de-DE" dirty="0"/>
-              <a:t>Falls Fragen aufkommen, kann man auch noch mal schnell auf das Exposé in der Power Point zugreifen.</a:t>
+              <a:t>Falls Fragen aufkommen, kann man auch noch mal schnell auf das Exposé in der PowerPoint zugreifen.</a:t>
             </a:r>
           </a:p>
         </p:txBody>
@@ -1187,7 +1187,7 @@
           <a:p>
             <a:r>
               <a:rPr lang="de-DE" dirty="0"/>
-              <a:t>Um zu wissen, was wir machen, wenn etwas nicht Funktioniert haben wir schon weitere Fallbacks aufgestellt.</a:t>
+              <a:t>Um zu wissen was wir machen, wenn etwas nicht Funktioniert, haben wir schon weitere Fallbacks aufgestellt.</a:t>
             </a:r>
           </a:p>
           <a:p>
@@ -1635,7 +1635,7 @@
           <a:p>
             <a:r>
               <a:rPr lang="de-DE" dirty="0"/>
-              <a:t>Um unser Ziel erfolgreich zu verfolgen, haben wir allgemeine Projektziele, sowie die Zielgruppe herausgearbeitet. Durch das Projektziel konnten wir schauen, was unser System beinhalten muss und worauf wir uns am besten fokussieren. Auch während der technischen Entwicklung kann man immer wieder das Ziel verfolgen, ohne abzuschweifen. Die Projekteziele sind außerdem dafür da, um zu sehen, ob man das Projekt erfolgreich abgeschlossen wurde oder ob noch etwas fehlt. Durch das festlegen von Zielen ist man motivierter und freut sich um so mehr diese zu erreichen.</a:t>
+              <a:t>Um unser Ziel erfolgreich zu verfolgen, haben wir allgemeine Projektziele, sowie die Zielgruppe herausgearbeitet. Durch das Projektziel konnten wir schauen, was unser System beinhalten muss und worauf wir uns am besten fokussieren. Auch während der technischen Entwicklung kann man immer wieder das Ziel verfolgen, ohne abzuschweifen. Die Projekteziele sind außerdem dafür da, um zu sehen, ob das Projekt erfolgreich abgeschlossen wurde oder ob noch etwas fehlt. Durch das festlegen von Zielen ist man motivierter und freut sich um so mehr diese zu erreichen.</a:t>
             </a:r>
           </a:p>
           <a:p>
@@ -1644,7 +1644,7 @@
           <a:p>
             <a:r>
               <a:rPr lang="de-DE" dirty="0"/>
-              <a:t>Durch das festlegen der Zielgruppe können wir uns auf die Probleme dieser konzentrieren. Durch die Festlegung sprechen wir explizit die Menschen an, die an Stress leiden, entspannen möchten, genug trinken möchten und evtl. gleichzeitig mit jemandem sprechen möchten, den sie nicht kennen. Wir möchten eine Lösung für ein spezielles Problem finden und legen deswegen eine Zielgruppe fest. So werden genau die Menschen mit unserem System angesprochen, auf die wir uns konzentrieren. </a:t>
+              <a:t>Durch das Festlegen der Zielgruppe können wir uns auf die Probleme dieser konzentrieren. Durch die Festlegung sprechen wir explizit die Menschen an, die an Stress leiden, entspannen möchten, genug trinken möchten und evtl. gleichzeitig mit jemandem sprechen möchten, den sie nicht kennen. Wir möchten eine Lösung für ein spezielles Problem finden und legen deswegen eine Zielgruppe fest. So werden genau die Menschen mit unserem System angesprochen, auf die wir uns konzentrieren. </a:t>
             </a:r>
           </a:p>
           <a:p>
@@ -8592,7 +8592,7 @@
                 </a:solidFill>
                 <a:latin typeface="-apple-system"/>
               </a:rPr>
-              <a:t>Auswertung am Ende der Woche und des Monats</a:t>
+              <a:t>Auswertung Wasser trinken, am Ende der Woche und des Monats</a:t>
             </a:r>
           </a:p>
           <a:p>
@@ -8640,7 +8640,7 @@
                 </a:solidFill>
                 <a:latin typeface="-apple-system"/>
               </a:rPr>
-              <a:t>Durch die Umfragen, an denen täglich und am Ende des Monats  	teilgenommen wird, kann der User in seine Auswertung schauen. Es wird der Verlauf 	von der täglichen Umfrage und der Verlauf von der Umfrage am Ende des Monats 	angezeigt.</a:t>
+              <a:t>Durch die Umfragen, an denen täglich und am Ende des Monats  	teilgenommen wird, kann der User in seine Auswertung schauen. Es wird der Verlauf 	vom Wasser trinken, der täglichen Umfrage und der Verlauf von der Umfrage am Ende 	des Monats angezeigt.</a:t>
             </a:r>
           </a:p>
         </p:txBody>

--- a/Audit 1/WS2020_SerttasPlackenhohn_Audit1.pptx
+++ b/Audit 1/WS2020_SerttasPlackenhohn_Audit1.pptx
@@ -235,7 +235,7 @@
             <a:pPr rtl="0"/>
             <a:fld id="{7260543F-C6AC-4A94-9181-2A0B47128E40}" type="datetime1">
               <a:rPr lang="de-DE" smtClean="0"/>
-              <a:t>29.11.2020</a:t>
+              <a:t>30.11.2020</a:t>
             </a:fld>
             <a:endParaRPr lang="en-US" dirty="0"/>
           </a:p>
@@ -405,7 +405,7 @@
             <a:pPr rtl="0"/>
             <a:fld id="{BB4411EF-09CB-4E62-A9ED-59F7AB2BB401}" type="datetime1">
               <a:rPr lang="de-DE" smtClean="0"/>
-              <a:t>29.11.2020</a:t>
+              <a:t>30.11.2020</a:t>
             </a:fld>
             <a:endParaRPr lang="en-US"/>
           </a:p>
@@ -754,7 +754,7 @@
             <a:pPr rtl="0"/>
             <a:fld id="{BB4411EF-09CB-4E62-A9ED-59F7AB2BB401}" type="datetime1">
               <a:rPr lang="de-DE" smtClean="0"/>
-              <a:t>29.11.2020</a:t>
+              <a:t>30.11.2020</a:t>
             </a:fld>
             <a:endParaRPr lang="en-US"/>
           </a:p>
@@ -866,7 +866,7 @@
             <a:pPr rtl="0"/>
             <a:fld id="{BB4411EF-09CB-4E62-A9ED-59F7AB2BB401}" type="datetime1">
               <a:rPr lang="de-DE" smtClean="0"/>
-              <a:t>29.11.2020</a:t>
+              <a:t>30.11.2020</a:t>
             </a:fld>
             <a:endParaRPr lang="en-US"/>
           </a:p>
@@ -978,7 +978,7 @@
             <a:pPr rtl="0"/>
             <a:fld id="{BB4411EF-09CB-4E62-A9ED-59F7AB2BB401}" type="datetime1">
               <a:rPr lang="de-DE" smtClean="0"/>
-              <a:t>29.11.2020</a:t>
+              <a:t>30.11.2020</a:t>
             </a:fld>
             <a:endParaRPr lang="en-US"/>
           </a:p>
@@ -1098,7 +1098,7 @@
             <a:pPr rtl="0"/>
             <a:fld id="{BB4411EF-09CB-4E62-A9ED-59F7AB2BB401}" type="datetime1">
               <a:rPr lang="de-DE" smtClean="0"/>
-              <a:t>29.11.2020</a:t>
+              <a:t>30.11.2020</a:t>
             </a:fld>
             <a:endParaRPr lang="en-US"/>
           </a:p>
@@ -1216,7 +1216,7 @@
             <a:pPr rtl="0"/>
             <a:fld id="{BB4411EF-09CB-4E62-A9ED-59F7AB2BB401}" type="datetime1">
               <a:rPr lang="de-DE" smtClean="0"/>
-              <a:t>29.11.2020</a:t>
+              <a:t>30.11.2020</a:t>
             </a:fld>
             <a:endParaRPr lang="en-US"/>
           </a:p>
@@ -1325,7 +1325,7 @@
             <a:pPr rtl="0"/>
             <a:fld id="{BB4411EF-09CB-4E62-A9ED-59F7AB2BB401}" type="datetime1">
               <a:rPr lang="de-DE" smtClean="0"/>
-              <a:t>29.11.2020</a:t>
+              <a:t>30.11.2020</a:t>
             </a:fld>
             <a:endParaRPr lang="en-US"/>
           </a:p>
@@ -1434,7 +1434,7 @@
             <a:pPr rtl="0"/>
             <a:fld id="{BB4411EF-09CB-4E62-A9ED-59F7AB2BB401}" type="datetime1">
               <a:rPr lang="de-DE" smtClean="0"/>
-              <a:t>29.11.2020</a:t>
+              <a:t>30.11.2020</a:t>
             </a:fld>
             <a:endParaRPr lang="en-US"/>
           </a:p>
@@ -1546,7 +1546,7 @@
             <a:pPr rtl="0"/>
             <a:fld id="{BB4411EF-09CB-4E62-A9ED-59F7AB2BB401}" type="datetime1">
               <a:rPr lang="de-DE" smtClean="0"/>
-              <a:t>29.11.2020</a:t>
+              <a:t>30.11.2020</a:t>
             </a:fld>
             <a:endParaRPr lang="en-US"/>
           </a:p>
@@ -1673,7 +1673,7 @@
             <a:pPr rtl="0"/>
             <a:fld id="{BB4411EF-09CB-4E62-A9ED-59F7AB2BB401}" type="datetime1">
               <a:rPr lang="de-DE" smtClean="0"/>
-              <a:t>29.11.2020</a:t>
+              <a:t>30.11.2020</a:t>
             </a:fld>
             <a:endParaRPr lang="en-US"/>
           </a:p>
@@ -1792,7 +1792,7 @@
             <a:pPr rtl="0"/>
             <a:fld id="{BB4411EF-09CB-4E62-A9ED-59F7AB2BB401}" type="datetime1">
               <a:rPr lang="de-DE" smtClean="0"/>
-              <a:t>29.11.2020</a:t>
+              <a:t>30.11.2020</a:t>
             </a:fld>
             <a:endParaRPr lang="en-US"/>
           </a:p>
@@ -1919,7 +1919,7 @@
             <a:pPr rtl="0"/>
             <a:fld id="{BB4411EF-09CB-4E62-A9ED-59F7AB2BB401}" type="datetime1">
               <a:rPr lang="de-DE" smtClean="0"/>
-              <a:t>29.11.2020</a:t>
+              <a:t>30.11.2020</a:t>
             </a:fld>
             <a:endParaRPr lang="en-US"/>
           </a:p>
@@ -2031,7 +2031,7 @@
             <a:pPr rtl="0"/>
             <a:fld id="{BB4411EF-09CB-4E62-A9ED-59F7AB2BB401}" type="datetime1">
               <a:rPr lang="de-DE" smtClean="0"/>
-              <a:t>29.11.2020</a:t>
+              <a:t>30.11.2020</a:t>
             </a:fld>
             <a:endParaRPr lang="en-US"/>
           </a:p>
@@ -2174,7 +2174,7 @@
             <a:pPr rtl="0"/>
             <a:fld id="{BB4411EF-09CB-4E62-A9ED-59F7AB2BB401}" type="datetime1">
               <a:rPr lang="de-DE" smtClean="0"/>
-              <a:t>29.11.2020</a:t>
+              <a:t>30.11.2020</a:t>
             </a:fld>
             <a:endParaRPr lang="en-US"/>
           </a:p>
@@ -2286,7 +2286,7 @@
             <a:pPr rtl="0"/>
             <a:fld id="{BB4411EF-09CB-4E62-A9ED-59F7AB2BB401}" type="datetime1">
               <a:rPr lang="de-DE" smtClean="0"/>
-              <a:t>29.11.2020</a:t>
+              <a:t>30.11.2020</a:t>
             </a:fld>
             <a:endParaRPr lang="en-US"/>
           </a:p>
@@ -2404,7 +2404,7 @@
             <a:pPr rtl="0"/>
             <a:fld id="{BB4411EF-09CB-4E62-A9ED-59F7AB2BB401}" type="datetime1">
               <a:rPr lang="de-DE" smtClean="0"/>
-              <a:t>29.11.2020</a:t>
+              <a:t>30.11.2020</a:t>
             </a:fld>
             <a:endParaRPr lang="en-US"/>
           </a:p>
@@ -2694,7 +2694,7 @@
             <a:pPr rtl="0"/>
             <a:fld id="{D058F8EF-9461-4DB5-8DE8-65F0C8AF5E0D}" type="datetime1">
               <a:rPr lang="de-DE" smtClean="0"/>
-              <a:t>29.11.2020</a:t>
+              <a:t>30.11.2020</a:t>
             </a:fld>
             <a:endParaRPr lang="en-US" dirty="0"/>
           </a:p>
@@ -2886,7 +2886,7 @@
             <a:pPr rtl="0"/>
             <a:fld id="{A4B84E5B-C9E8-4DB6-BA34-0E271B709DFA}" type="datetime1">
               <a:rPr lang="de-DE" smtClean="0"/>
-              <a:t>29.11.2020</a:t>
+              <a:t>30.11.2020</a:t>
             </a:fld>
             <a:endParaRPr lang="en-US" dirty="0"/>
           </a:p>
@@ -3132,7 +3132,7 @@
             <a:pPr rtl="0"/>
             <a:fld id="{F650C74D-3EC7-4807-8009-B91685601A76}" type="datetime1">
               <a:rPr lang="de-DE" smtClean="0"/>
-              <a:t>29.11.2020</a:t>
+              <a:t>30.11.2020</a:t>
             </a:fld>
             <a:endParaRPr lang="en-US" dirty="0"/>
           </a:p>
@@ -3324,7 +3324,7 @@
             <a:pPr rtl="0"/>
             <a:fld id="{CA5E3BD6-493E-4773-AC13-EE70A9E3F498}" type="datetime1">
               <a:rPr lang="de-DE" smtClean="0"/>
-              <a:t>29.11.2020</a:t>
+              <a:t>30.11.2020</a:t>
             </a:fld>
             <a:endParaRPr lang="en-US" dirty="0"/>
           </a:p>
@@ -3701,7 +3701,7 @@
             <a:pPr rtl="0"/>
             <a:fld id="{FEE6A76B-C923-49BD-ABE7-ADE768C6F571}" type="datetime1">
               <a:rPr lang="de-DE" smtClean="0"/>
-              <a:t>29.11.2020</a:t>
+              <a:t>30.11.2020</a:t>
             </a:fld>
             <a:endParaRPr lang="en-US" dirty="0"/>
           </a:p>
@@ -3960,7 +3960,7 @@
             <a:pPr rtl="0"/>
             <a:fld id="{4CD334EC-5459-4A98-AF88-01FD6D7BAF68}" type="datetime1">
               <a:rPr lang="de-DE" smtClean="0"/>
-              <a:t>29.11.2020</a:t>
+              <a:t>30.11.2020</a:t>
             </a:fld>
             <a:endParaRPr lang="en-US" dirty="0"/>
           </a:p>
@@ -4361,7 +4361,7 @@
             <a:pPr rtl="0"/>
             <a:fld id="{62F56688-ED28-473C-871E-9EEF4BB0D1F0}" type="datetime1">
               <a:rPr lang="de-DE" smtClean="0"/>
-              <a:t>29.11.2020</a:t>
+              <a:t>30.11.2020</a:t>
             </a:fld>
             <a:endParaRPr lang="en-US" dirty="0"/>
           </a:p>
@@ -4501,7 +4501,7 @@
             <a:pPr rtl="0"/>
             <a:fld id="{F9110680-7D80-41F3-804A-113A4CB11D73}" type="datetime1">
               <a:rPr lang="de-DE" smtClean="0"/>
-              <a:t>29.11.2020</a:t>
+              <a:t>30.11.2020</a:t>
             </a:fld>
             <a:endParaRPr lang="en-US" dirty="0"/>
           </a:p>
@@ -4661,7 +4661,7 @@
             <a:pPr rtl="0"/>
             <a:fld id="{7E7F7112-C41D-45A5-B762-BC15064583EE}" type="datetime1">
               <a:rPr lang="de-DE" smtClean="0"/>
-              <a:t>29.11.2020</a:t>
+              <a:t>30.11.2020</a:t>
             </a:fld>
             <a:endParaRPr lang="en-US" dirty="0"/>
           </a:p>
@@ -4994,7 +4994,7 @@
             <a:pPr rtl="0"/>
             <a:fld id="{1CFE5CD5-4320-48E9-85AB-4E68C78D0837}" type="datetime1">
               <a:rPr lang="de-DE" smtClean="0"/>
-              <a:t>29.11.2020</a:t>
+              <a:t>30.11.2020</a:t>
             </a:fld>
             <a:endParaRPr lang="en-US" dirty="0"/>
           </a:p>
@@ -5349,7 +5349,7 @@
             <a:pPr rtl="0"/>
             <a:fld id="{4B989E5A-44CF-486A-A324-E4C01361A073}" type="datetime1">
               <a:rPr lang="de-DE" smtClean="0"/>
-              <a:t>29.11.2020</a:t>
+              <a:t>30.11.2020</a:t>
             </a:fld>
             <a:endParaRPr lang="en-US" dirty="0"/>
           </a:p>
@@ -5613,7 +5613,7 @@
             <a:pPr rtl="0"/>
             <a:fld id="{C5518B76-3D47-40C3-B678-8969E3806FFF}" type="datetime1">
               <a:rPr lang="de-DE" smtClean="0"/>
-              <a:t>29.11.2020</a:t>
+              <a:t>30.11.2020</a:t>
             </a:fld>
             <a:endParaRPr lang="en-US" dirty="0"/>
           </a:p>
@@ -6573,7 +6573,7 @@
                   <a:spcPts val="600"/>
                 </a:spcAft>
               </a:pPr>
-              <a:t>29.11.2020</a:t>
+              <a:t>30.11.2020</a:t>
             </a:fld>
             <a:endParaRPr lang="en-US"/>
           </a:p>
@@ -7102,7 +7102,7 @@
                   <a:spcPts val="600"/>
                 </a:spcAft>
               </a:pPr>
-              <a:t>29.11.2020</a:t>
+              <a:t>30.11.2020</a:t>
             </a:fld>
             <a:endParaRPr lang="en-US"/>
           </a:p>
@@ -7843,7 +7843,7 @@
                   <a:spcPts val="600"/>
                 </a:spcAft>
               </a:pPr>
-              <a:t>29.11.2020</a:t>
+              <a:t>30.11.2020</a:t>
             </a:fld>
             <a:endParaRPr lang="en-US"/>
           </a:p>
@@ -7928,7 +7928,7 @@
         </p:nvSpPr>
         <p:spPr>
           <a:xfrm>
-            <a:off x="5620190" y="232979"/>
+            <a:off x="5620190" y="169184"/>
             <a:ext cx="5928344" cy="6480642"/>
           </a:xfrm>
           <a:prstGeom prst="rect">
@@ -8719,7 +8719,7 @@
                   <a:spcPts val="600"/>
                 </a:spcAft>
               </a:pPr>
-              <a:t>29.11.2020</a:t>
+              <a:t>30.11.2020</a:t>
             </a:fld>
             <a:endParaRPr lang="en-US"/>
           </a:p>
@@ -8807,7 +8807,7 @@
             <a:pPr rtl="0"/>
             <a:fld id="{F9110680-7D80-41F3-804A-113A4CB11D73}" type="datetime1">
               <a:rPr lang="de-DE" smtClean="0"/>
-              <a:t>29.11.2020</a:t>
+              <a:t>30.11.2020</a:t>
             </a:fld>
             <a:endParaRPr lang="en-US" dirty="0"/>
           </a:p>
@@ -9235,7 +9235,7 @@
             <a:pPr rtl="0"/>
             <a:fld id="{F9110680-7D80-41F3-804A-113A4CB11D73}" type="datetime1">
               <a:rPr lang="de-DE" smtClean="0"/>
-              <a:t>29.11.2020</a:t>
+              <a:t>30.11.2020</a:t>
             </a:fld>
             <a:endParaRPr lang="en-US" dirty="0"/>
           </a:p>
@@ -9492,7 +9492,7 @@
             <a:pPr rtl="0"/>
             <a:fld id="{F9110680-7D80-41F3-804A-113A4CB11D73}" type="datetime1">
               <a:rPr lang="de-DE" smtClean="0"/>
-              <a:t>29.11.2020</a:t>
+              <a:t>30.11.2020</a:t>
             </a:fld>
             <a:endParaRPr lang="en-US" dirty="0"/>
           </a:p>
@@ -11147,7 +11147,7 @@
             <a:pPr rtl="0"/>
             <a:fld id="{F9110680-7D80-41F3-804A-113A4CB11D73}" type="datetime1">
               <a:rPr lang="de-DE" smtClean="0"/>
-              <a:t>29.11.2020</a:t>
+              <a:t>30.11.2020</a:t>
             </a:fld>
             <a:endParaRPr lang="en-US" dirty="0"/>
           </a:p>
@@ -11610,7 +11610,7 @@
             <a:pPr rtl="0"/>
             <a:fld id="{F9110680-7D80-41F3-804A-113A4CB11D73}" type="datetime1">
               <a:rPr lang="de-DE" smtClean="0"/>
-              <a:t>29.11.2020</a:t>
+              <a:t>30.11.2020</a:t>
             </a:fld>
             <a:endParaRPr lang="en-US" dirty="0"/>
           </a:p>
@@ -12020,7 +12020,7 @@
             <a:pPr rtl="0"/>
             <a:fld id="{4B989E5A-44CF-486A-A324-E4C01361A073}" type="datetime1">
               <a:rPr lang="de-DE" smtClean="0"/>
-              <a:t>29.11.2020</a:t>
+              <a:t>30.11.2020</a:t>
             </a:fld>
             <a:endParaRPr lang="en-US" dirty="0"/>
           </a:p>
@@ -12573,7 +12573,7 @@
             <a:pPr rtl="0"/>
             <a:fld id="{CA5E3BD6-493E-4773-AC13-EE70A9E3F498}" type="datetime1">
               <a:rPr lang="de-DE" smtClean="0"/>
-              <a:t>29.11.2020</a:t>
+              <a:t>30.11.2020</a:t>
             </a:fld>
             <a:endParaRPr lang="en-US" dirty="0"/>
           </a:p>
@@ -12721,7 +12721,7 @@
                   <a:spcPts val="600"/>
                 </a:spcAft>
               </a:pPr>
-              <a:t>29.11.2020</a:t>
+              <a:t>30.11.2020</a:t>
             </a:fld>
             <a:endParaRPr lang="en-US"/>
           </a:p>
@@ -12926,7 +12926,7 @@
             <a:pPr rtl="0"/>
             <a:fld id="{F9110680-7D80-41F3-804A-113A4CB11D73}" type="datetime1">
               <a:rPr lang="de-DE" smtClean="0"/>
-              <a:t>29.11.2020</a:t>
+              <a:t>30.11.2020</a:t>
             </a:fld>
             <a:endParaRPr lang="en-US" dirty="0"/>
           </a:p>
@@ -13262,7 +13262,7 @@
             <a:pPr rtl="0"/>
             <a:fld id="{F9110680-7D80-41F3-804A-113A4CB11D73}" type="datetime1">
               <a:rPr lang="de-DE" smtClean="0"/>
-              <a:t>29.11.2020</a:t>
+              <a:t>30.11.2020</a:t>
             </a:fld>
             <a:endParaRPr lang="en-US" dirty="0"/>
           </a:p>
@@ -13617,7 +13617,7 @@
                   <a:spcPts val="600"/>
                 </a:spcAft>
               </a:pPr>
-              <a:t>29.11.2020</a:t>
+              <a:t>30.11.2020</a:t>
             </a:fld>
             <a:endParaRPr lang="en-US"/>
           </a:p>
@@ -13903,7 +13903,7 @@
                   <a:spcPts val="600"/>
                 </a:spcAft>
               </a:pPr>
-              <a:t>29.11.2020</a:t>
+              <a:t>30.11.2020</a:t>
             </a:fld>
             <a:endParaRPr lang="en-US"/>
           </a:p>
@@ -14273,7 +14273,7 @@
                   <a:spcPts val="600"/>
                 </a:spcAft>
               </a:pPr>
-              <a:t>29.11.2020</a:t>
+              <a:t>30.11.2020</a:t>
             </a:fld>
             <a:endParaRPr lang="en-US"/>
           </a:p>
